--- a/slides/isc19_intro_to_containers_ajy.pptx
+++ b/slides/isc19_intro_to_containers_ajy.pptx
@@ -4,26 +4,27 @@
   <p:sldMasterIdLst>
     <p:sldMasterId id="2147483673" r:id="rId1"/>
     <p:sldMasterId id="2147483688" r:id="rId2"/>
+    <p:sldMasterId id="2147483703" r:id="rId3"/>
   </p:sldMasterIdLst>
   <p:notesMasterIdLst>
-    <p:notesMasterId r:id="rId18"/>
+    <p:notesMasterId r:id="rId19"/>
   </p:notesMasterIdLst>
   <p:sldIdLst>
-    <p:sldId id="256" r:id="rId3"/>
-    <p:sldId id="291" r:id="rId4"/>
-    <p:sldId id="286" r:id="rId5"/>
-    <p:sldId id="287" r:id="rId6"/>
-    <p:sldId id="292" r:id="rId7"/>
-    <p:sldId id="281" r:id="rId8"/>
-    <p:sldId id="282" r:id="rId9"/>
-    <p:sldId id="259" r:id="rId10"/>
-    <p:sldId id="288" r:id="rId11"/>
-    <p:sldId id="261" r:id="rId12"/>
-    <p:sldId id="289" r:id="rId13"/>
-    <p:sldId id="290" r:id="rId14"/>
-    <p:sldId id="262" r:id="rId15"/>
-    <p:sldId id="263" r:id="rId16"/>
-    <p:sldId id="280" r:id="rId17"/>
+    <p:sldId id="256" r:id="rId4"/>
+    <p:sldId id="291" r:id="rId5"/>
+    <p:sldId id="286" r:id="rId6"/>
+    <p:sldId id="287" r:id="rId7"/>
+    <p:sldId id="292" r:id="rId8"/>
+    <p:sldId id="281" r:id="rId9"/>
+    <p:sldId id="282" r:id="rId10"/>
+    <p:sldId id="259" r:id="rId11"/>
+    <p:sldId id="288" r:id="rId12"/>
+    <p:sldId id="261" r:id="rId13"/>
+    <p:sldId id="289" r:id="rId14"/>
+    <p:sldId id="290" r:id="rId15"/>
+    <p:sldId id="262" r:id="rId16"/>
+    <p:sldId id="263" r:id="rId17"/>
+    <p:sldId id="280" r:id="rId18"/>
   </p:sldIdLst>
   <p:sldSz cx="12192000" cy="6858000"/>
   <p:notesSz cx="6858000" cy="9144000"/>
@@ -212,7 +213,7 @@
           <a:p>
             <a:fld id="{89E96D6E-0423-7341-8D17-96BD8A1BF2C0}" type="datetimeFigureOut">
               <a:rPr lang="en-US" smtClean="0"/>
-              <a:t>3/25/19</a:t>
+              <a:t>6/4/19</a:t>
             </a:fld>
             <a:endParaRPr lang="en-US"/>
           </a:p>
@@ -5347,7 +5348,7 @@
           <a:p>
             <a:fld id="{F46EDD32-319E-1849-AF7B-D687449C9808}" type="datetimeFigureOut">
               <a:rPr lang="en-US" smtClean="0"/>
-              <a:t>3/25/19</a:t>
+              <a:t>6/4/19</a:t>
             </a:fld>
             <a:endParaRPr lang="en-US"/>
           </a:p>
@@ -5572,7 +5573,7 @@
           <a:p>
             <a:fld id="{F46EDD32-319E-1849-AF7B-D687449C9808}" type="datetimeFigureOut">
               <a:rPr lang="en-US" smtClean="0"/>
-              <a:t>3/25/19</a:t>
+              <a:t>6/4/19</a:t>
             </a:fld>
             <a:endParaRPr lang="en-US"/>
           </a:p>
@@ -13699,7 +13700,7 @@
           <a:p>
             <a:fld id="{F46EDD32-319E-1849-AF7B-D687449C9808}" type="datetimeFigureOut">
               <a:rPr lang="en-US" smtClean="0"/>
-              <a:t>3/25/19</a:t>
+              <a:t>6/4/19</a:t>
             </a:fld>
             <a:endParaRPr lang="en-US"/>
           </a:p>
@@ -13894,6 +13895,488 @@
       </p:transition>
     </mc:Fallback>
   </mc:AlternateContent>
+</p:sldLayout>
+</file>
+
+<file path=ppt/slideLayouts/slideLayout29.xml><?xml version="1.0" encoding="utf-8"?>
+<p:sldLayout xmlns:a="http://schemas.openxmlformats.org/drawingml/2006/main" xmlns:r="http://schemas.openxmlformats.org/officeDocument/2006/relationships" xmlns:p="http://schemas.openxmlformats.org/presentationml/2006/main" showMasterSp="0" preserve="1">
+  <p:cSld name="7_Title Slide">
+    <p:spTree>
+      <p:nvGrpSpPr>
+        <p:cNvPr id="1" name=""/>
+        <p:cNvGrpSpPr/>
+        <p:nvPr/>
+      </p:nvGrpSpPr>
+      <p:grpSpPr>
+        <a:xfrm>
+          <a:off x="0" y="0"/>
+          <a:ext cx="0" cy="0"/>
+          <a:chOff x="0" y="0"/>
+          <a:chExt cx="0" cy="0"/>
+        </a:xfrm>
+      </p:grpSpPr>
+      <p:sp>
+        <p:nvSpPr>
+          <p:cNvPr id="4" name="Rectangle 3">
+            <a:extLst>
+              <a:ext uri="{FF2B5EF4-FFF2-40B4-BE49-F238E27FC236}">
+                <a16:creationId xmlns="" xmlns:a16="http://schemas.microsoft.com/office/drawing/2014/main" id="{2E2177C6-060C-4445-8C10-ADA6D3CE5F74}"/>
+              </a:ext>
+            </a:extLst>
+          </p:cNvPr>
+          <p:cNvSpPr/>
+          <p:nvPr/>
+        </p:nvSpPr>
+        <p:spPr>
+          <a:xfrm>
+            <a:off x="1" y="6186396"/>
+            <a:ext cx="12192000" cy="671604"/>
+          </a:xfrm>
+          <a:prstGeom prst="rect">
+            <a:avLst/>
+          </a:prstGeom>
+          <a:solidFill>
+            <a:schemeClr val="accent1">
+              <a:lumMod val="75000"/>
+            </a:schemeClr>
+          </a:solidFill>
+          <a:ln>
+            <a:noFill/>
+          </a:ln>
+          <a:effectLst/>
+          <a:scene3d>
+            <a:camera prst="orthographicFront">
+              <a:rot lat="0" lon="0" rev="0"/>
+            </a:camera>
+            <a:lightRig rig="threePt" dir="t">
+              <a:rot lat="0" lon="0" rev="1200000"/>
+            </a:lightRig>
+          </a:scene3d>
+          <a:sp3d/>
+        </p:spPr>
+        <p:style>
+          <a:lnRef idx="0">
+            <a:schemeClr val="accent1"/>
+          </a:lnRef>
+          <a:fillRef idx="3">
+            <a:schemeClr val="accent1"/>
+          </a:fillRef>
+          <a:effectRef idx="3">
+            <a:schemeClr val="accent1"/>
+          </a:effectRef>
+          <a:fontRef idx="minor">
+            <a:schemeClr val="lt1"/>
+          </a:fontRef>
+        </p:style>
+        <p:txBody>
+          <a:bodyPr rot="0" spcFirstLastPara="0" vertOverflow="overflow" horzOverflow="overflow" vert="horz" wrap="square" lIns="548640" tIns="45720" rIns="45720" bIns="45720" numCol="1" spcCol="0" rtlCol="0" fromWordArt="0" anchor="ctr" anchorCtr="0" forceAA="0" compatLnSpc="1">
+            <a:prstTxWarp prst="textNoShape">
+              <a:avLst/>
+            </a:prstTxWarp>
+            <a:noAutofit/>
+          </a:bodyPr>
+          <a:lstStyle/>
+          <a:p>
+            <a:pPr algn="l">
+              <a:lnSpc>
+                <a:spcPct val="90000"/>
+              </a:lnSpc>
+            </a:pPr>
+            <a:r>
+              <a:rPr lang="en-US" sz="1600" dirty="0">
+                <a:ln>
+                  <a:noFill/>
+                </a:ln>
+                <a:solidFill>
+                  <a:schemeClr val="bg1"/>
+                </a:solidFill>
+              </a:rPr>
+              <a:t>exascaleproject.org</a:t>
+            </a:r>
+          </a:p>
+        </p:txBody>
+      </p:sp>
+      <p:sp>
+        <p:nvSpPr>
+          <p:cNvPr id="22" name="Rectangle 21"/>
+          <p:cNvSpPr/>
+          <p:nvPr/>
+        </p:nvSpPr>
+        <p:spPr>
+          <a:xfrm>
+            <a:off x="8307964" y="5921830"/>
+            <a:ext cx="3884036" cy="936171"/>
+          </a:xfrm>
+          <a:prstGeom prst="rect">
+            <a:avLst/>
+          </a:prstGeom>
+          <a:noFill/>
+          <a:ln>
+            <a:noFill/>
+          </a:ln>
+          <a:effectLst/>
+          <a:scene3d>
+            <a:camera prst="orthographicFront">
+              <a:rot lat="0" lon="0" rev="0"/>
+            </a:camera>
+            <a:lightRig rig="threePt" dir="t">
+              <a:rot lat="0" lon="0" rev="1200000"/>
+            </a:lightRig>
+          </a:scene3d>
+          <a:sp3d/>
+        </p:spPr>
+        <p:style>
+          <a:lnRef idx="0">
+            <a:schemeClr val="accent1"/>
+          </a:lnRef>
+          <a:fillRef idx="3">
+            <a:schemeClr val="accent1"/>
+          </a:fillRef>
+          <a:effectRef idx="3">
+            <a:schemeClr val="accent1"/>
+          </a:effectRef>
+          <a:fontRef idx="minor">
+            <a:schemeClr val="lt1"/>
+          </a:fontRef>
+        </p:style>
+        <p:txBody>
+          <a:bodyPr rot="0" spcFirstLastPara="0" vertOverflow="overflow" horzOverflow="overflow" vert="horz" wrap="square" lIns="45720" tIns="45720" rIns="45720" bIns="45720" numCol="1" spcCol="0" rtlCol="0" fromWordArt="0" anchor="ctr" anchorCtr="0" forceAA="0" compatLnSpc="1">
+            <a:prstTxWarp prst="textNoShape">
+              <a:avLst/>
+            </a:prstTxWarp>
+            <a:noAutofit/>
+          </a:bodyPr>
+          <a:lstStyle/>
+          <a:p>
+            <a:pPr algn="ctr">
+              <a:lnSpc>
+                <a:spcPct val="90000"/>
+              </a:lnSpc>
+            </a:pPr>
+            <a:endParaRPr lang="en-US" sz="1800" dirty="0">
+              <a:solidFill>
+                <a:schemeClr val="tx1"/>
+              </a:solidFill>
+            </a:endParaRPr>
+          </a:p>
+        </p:txBody>
+      </p:sp>
+      <p:sp>
+        <p:nvSpPr>
+          <p:cNvPr id="2" name="Title 1"/>
+          <p:cNvSpPr>
+            <a:spLocks noGrp="1"/>
+          </p:cNvSpPr>
+          <p:nvPr>
+            <p:ph type="ctrTitle"/>
+          </p:nvPr>
+        </p:nvSpPr>
+        <p:spPr>
+          <a:xfrm>
+            <a:off x="3178461" y="503144"/>
+            <a:ext cx="8294476" cy="1030930"/>
+          </a:xfrm>
+        </p:spPr>
+        <p:txBody>
+          <a:bodyPr anchor="b"/>
+          <a:lstStyle>
+            <a:lvl1pPr algn="l">
+              <a:defRPr sz="3200" b="1">
+                <a:solidFill>
+                  <a:schemeClr val="tx1"/>
+                </a:solidFill>
+                <a:latin typeface="+mn-lt"/>
+              </a:defRPr>
+            </a:lvl1pPr>
+          </a:lstStyle>
+          <a:p>
+            <a:r>
+              <a:rPr lang="en-US" smtClean="0"/>
+              <a:t>Click to edit Master title style</a:t>
+            </a:r>
+            <a:endParaRPr lang="en-US" dirty="0"/>
+          </a:p>
+        </p:txBody>
+      </p:sp>
+      <p:sp>
+        <p:nvSpPr>
+          <p:cNvPr id="3" name="Subtitle 2"/>
+          <p:cNvSpPr>
+            <a:spLocks noGrp="1"/>
+          </p:cNvSpPr>
+          <p:nvPr>
+            <p:ph type="subTitle" idx="1"/>
+          </p:nvPr>
+        </p:nvSpPr>
+        <p:spPr>
+          <a:xfrm>
+            <a:off x="3178460" y="2085962"/>
+            <a:ext cx="8294477" cy="2855300"/>
+          </a:xfrm>
+        </p:spPr>
+        <p:txBody>
+          <a:bodyPr lIns="109728"/>
+          <a:lstStyle>
+            <a:lvl1pPr marL="0" indent="0" algn="l">
+              <a:buNone/>
+              <a:defRPr sz="2400">
+                <a:solidFill>
+                  <a:schemeClr val="tx1"/>
+                </a:solidFill>
+                <a:latin typeface="Arial" panose="020B0604020202020204" pitchFamily="34" charset="0"/>
+                <a:cs typeface="Arial" panose="020B0604020202020204" pitchFamily="34" charset="0"/>
+              </a:defRPr>
+            </a:lvl1pPr>
+            <a:lvl2pPr marL="457200" indent="0" algn="ctr">
+              <a:buNone/>
+              <a:defRPr>
+                <a:solidFill>
+                  <a:schemeClr val="tx1">
+                    <a:tint val="75000"/>
+                  </a:schemeClr>
+                </a:solidFill>
+              </a:defRPr>
+            </a:lvl2pPr>
+            <a:lvl3pPr marL="914400" indent="0" algn="ctr">
+              <a:buNone/>
+              <a:defRPr>
+                <a:solidFill>
+                  <a:schemeClr val="tx1">
+                    <a:tint val="75000"/>
+                  </a:schemeClr>
+                </a:solidFill>
+              </a:defRPr>
+            </a:lvl3pPr>
+            <a:lvl4pPr marL="1371600" indent="0" algn="ctr">
+              <a:buNone/>
+              <a:defRPr>
+                <a:solidFill>
+                  <a:schemeClr val="tx1">
+                    <a:tint val="75000"/>
+                  </a:schemeClr>
+                </a:solidFill>
+              </a:defRPr>
+            </a:lvl4pPr>
+            <a:lvl5pPr marL="1828800" indent="0" algn="ctr">
+              <a:buNone/>
+              <a:defRPr>
+                <a:solidFill>
+                  <a:schemeClr val="tx1">
+                    <a:tint val="75000"/>
+                  </a:schemeClr>
+                </a:solidFill>
+              </a:defRPr>
+            </a:lvl5pPr>
+            <a:lvl6pPr marL="2286000" indent="0" algn="ctr">
+              <a:buNone/>
+              <a:defRPr>
+                <a:solidFill>
+                  <a:schemeClr val="tx1">
+                    <a:tint val="75000"/>
+                  </a:schemeClr>
+                </a:solidFill>
+              </a:defRPr>
+            </a:lvl6pPr>
+            <a:lvl7pPr marL="2743200" indent="0" algn="ctr">
+              <a:buNone/>
+              <a:defRPr>
+                <a:solidFill>
+                  <a:schemeClr val="tx1">
+                    <a:tint val="75000"/>
+                  </a:schemeClr>
+                </a:solidFill>
+              </a:defRPr>
+            </a:lvl7pPr>
+            <a:lvl8pPr marL="3200400" indent="0" algn="ctr">
+              <a:buNone/>
+              <a:defRPr>
+                <a:solidFill>
+                  <a:schemeClr val="tx1">
+                    <a:tint val="75000"/>
+                  </a:schemeClr>
+                </a:solidFill>
+              </a:defRPr>
+            </a:lvl8pPr>
+            <a:lvl9pPr marL="3657600" indent="0" algn="ctr">
+              <a:buNone/>
+              <a:defRPr>
+                <a:solidFill>
+                  <a:schemeClr val="tx1">
+                    <a:tint val="75000"/>
+                  </a:schemeClr>
+                </a:solidFill>
+              </a:defRPr>
+            </a:lvl9pPr>
+          </a:lstStyle>
+          <a:p>
+            <a:r>
+              <a:rPr lang="en-US" smtClean="0"/>
+              <a:t>Click to edit Master subtitle style</a:t>
+            </a:r>
+            <a:endParaRPr lang="en-US" dirty="0"/>
+          </a:p>
+        </p:txBody>
+      </p:sp>
+      <p:pic>
+        <p:nvPicPr>
+          <p:cNvPr id="12" name="Picture 11"/>
+          <p:cNvPicPr>
+            <a:picLocks noChangeAspect="1"/>
+          </p:cNvPicPr>
+          <p:nvPr/>
+        </p:nvPicPr>
+        <p:blipFill>
+          <a:blip r:embed="rId2" cstate="print">
+            <a:extLst>
+              <a:ext uri="{28A0092B-C50C-407E-A947-70E740481C1C}">
+                <a14:useLocalDpi xmlns:a14="http://schemas.microsoft.com/office/drawing/2010/main" val="0"/>
+              </a:ext>
+            </a:extLst>
+          </a:blip>
+          <a:stretch>
+            <a:fillRect/>
+          </a:stretch>
+        </p:blipFill>
+        <p:spPr>
+          <a:xfrm>
+            <a:off x="360734" y="483164"/>
+            <a:ext cx="2051374" cy="935496"/>
+          </a:xfrm>
+          <a:prstGeom prst="rect">
+            <a:avLst/>
+          </a:prstGeom>
+        </p:spPr>
+      </p:pic>
+      <p:pic>
+        <p:nvPicPr>
+          <p:cNvPr id="16" name="Picture 15"/>
+          <p:cNvPicPr>
+            <a:picLocks noChangeAspect="1"/>
+          </p:cNvPicPr>
+          <p:nvPr/>
+        </p:nvPicPr>
+        <p:blipFill>
+          <a:blip r:embed="rId3" cstate="print">
+            <a:extLst>
+              <a:ext uri="{BEBA8EAE-BF5A-486C-A8C5-ECC9F3942E4B}">
+                <a14:imgProps xmlns:a14="http://schemas.microsoft.com/office/drawing/2010/main">
+                  <a14:imgLayer r:embed="rId4">
+                    <a14:imgEffect>
+                      <a14:brightnessContrast bright="100000"/>
+                    </a14:imgEffect>
+                  </a14:imgLayer>
+                </a14:imgProps>
+              </a:ext>
+              <a:ext uri="{28A0092B-C50C-407E-A947-70E740481C1C}">
+                <a14:useLocalDpi xmlns:a14="http://schemas.microsoft.com/office/drawing/2010/main" val="0"/>
+              </a:ext>
+            </a:extLst>
+          </a:blip>
+          <a:stretch>
+            <a:fillRect/>
+          </a:stretch>
+        </p:blipFill>
+        <p:spPr>
+          <a:xfrm>
+            <a:off x="7291820" y="6322747"/>
+            <a:ext cx="2410105" cy="401008"/>
+          </a:xfrm>
+          <a:prstGeom prst="rect">
+            <a:avLst/>
+          </a:prstGeom>
+        </p:spPr>
+      </p:pic>
+      <p:pic>
+        <p:nvPicPr>
+          <p:cNvPr id="17" name="Picture 16"/>
+          <p:cNvPicPr>
+            <a:picLocks noChangeAspect="1"/>
+          </p:cNvPicPr>
+          <p:nvPr/>
+        </p:nvPicPr>
+        <p:blipFill rotWithShape="1">
+          <a:blip r:embed="rId5" cstate="print">
+            <a:extLst>
+              <a:ext uri="{BEBA8EAE-BF5A-486C-A8C5-ECC9F3942E4B}">
+                <a14:imgProps xmlns:a14="http://schemas.microsoft.com/office/drawing/2010/main">
+                  <a14:imgLayer r:embed="rId6">
+                    <a14:imgEffect>
+                      <a14:brightnessContrast bright="100000"/>
+                    </a14:imgEffect>
+                  </a14:imgLayer>
+                </a14:imgProps>
+              </a:ext>
+              <a:ext uri="{28A0092B-C50C-407E-A947-70E740481C1C}">
+                <a14:useLocalDpi xmlns:a14="http://schemas.microsoft.com/office/drawing/2010/main" val="0"/>
+              </a:ext>
+            </a:extLst>
+          </a:blip>
+          <a:srcRect b="70693"/>
+          <a:stretch/>
+        </p:blipFill>
+        <p:spPr>
+          <a:xfrm>
+            <a:off x="10207180" y="6307741"/>
+            <a:ext cx="1367897" cy="428915"/>
+          </a:xfrm>
+          <a:prstGeom prst="rect">
+            <a:avLst/>
+          </a:prstGeom>
+        </p:spPr>
+      </p:pic>
+      <p:pic>
+        <p:nvPicPr>
+          <p:cNvPr id="11" name="Picture 10">
+            <a:extLst>
+              <a:ext uri="{FF2B5EF4-FFF2-40B4-BE49-F238E27FC236}">
+                <a16:creationId xmlns="" xmlns:a16="http://schemas.microsoft.com/office/drawing/2014/main" id="{FEB516F4-C09A-4E83-A0F1-168C638F25AA}"/>
+              </a:ext>
+            </a:extLst>
+          </p:cNvPr>
+          <p:cNvPicPr>
+            <a:picLocks noChangeAspect="1"/>
+          </p:cNvPicPr>
+          <p:nvPr/>
+        </p:nvPicPr>
+        <p:blipFill rotWithShape="1">
+          <a:blip r:embed="rId7">
+            <a:extLst>
+              <a:ext uri="{28A0092B-C50C-407E-A947-70E740481C1C}">
+                <a14:useLocalDpi xmlns:a14="http://schemas.microsoft.com/office/drawing/2010/main" val="0"/>
+              </a:ext>
+            </a:extLst>
+          </a:blip>
+          <a:srcRect r="58932" b="1495"/>
+          <a:stretch/>
+        </p:blipFill>
+        <p:spPr>
+          <a:xfrm rot="10800000">
+            <a:off x="0" y="1572768"/>
+            <a:ext cx="2853708" cy="4078297"/>
+          </a:xfrm>
+          <a:prstGeom prst="rect">
+            <a:avLst/>
+          </a:prstGeom>
+        </p:spPr>
+      </p:pic>
+    </p:spTree>
+    <p:extLst/>
+  </p:cSld>
+  <p:clrMapOvr>
+    <a:masterClrMapping/>
+  </p:clrMapOvr>
+  <p:timing>
+    <p:tnLst>
+      <p:par>
+        <p:cTn id="1" dur="indefinite" restart="never" nodeType="tmRoot"/>
+      </p:par>
+    </p:tnLst>
+  </p:timing>
+  <p:extLst>
+    <p:ext uri="{DCECCB84-F9BA-43D5-87BE-67443E8EF086}">
+      <p15:sldGuideLst xmlns:p15="http://schemas.microsoft.com/office/powerpoint/2012/main"/>
+    </p:ext>
+  </p:extLst>
 </p:sldLayout>
 </file>
 
@@ -14063,6 +14546,2082 @@
   <p:clrMapOvr>
     <a:masterClrMapping/>
   </p:clrMapOvr>
+</p:sldLayout>
+</file>
+
+<file path=ppt/slideLayouts/slideLayout30.xml><?xml version="1.0" encoding="utf-8"?>
+<p:sldLayout xmlns:a="http://schemas.openxmlformats.org/drawingml/2006/main" xmlns:r="http://schemas.openxmlformats.org/officeDocument/2006/relationships" xmlns:p="http://schemas.openxmlformats.org/presentationml/2006/main" type="obj" preserve="1">
+  <p:cSld name="Title and Content">
+    <p:bg>
+      <p:bgPr>
+        <a:solidFill>
+          <a:schemeClr val="bg1"/>
+        </a:solidFill>
+        <a:effectLst/>
+      </p:bgPr>
+    </p:bg>
+    <p:spTree>
+      <p:nvGrpSpPr>
+        <p:cNvPr id="1" name=""/>
+        <p:cNvGrpSpPr/>
+        <p:nvPr/>
+      </p:nvGrpSpPr>
+      <p:grpSpPr>
+        <a:xfrm>
+          <a:off x="0" y="0"/>
+          <a:ext cx="0" cy="0"/>
+          <a:chOff x="0" y="0"/>
+          <a:chExt cx="0" cy="0"/>
+        </a:xfrm>
+      </p:grpSpPr>
+      <p:sp>
+        <p:nvSpPr>
+          <p:cNvPr id="2" name="Title 1"/>
+          <p:cNvSpPr>
+            <a:spLocks noGrp="1"/>
+          </p:cNvSpPr>
+          <p:nvPr>
+            <p:ph type="title"/>
+          </p:nvPr>
+        </p:nvSpPr>
+        <p:spPr>
+          <a:xfrm>
+            <a:off x="365856" y="411480"/>
+            <a:ext cx="11375435" cy="914400"/>
+          </a:xfrm>
+        </p:spPr>
+        <p:txBody>
+          <a:bodyPr anchor="t" anchorCtr="0"/>
+          <a:lstStyle/>
+          <a:p>
+            <a:r>
+              <a:rPr lang="en-US" smtClean="0"/>
+              <a:t>Click to edit Master title style</a:t>
+            </a:r>
+            <a:endParaRPr lang="en-US" dirty="0"/>
+          </a:p>
+        </p:txBody>
+      </p:sp>
+      <p:sp>
+        <p:nvSpPr>
+          <p:cNvPr id="3" name="Content Placeholder 2"/>
+          <p:cNvSpPr>
+            <a:spLocks noGrp="1"/>
+          </p:cNvSpPr>
+          <p:nvPr>
+            <p:ph idx="1" hasCustomPrompt="1"/>
+          </p:nvPr>
+        </p:nvSpPr>
+        <p:spPr>
+          <a:xfrm>
+            <a:off x="365856" y="1737360"/>
+            <a:ext cx="11372771" cy="4047778"/>
+          </a:xfrm>
+        </p:spPr>
+        <p:txBody>
+          <a:bodyPr/>
+          <a:lstStyle>
+            <a:lvl1pPr>
+              <a:defRPr>
+                <a:latin typeface="Arial" panose="020B0604020202020204" pitchFamily="34" charset="0"/>
+                <a:cs typeface="Arial" panose="020B0604020202020204" pitchFamily="34" charset="0"/>
+              </a:defRPr>
+            </a:lvl1pPr>
+            <a:lvl2pPr>
+              <a:defRPr>
+                <a:latin typeface="Arial" panose="020B0604020202020204" pitchFamily="34" charset="0"/>
+                <a:cs typeface="Arial" panose="020B0604020202020204" pitchFamily="34" charset="0"/>
+              </a:defRPr>
+            </a:lvl2pPr>
+            <a:lvl3pPr>
+              <a:defRPr>
+                <a:latin typeface="Arial" panose="020B0604020202020204" pitchFamily="34" charset="0"/>
+                <a:cs typeface="Arial" panose="020B0604020202020204" pitchFamily="34" charset="0"/>
+              </a:defRPr>
+            </a:lvl3pPr>
+            <a:lvl4pPr>
+              <a:defRPr>
+                <a:latin typeface="Arial" panose="020B0604020202020204" pitchFamily="34" charset="0"/>
+                <a:cs typeface="Arial" panose="020B0604020202020204" pitchFamily="34" charset="0"/>
+              </a:defRPr>
+            </a:lvl4pPr>
+            <a:lvl5pPr marL="1482725" indent="-222250">
+              <a:buFont typeface="Arial" panose="020B0604020202020204" pitchFamily="34" charset="0"/>
+              <a:buChar char="•"/>
+              <a:defRPr>
+                <a:latin typeface="Arial" panose="020B0604020202020204" pitchFamily="34" charset="0"/>
+                <a:cs typeface="Arial" panose="020B0604020202020204" pitchFamily="34" charset="0"/>
+              </a:defRPr>
+            </a:lvl5pPr>
+          </a:lstStyle>
+          <a:p>
+            <a:pPr lvl="0"/>
+            <a:r>
+              <a:rPr lang="en-US" dirty="0"/>
+              <a:t>Click to edit Master text styles</a:t>
+            </a:r>
+          </a:p>
+          <a:p>
+            <a:pPr lvl="1"/>
+            <a:r>
+              <a:rPr lang="en-US" dirty="0"/>
+              <a:t>Second level</a:t>
+            </a:r>
+          </a:p>
+          <a:p>
+            <a:pPr lvl="2"/>
+            <a:r>
+              <a:rPr lang="en-US" dirty="0"/>
+              <a:t>Third level</a:t>
+            </a:r>
+          </a:p>
+          <a:p>
+            <a:pPr lvl="3"/>
+            <a:r>
+              <a:rPr lang="en-US" dirty="0"/>
+              <a:t>Fourth level</a:t>
+            </a:r>
+          </a:p>
+          <a:p>
+            <a:pPr lvl="4"/>
+            <a:r>
+              <a:rPr lang="en-US" dirty="0"/>
+              <a:t>Fifth level0.4	</a:t>
+            </a:r>
+          </a:p>
+        </p:txBody>
+      </p:sp>
+    </p:spTree>
+    <p:extLst/>
+  </p:cSld>
+  <p:clrMapOvr>
+    <a:masterClrMapping/>
+  </p:clrMapOvr>
+</p:sldLayout>
+</file>
+
+<file path=ppt/slideLayouts/slideLayout31.xml><?xml version="1.0" encoding="utf-8"?>
+<p:sldLayout xmlns:a="http://schemas.openxmlformats.org/drawingml/2006/main" xmlns:r="http://schemas.openxmlformats.org/officeDocument/2006/relationships" xmlns:p="http://schemas.openxmlformats.org/presentationml/2006/main" type="twoTxTwoObj" preserve="1">
+  <p:cSld name="Comparison">
+    <p:spTree>
+      <p:nvGrpSpPr>
+        <p:cNvPr id="1" name=""/>
+        <p:cNvGrpSpPr/>
+        <p:nvPr/>
+      </p:nvGrpSpPr>
+      <p:grpSpPr>
+        <a:xfrm>
+          <a:off x="0" y="0"/>
+          <a:ext cx="0" cy="0"/>
+          <a:chOff x="0" y="0"/>
+          <a:chExt cx="0" cy="0"/>
+        </a:xfrm>
+      </p:grpSpPr>
+      <p:sp>
+        <p:nvSpPr>
+          <p:cNvPr id="2" name="Title 1"/>
+          <p:cNvSpPr>
+            <a:spLocks noGrp="1"/>
+          </p:cNvSpPr>
+          <p:nvPr>
+            <p:ph type="title"/>
+          </p:nvPr>
+        </p:nvSpPr>
+        <p:spPr>
+          <a:xfrm>
+            <a:off x="365855" y="411480"/>
+            <a:ext cx="11378099" cy="914400"/>
+          </a:xfrm>
+        </p:spPr>
+        <p:txBody>
+          <a:bodyPr/>
+          <a:lstStyle>
+            <a:lvl1pPr>
+              <a:defRPr/>
+            </a:lvl1pPr>
+          </a:lstStyle>
+          <a:p>
+            <a:r>
+              <a:rPr lang="en-US" smtClean="0"/>
+              <a:t>Click to edit Master title style</a:t>
+            </a:r>
+            <a:endParaRPr lang="en-US" dirty="0"/>
+          </a:p>
+        </p:txBody>
+      </p:sp>
+      <p:sp>
+        <p:nvSpPr>
+          <p:cNvPr id="3" name="Text Placeholder 2"/>
+          <p:cNvSpPr>
+            <a:spLocks noGrp="1"/>
+          </p:cNvSpPr>
+          <p:nvPr>
+            <p:ph type="body" idx="1" hasCustomPrompt="1"/>
+          </p:nvPr>
+        </p:nvSpPr>
+        <p:spPr>
+          <a:xfrm>
+            <a:off x="457319" y="1737360"/>
+            <a:ext cx="5590038" cy="821190"/>
+          </a:xfrm>
+          <a:solidFill>
+            <a:schemeClr val="accent1">
+              <a:lumMod val="40000"/>
+              <a:lumOff val="60000"/>
+            </a:schemeClr>
+          </a:solidFill>
+          <a:ln w="19050">
+            <a:solidFill>
+              <a:schemeClr val="tx2">
+                <a:lumMod val="60000"/>
+                <a:lumOff val="40000"/>
+              </a:schemeClr>
+            </a:solidFill>
+          </a:ln>
+        </p:spPr>
+        <p:txBody>
+          <a:bodyPr anchor="b"/>
+          <a:lstStyle>
+            <a:lvl1pPr marL="0" indent="0">
+              <a:buNone/>
+              <a:defRPr sz="2000" b="1">
+                <a:solidFill>
+                  <a:schemeClr val="tx2"/>
+                </a:solidFill>
+              </a:defRPr>
+            </a:lvl1pPr>
+            <a:lvl2pPr marL="457200" indent="0">
+              <a:buNone/>
+              <a:defRPr sz="2000" b="1"/>
+            </a:lvl2pPr>
+            <a:lvl3pPr marL="914400" indent="0">
+              <a:buNone/>
+              <a:defRPr sz="1800" b="1"/>
+            </a:lvl3pPr>
+            <a:lvl4pPr marL="1371600" indent="0">
+              <a:buNone/>
+              <a:defRPr sz="1600" b="1"/>
+            </a:lvl4pPr>
+            <a:lvl5pPr marL="1828800" indent="0">
+              <a:buNone/>
+              <a:defRPr sz="1600" b="1"/>
+            </a:lvl5pPr>
+            <a:lvl6pPr marL="2286000" indent="0">
+              <a:buNone/>
+              <a:defRPr sz="1600" b="1"/>
+            </a:lvl6pPr>
+            <a:lvl7pPr marL="2743200" indent="0">
+              <a:buNone/>
+              <a:defRPr sz="1600" b="1"/>
+            </a:lvl7pPr>
+            <a:lvl8pPr marL="3200400" indent="0">
+              <a:buNone/>
+              <a:defRPr sz="1600" b="1"/>
+            </a:lvl8pPr>
+            <a:lvl9pPr marL="3657600" indent="0">
+              <a:buNone/>
+              <a:defRPr sz="1600" b="1"/>
+            </a:lvl9pPr>
+          </a:lstStyle>
+          <a:p>
+            <a:pPr lvl="0"/>
+            <a:r>
+              <a:rPr lang="en-US" dirty="0"/>
+              <a:t>Click to edit Master text styles</a:t>
+            </a:r>
+          </a:p>
+        </p:txBody>
+      </p:sp>
+      <p:sp>
+        <p:nvSpPr>
+          <p:cNvPr id="4" name="Content Placeholder 3"/>
+          <p:cNvSpPr>
+            <a:spLocks noGrp="1"/>
+          </p:cNvSpPr>
+          <p:nvPr>
+            <p:ph sz="half" idx="2"/>
+          </p:nvPr>
+        </p:nvSpPr>
+        <p:spPr>
+          <a:xfrm>
+            <a:off x="457319" y="2558551"/>
+            <a:ext cx="5590038" cy="3373229"/>
+          </a:xfrm>
+          <a:noFill/>
+          <a:ln w="19050">
+            <a:gradFill flip="none" rotWithShape="1">
+              <a:gsLst>
+                <a:gs pos="0">
+                  <a:schemeClr val="bg1">
+                    <a:alpha val="0"/>
+                  </a:schemeClr>
+                </a:gs>
+                <a:gs pos="74000">
+                  <a:schemeClr val="accent1">
+                    <a:lumMod val="45000"/>
+                    <a:lumOff val="55000"/>
+                  </a:schemeClr>
+                </a:gs>
+                <a:gs pos="83000">
+                  <a:schemeClr val="accent1">
+                    <a:lumMod val="45000"/>
+                    <a:lumOff val="55000"/>
+                  </a:schemeClr>
+                </a:gs>
+                <a:gs pos="100000">
+                  <a:schemeClr val="accent1">
+                    <a:lumMod val="30000"/>
+                    <a:lumOff val="70000"/>
+                  </a:schemeClr>
+                </a:gs>
+              </a:gsLst>
+              <a:lin ang="16200000" scaled="1"/>
+              <a:tileRect/>
+            </a:gradFill>
+          </a:ln>
+        </p:spPr>
+        <p:txBody>
+          <a:bodyPr/>
+          <a:lstStyle>
+            <a:lvl1pPr>
+              <a:defRPr sz="2000"/>
+            </a:lvl1pPr>
+            <a:lvl2pPr>
+              <a:defRPr sz="1800"/>
+            </a:lvl2pPr>
+            <a:lvl3pPr>
+              <a:defRPr sz="1600"/>
+            </a:lvl3pPr>
+            <a:lvl4pPr>
+              <a:defRPr sz="1400"/>
+            </a:lvl4pPr>
+            <a:lvl5pPr marL="1482725" indent="-222250">
+              <a:buFont typeface="Arial" panose="020B0604020202020204" pitchFamily="34" charset="0"/>
+              <a:buChar char="•"/>
+              <a:defRPr sz="1600"/>
+            </a:lvl5pPr>
+            <a:lvl6pPr>
+              <a:defRPr sz="1600"/>
+            </a:lvl6pPr>
+            <a:lvl7pPr>
+              <a:defRPr sz="1600"/>
+            </a:lvl7pPr>
+            <a:lvl8pPr>
+              <a:defRPr sz="1600"/>
+            </a:lvl8pPr>
+            <a:lvl9pPr>
+              <a:defRPr sz="1600"/>
+            </a:lvl9pPr>
+          </a:lstStyle>
+          <a:p>
+            <a:pPr lvl="0"/>
+            <a:r>
+              <a:rPr lang="en-US" smtClean="0"/>
+              <a:t>Click to edit Master text styles</a:t>
+            </a:r>
+          </a:p>
+          <a:p>
+            <a:pPr lvl="1"/>
+            <a:r>
+              <a:rPr lang="en-US" smtClean="0"/>
+              <a:t>Second level</a:t>
+            </a:r>
+          </a:p>
+          <a:p>
+            <a:pPr lvl="2"/>
+            <a:r>
+              <a:rPr lang="en-US" smtClean="0"/>
+              <a:t>Third level</a:t>
+            </a:r>
+          </a:p>
+          <a:p>
+            <a:pPr lvl="3"/>
+            <a:r>
+              <a:rPr lang="en-US" smtClean="0"/>
+              <a:t>Fourth level</a:t>
+            </a:r>
+          </a:p>
+          <a:p>
+            <a:pPr lvl="4"/>
+            <a:r>
+              <a:rPr lang="en-US" smtClean="0"/>
+              <a:t>Fifth level</a:t>
+            </a:r>
+            <a:endParaRPr lang="en-US" dirty="0"/>
+          </a:p>
+        </p:txBody>
+      </p:sp>
+      <p:sp>
+        <p:nvSpPr>
+          <p:cNvPr id="5" name="Text Placeholder 4"/>
+          <p:cNvSpPr>
+            <a:spLocks noGrp="1"/>
+          </p:cNvSpPr>
+          <p:nvPr>
+            <p:ph type="body" sz="quarter" idx="3"/>
+          </p:nvPr>
+        </p:nvSpPr>
+        <p:spPr>
+          <a:xfrm>
+            <a:off x="6220534" y="1737360"/>
+            <a:ext cx="5533375" cy="821190"/>
+          </a:xfrm>
+          <a:solidFill>
+            <a:schemeClr val="accent1">
+              <a:lumMod val="40000"/>
+              <a:lumOff val="60000"/>
+            </a:schemeClr>
+          </a:solidFill>
+          <a:ln w="19050">
+            <a:solidFill>
+              <a:schemeClr val="tx2">
+                <a:lumMod val="60000"/>
+                <a:lumOff val="40000"/>
+              </a:schemeClr>
+            </a:solidFill>
+          </a:ln>
+        </p:spPr>
+        <p:txBody>
+          <a:bodyPr anchor="b"/>
+          <a:lstStyle>
+            <a:lvl1pPr marL="0" indent="0">
+              <a:buNone/>
+              <a:defRPr sz="2000" b="1">
+                <a:solidFill>
+                  <a:schemeClr val="tx2"/>
+                </a:solidFill>
+              </a:defRPr>
+            </a:lvl1pPr>
+            <a:lvl2pPr marL="457200" indent="0">
+              <a:buNone/>
+              <a:defRPr sz="2000" b="1"/>
+            </a:lvl2pPr>
+            <a:lvl3pPr marL="914400" indent="0">
+              <a:buNone/>
+              <a:defRPr sz="1800" b="1"/>
+            </a:lvl3pPr>
+            <a:lvl4pPr marL="1371600" indent="0">
+              <a:buNone/>
+              <a:defRPr sz="1600" b="1"/>
+            </a:lvl4pPr>
+            <a:lvl5pPr marL="1828800" indent="0">
+              <a:buNone/>
+              <a:defRPr sz="1600" b="1"/>
+            </a:lvl5pPr>
+            <a:lvl6pPr marL="2286000" indent="0">
+              <a:buNone/>
+              <a:defRPr sz="1600" b="1"/>
+            </a:lvl6pPr>
+            <a:lvl7pPr marL="2743200" indent="0">
+              <a:buNone/>
+              <a:defRPr sz="1600" b="1"/>
+            </a:lvl7pPr>
+            <a:lvl8pPr marL="3200400" indent="0">
+              <a:buNone/>
+              <a:defRPr sz="1600" b="1"/>
+            </a:lvl8pPr>
+            <a:lvl9pPr marL="3657600" indent="0">
+              <a:buNone/>
+              <a:defRPr sz="1600" b="1"/>
+            </a:lvl9pPr>
+          </a:lstStyle>
+          <a:p>
+            <a:pPr lvl="0"/>
+            <a:r>
+              <a:rPr lang="en-US" smtClean="0"/>
+              <a:t>Click to edit Master text styles</a:t>
+            </a:r>
+          </a:p>
+        </p:txBody>
+      </p:sp>
+      <p:sp>
+        <p:nvSpPr>
+          <p:cNvPr id="6" name="Content Placeholder 5"/>
+          <p:cNvSpPr>
+            <a:spLocks noGrp="1"/>
+          </p:cNvSpPr>
+          <p:nvPr>
+            <p:ph sz="quarter" idx="4"/>
+          </p:nvPr>
+        </p:nvSpPr>
+        <p:spPr>
+          <a:xfrm>
+            <a:off x="6220534" y="2558551"/>
+            <a:ext cx="5533375" cy="3373229"/>
+          </a:xfrm>
+          <a:noFill/>
+          <a:ln w="19050">
+            <a:gradFill flip="none" rotWithShape="1">
+              <a:gsLst>
+                <a:gs pos="0">
+                  <a:schemeClr val="bg1">
+                    <a:alpha val="0"/>
+                  </a:schemeClr>
+                </a:gs>
+                <a:gs pos="74000">
+                  <a:schemeClr val="accent1">
+                    <a:lumMod val="45000"/>
+                    <a:lumOff val="55000"/>
+                  </a:schemeClr>
+                </a:gs>
+                <a:gs pos="83000">
+                  <a:schemeClr val="accent1">
+                    <a:lumMod val="45000"/>
+                    <a:lumOff val="55000"/>
+                  </a:schemeClr>
+                </a:gs>
+                <a:gs pos="100000">
+                  <a:schemeClr val="accent1">
+                    <a:lumMod val="30000"/>
+                    <a:lumOff val="70000"/>
+                  </a:schemeClr>
+                </a:gs>
+              </a:gsLst>
+              <a:lin ang="16200000" scaled="1"/>
+              <a:tileRect/>
+            </a:gradFill>
+          </a:ln>
+        </p:spPr>
+        <p:txBody>
+          <a:bodyPr/>
+          <a:lstStyle>
+            <a:lvl1pPr>
+              <a:defRPr sz="2000"/>
+            </a:lvl1pPr>
+            <a:lvl2pPr>
+              <a:defRPr sz="1800"/>
+            </a:lvl2pPr>
+            <a:lvl3pPr>
+              <a:defRPr sz="1600"/>
+            </a:lvl3pPr>
+            <a:lvl4pPr>
+              <a:defRPr sz="1400"/>
+            </a:lvl4pPr>
+            <a:lvl5pPr marL="1482725" indent="-222250">
+              <a:defRPr lang="en-US" sz="1600" kern="1200" dirty="0">
+                <a:solidFill>
+                  <a:schemeClr val="tx1"/>
+                </a:solidFill>
+                <a:latin typeface="+mn-lt"/>
+                <a:ea typeface="+mn-ea"/>
+                <a:cs typeface="+mn-cs"/>
+              </a:defRPr>
+            </a:lvl5pPr>
+            <a:lvl6pPr>
+              <a:defRPr sz="1600"/>
+            </a:lvl6pPr>
+            <a:lvl7pPr>
+              <a:defRPr sz="1600"/>
+            </a:lvl7pPr>
+            <a:lvl8pPr>
+              <a:defRPr sz="1600"/>
+            </a:lvl8pPr>
+            <a:lvl9pPr>
+              <a:defRPr sz="1600"/>
+            </a:lvl9pPr>
+          </a:lstStyle>
+          <a:p>
+            <a:pPr lvl="0"/>
+            <a:r>
+              <a:rPr lang="en-US" smtClean="0"/>
+              <a:t>Click to edit Master text styles</a:t>
+            </a:r>
+          </a:p>
+          <a:p>
+            <a:pPr lvl="1"/>
+            <a:r>
+              <a:rPr lang="en-US" smtClean="0"/>
+              <a:t>Second level</a:t>
+            </a:r>
+          </a:p>
+          <a:p>
+            <a:pPr lvl="2"/>
+            <a:r>
+              <a:rPr lang="en-US" smtClean="0"/>
+              <a:t>Third level</a:t>
+            </a:r>
+          </a:p>
+          <a:p>
+            <a:pPr lvl="3"/>
+            <a:r>
+              <a:rPr lang="en-US" smtClean="0"/>
+              <a:t>Fourth level</a:t>
+            </a:r>
+          </a:p>
+          <a:p>
+            <a:pPr lvl="4"/>
+            <a:r>
+              <a:rPr lang="en-US" smtClean="0"/>
+              <a:t>Fifth level</a:t>
+            </a:r>
+            <a:endParaRPr lang="en-US" dirty="0"/>
+          </a:p>
+        </p:txBody>
+      </p:sp>
+    </p:spTree>
+    <p:extLst/>
+  </p:cSld>
+  <p:clrMapOvr>
+    <a:masterClrMapping/>
+  </p:clrMapOvr>
+</p:sldLayout>
+</file>
+
+<file path=ppt/slideLayouts/slideLayout32.xml><?xml version="1.0" encoding="utf-8"?>
+<p:sldLayout xmlns:a="http://schemas.openxmlformats.org/drawingml/2006/main" xmlns:r="http://schemas.openxmlformats.org/officeDocument/2006/relationships" xmlns:p="http://schemas.openxmlformats.org/presentationml/2006/main" preserve="1">
+  <p:cSld name="quad chart">
+    <p:spTree>
+      <p:nvGrpSpPr>
+        <p:cNvPr id="1" name=""/>
+        <p:cNvGrpSpPr/>
+        <p:nvPr/>
+      </p:nvGrpSpPr>
+      <p:grpSpPr>
+        <a:xfrm>
+          <a:off x="0" y="0"/>
+          <a:ext cx="0" cy="0"/>
+          <a:chOff x="0" y="0"/>
+          <a:chExt cx="0" cy="0"/>
+        </a:xfrm>
+      </p:grpSpPr>
+      <p:sp>
+        <p:nvSpPr>
+          <p:cNvPr id="2" name="Title 1"/>
+          <p:cNvSpPr>
+            <a:spLocks noGrp="1"/>
+          </p:cNvSpPr>
+          <p:nvPr>
+            <p:ph type="title"/>
+          </p:nvPr>
+        </p:nvSpPr>
+        <p:spPr>
+          <a:xfrm>
+            <a:off x="365855" y="411480"/>
+            <a:ext cx="7467433" cy="810738"/>
+          </a:xfrm>
+        </p:spPr>
+        <p:txBody>
+          <a:bodyPr/>
+          <a:lstStyle>
+            <a:lvl1pPr>
+              <a:defRPr sz="2400"/>
+            </a:lvl1pPr>
+          </a:lstStyle>
+          <a:p>
+            <a:r>
+              <a:rPr lang="en-US" smtClean="0"/>
+              <a:t>Click to edit Master title style</a:t>
+            </a:r>
+            <a:endParaRPr lang="en-US" dirty="0"/>
+          </a:p>
+        </p:txBody>
+      </p:sp>
+      <p:sp>
+        <p:nvSpPr>
+          <p:cNvPr id="3" name="Text Placeholder 2"/>
+          <p:cNvSpPr>
+            <a:spLocks noGrp="1"/>
+          </p:cNvSpPr>
+          <p:nvPr>
+            <p:ph type="body" idx="1" hasCustomPrompt="1"/>
+          </p:nvPr>
+        </p:nvSpPr>
+        <p:spPr>
+          <a:xfrm>
+            <a:off x="448173" y="1316736"/>
+            <a:ext cx="5606732" cy="347472"/>
+          </a:xfrm>
+          <a:solidFill>
+            <a:schemeClr val="accent3"/>
+          </a:solidFill>
+          <a:ln w="19050">
+            <a:solidFill>
+              <a:schemeClr val="tx2">
+                <a:lumMod val="60000"/>
+                <a:lumOff val="40000"/>
+              </a:schemeClr>
+            </a:solidFill>
+          </a:ln>
+        </p:spPr>
+        <p:txBody>
+          <a:bodyPr anchor="ctr"/>
+          <a:lstStyle>
+            <a:lvl1pPr marL="0" indent="0">
+              <a:buNone/>
+              <a:defRPr sz="1800" b="0">
+                <a:solidFill>
+                  <a:schemeClr val="bg1"/>
+                </a:solidFill>
+              </a:defRPr>
+            </a:lvl1pPr>
+            <a:lvl2pPr marL="457200" indent="0">
+              <a:buNone/>
+              <a:defRPr sz="2000" b="1"/>
+            </a:lvl2pPr>
+            <a:lvl3pPr marL="914400" indent="0">
+              <a:buNone/>
+              <a:defRPr sz="1800" b="1"/>
+            </a:lvl3pPr>
+            <a:lvl4pPr marL="1371600" indent="0">
+              <a:buNone/>
+              <a:defRPr sz="1600" b="1"/>
+            </a:lvl4pPr>
+            <a:lvl5pPr marL="1828800" indent="0">
+              <a:buNone/>
+              <a:defRPr sz="1600" b="1"/>
+            </a:lvl5pPr>
+            <a:lvl6pPr marL="2286000" indent="0">
+              <a:buNone/>
+              <a:defRPr sz="1600" b="1"/>
+            </a:lvl6pPr>
+            <a:lvl7pPr marL="2743200" indent="0">
+              <a:buNone/>
+              <a:defRPr sz="1600" b="1"/>
+            </a:lvl7pPr>
+            <a:lvl8pPr marL="3200400" indent="0">
+              <a:buNone/>
+              <a:defRPr sz="1600" b="1"/>
+            </a:lvl8pPr>
+            <a:lvl9pPr marL="3657600" indent="0">
+              <a:buNone/>
+              <a:defRPr sz="1600" b="1"/>
+            </a:lvl9pPr>
+          </a:lstStyle>
+          <a:p>
+            <a:pPr lvl="0"/>
+            <a:r>
+              <a:rPr lang="en-US" dirty="0"/>
+              <a:t>Click to edit Master text styles</a:t>
+            </a:r>
+          </a:p>
+        </p:txBody>
+      </p:sp>
+      <p:sp>
+        <p:nvSpPr>
+          <p:cNvPr id="4" name="Content Placeholder 3"/>
+          <p:cNvSpPr>
+            <a:spLocks noGrp="1"/>
+          </p:cNvSpPr>
+          <p:nvPr>
+            <p:ph sz="half" idx="2" hasCustomPrompt="1"/>
+          </p:nvPr>
+        </p:nvSpPr>
+        <p:spPr>
+          <a:xfrm>
+            <a:off x="448173" y="1655064"/>
+            <a:ext cx="5606732" cy="1316736"/>
+          </a:xfrm>
+          <a:noFill/>
+          <a:ln w="19050">
+            <a:gradFill flip="none" rotWithShape="1">
+              <a:gsLst>
+                <a:gs pos="0">
+                  <a:schemeClr val="bg1">
+                    <a:alpha val="0"/>
+                  </a:schemeClr>
+                </a:gs>
+                <a:gs pos="100000">
+                  <a:schemeClr val="accent3"/>
+                </a:gs>
+              </a:gsLst>
+              <a:lin ang="16200000" scaled="1"/>
+              <a:tileRect/>
+            </a:gradFill>
+          </a:ln>
+        </p:spPr>
+        <p:txBody>
+          <a:bodyPr/>
+          <a:lstStyle>
+            <a:lvl1pPr>
+              <a:defRPr sz="1800"/>
+            </a:lvl1pPr>
+            <a:lvl2pPr>
+              <a:defRPr sz="1600"/>
+            </a:lvl2pPr>
+            <a:lvl3pPr>
+              <a:defRPr sz="1400"/>
+            </a:lvl3pPr>
+            <a:lvl4pPr>
+              <a:defRPr sz="1200"/>
+            </a:lvl4pPr>
+            <a:lvl5pPr marL="1482725" indent="-222250">
+              <a:buFont typeface="Arial" panose="020B0604020202020204" pitchFamily="34" charset="0"/>
+              <a:buChar char="•"/>
+              <a:defRPr sz="1400"/>
+            </a:lvl5pPr>
+            <a:lvl6pPr>
+              <a:defRPr sz="1600"/>
+            </a:lvl6pPr>
+            <a:lvl7pPr>
+              <a:defRPr sz="1600"/>
+            </a:lvl7pPr>
+            <a:lvl8pPr>
+              <a:defRPr sz="1600"/>
+            </a:lvl8pPr>
+            <a:lvl9pPr>
+              <a:defRPr sz="1600"/>
+            </a:lvl9pPr>
+          </a:lstStyle>
+          <a:p>
+            <a:pPr lvl="0"/>
+            <a:r>
+              <a:rPr lang="en-US" dirty="0"/>
+              <a:t>Click to edit Master text styles</a:t>
+            </a:r>
+          </a:p>
+          <a:p>
+            <a:pPr lvl="1"/>
+            <a:r>
+              <a:rPr lang="en-US" dirty="0"/>
+              <a:t>Second level</a:t>
+            </a:r>
+          </a:p>
+          <a:p>
+            <a:pPr lvl="2"/>
+            <a:r>
+              <a:rPr lang="en-US" dirty="0"/>
+              <a:t>Third level</a:t>
+            </a:r>
+          </a:p>
+        </p:txBody>
+      </p:sp>
+      <p:sp>
+        <p:nvSpPr>
+          <p:cNvPr id="5" name="Text Placeholder 4"/>
+          <p:cNvSpPr>
+            <a:spLocks noGrp="1"/>
+          </p:cNvSpPr>
+          <p:nvPr>
+            <p:ph type="body" sz="quarter" idx="3" hasCustomPrompt="1"/>
+          </p:nvPr>
+        </p:nvSpPr>
+        <p:spPr>
+          <a:xfrm>
+            <a:off x="6155515" y="1316736"/>
+            <a:ext cx="5606732" cy="347472"/>
+          </a:xfrm>
+          <a:solidFill>
+            <a:schemeClr val="accent3"/>
+          </a:solidFill>
+          <a:ln w="19050">
+            <a:solidFill>
+              <a:schemeClr val="tx2">
+                <a:lumMod val="60000"/>
+                <a:lumOff val="40000"/>
+              </a:schemeClr>
+            </a:solidFill>
+          </a:ln>
+        </p:spPr>
+        <p:txBody>
+          <a:bodyPr anchor="ctr"/>
+          <a:lstStyle>
+            <a:lvl1pPr marL="0" indent="0">
+              <a:buNone/>
+              <a:defRPr sz="1800" b="0">
+                <a:solidFill>
+                  <a:schemeClr val="bg1"/>
+                </a:solidFill>
+              </a:defRPr>
+            </a:lvl1pPr>
+            <a:lvl2pPr marL="457200" indent="0">
+              <a:buNone/>
+              <a:defRPr sz="2000" b="1"/>
+            </a:lvl2pPr>
+            <a:lvl3pPr marL="914400" indent="0">
+              <a:buNone/>
+              <a:defRPr sz="1800" b="1"/>
+            </a:lvl3pPr>
+            <a:lvl4pPr marL="1371600" indent="0">
+              <a:buNone/>
+              <a:defRPr sz="1600" b="1"/>
+            </a:lvl4pPr>
+            <a:lvl5pPr marL="1828800" indent="0">
+              <a:buNone/>
+              <a:defRPr sz="1600" b="1"/>
+            </a:lvl5pPr>
+            <a:lvl6pPr marL="2286000" indent="0">
+              <a:buNone/>
+              <a:defRPr sz="1600" b="1"/>
+            </a:lvl6pPr>
+            <a:lvl7pPr marL="2743200" indent="0">
+              <a:buNone/>
+              <a:defRPr sz="1600" b="1"/>
+            </a:lvl7pPr>
+            <a:lvl8pPr marL="3200400" indent="0">
+              <a:buNone/>
+              <a:defRPr sz="1600" b="1"/>
+            </a:lvl8pPr>
+            <a:lvl9pPr marL="3657600" indent="0">
+              <a:buNone/>
+              <a:defRPr sz="1600" b="1"/>
+            </a:lvl9pPr>
+          </a:lstStyle>
+          <a:p>
+            <a:pPr lvl="0"/>
+            <a:r>
+              <a:rPr lang="en-US" dirty="0"/>
+              <a:t>Click to edit Master text styles</a:t>
+            </a:r>
+          </a:p>
+        </p:txBody>
+      </p:sp>
+      <p:sp>
+        <p:nvSpPr>
+          <p:cNvPr id="6" name="Content Placeholder 5"/>
+          <p:cNvSpPr>
+            <a:spLocks noGrp="1"/>
+          </p:cNvSpPr>
+          <p:nvPr>
+            <p:ph sz="quarter" idx="4" hasCustomPrompt="1"/>
+          </p:nvPr>
+        </p:nvSpPr>
+        <p:spPr>
+          <a:xfrm>
+            <a:off x="6155515" y="1655064"/>
+            <a:ext cx="5606732" cy="1316736"/>
+          </a:xfrm>
+          <a:noFill/>
+          <a:ln w="19050">
+            <a:gradFill flip="none" rotWithShape="1">
+              <a:gsLst>
+                <a:gs pos="0">
+                  <a:schemeClr val="bg1">
+                    <a:alpha val="0"/>
+                  </a:schemeClr>
+                </a:gs>
+                <a:gs pos="100000">
+                  <a:schemeClr val="accent3"/>
+                </a:gs>
+              </a:gsLst>
+              <a:lin ang="16200000" scaled="1"/>
+              <a:tileRect/>
+            </a:gradFill>
+          </a:ln>
+        </p:spPr>
+        <p:txBody>
+          <a:bodyPr/>
+          <a:lstStyle>
+            <a:lvl1pPr>
+              <a:defRPr sz="1800"/>
+            </a:lvl1pPr>
+            <a:lvl2pPr>
+              <a:defRPr sz="1600"/>
+            </a:lvl2pPr>
+            <a:lvl3pPr>
+              <a:defRPr sz="1400"/>
+            </a:lvl3pPr>
+            <a:lvl4pPr>
+              <a:defRPr sz="1200"/>
+            </a:lvl4pPr>
+            <a:lvl5pPr marL="1482725" indent="-222250">
+              <a:defRPr lang="en-US" sz="1400" kern="1200" dirty="0">
+                <a:solidFill>
+                  <a:schemeClr val="tx1"/>
+                </a:solidFill>
+                <a:latin typeface="+mn-lt"/>
+                <a:ea typeface="+mn-ea"/>
+                <a:cs typeface="+mn-cs"/>
+              </a:defRPr>
+            </a:lvl5pPr>
+            <a:lvl6pPr>
+              <a:defRPr sz="1600"/>
+            </a:lvl6pPr>
+            <a:lvl7pPr>
+              <a:defRPr sz="1600"/>
+            </a:lvl7pPr>
+            <a:lvl8pPr>
+              <a:defRPr sz="1600"/>
+            </a:lvl8pPr>
+            <a:lvl9pPr>
+              <a:defRPr sz="1600"/>
+            </a:lvl9pPr>
+          </a:lstStyle>
+          <a:p>
+            <a:pPr lvl="0"/>
+            <a:r>
+              <a:rPr lang="en-US" dirty="0"/>
+              <a:t>Click to edit Master text styles</a:t>
+            </a:r>
+          </a:p>
+          <a:p>
+            <a:pPr lvl="1"/>
+            <a:r>
+              <a:rPr lang="en-US" dirty="0"/>
+              <a:t>Second level</a:t>
+            </a:r>
+          </a:p>
+          <a:p>
+            <a:pPr lvl="2"/>
+            <a:r>
+              <a:rPr lang="en-US" dirty="0"/>
+              <a:t>Third level</a:t>
+            </a:r>
+          </a:p>
+        </p:txBody>
+      </p:sp>
+      <p:sp>
+        <p:nvSpPr>
+          <p:cNvPr id="10" name="Text Placeholder 9">
+            <a:extLst>
+              <a:ext uri="{FF2B5EF4-FFF2-40B4-BE49-F238E27FC236}">
+                <a16:creationId xmlns="" xmlns:a16="http://schemas.microsoft.com/office/drawing/2014/main" id="{1AC1494F-06BF-478E-BCF5-6FCC755EF91F}"/>
+              </a:ext>
+            </a:extLst>
+          </p:cNvPr>
+          <p:cNvSpPr>
+            <a:spLocks noGrp="1"/>
+          </p:cNvSpPr>
+          <p:nvPr>
+            <p:ph type="body" sz="quarter" idx="10" hasCustomPrompt="1"/>
+          </p:nvPr>
+        </p:nvSpPr>
+        <p:spPr>
+          <a:xfrm>
+            <a:off x="447792" y="3438144"/>
+            <a:ext cx="5606923" cy="338138"/>
+          </a:xfrm>
+          <a:solidFill>
+            <a:schemeClr val="accent3"/>
+          </a:solidFill>
+          <a:ln w="19050">
+            <a:solidFill>
+              <a:schemeClr val="tx2">
+                <a:lumMod val="60000"/>
+                <a:lumOff val="40000"/>
+              </a:schemeClr>
+            </a:solidFill>
+            <a:miter lim="800000"/>
+            <a:headEnd/>
+            <a:tailEnd/>
+          </a:ln>
+        </p:spPr>
+        <p:txBody>
+          <a:bodyPr vert="horz" wrap="square" lIns="91440" tIns="45720" rIns="91440" bIns="45720" numCol="1" anchor="ctr" anchorCtr="0" compatLnSpc="1">
+            <a:prstTxWarp prst="textNoShape">
+              <a:avLst/>
+            </a:prstTxWarp>
+            <a:noAutofit/>
+          </a:bodyPr>
+          <a:lstStyle>
+            <a:lvl1pPr marL="0" indent="0">
+              <a:buNone/>
+              <a:defRPr lang="en-US" sz="1800" b="0" smtClean="0">
+                <a:solidFill>
+                  <a:schemeClr val="bg1"/>
+                </a:solidFill>
+              </a:defRPr>
+            </a:lvl1pPr>
+            <a:lvl2pPr>
+              <a:defRPr lang="en-US" b="1" smtClean="0">
+                <a:solidFill>
+                  <a:schemeClr val="bg1"/>
+                </a:solidFill>
+              </a:defRPr>
+            </a:lvl2pPr>
+            <a:lvl3pPr>
+              <a:defRPr lang="en-US" b="1" smtClean="0">
+                <a:solidFill>
+                  <a:schemeClr val="bg1"/>
+                </a:solidFill>
+              </a:defRPr>
+            </a:lvl3pPr>
+            <a:lvl4pPr>
+              <a:defRPr lang="en-US" b="1" smtClean="0">
+                <a:solidFill>
+                  <a:schemeClr val="bg1"/>
+                </a:solidFill>
+              </a:defRPr>
+            </a:lvl4pPr>
+            <a:lvl5pPr>
+              <a:defRPr lang="en-US" b="1">
+                <a:solidFill>
+                  <a:schemeClr val="bg1"/>
+                </a:solidFill>
+              </a:defRPr>
+            </a:lvl5pPr>
+          </a:lstStyle>
+          <a:p>
+            <a:pPr marL="230188" lvl="0" indent="-230188"/>
+            <a:r>
+              <a:rPr lang="en-US" dirty="0"/>
+              <a:t>Click to edit Master text styles</a:t>
+            </a:r>
+          </a:p>
+        </p:txBody>
+      </p:sp>
+      <p:sp>
+        <p:nvSpPr>
+          <p:cNvPr id="12" name="Text Placeholder 11">
+            <a:extLst>
+              <a:ext uri="{FF2B5EF4-FFF2-40B4-BE49-F238E27FC236}">
+                <a16:creationId xmlns="" xmlns:a16="http://schemas.microsoft.com/office/drawing/2014/main" id="{DE13F5F8-5DA4-4A7D-94FF-19BFEBF090FD}"/>
+              </a:ext>
+            </a:extLst>
+          </p:cNvPr>
+          <p:cNvSpPr>
+            <a:spLocks noGrp="1"/>
+          </p:cNvSpPr>
+          <p:nvPr>
+            <p:ph type="body" sz="quarter" idx="11" hasCustomPrompt="1"/>
+          </p:nvPr>
+        </p:nvSpPr>
+        <p:spPr>
+          <a:xfrm>
+            <a:off x="6154753" y="3438144"/>
+            <a:ext cx="5606923" cy="338138"/>
+          </a:xfrm>
+          <a:solidFill>
+            <a:schemeClr val="accent3"/>
+          </a:solidFill>
+          <a:ln w="19050">
+            <a:solidFill>
+              <a:schemeClr val="tx2">
+                <a:lumMod val="60000"/>
+                <a:lumOff val="40000"/>
+              </a:schemeClr>
+            </a:solidFill>
+            <a:miter lim="800000"/>
+            <a:headEnd/>
+            <a:tailEnd/>
+          </a:ln>
+        </p:spPr>
+        <p:txBody>
+          <a:bodyPr vert="horz" wrap="square" lIns="91440" tIns="45720" rIns="91440" bIns="45720" numCol="1" anchor="ctr" anchorCtr="0" compatLnSpc="1">
+            <a:prstTxWarp prst="textNoShape">
+              <a:avLst/>
+            </a:prstTxWarp>
+            <a:noAutofit/>
+          </a:bodyPr>
+          <a:lstStyle>
+            <a:lvl1pPr marL="0" indent="0">
+              <a:buNone/>
+              <a:defRPr lang="en-US" sz="1800" b="0" smtClean="0">
+                <a:solidFill>
+                  <a:schemeClr val="bg1"/>
+                </a:solidFill>
+              </a:defRPr>
+            </a:lvl1pPr>
+            <a:lvl2pPr>
+              <a:defRPr lang="en-US" b="1" smtClean="0">
+                <a:solidFill>
+                  <a:schemeClr val="bg1"/>
+                </a:solidFill>
+              </a:defRPr>
+            </a:lvl2pPr>
+            <a:lvl3pPr>
+              <a:defRPr lang="en-US" b="1" smtClean="0">
+                <a:solidFill>
+                  <a:schemeClr val="bg1"/>
+                </a:solidFill>
+              </a:defRPr>
+            </a:lvl3pPr>
+            <a:lvl4pPr>
+              <a:defRPr lang="en-US" b="1" smtClean="0">
+                <a:solidFill>
+                  <a:schemeClr val="bg1"/>
+                </a:solidFill>
+              </a:defRPr>
+            </a:lvl4pPr>
+            <a:lvl5pPr>
+              <a:defRPr lang="en-US" b="1">
+                <a:solidFill>
+                  <a:schemeClr val="bg1"/>
+                </a:solidFill>
+              </a:defRPr>
+            </a:lvl5pPr>
+          </a:lstStyle>
+          <a:p>
+            <a:pPr marL="230188" lvl="0" indent="-230188"/>
+            <a:r>
+              <a:rPr lang="en-US" dirty="0"/>
+              <a:t>Click to edit Master text styles</a:t>
+            </a:r>
+          </a:p>
+        </p:txBody>
+      </p:sp>
+      <p:sp>
+        <p:nvSpPr>
+          <p:cNvPr id="14" name="Text Placeholder 13">
+            <a:extLst>
+              <a:ext uri="{FF2B5EF4-FFF2-40B4-BE49-F238E27FC236}">
+                <a16:creationId xmlns="" xmlns:a16="http://schemas.microsoft.com/office/drawing/2014/main" id="{11508C29-BEAF-4D1B-85C7-62D86B9A99F0}"/>
+              </a:ext>
+            </a:extLst>
+          </p:cNvPr>
+          <p:cNvSpPr>
+            <a:spLocks noGrp="1"/>
+          </p:cNvSpPr>
+          <p:nvPr>
+            <p:ph type="body" sz="quarter" idx="12"/>
+          </p:nvPr>
+        </p:nvSpPr>
+        <p:spPr>
+          <a:xfrm>
+            <a:off x="447792" y="3776472"/>
+            <a:ext cx="5606923" cy="1316736"/>
+          </a:xfrm>
+          <a:noFill/>
+          <a:ln w="19050">
+            <a:gradFill flip="none" rotWithShape="1">
+              <a:gsLst>
+                <a:gs pos="0">
+                  <a:schemeClr val="bg1">
+                    <a:alpha val="0"/>
+                  </a:schemeClr>
+                </a:gs>
+                <a:gs pos="100000">
+                  <a:schemeClr val="accent3"/>
+                </a:gs>
+              </a:gsLst>
+              <a:lin ang="16200000" scaled="1"/>
+              <a:tileRect/>
+            </a:gradFill>
+            <a:miter lim="800000"/>
+            <a:headEnd/>
+            <a:tailEnd/>
+          </a:ln>
+        </p:spPr>
+        <p:txBody>
+          <a:bodyPr vert="horz" wrap="square" lIns="91440" tIns="45720" rIns="91440" bIns="45720" numCol="1" anchor="t" anchorCtr="0" compatLnSpc="1">
+            <a:prstTxWarp prst="textNoShape">
+              <a:avLst/>
+            </a:prstTxWarp>
+            <a:noAutofit/>
+          </a:bodyPr>
+          <a:lstStyle>
+            <a:lvl1pPr>
+              <a:defRPr lang="en-US" sz="1800" smtClean="0"/>
+            </a:lvl1pPr>
+            <a:lvl2pPr>
+              <a:defRPr lang="en-US" sz="1600" smtClean="0"/>
+            </a:lvl2pPr>
+            <a:lvl3pPr>
+              <a:defRPr lang="en-US" sz="1400" smtClean="0"/>
+            </a:lvl3pPr>
+            <a:lvl4pPr>
+              <a:defRPr lang="en-US" sz="1200" smtClean="0"/>
+            </a:lvl4pPr>
+            <a:lvl5pPr>
+              <a:defRPr lang="en-US" sz="1400"/>
+            </a:lvl5pPr>
+          </a:lstStyle>
+          <a:p>
+            <a:pPr lvl="0"/>
+            <a:r>
+              <a:rPr lang="en-US" smtClean="0"/>
+              <a:t>Click to edit Master text styles</a:t>
+            </a:r>
+          </a:p>
+          <a:p>
+            <a:pPr lvl="1"/>
+            <a:r>
+              <a:rPr lang="en-US" smtClean="0"/>
+              <a:t>Second level</a:t>
+            </a:r>
+          </a:p>
+          <a:p>
+            <a:pPr lvl="2"/>
+            <a:r>
+              <a:rPr lang="en-US" smtClean="0"/>
+              <a:t>Third level</a:t>
+            </a:r>
+          </a:p>
+        </p:txBody>
+      </p:sp>
+      <p:sp>
+        <p:nvSpPr>
+          <p:cNvPr id="16" name="Text Placeholder 15">
+            <a:extLst>
+              <a:ext uri="{FF2B5EF4-FFF2-40B4-BE49-F238E27FC236}">
+                <a16:creationId xmlns="" xmlns:a16="http://schemas.microsoft.com/office/drawing/2014/main" id="{DA42C277-CD07-4855-BE2B-F5804018ECD9}"/>
+              </a:ext>
+            </a:extLst>
+          </p:cNvPr>
+          <p:cNvSpPr>
+            <a:spLocks noGrp="1"/>
+          </p:cNvSpPr>
+          <p:nvPr>
+            <p:ph type="body" sz="quarter" idx="13"/>
+          </p:nvPr>
+        </p:nvSpPr>
+        <p:spPr>
+          <a:xfrm>
+            <a:off x="6154753" y="3776472"/>
+            <a:ext cx="5606923" cy="1316736"/>
+          </a:xfrm>
+          <a:noFill/>
+          <a:ln w="19050">
+            <a:gradFill flip="none" rotWithShape="1">
+              <a:gsLst>
+                <a:gs pos="0">
+                  <a:schemeClr val="bg1">
+                    <a:alpha val="0"/>
+                  </a:schemeClr>
+                </a:gs>
+                <a:gs pos="100000">
+                  <a:schemeClr val="accent3"/>
+                </a:gs>
+              </a:gsLst>
+              <a:lin ang="16200000" scaled="1"/>
+              <a:tileRect/>
+            </a:gradFill>
+            <a:miter lim="800000"/>
+            <a:headEnd/>
+            <a:tailEnd/>
+          </a:ln>
+        </p:spPr>
+        <p:txBody>
+          <a:bodyPr vert="horz" wrap="square" lIns="91440" tIns="45720" rIns="91440" bIns="45720" numCol="1" anchor="t" anchorCtr="0" compatLnSpc="1">
+            <a:prstTxWarp prst="textNoShape">
+              <a:avLst/>
+            </a:prstTxWarp>
+            <a:noAutofit/>
+          </a:bodyPr>
+          <a:lstStyle>
+            <a:lvl1pPr>
+              <a:defRPr lang="en-US" sz="1800" smtClean="0"/>
+            </a:lvl1pPr>
+            <a:lvl2pPr>
+              <a:defRPr lang="en-US" sz="1600" smtClean="0"/>
+            </a:lvl2pPr>
+            <a:lvl3pPr>
+              <a:defRPr lang="en-US" sz="1400" smtClean="0"/>
+            </a:lvl3pPr>
+            <a:lvl4pPr>
+              <a:defRPr lang="en-US" sz="1200" smtClean="0"/>
+            </a:lvl4pPr>
+            <a:lvl5pPr>
+              <a:defRPr lang="en-US" sz="1400"/>
+            </a:lvl5pPr>
+          </a:lstStyle>
+          <a:p>
+            <a:pPr lvl="0"/>
+            <a:r>
+              <a:rPr lang="en-US" smtClean="0"/>
+              <a:t>Click to edit Master text styles</a:t>
+            </a:r>
+          </a:p>
+          <a:p>
+            <a:pPr lvl="1"/>
+            <a:r>
+              <a:rPr lang="en-US" smtClean="0"/>
+              <a:t>Second level</a:t>
+            </a:r>
+          </a:p>
+          <a:p>
+            <a:pPr lvl="2"/>
+            <a:r>
+              <a:rPr lang="en-US" smtClean="0"/>
+              <a:t>Third level</a:t>
+            </a:r>
+          </a:p>
+        </p:txBody>
+      </p:sp>
+    </p:spTree>
+    <p:extLst/>
+  </p:cSld>
+  <p:clrMapOvr>
+    <a:masterClrMapping/>
+  </p:clrMapOvr>
+</p:sldLayout>
+</file>
+
+<file path=ppt/slideLayouts/slideLayout33.xml><?xml version="1.0" encoding="utf-8"?>
+<p:sldLayout xmlns:a="http://schemas.openxmlformats.org/drawingml/2006/main" xmlns:r="http://schemas.openxmlformats.org/officeDocument/2006/relationships" xmlns:p="http://schemas.openxmlformats.org/presentationml/2006/main" preserve="1">
+  <p:cSld name="Section divider">
+    <p:spTree>
+      <p:nvGrpSpPr>
+        <p:cNvPr id="1" name=""/>
+        <p:cNvGrpSpPr/>
+        <p:nvPr/>
+      </p:nvGrpSpPr>
+      <p:grpSpPr>
+        <a:xfrm>
+          <a:off x="0" y="0"/>
+          <a:ext cx="0" cy="0"/>
+          <a:chOff x="0" y="0"/>
+          <a:chExt cx="0" cy="0"/>
+        </a:xfrm>
+      </p:grpSpPr>
+      <p:sp>
+        <p:nvSpPr>
+          <p:cNvPr id="2" name="Title 1"/>
+          <p:cNvSpPr>
+            <a:spLocks noGrp="1"/>
+          </p:cNvSpPr>
+          <p:nvPr>
+            <p:ph type="title"/>
+          </p:nvPr>
+        </p:nvSpPr>
+        <p:spPr>
+          <a:xfrm>
+            <a:off x="365855" y="411480"/>
+            <a:ext cx="11378099" cy="914400"/>
+          </a:xfrm>
+        </p:spPr>
+        <p:txBody>
+          <a:bodyPr/>
+          <a:lstStyle/>
+          <a:p>
+            <a:r>
+              <a:rPr lang="en-US" smtClean="0"/>
+              <a:t>Click to edit Master title style</a:t>
+            </a:r>
+            <a:endParaRPr lang="en-US" dirty="0"/>
+          </a:p>
+        </p:txBody>
+      </p:sp>
+    </p:spTree>
+    <p:extLst/>
+  </p:cSld>
+  <p:clrMapOvr>
+    <a:masterClrMapping/>
+  </p:clrMapOvr>
+</p:sldLayout>
+</file>
+
+<file path=ppt/slideLayouts/slideLayout34.xml><?xml version="1.0" encoding="utf-8"?>
+<p:sldLayout xmlns:a="http://schemas.openxmlformats.org/drawingml/2006/main" xmlns:r="http://schemas.openxmlformats.org/officeDocument/2006/relationships" xmlns:p="http://schemas.openxmlformats.org/presentationml/2006/main" type="titleOnly" preserve="1">
+  <p:cSld name="Title Only">
+    <p:spTree>
+      <p:nvGrpSpPr>
+        <p:cNvPr id="1" name=""/>
+        <p:cNvGrpSpPr/>
+        <p:nvPr/>
+      </p:nvGrpSpPr>
+      <p:grpSpPr>
+        <a:xfrm>
+          <a:off x="0" y="0"/>
+          <a:ext cx="0" cy="0"/>
+          <a:chOff x="0" y="0"/>
+          <a:chExt cx="0" cy="0"/>
+        </a:xfrm>
+      </p:grpSpPr>
+      <p:sp>
+        <p:nvSpPr>
+          <p:cNvPr id="2" name="Title 1"/>
+          <p:cNvSpPr>
+            <a:spLocks noGrp="1"/>
+          </p:cNvSpPr>
+          <p:nvPr>
+            <p:ph type="title"/>
+          </p:nvPr>
+        </p:nvSpPr>
+        <p:spPr>
+          <a:xfrm>
+            <a:off x="365855" y="411480"/>
+            <a:ext cx="11378099" cy="914400"/>
+          </a:xfrm>
+        </p:spPr>
+        <p:txBody>
+          <a:bodyPr/>
+          <a:lstStyle/>
+          <a:p>
+            <a:r>
+              <a:rPr lang="en-US" smtClean="0"/>
+              <a:t>Click to edit Master title style</a:t>
+            </a:r>
+            <a:endParaRPr lang="en-US" dirty="0"/>
+          </a:p>
+        </p:txBody>
+      </p:sp>
+    </p:spTree>
+    <p:extLst/>
+  </p:cSld>
+  <p:clrMapOvr>
+    <a:masterClrMapping/>
+  </p:clrMapOvr>
+</p:sldLayout>
+</file>
+
+<file path=ppt/slideLayouts/slideLayout35.xml><?xml version="1.0" encoding="utf-8"?>
+<p:sldLayout xmlns:a="http://schemas.openxmlformats.org/drawingml/2006/main" xmlns:r="http://schemas.openxmlformats.org/officeDocument/2006/relationships" xmlns:p="http://schemas.openxmlformats.org/presentationml/2006/main">
+  <p:cSld name="*Title and Content">
+    <p:spTree>
+      <p:nvGrpSpPr>
+        <p:cNvPr id="1" name=""/>
+        <p:cNvGrpSpPr/>
+        <p:nvPr/>
+      </p:nvGrpSpPr>
+      <p:grpSpPr>
+        <a:xfrm>
+          <a:off x="0" y="0"/>
+          <a:ext cx="0" cy="0"/>
+          <a:chOff x="0" y="0"/>
+          <a:chExt cx="0" cy="0"/>
+        </a:xfrm>
+      </p:grpSpPr>
+      <p:sp>
+        <p:nvSpPr>
+          <p:cNvPr id="2" name="Title 1"/>
+          <p:cNvSpPr>
+            <a:spLocks noGrp="1"/>
+          </p:cNvSpPr>
+          <p:nvPr>
+            <p:ph type="title" hasCustomPrompt="1"/>
+          </p:nvPr>
+        </p:nvSpPr>
+        <p:spPr/>
+        <p:txBody>
+          <a:bodyPr/>
+          <a:lstStyle>
+            <a:lvl1pPr>
+              <a:defRPr b="1"/>
+            </a:lvl1pPr>
+          </a:lstStyle>
+          <a:p>
+            <a:r>
+              <a:rPr lang="en-US" dirty="0" smtClean="0"/>
+              <a:t>BASIC CONTENT SLIDE</a:t>
+            </a:r>
+            <a:br>
+              <a:rPr lang="en-US" dirty="0" smtClean="0"/>
+            </a:br>
+            <a:r>
+              <a:rPr lang="en-US" dirty="0" smtClean="0"/>
+              <a:t>one or two lines for headline</a:t>
+            </a:r>
+            <a:endParaRPr lang="en-US" dirty="0"/>
+          </a:p>
+        </p:txBody>
+      </p:sp>
+      <p:sp>
+        <p:nvSpPr>
+          <p:cNvPr id="3" name="Content Placeholder 2"/>
+          <p:cNvSpPr>
+            <a:spLocks noGrp="1"/>
+          </p:cNvSpPr>
+          <p:nvPr>
+            <p:ph idx="1" hasCustomPrompt="1"/>
+          </p:nvPr>
+        </p:nvSpPr>
+        <p:spPr>
+          <a:xfrm>
+            <a:off x="609602" y="1877795"/>
+            <a:ext cx="11163868" cy="4422776"/>
+          </a:xfrm>
+        </p:spPr>
+        <p:txBody>
+          <a:bodyPr/>
+          <a:lstStyle>
+            <a:lvl1pPr>
+              <a:defRPr baseline="0"/>
+            </a:lvl1pPr>
+          </a:lstStyle>
+          <a:p>
+            <a:pPr lvl="0"/>
+            <a:r>
+              <a:rPr lang="en-US" dirty="0" smtClean="0"/>
+              <a:t>Click to add 1st-level bullet. Click an icon below to add table, graph or other imagery.</a:t>
+            </a:r>
+          </a:p>
+          <a:p>
+            <a:pPr lvl="1"/>
+            <a:r>
+              <a:rPr lang="en-US" dirty="0" smtClean="0"/>
+              <a:t>Second level</a:t>
+            </a:r>
+          </a:p>
+          <a:p>
+            <a:pPr lvl="2"/>
+            <a:r>
+              <a:rPr lang="en-US" dirty="0" smtClean="0"/>
+              <a:t>Third level</a:t>
+            </a:r>
+          </a:p>
+          <a:p>
+            <a:pPr lvl="3"/>
+            <a:r>
+              <a:rPr lang="en-US" dirty="0" smtClean="0"/>
+              <a:t>Fourth level</a:t>
+            </a:r>
+          </a:p>
+          <a:p>
+            <a:pPr lvl="4"/>
+            <a:r>
+              <a:rPr lang="en-US" dirty="0" smtClean="0"/>
+              <a:t>Fifth level</a:t>
+            </a:r>
+            <a:endParaRPr lang="en-US" dirty="0"/>
+          </a:p>
+        </p:txBody>
+      </p:sp>
+      <p:sp>
+        <p:nvSpPr>
+          <p:cNvPr id="6" name="Text Placeholder 5"/>
+          <p:cNvSpPr>
+            <a:spLocks noGrp="1"/>
+          </p:cNvSpPr>
+          <p:nvPr>
+            <p:ph type="body" sz="quarter" idx="12" hasCustomPrompt="1"/>
+          </p:nvPr>
+        </p:nvSpPr>
+        <p:spPr>
+          <a:xfrm>
+            <a:off x="609602" y="1346553"/>
+            <a:ext cx="11163868" cy="499715"/>
+          </a:xfrm>
+        </p:spPr>
+        <p:txBody>
+          <a:bodyPr bIns="0">
+            <a:noAutofit/>
+          </a:bodyPr>
+          <a:lstStyle>
+            <a:lvl1pPr marL="0" indent="0">
+              <a:lnSpc>
+                <a:spcPct val="90000"/>
+              </a:lnSpc>
+              <a:spcBef>
+                <a:spcPts val="0"/>
+              </a:spcBef>
+              <a:buNone/>
+              <a:defRPr sz="2700" b="1" baseline="0">
+                <a:solidFill>
+                  <a:schemeClr val="accent2"/>
+                </a:solidFill>
+              </a:defRPr>
+            </a:lvl1pPr>
+          </a:lstStyle>
+          <a:p>
+            <a:r>
+              <a:rPr lang="en-US" dirty="0" smtClean="0"/>
+              <a:t>Slide subtitle optional -  delete as needed</a:t>
+            </a:r>
+            <a:endParaRPr lang="en-US" dirty="0"/>
+          </a:p>
+        </p:txBody>
+      </p:sp>
+      <p:sp>
+        <p:nvSpPr>
+          <p:cNvPr id="8" name="Slide Number Placeholder 7"/>
+          <p:cNvSpPr>
+            <a:spLocks noGrp="1"/>
+          </p:cNvSpPr>
+          <p:nvPr>
+            <p:ph type="sldNum" sz="quarter" idx="13"/>
+          </p:nvPr>
+        </p:nvSpPr>
+        <p:spPr>
+          <a:xfrm>
+            <a:off x="5791202" y="6473709"/>
+            <a:ext cx="609600" cy="182880"/>
+          </a:xfrm>
+          <a:prstGeom prst="rect">
+            <a:avLst/>
+          </a:prstGeom>
+        </p:spPr>
+        <p:txBody>
+          <a:bodyPr lIns="121917" tIns="60958" rIns="121917" bIns="60958"/>
+          <a:lstStyle/>
+          <a:p>
+            <a:fld id="{AEFAAC5A-9C4F-4278-920D-DF2BAB595749}" type="slidenum">
+              <a:rPr lang="en-US" smtClean="0"/>
+              <a:pPr/>
+              <a:t>‹#›</a:t>
+            </a:fld>
+            <a:endParaRPr lang="en-US" dirty="0"/>
+          </a:p>
+        </p:txBody>
+      </p:sp>
+    </p:spTree>
+    <p:extLst/>
+  </p:cSld>
+  <p:clrMapOvr>
+    <a:masterClrMapping/>
+  </p:clrMapOvr>
+  <mc:AlternateContent xmlns:mc="http://schemas.openxmlformats.org/markup-compatibility/2006" xmlns:p14="http://schemas.microsoft.com/office/powerpoint/2010/main">
+    <mc:Choice Requires="p14">
+      <p:transition p14:dur="250">
+        <p:fade/>
+      </p:transition>
+    </mc:Choice>
+    <mc:Fallback xmlns="">
+      <p:transition>
+        <p:fade/>
+      </p:transition>
+    </mc:Fallback>
+  </mc:AlternateContent>
+  <p:timing>
+    <p:tnLst>
+      <p:par>
+        <p:cTn id="1" dur="indefinite" restart="never" nodeType="tmRoot"/>
+      </p:par>
+    </p:tnLst>
+  </p:timing>
+</p:sldLayout>
+</file>
+
+<file path=ppt/slideLayouts/slideLayout36.xml><?xml version="1.0" encoding="utf-8"?>
+<p:sldLayout xmlns:a="http://schemas.openxmlformats.org/drawingml/2006/main" xmlns:r="http://schemas.openxmlformats.org/officeDocument/2006/relationships" xmlns:p="http://schemas.openxmlformats.org/presentationml/2006/main" showMasterSp="0">
+  <p:cSld name="Title and Content White">
+    <p:spTree>
+      <p:nvGrpSpPr>
+        <p:cNvPr id="1" name=""/>
+        <p:cNvGrpSpPr/>
+        <p:nvPr/>
+      </p:nvGrpSpPr>
+      <p:grpSpPr>
+        <a:xfrm>
+          <a:off x="0" y="0"/>
+          <a:ext cx="0" cy="0"/>
+          <a:chOff x="0" y="0"/>
+          <a:chExt cx="0" cy="0"/>
+        </a:xfrm>
+      </p:grpSpPr>
+      <p:sp>
+        <p:nvSpPr>
+          <p:cNvPr id="18" name="Title Placeholder 1"/>
+          <p:cNvSpPr>
+            <a:spLocks noGrp="1"/>
+          </p:cNvSpPr>
+          <p:nvPr>
+            <p:ph type="title" hasCustomPrompt="1"/>
+          </p:nvPr>
+        </p:nvSpPr>
+        <p:spPr>
+          <a:xfrm>
+            <a:off x="720648" y="240503"/>
+            <a:ext cx="10058400" cy="570225"/>
+          </a:xfrm>
+          <a:prstGeom prst="rect">
+            <a:avLst/>
+          </a:prstGeom>
+        </p:spPr>
+        <p:txBody>
+          <a:bodyPr vert="horz" lIns="91440" tIns="45720" rIns="91440" bIns="45720" rtlCol="0" anchor="b">
+            <a:noAutofit/>
+          </a:bodyPr>
+          <a:lstStyle>
+            <a:lvl1pPr>
+              <a:defRPr>
+                <a:solidFill>
+                  <a:schemeClr val="bg2">
+                    <a:lumMod val="25000"/>
+                  </a:schemeClr>
+                </a:solidFill>
+              </a:defRPr>
+            </a:lvl1pPr>
+          </a:lstStyle>
+          <a:p>
+            <a:r>
+              <a:rPr lang="en-US" dirty="0"/>
+              <a:t>CLICK TO EDIT MASTER TITLE STYLE</a:t>
+            </a:r>
+          </a:p>
+        </p:txBody>
+      </p:sp>
+      <p:sp>
+        <p:nvSpPr>
+          <p:cNvPr id="20" name="Date Placeholder 3"/>
+          <p:cNvSpPr>
+            <a:spLocks noGrp="1"/>
+          </p:cNvSpPr>
+          <p:nvPr>
+            <p:ph type="dt" sz="half" idx="2"/>
+          </p:nvPr>
+        </p:nvSpPr>
+        <p:spPr>
+          <a:xfrm>
+            <a:off x="64951" y="6485916"/>
+            <a:ext cx="2472271" cy="365125"/>
+          </a:xfrm>
+          <a:prstGeom prst="rect">
+            <a:avLst/>
+          </a:prstGeom>
+        </p:spPr>
+        <p:txBody>
+          <a:bodyPr vert="horz" lIns="91440" tIns="45720" rIns="91440" bIns="45720" rtlCol="0" anchor="ctr"/>
+          <a:lstStyle>
+            <a:lvl1pPr algn="l">
+              <a:defRPr sz="900">
+                <a:solidFill>
+                  <a:schemeClr val="bg1">
+                    <a:lumMod val="50000"/>
+                  </a:schemeClr>
+                </a:solidFill>
+              </a:defRPr>
+            </a:lvl1pPr>
+          </a:lstStyle>
+          <a:p>
+            <a:fld id="{F46EDD32-319E-1849-AF7B-D687449C9808}" type="datetimeFigureOut">
+              <a:rPr lang="en-US" smtClean="0"/>
+              <a:t>6/4/19</a:t>
+            </a:fld>
+            <a:endParaRPr lang="en-US"/>
+          </a:p>
+        </p:txBody>
+      </p:sp>
+      <p:sp>
+        <p:nvSpPr>
+          <p:cNvPr id="21" name="Footer Placeholder 4"/>
+          <p:cNvSpPr>
+            <a:spLocks noGrp="1"/>
+          </p:cNvSpPr>
+          <p:nvPr>
+            <p:ph type="ftr" sz="quarter" idx="3"/>
+          </p:nvPr>
+        </p:nvSpPr>
+        <p:spPr>
+          <a:xfrm>
+            <a:off x="3686187" y="6485916"/>
+            <a:ext cx="4822804" cy="365125"/>
+          </a:xfrm>
+          <a:prstGeom prst="rect">
+            <a:avLst/>
+          </a:prstGeom>
+        </p:spPr>
+        <p:txBody>
+          <a:bodyPr vert="horz" lIns="91440" tIns="45720" rIns="91440" bIns="45720" rtlCol="0" anchor="ctr"/>
+          <a:lstStyle>
+            <a:lvl1pPr algn="ctr">
+              <a:defRPr sz="900" cap="all" baseline="0">
+                <a:solidFill>
+                  <a:schemeClr val="tx1"/>
+                </a:solidFill>
+              </a:defRPr>
+            </a:lvl1pPr>
+          </a:lstStyle>
+          <a:p>
+            <a:endParaRPr lang="en-US"/>
+          </a:p>
+        </p:txBody>
+      </p:sp>
+      <p:sp>
+        <p:nvSpPr>
+          <p:cNvPr id="22" name="Slide Number Placeholder 5"/>
+          <p:cNvSpPr>
+            <a:spLocks noGrp="1"/>
+          </p:cNvSpPr>
+          <p:nvPr>
+            <p:ph type="sldNum" sz="quarter" idx="4"/>
+          </p:nvPr>
+        </p:nvSpPr>
+        <p:spPr>
+          <a:xfrm>
+            <a:off x="64951" y="445603"/>
+            <a:ext cx="419397" cy="365125"/>
+          </a:xfrm>
+          <a:prstGeom prst="rect">
+            <a:avLst/>
+          </a:prstGeom>
+        </p:spPr>
+        <p:txBody>
+          <a:bodyPr vert="horz" lIns="91440" tIns="45720" rIns="91440" bIns="45720" rtlCol="0" anchor="ctr"/>
+          <a:lstStyle>
+            <a:lvl1pPr algn="r">
+              <a:defRPr sz="1400">
+                <a:solidFill>
+                  <a:srgbClr val="000000"/>
+                </a:solidFill>
+              </a:defRPr>
+            </a:lvl1pPr>
+          </a:lstStyle>
+          <a:p>
+            <a:fld id="{51B40B31-C473-BE44-B761-2F9ACE361CD3}" type="slidenum">
+              <a:rPr lang="en-US" smtClean="0"/>
+              <a:t>‹#›</a:t>
+            </a:fld>
+            <a:endParaRPr lang="en-US"/>
+          </a:p>
+        </p:txBody>
+      </p:sp>
+      <p:sp>
+        <p:nvSpPr>
+          <p:cNvPr id="4" name="Text Placeholder 3"/>
+          <p:cNvSpPr>
+            <a:spLocks noGrp="1"/>
+          </p:cNvSpPr>
+          <p:nvPr>
+            <p:ph type="body" sz="quarter" idx="10"/>
+          </p:nvPr>
+        </p:nvSpPr>
+        <p:spPr>
+          <a:xfrm>
+            <a:off x="720648" y="1441696"/>
+            <a:ext cx="10058400" cy="4794211"/>
+          </a:xfrm>
+        </p:spPr>
+        <p:txBody>
+          <a:bodyPr/>
+          <a:lstStyle>
+            <a:lvl1pPr>
+              <a:defRPr>
+                <a:solidFill>
+                  <a:schemeClr val="tx1"/>
+                </a:solidFill>
+              </a:defRPr>
+            </a:lvl1pPr>
+            <a:lvl2pPr>
+              <a:defRPr>
+                <a:solidFill>
+                  <a:schemeClr val="tx1"/>
+                </a:solidFill>
+              </a:defRPr>
+            </a:lvl2pPr>
+            <a:lvl3pPr>
+              <a:defRPr>
+                <a:solidFill>
+                  <a:schemeClr val="tx1"/>
+                </a:solidFill>
+              </a:defRPr>
+            </a:lvl3pPr>
+            <a:lvl4pPr>
+              <a:defRPr>
+                <a:solidFill>
+                  <a:schemeClr val="tx1"/>
+                </a:solidFill>
+              </a:defRPr>
+            </a:lvl4pPr>
+            <a:lvl5pPr>
+              <a:defRPr>
+                <a:solidFill>
+                  <a:schemeClr val="tx1"/>
+                </a:solidFill>
+              </a:defRPr>
+            </a:lvl5pPr>
+          </a:lstStyle>
+          <a:p>
+            <a:pPr lvl="0"/>
+            <a:r>
+              <a:rPr lang="en-US"/>
+              <a:t>Edit Master text styles</a:t>
+            </a:r>
+          </a:p>
+          <a:p>
+            <a:pPr lvl="1"/>
+            <a:r>
+              <a:rPr lang="en-US"/>
+              <a:t>Second level</a:t>
+            </a:r>
+          </a:p>
+          <a:p>
+            <a:pPr lvl="2"/>
+            <a:r>
+              <a:rPr lang="en-US"/>
+              <a:t>Third level</a:t>
+            </a:r>
+          </a:p>
+          <a:p>
+            <a:pPr lvl="3"/>
+            <a:r>
+              <a:rPr lang="en-US"/>
+              <a:t>Fourth level</a:t>
+            </a:r>
+          </a:p>
+          <a:p>
+            <a:pPr lvl="4"/>
+            <a:r>
+              <a:rPr lang="en-US"/>
+              <a:t>Fifth level</a:t>
+            </a:r>
+            <a:endParaRPr lang="en-US" dirty="0"/>
+          </a:p>
+        </p:txBody>
+      </p:sp>
+    </p:spTree>
+    <p:extLst>
+      <p:ext uri="{BB962C8B-B14F-4D97-AF65-F5344CB8AC3E}">
+        <p14:creationId xmlns:p14="http://schemas.microsoft.com/office/powerpoint/2010/main" val="1243781782"/>
+      </p:ext>
+    </p:extLst>
+  </p:cSld>
+  <p:clrMapOvr>
+    <a:masterClrMapping/>
+  </p:clrMapOvr>
+  <mc:AlternateContent xmlns:mc="http://schemas.openxmlformats.org/markup-compatibility/2006" xmlns:p14="http://schemas.microsoft.com/office/powerpoint/2010/main">
+    <mc:Choice Requires="p14">
+      <p:transition spd="med" p14:dur="700">
+        <p:fade/>
+      </p:transition>
+    </mc:Choice>
+    <mc:Fallback xmlns="">
+      <p:transition spd="med">
+        <p:fade/>
+      </p:transition>
+    </mc:Fallback>
+  </mc:AlternateContent>
+</p:sldLayout>
+</file>
+
+<file path=ppt/slideLayouts/slideLayout37.xml><?xml version="1.0" encoding="utf-8"?>
+<p:sldLayout xmlns:a="http://schemas.openxmlformats.org/drawingml/2006/main" xmlns:r="http://schemas.openxmlformats.org/officeDocument/2006/relationships" xmlns:p="http://schemas.openxmlformats.org/presentationml/2006/main" showMasterSp="0">
+  <p:cSld name="Section break">
+    <p:spTree>
+      <p:nvGrpSpPr>
+        <p:cNvPr id="1" name=""/>
+        <p:cNvGrpSpPr/>
+        <p:nvPr/>
+      </p:nvGrpSpPr>
+      <p:grpSpPr>
+        <a:xfrm>
+          <a:off x="0" y="0"/>
+          <a:ext cx="0" cy="0"/>
+          <a:chOff x="0" y="0"/>
+          <a:chExt cx="0" cy="0"/>
+        </a:xfrm>
+      </p:grpSpPr>
+      <p:sp>
+        <p:nvSpPr>
+          <p:cNvPr id="2" name="Title 1">
+            <a:extLst>
+              <a:ext uri="{FF2B5EF4-FFF2-40B4-BE49-F238E27FC236}">
+                <a16:creationId xmlns:a16="http://schemas.microsoft.com/office/drawing/2014/main" xmlns="" id="{C2F2F47A-E421-4CE0-A746-76A8C436B135}"/>
+              </a:ext>
+            </a:extLst>
+          </p:cNvPr>
+          <p:cNvSpPr>
+            <a:spLocks noGrp="1"/>
+          </p:cNvSpPr>
+          <p:nvPr>
+            <p:ph type="title"/>
+          </p:nvPr>
+        </p:nvSpPr>
+        <p:spPr>
+          <a:xfrm>
+            <a:off x="346642" y="1352479"/>
+            <a:ext cx="4101534" cy="923330"/>
+          </a:xfrm>
+        </p:spPr>
+        <p:txBody>
+          <a:bodyPr>
+            <a:spAutoFit/>
+          </a:bodyPr>
+          <a:lstStyle>
+            <a:lvl1pPr>
+              <a:defRPr>
+                <a:solidFill>
+                  <a:schemeClr val="tx1"/>
+                </a:solidFill>
+                <a:effectLst/>
+              </a:defRPr>
+            </a:lvl1pPr>
+          </a:lstStyle>
+          <a:p>
+            <a:r>
+              <a:rPr lang="en-US" smtClean="0"/>
+              <a:t>Click to edit Master title style</a:t>
+            </a:r>
+            <a:endParaRPr lang="en-US" dirty="0"/>
+          </a:p>
+        </p:txBody>
+      </p:sp>
+    </p:spTree>
+    <p:extLst>
+      <p:ext uri="{BB962C8B-B14F-4D97-AF65-F5344CB8AC3E}">
+        <p14:creationId xmlns:p14="http://schemas.microsoft.com/office/powerpoint/2010/main" val="634590176"/>
+      </p:ext>
+    </p:extLst>
+  </p:cSld>
+  <p:clrMapOvr>
+    <a:masterClrMapping/>
+  </p:clrMapOvr>
+  <p:timing>
+    <p:tnLst>
+      <p:par>
+        <p:cTn id="1" dur="indefinite" restart="never" nodeType="tmRoot"/>
+      </p:par>
+    </p:tnLst>
+  </p:timing>
 </p:sldLayout>
 </file>
 
@@ -17784,6 +20343,804 @@
 </p:sldMaster>
 </file>
 
+<file path=ppt/slideMasters/slideMaster3.xml><?xml version="1.0" encoding="utf-8"?>
+<p:sldMaster xmlns:a="http://schemas.openxmlformats.org/drawingml/2006/main" xmlns:r="http://schemas.openxmlformats.org/officeDocument/2006/relationships" xmlns:p="http://schemas.openxmlformats.org/presentationml/2006/main" preserve="1">
+  <p:cSld>
+    <p:bg>
+      <p:bgPr>
+        <a:solidFill>
+          <a:schemeClr val="bg1"/>
+        </a:solidFill>
+        <a:effectLst/>
+      </p:bgPr>
+    </p:bg>
+    <p:spTree>
+      <p:nvGrpSpPr>
+        <p:cNvPr id="1" name=""/>
+        <p:cNvGrpSpPr/>
+        <p:nvPr/>
+      </p:nvGrpSpPr>
+      <p:grpSpPr>
+        <a:xfrm>
+          <a:off x="0" y="0"/>
+          <a:ext cx="0" cy="0"/>
+          <a:chOff x="0" y="0"/>
+          <a:chExt cx="0" cy="0"/>
+        </a:xfrm>
+      </p:grpSpPr>
+      <p:pic>
+        <p:nvPicPr>
+          <p:cNvPr id="14" name="Picture 13">
+            <a:extLst>
+              <a:ext uri="{FF2B5EF4-FFF2-40B4-BE49-F238E27FC236}">
+                <a16:creationId xmlns="" xmlns:a16="http://schemas.microsoft.com/office/drawing/2014/main" id="{ED1C1369-A08C-454A-B0B5-0955BB31B118}"/>
+              </a:ext>
+            </a:extLst>
+          </p:cNvPr>
+          <p:cNvPicPr>
+            <a:picLocks noChangeAspect="1"/>
+          </p:cNvPicPr>
+          <p:nvPr/>
+        </p:nvPicPr>
+        <p:blipFill rotWithShape="1">
+          <a:blip r:embed="rId11">
+            <a:extLst>
+              <a:ext uri="{28A0092B-C50C-407E-A947-70E740481C1C}">
+                <a14:useLocalDpi xmlns:a14="http://schemas.microsoft.com/office/drawing/2010/main" val="0"/>
+              </a:ext>
+            </a:extLst>
+          </a:blip>
+          <a:srcRect r="58932" b="1495"/>
+          <a:stretch/>
+        </p:blipFill>
+        <p:spPr>
+          <a:xfrm>
+            <a:off x="9338292" y="0"/>
+            <a:ext cx="2853708" cy="4078297"/>
+          </a:xfrm>
+          <a:prstGeom prst="rect">
+            <a:avLst/>
+          </a:prstGeom>
+          <a:effectLst>
+            <a:outerShdw blurRad="50800" dist="50800" dir="5400000" algn="ctr" rotWithShape="0">
+              <a:srgbClr val="000000">
+                <a:alpha val="0"/>
+              </a:srgbClr>
+            </a:outerShdw>
+          </a:effectLst>
+        </p:spPr>
+      </p:pic>
+      <p:sp>
+        <p:nvSpPr>
+          <p:cNvPr id="1026" name="Title Placeholder 1"/>
+          <p:cNvSpPr>
+            <a:spLocks noGrp="1"/>
+          </p:cNvSpPr>
+          <p:nvPr>
+            <p:ph type="title"/>
+          </p:nvPr>
+        </p:nvSpPr>
+        <p:spPr bwMode="auto">
+          <a:xfrm>
+            <a:off x="365855" y="411481"/>
+            <a:ext cx="11379405" cy="846953"/>
+          </a:xfrm>
+          <a:prstGeom prst="rect">
+            <a:avLst/>
+          </a:prstGeom>
+          <a:noFill/>
+          <a:ln w="9525">
+            <a:noFill/>
+            <a:miter lim="800000"/>
+            <a:headEnd/>
+            <a:tailEnd/>
+          </a:ln>
+        </p:spPr>
+        <p:txBody>
+          <a:bodyPr vert="horz" wrap="square" lIns="91440" tIns="45720" rIns="91440" bIns="45720" numCol="1" anchor="t" anchorCtr="0" compatLnSpc="1">
+            <a:prstTxWarp prst="textNoShape">
+              <a:avLst/>
+            </a:prstTxWarp>
+            <a:noAutofit/>
+          </a:bodyPr>
+          <a:lstStyle/>
+          <a:p>
+            <a:pPr lvl="0"/>
+            <a:r>
+              <a:rPr lang="en-US" smtClean="0"/>
+              <a:t>Click to edit Master title style</a:t>
+            </a:r>
+            <a:endParaRPr lang="en-US" dirty="0"/>
+          </a:p>
+        </p:txBody>
+      </p:sp>
+      <p:sp>
+        <p:nvSpPr>
+          <p:cNvPr id="1027" name="Text Placeholder 2"/>
+          <p:cNvSpPr>
+            <a:spLocks noGrp="1"/>
+          </p:cNvSpPr>
+          <p:nvPr>
+            <p:ph type="body" idx="1"/>
+          </p:nvPr>
+        </p:nvSpPr>
+        <p:spPr bwMode="auto">
+          <a:xfrm>
+            <a:off x="365855" y="1737361"/>
+            <a:ext cx="11379405" cy="4040923"/>
+          </a:xfrm>
+          <a:prstGeom prst="rect">
+            <a:avLst/>
+          </a:prstGeom>
+          <a:noFill/>
+          <a:ln w="9525">
+            <a:noFill/>
+            <a:miter lim="800000"/>
+            <a:headEnd/>
+            <a:tailEnd/>
+          </a:ln>
+        </p:spPr>
+        <p:txBody>
+          <a:bodyPr vert="horz" wrap="square" lIns="91440" tIns="45720" rIns="91440" bIns="45720" numCol="1" anchor="t" anchorCtr="0" compatLnSpc="1">
+            <a:prstTxWarp prst="textNoShape">
+              <a:avLst/>
+            </a:prstTxWarp>
+            <a:noAutofit/>
+          </a:bodyPr>
+          <a:lstStyle/>
+          <a:p>
+            <a:pPr lvl="0"/>
+            <a:r>
+              <a:rPr lang="en-US"/>
+              <a:t>Edit Master text styles</a:t>
+            </a:r>
+          </a:p>
+          <a:p>
+            <a:pPr lvl="1"/>
+            <a:r>
+              <a:rPr lang="en-US"/>
+              <a:t>Second level</a:t>
+            </a:r>
+          </a:p>
+          <a:p>
+            <a:pPr lvl="2"/>
+            <a:r>
+              <a:rPr lang="en-US"/>
+              <a:t>Third level</a:t>
+            </a:r>
+          </a:p>
+          <a:p>
+            <a:pPr lvl="3"/>
+            <a:r>
+              <a:rPr lang="en-US"/>
+              <a:t>Fourth level</a:t>
+            </a:r>
+          </a:p>
+          <a:p>
+            <a:pPr lvl="4"/>
+            <a:r>
+              <a:rPr lang="en-US"/>
+              <a:t>Fifth level</a:t>
+            </a:r>
+            <a:endParaRPr lang="en-US" dirty="0"/>
+          </a:p>
+        </p:txBody>
+      </p:sp>
+      <p:pic>
+        <p:nvPicPr>
+          <p:cNvPr id="13" name="Picture 12"/>
+          <p:cNvPicPr>
+            <a:picLocks noChangeAspect="1"/>
+          </p:cNvPicPr>
+          <p:nvPr/>
+        </p:nvPicPr>
+        <p:blipFill>
+          <a:blip r:embed="rId12" cstate="print">
+            <a:extLst>
+              <a:ext uri="{28A0092B-C50C-407E-A947-70E740481C1C}">
+                <a14:useLocalDpi xmlns:a14="http://schemas.microsoft.com/office/drawing/2010/main" val="0"/>
+              </a:ext>
+            </a:extLst>
+          </a:blip>
+          <a:stretch>
+            <a:fillRect/>
+          </a:stretch>
+        </p:blipFill>
+        <p:spPr>
+          <a:xfrm>
+            <a:off x="9743698" y="6183517"/>
+            <a:ext cx="1971725" cy="533060"/>
+          </a:xfrm>
+          <a:prstGeom prst="rect">
+            <a:avLst/>
+          </a:prstGeom>
+        </p:spPr>
+      </p:pic>
+      <p:sp>
+        <p:nvSpPr>
+          <p:cNvPr id="8" name="Rectangle 256"/>
+          <p:cNvSpPr txBox="1">
+            <a:spLocks noChangeArrowheads="1"/>
+          </p:cNvSpPr>
+          <p:nvPr/>
+        </p:nvSpPr>
+        <p:spPr>
+          <a:xfrm>
+            <a:off x="363923" y="6477000"/>
+            <a:ext cx="3316411" cy="182562"/>
+          </a:xfrm>
+          <a:prstGeom prst="rect">
+            <a:avLst/>
+          </a:prstGeom>
+          <a:ln/>
+        </p:spPr>
+        <p:txBody>
+          <a:bodyPr anchor="ctr"/>
+          <a:lstStyle/>
+          <a:p>
+            <a:pPr algn="l"/>
+            <a:r>
+              <a:rPr lang="en-US" sz="1000" dirty="0">
+                <a:solidFill>
+                  <a:schemeClr val="tx1"/>
+                </a:solidFill>
+                <a:latin typeface="Arial" pitchFamily="34" charset="0"/>
+                <a:cs typeface="Arial" pitchFamily="34" charset="0"/>
+              </a:rPr>
+              <a:t> </a:t>
+            </a:r>
+          </a:p>
+        </p:txBody>
+      </p:sp>
+      <p:sp>
+        <p:nvSpPr>
+          <p:cNvPr id="9" name="Rectangle 6"/>
+          <p:cNvSpPr>
+            <a:spLocks noChangeArrowheads="1"/>
+          </p:cNvSpPr>
+          <p:nvPr/>
+        </p:nvSpPr>
+        <p:spPr bwMode="auto">
+          <a:xfrm flipH="1">
+            <a:off x="163417" y="6513052"/>
+            <a:ext cx="515769" cy="146511"/>
+          </a:xfrm>
+          <a:prstGeom prst="rect">
+            <a:avLst/>
+          </a:prstGeom>
+          <a:noFill/>
+          <a:ln w="9525">
+            <a:noFill/>
+            <a:miter lim="800000"/>
+            <a:headEnd/>
+            <a:tailEnd/>
+          </a:ln>
+          <a:effectLst/>
+        </p:spPr>
+        <p:txBody>
+          <a:bodyPr lIns="0" tIns="0" rIns="0" bIns="0"/>
+          <a:lstStyle/>
+          <a:p>
+            <a:pPr algn="l" defTabSz="173038">
+              <a:lnSpc>
+                <a:spcPct val="90000"/>
+              </a:lnSpc>
+              <a:tabLst>
+                <a:tab pos="230188" algn="l"/>
+              </a:tabLst>
+              <a:defRPr/>
+            </a:pPr>
+            <a:fld id="{040BB257-551A-4736-B50F-DCF1BA034C06}" type="slidenum">
+              <a:rPr lang="en-US" sz="1000" smtClean="0">
+                <a:solidFill>
+                  <a:schemeClr val="tx1"/>
+                </a:solidFill>
+                <a:latin typeface="Arial" pitchFamily="34" charset="0"/>
+                <a:cs typeface="Arial" pitchFamily="34" charset="0"/>
+              </a:rPr>
+              <a:pPr algn="l" defTabSz="173038">
+                <a:lnSpc>
+                  <a:spcPct val="90000"/>
+                </a:lnSpc>
+                <a:tabLst>
+                  <a:tab pos="230188" algn="l"/>
+                </a:tabLst>
+                <a:defRPr/>
+              </a:pPr>
+              <a:t>‹#›</a:t>
+            </a:fld>
+            <a:endParaRPr lang="en-US" sz="1000" dirty="0">
+              <a:solidFill>
+                <a:schemeClr val="tx1"/>
+              </a:solidFill>
+              <a:latin typeface="Arial" pitchFamily="34" charset="0"/>
+              <a:cs typeface="Arial" pitchFamily="34" charset="0"/>
+            </a:endParaRPr>
+          </a:p>
+        </p:txBody>
+      </p:sp>
+    </p:spTree>
+    <p:extLst>
+      <p:ext uri="{BB962C8B-B14F-4D97-AF65-F5344CB8AC3E}">
+        <p14:creationId xmlns:p14="http://schemas.microsoft.com/office/powerpoint/2010/main" val="310690577"/>
+      </p:ext>
+    </p:extLst>
+  </p:cSld>
+  <p:clrMap bg1="lt1" tx1="dk1" bg2="lt2" tx2="dk2" accent1="accent1" accent2="accent2" accent3="accent3" accent4="accent4" accent5="accent5" accent6="accent6" hlink="hlink" folHlink="folHlink"/>
+  <p:sldLayoutIdLst>
+    <p:sldLayoutId id="2147483704" r:id="rId1"/>
+    <p:sldLayoutId id="2147483705" r:id="rId2"/>
+    <p:sldLayoutId id="2147483706" r:id="rId3"/>
+    <p:sldLayoutId id="2147483707" r:id="rId4"/>
+    <p:sldLayoutId id="2147483708" r:id="rId5"/>
+    <p:sldLayoutId id="2147483709" r:id="rId6"/>
+    <p:sldLayoutId id="2147483710" r:id="rId7"/>
+    <p:sldLayoutId id="2147483711" r:id="rId8"/>
+    <p:sldLayoutId id="2147483712" r:id="rId9"/>
+  </p:sldLayoutIdLst>
+  <mc:AlternateContent xmlns:mc="http://schemas.openxmlformats.org/markup-compatibility/2006" xmlns:p14="http://schemas.microsoft.com/office/powerpoint/2010/main">
+    <mc:Choice Requires="p14">
+      <p:transition spd="med" p14:dur="700">
+        <p:fade/>
+      </p:transition>
+    </mc:Choice>
+    <mc:Fallback xmlns="">
+      <p:transition spd="med">
+        <p:fade/>
+      </p:transition>
+    </mc:Fallback>
+  </mc:AlternateContent>
+  <p:timing>
+    <p:tnLst>
+      <p:par>
+        <p:cTn id="1" dur="indefinite" restart="never" nodeType="tmRoot"/>
+      </p:par>
+    </p:tnLst>
+  </p:timing>
+  <p:txStyles>
+    <p:titleStyle>
+      <a:lvl1pPr marL="0" indent="0" algn="l" rtl="0" eaLnBrk="1" fontAlgn="base" hangingPunct="1">
+        <a:lnSpc>
+          <a:spcPct val="85000"/>
+        </a:lnSpc>
+        <a:spcBef>
+          <a:spcPct val="0"/>
+        </a:spcBef>
+        <a:spcAft>
+          <a:spcPct val="0"/>
+        </a:spcAft>
+        <a:defRPr sz="2800" b="1" kern="1200" baseline="0">
+          <a:solidFill>
+            <a:schemeClr val="tx1"/>
+          </a:solidFill>
+          <a:latin typeface="+mn-lt"/>
+          <a:ea typeface="+mj-ea"/>
+          <a:cs typeface="+mj-cs"/>
+        </a:defRPr>
+      </a:lvl1pPr>
+      <a:lvl2pPr algn="l" rtl="0" eaLnBrk="1" fontAlgn="base" hangingPunct="1">
+        <a:lnSpc>
+          <a:spcPct val="85000"/>
+        </a:lnSpc>
+        <a:spcBef>
+          <a:spcPct val="0"/>
+        </a:spcBef>
+        <a:spcAft>
+          <a:spcPct val="0"/>
+        </a:spcAft>
+        <a:defRPr sz="3000">
+          <a:solidFill>
+            <a:srgbClr val="006C3A"/>
+          </a:solidFill>
+          <a:latin typeface="Arial Black" pitchFamily="34" charset="0"/>
+        </a:defRPr>
+      </a:lvl2pPr>
+      <a:lvl3pPr algn="l" rtl="0" eaLnBrk="1" fontAlgn="base" hangingPunct="1">
+        <a:lnSpc>
+          <a:spcPct val="85000"/>
+        </a:lnSpc>
+        <a:spcBef>
+          <a:spcPct val="0"/>
+        </a:spcBef>
+        <a:spcAft>
+          <a:spcPct val="0"/>
+        </a:spcAft>
+        <a:defRPr sz="3000">
+          <a:solidFill>
+            <a:srgbClr val="006C3A"/>
+          </a:solidFill>
+          <a:latin typeface="Arial Black" pitchFamily="34" charset="0"/>
+        </a:defRPr>
+      </a:lvl3pPr>
+      <a:lvl4pPr algn="l" rtl="0" eaLnBrk="1" fontAlgn="base" hangingPunct="1">
+        <a:lnSpc>
+          <a:spcPct val="85000"/>
+        </a:lnSpc>
+        <a:spcBef>
+          <a:spcPct val="0"/>
+        </a:spcBef>
+        <a:spcAft>
+          <a:spcPct val="0"/>
+        </a:spcAft>
+        <a:defRPr sz="3000">
+          <a:solidFill>
+            <a:srgbClr val="006C3A"/>
+          </a:solidFill>
+          <a:latin typeface="Arial Black" pitchFamily="34" charset="0"/>
+        </a:defRPr>
+      </a:lvl4pPr>
+      <a:lvl5pPr algn="l" rtl="0" eaLnBrk="1" fontAlgn="base" hangingPunct="1">
+        <a:lnSpc>
+          <a:spcPct val="85000"/>
+        </a:lnSpc>
+        <a:spcBef>
+          <a:spcPct val="0"/>
+        </a:spcBef>
+        <a:spcAft>
+          <a:spcPct val="0"/>
+        </a:spcAft>
+        <a:defRPr sz="3000">
+          <a:solidFill>
+            <a:srgbClr val="006C3A"/>
+          </a:solidFill>
+          <a:latin typeface="Arial Black" pitchFamily="34" charset="0"/>
+        </a:defRPr>
+      </a:lvl5pPr>
+      <a:lvl6pPr marL="457200" algn="l" rtl="0" eaLnBrk="1" fontAlgn="base" hangingPunct="1">
+        <a:lnSpc>
+          <a:spcPct val="85000"/>
+        </a:lnSpc>
+        <a:spcBef>
+          <a:spcPct val="0"/>
+        </a:spcBef>
+        <a:spcAft>
+          <a:spcPct val="0"/>
+        </a:spcAft>
+        <a:defRPr sz="3000">
+          <a:solidFill>
+            <a:srgbClr val="006C3A"/>
+          </a:solidFill>
+          <a:latin typeface="Arial Black" pitchFamily="34" charset="0"/>
+        </a:defRPr>
+      </a:lvl6pPr>
+      <a:lvl7pPr marL="914400" algn="l" rtl="0" eaLnBrk="1" fontAlgn="base" hangingPunct="1">
+        <a:lnSpc>
+          <a:spcPct val="85000"/>
+        </a:lnSpc>
+        <a:spcBef>
+          <a:spcPct val="0"/>
+        </a:spcBef>
+        <a:spcAft>
+          <a:spcPct val="0"/>
+        </a:spcAft>
+        <a:defRPr sz="3000">
+          <a:solidFill>
+            <a:srgbClr val="006C3A"/>
+          </a:solidFill>
+          <a:latin typeface="Arial Black" pitchFamily="34" charset="0"/>
+        </a:defRPr>
+      </a:lvl7pPr>
+      <a:lvl8pPr marL="1371600" algn="l" rtl="0" eaLnBrk="1" fontAlgn="base" hangingPunct="1">
+        <a:lnSpc>
+          <a:spcPct val="85000"/>
+        </a:lnSpc>
+        <a:spcBef>
+          <a:spcPct val="0"/>
+        </a:spcBef>
+        <a:spcAft>
+          <a:spcPct val="0"/>
+        </a:spcAft>
+        <a:defRPr sz="3000">
+          <a:solidFill>
+            <a:srgbClr val="006C3A"/>
+          </a:solidFill>
+          <a:latin typeface="Arial Black" pitchFamily="34" charset="0"/>
+        </a:defRPr>
+      </a:lvl8pPr>
+      <a:lvl9pPr marL="1828800" algn="l" rtl="0" eaLnBrk="1" fontAlgn="base" hangingPunct="1">
+        <a:lnSpc>
+          <a:spcPct val="85000"/>
+        </a:lnSpc>
+        <a:spcBef>
+          <a:spcPct val="0"/>
+        </a:spcBef>
+        <a:spcAft>
+          <a:spcPct val="0"/>
+        </a:spcAft>
+        <a:defRPr sz="3000">
+          <a:solidFill>
+            <a:srgbClr val="006C3A"/>
+          </a:solidFill>
+          <a:latin typeface="Arial Black" pitchFamily="34" charset="0"/>
+        </a:defRPr>
+      </a:lvl9pPr>
+    </p:titleStyle>
+    <p:bodyStyle>
+      <a:lvl1pPr marL="230188" indent="-230188" algn="l" rtl="0" eaLnBrk="1" fontAlgn="base" hangingPunct="1">
+        <a:lnSpc>
+          <a:spcPct val="90000"/>
+        </a:lnSpc>
+        <a:spcBef>
+          <a:spcPts val="1400"/>
+        </a:spcBef>
+        <a:spcAft>
+          <a:spcPct val="0"/>
+        </a:spcAft>
+        <a:buClr>
+          <a:schemeClr val="tx1"/>
+        </a:buClr>
+        <a:buFont typeface="Arial" charset="0"/>
+        <a:buChar char="•"/>
+        <a:defRPr sz="2400" kern="1200">
+          <a:solidFill>
+            <a:schemeClr val="tx1"/>
+          </a:solidFill>
+          <a:latin typeface="+mn-lt"/>
+          <a:ea typeface="+mn-ea"/>
+          <a:cs typeface="+mn-cs"/>
+        </a:defRPr>
+      </a:lvl1pPr>
+      <a:lvl2pPr marL="625475" indent="-279400" algn="l" rtl="0" eaLnBrk="1" fontAlgn="base" hangingPunct="1">
+        <a:lnSpc>
+          <a:spcPct val="90000"/>
+        </a:lnSpc>
+        <a:spcBef>
+          <a:spcPts val="800"/>
+        </a:spcBef>
+        <a:spcAft>
+          <a:spcPct val="0"/>
+        </a:spcAft>
+        <a:buClr>
+          <a:schemeClr val="tx1"/>
+        </a:buClr>
+        <a:buFont typeface="Arial" charset="0"/>
+        <a:buChar char="–"/>
+        <a:defRPr sz="2000" kern="1200">
+          <a:solidFill>
+            <a:schemeClr val="tx1"/>
+          </a:solidFill>
+          <a:latin typeface="+mn-lt"/>
+          <a:ea typeface="+mn-ea"/>
+          <a:cs typeface="+mn-cs"/>
+        </a:defRPr>
+      </a:lvl2pPr>
+      <a:lvl3pPr marL="914400" indent="-230188" algn="l" rtl="0" eaLnBrk="1" fontAlgn="base" hangingPunct="1">
+        <a:lnSpc>
+          <a:spcPct val="90000"/>
+        </a:lnSpc>
+        <a:spcBef>
+          <a:spcPts val="800"/>
+        </a:spcBef>
+        <a:spcAft>
+          <a:spcPct val="0"/>
+        </a:spcAft>
+        <a:buClr>
+          <a:schemeClr val="tx1"/>
+        </a:buClr>
+        <a:buFont typeface="Arial" charset="0"/>
+        <a:buChar char="•"/>
+        <a:defRPr sz="1800" kern="1200">
+          <a:solidFill>
+            <a:schemeClr val="tx1"/>
+          </a:solidFill>
+          <a:latin typeface="+mn-lt"/>
+          <a:ea typeface="+mn-ea"/>
+          <a:cs typeface="+mn-cs"/>
+        </a:defRPr>
+      </a:lvl3pPr>
+      <a:lvl4pPr marL="1144588" indent="-173038" algn="l" rtl="0" eaLnBrk="1" fontAlgn="base" hangingPunct="1">
+        <a:lnSpc>
+          <a:spcPct val="90000"/>
+        </a:lnSpc>
+        <a:spcBef>
+          <a:spcPts val="800"/>
+        </a:spcBef>
+        <a:spcAft>
+          <a:spcPct val="0"/>
+        </a:spcAft>
+        <a:buClr>
+          <a:schemeClr val="tx1"/>
+        </a:buClr>
+        <a:buFont typeface="Arial" charset="0"/>
+        <a:buChar char="–"/>
+        <a:defRPr sz="1600" kern="1200">
+          <a:solidFill>
+            <a:schemeClr val="tx1"/>
+          </a:solidFill>
+          <a:latin typeface="+mn-lt"/>
+          <a:ea typeface="+mn-ea"/>
+          <a:cs typeface="+mn-cs"/>
+        </a:defRPr>
+      </a:lvl4pPr>
+      <a:lvl5pPr marL="1482725" indent="-222250" algn="l" rtl="0" eaLnBrk="1" fontAlgn="base" hangingPunct="1">
+        <a:lnSpc>
+          <a:spcPct val="90000"/>
+        </a:lnSpc>
+        <a:spcBef>
+          <a:spcPts val="600"/>
+        </a:spcBef>
+        <a:spcAft>
+          <a:spcPct val="0"/>
+        </a:spcAft>
+        <a:buClr>
+          <a:schemeClr val="tx1"/>
+        </a:buClr>
+        <a:buFont typeface="Arial" charset="0"/>
+        <a:buChar char="»"/>
+        <a:defRPr sz="1600" kern="1200">
+          <a:solidFill>
+            <a:schemeClr val="tx1"/>
+          </a:solidFill>
+          <a:latin typeface="+mn-lt"/>
+          <a:ea typeface="+mn-ea"/>
+          <a:cs typeface="+mn-cs"/>
+        </a:defRPr>
+      </a:lvl5pPr>
+      <a:lvl6pPr marL="2514600" indent="-228600" algn="l" defTabSz="914400" rtl="0" eaLnBrk="1" latinLnBrk="0" hangingPunct="1">
+        <a:spcBef>
+          <a:spcPct val="20000"/>
+        </a:spcBef>
+        <a:buFont typeface="Arial" pitchFamily="34" charset="0"/>
+        <a:buChar char="•"/>
+        <a:defRPr sz="2000" kern="1200">
+          <a:solidFill>
+            <a:schemeClr val="tx1"/>
+          </a:solidFill>
+          <a:latin typeface="+mn-lt"/>
+          <a:ea typeface="+mn-ea"/>
+          <a:cs typeface="+mn-cs"/>
+        </a:defRPr>
+      </a:lvl6pPr>
+      <a:lvl7pPr marL="2971800" indent="-228600" algn="l" defTabSz="914400" rtl="0" eaLnBrk="1" latinLnBrk="0" hangingPunct="1">
+        <a:spcBef>
+          <a:spcPct val="20000"/>
+        </a:spcBef>
+        <a:buFont typeface="Arial" pitchFamily="34" charset="0"/>
+        <a:buChar char="•"/>
+        <a:defRPr sz="2000" kern="1200">
+          <a:solidFill>
+            <a:schemeClr val="tx1"/>
+          </a:solidFill>
+          <a:latin typeface="+mn-lt"/>
+          <a:ea typeface="+mn-ea"/>
+          <a:cs typeface="+mn-cs"/>
+        </a:defRPr>
+      </a:lvl7pPr>
+      <a:lvl8pPr marL="3429000" indent="-228600" algn="l" defTabSz="914400" rtl="0" eaLnBrk="1" latinLnBrk="0" hangingPunct="1">
+        <a:spcBef>
+          <a:spcPct val="20000"/>
+        </a:spcBef>
+        <a:buFont typeface="Arial" pitchFamily="34" charset="0"/>
+        <a:buChar char="•"/>
+        <a:defRPr sz="2000" kern="1200">
+          <a:solidFill>
+            <a:schemeClr val="tx1"/>
+          </a:solidFill>
+          <a:latin typeface="+mn-lt"/>
+          <a:ea typeface="+mn-ea"/>
+          <a:cs typeface="+mn-cs"/>
+        </a:defRPr>
+      </a:lvl8pPr>
+      <a:lvl9pPr marL="3886200" indent="-228600" algn="l" defTabSz="914400" rtl="0" eaLnBrk="1" latinLnBrk="0" hangingPunct="1">
+        <a:spcBef>
+          <a:spcPct val="20000"/>
+        </a:spcBef>
+        <a:buFont typeface="Arial" pitchFamily="34" charset="0"/>
+        <a:buChar char="•"/>
+        <a:defRPr sz="2000" kern="1200">
+          <a:solidFill>
+            <a:schemeClr val="tx1"/>
+          </a:solidFill>
+          <a:latin typeface="+mn-lt"/>
+          <a:ea typeface="+mn-ea"/>
+          <a:cs typeface="+mn-cs"/>
+        </a:defRPr>
+      </a:lvl9pPr>
+    </p:bodyStyle>
+    <p:otherStyle>
+      <a:defPPr>
+        <a:defRPr lang="en-US"/>
+      </a:defPPr>
+      <a:lvl1pPr marL="0" algn="l" defTabSz="914400" rtl="0" eaLnBrk="1" latinLnBrk="0" hangingPunct="1">
+        <a:defRPr sz="1800" kern="1200">
+          <a:solidFill>
+            <a:schemeClr val="tx1"/>
+          </a:solidFill>
+          <a:latin typeface="+mn-lt"/>
+          <a:ea typeface="+mn-ea"/>
+          <a:cs typeface="+mn-cs"/>
+        </a:defRPr>
+      </a:lvl1pPr>
+      <a:lvl2pPr marL="457200" algn="l" defTabSz="914400" rtl="0" eaLnBrk="1" latinLnBrk="0" hangingPunct="1">
+        <a:defRPr sz="1800" kern="1200">
+          <a:solidFill>
+            <a:schemeClr val="tx1"/>
+          </a:solidFill>
+          <a:latin typeface="+mn-lt"/>
+          <a:ea typeface="+mn-ea"/>
+          <a:cs typeface="+mn-cs"/>
+        </a:defRPr>
+      </a:lvl2pPr>
+      <a:lvl3pPr marL="914400" algn="l" defTabSz="914400" rtl="0" eaLnBrk="1" latinLnBrk="0" hangingPunct="1">
+        <a:defRPr sz="1800" kern="1200">
+          <a:solidFill>
+            <a:schemeClr val="tx1"/>
+          </a:solidFill>
+          <a:latin typeface="+mn-lt"/>
+          <a:ea typeface="+mn-ea"/>
+          <a:cs typeface="+mn-cs"/>
+        </a:defRPr>
+      </a:lvl3pPr>
+      <a:lvl4pPr marL="1371600" algn="l" defTabSz="914400" rtl="0" eaLnBrk="1" latinLnBrk="0" hangingPunct="1">
+        <a:defRPr sz="1800" kern="1200">
+          <a:solidFill>
+            <a:schemeClr val="tx1"/>
+          </a:solidFill>
+          <a:latin typeface="+mn-lt"/>
+          <a:ea typeface="+mn-ea"/>
+          <a:cs typeface="+mn-cs"/>
+        </a:defRPr>
+      </a:lvl4pPr>
+      <a:lvl5pPr marL="1828800" algn="l" defTabSz="914400" rtl="0" eaLnBrk="1" latinLnBrk="0" hangingPunct="1">
+        <a:defRPr sz="1800" kern="1200">
+          <a:solidFill>
+            <a:schemeClr val="tx1"/>
+          </a:solidFill>
+          <a:latin typeface="+mn-lt"/>
+          <a:ea typeface="+mn-ea"/>
+          <a:cs typeface="+mn-cs"/>
+        </a:defRPr>
+      </a:lvl5pPr>
+      <a:lvl6pPr marL="2286000" algn="l" defTabSz="914400" rtl="0" eaLnBrk="1" latinLnBrk="0" hangingPunct="1">
+        <a:defRPr sz="1800" kern="1200">
+          <a:solidFill>
+            <a:schemeClr val="tx1"/>
+          </a:solidFill>
+          <a:latin typeface="+mn-lt"/>
+          <a:ea typeface="+mn-ea"/>
+          <a:cs typeface="+mn-cs"/>
+        </a:defRPr>
+      </a:lvl6pPr>
+      <a:lvl7pPr marL="2743200" algn="l" defTabSz="914400" rtl="0" eaLnBrk="1" latinLnBrk="0" hangingPunct="1">
+        <a:defRPr sz="1800" kern="1200">
+          <a:solidFill>
+            <a:schemeClr val="tx1"/>
+          </a:solidFill>
+          <a:latin typeface="+mn-lt"/>
+          <a:ea typeface="+mn-ea"/>
+          <a:cs typeface="+mn-cs"/>
+        </a:defRPr>
+      </a:lvl7pPr>
+      <a:lvl8pPr marL="3200400" algn="l" defTabSz="914400" rtl="0" eaLnBrk="1" latinLnBrk="0" hangingPunct="1">
+        <a:defRPr sz="1800" kern="1200">
+          <a:solidFill>
+            <a:schemeClr val="tx1"/>
+          </a:solidFill>
+          <a:latin typeface="+mn-lt"/>
+          <a:ea typeface="+mn-ea"/>
+          <a:cs typeface="+mn-cs"/>
+        </a:defRPr>
+      </a:lvl8pPr>
+      <a:lvl9pPr marL="3657600" algn="l" defTabSz="914400" rtl="0" eaLnBrk="1" latinLnBrk="0" hangingPunct="1">
+        <a:defRPr sz="1800" kern="1200">
+          <a:solidFill>
+            <a:schemeClr val="tx1"/>
+          </a:solidFill>
+          <a:latin typeface="+mn-lt"/>
+          <a:ea typeface="+mn-ea"/>
+          <a:cs typeface="+mn-cs"/>
+        </a:defRPr>
+      </a:lvl9pPr>
+    </p:otherStyle>
+  </p:txStyles>
+  <p:extLst>
+    <p:ext uri="{27BBF7A9-308A-43DC-89C8-2F10F3537804}">
+      <p15:sldGuideLst xmlns:p15="http://schemas.microsoft.com/office/powerpoint/2012/main"/>
+    </p:ext>
+  </p:extLst>
+</p:sldMaster>
+</file>
+
 <file path=ppt/slides/slide1.xml><?xml version="1.0" encoding="utf-8"?>
 <p:sld xmlns:a="http://schemas.openxmlformats.org/drawingml/2006/main" xmlns:r="http://schemas.openxmlformats.org/officeDocument/2006/relationships" xmlns:p="http://schemas.openxmlformats.org/presentationml/2006/main">
   <p:cSld>
@@ -17819,8 +21176,8 @@
         </p:nvSpPr>
         <p:spPr>
           <a:xfrm>
-            <a:off x="190499" y="100853"/>
-            <a:ext cx="8753996" cy="2575845"/>
+            <a:off x="1018143" y="1145862"/>
+            <a:ext cx="10293234" cy="1218450"/>
           </a:xfrm>
         </p:spPr>
         <p:txBody>
@@ -17831,18 +21188,33 @@
           <a:p>
             <a:pPr algn="ctr"/>
             <a:r>
-              <a:rPr lang="en-US" dirty="0" smtClean="0"/>
+              <a:rPr lang="en-US" sz="4000" dirty="0" smtClean="0"/>
               <a:t>ISC 19 Tutorial</a:t>
             </a:r>
             <a:r>
-              <a:rPr lang="en-US" dirty="0"/>
-              <a:t>: Getting Started with Containers on </a:t>
-            </a:r>
-            <a:r>
-              <a:rPr lang="en-US" dirty="0" smtClean="0"/>
+              <a:rPr lang="en-US" sz="4000" dirty="0"/>
+              <a:t>: </a:t>
+            </a:r>
+            <a:r>
+              <a:rPr lang="en-US" sz="4000" dirty="0" smtClean="0"/>
+              <a:t/>
+            </a:r>
+            <a:br>
+              <a:rPr lang="en-US" sz="4000" dirty="0" smtClean="0"/>
+            </a:br>
+            <a:r>
+              <a:rPr lang="en-US" sz="4000" dirty="0" smtClean="0"/>
+              <a:t>Getting </a:t>
+            </a:r>
+            <a:r>
+              <a:rPr lang="en-US" sz="4000" dirty="0"/>
+              <a:t>Started with Containers on </a:t>
+            </a:r>
+            <a:r>
+              <a:rPr lang="en-US" sz="4000" dirty="0" smtClean="0"/>
               <a:t>HPC</a:t>
             </a:r>
-            <a:endParaRPr lang="en-US" dirty="0"/>
+            <a:endParaRPr lang="en-US" sz="4000" dirty="0"/>
           </a:p>
         </p:txBody>
       </p:sp>
@@ -17864,7 +21236,7 @@
         </p:nvSpPr>
         <p:spPr>
           <a:xfrm>
-            <a:off x="190500" y="3571291"/>
+            <a:off x="303067" y="2841859"/>
             <a:ext cx="11713325" cy="2138654"/>
           </a:xfrm>
         </p:spPr>
@@ -17935,13 +21307,13 @@
           <p:nvPr>
             <p:extLst>
               <p:ext uri="{D42A27DB-BD31-4B8C-83A1-F6EECF244321}">
-                <p14:modId xmlns:p14="http://schemas.microsoft.com/office/powerpoint/2010/main" val="536880498"/>
+                <p14:modId xmlns:p14="http://schemas.microsoft.com/office/powerpoint/2010/main" val="994572538"/>
               </p:ext>
             </p:extLst>
           </p:nvPr>
         </p:nvGraphicFramePr>
         <p:xfrm>
-          <a:off x="1712420" y="4236745"/>
+          <a:off x="1812173" y="3519605"/>
           <a:ext cx="8695114" cy="1473200"/>
         </p:xfrm>
         <a:graphic>
@@ -18527,6 +21899,154 @@
           </a:p>
         </p:txBody>
       </p:sp>
+      <p:pic>
+        <p:nvPicPr>
+          <p:cNvPr id="6" name="Picture 5"/>
+          <p:cNvPicPr>
+            <a:picLocks noChangeAspect="1"/>
+          </p:cNvPicPr>
+          <p:nvPr/>
+        </p:nvPicPr>
+        <p:blipFill>
+          <a:blip r:embed="rId2">
+            <a:extLst>
+              <a:ext uri="{28A0092B-C50C-407E-A947-70E740481C1C}">
+                <a14:useLocalDpi xmlns:a14="http://schemas.microsoft.com/office/drawing/2010/main" val="0"/>
+              </a:ext>
+            </a:extLst>
+          </a:blip>
+          <a:stretch>
+            <a:fillRect/>
+          </a:stretch>
+        </p:blipFill>
+        <p:spPr>
+          <a:xfrm>
+            <a:off x="10507287" y="327512"/>
+            <a:ext cx="1093649" cy="1118281"/>
+          </a:xfrm>
+          <a:prstGeom prst="rect">
+            <a:avLst/>
+          </a:prstGeom>
+        </p:spPr>
+      </p:pic>
+      <p:pic>
+        <p:nvPicPr>
+          <p:cNvPr id="7" name="Picture 6"/>
+          <p:cNvPicPr>
+            <a:picLocks noChangeAspect="1"/>
+          </p:cNvPicPr>
+          <p:nvPr/>
+        </p:nvPicPr>
+        <p:blipFill>
+          <a:blip r:embed="rId3">
+            <a:extLst>
+              <a:ext uri="{28A0092B-C50C-407E-A947-70E740481C1C}">
+                <a14:useLocalDpi xmlns:a14="http://schemas.microsoft.com/office/drawing/2010/main" val="0"/>
+              </a:ext>
+            </a:extLst>
+          </a:blip>
+          <a:stretch>
+            <a:fillRect/>
+          </a:stretch>
+        </p:blipFill>
+        <p:spPr>
+          <a:xfrm>
+            <a:off x="9695964" y="5252014"/>
+            <a:ext cx="2373053" cy="914039"/>
+          </a:xfrm>
+          <a:prstGeom prst="rect">
+            <a:avLst/>
+          </a:prstGeom>
+        </p:spPr>
+      </p:pic>
+      <p:pic>
+        <p:nvPicPr>
+          <p:cNvPr id="8" name="Picture 7"/>
+          <p:cNvPicPr>
+            <a:picLocks noChangeAspect="1"/>
+          </p:cNvPicPr>
+          <p:nvPr/>
+        </p:nvPicPr>
+        <p:blipFill rotWithShape="1">
+          <a:blip r:embed="rId4">
+            <a:extLst>
+              <a:ext uri="{28A0092B-C50C-407E-A947-70E740481C1C}">
+                <a14:useLocalDpi xmlns:a14="http://schemas.microsoft.com/office/drawing/2010/main" val="0"/>
+              </a:ext>
+            </a:extLst>
+          </a:blip>
+          <a:srcRect l="14125" t="20135" r="15779" b="27080"/>
+          <a:stretch/>
+        </p:blipFill>
+        <p:spPr>
+          <a:xfrm>
+            <a:off x="6895006" y="5285910"/>
+            <a:ext cx="2445786" cy="889324"/>
+          </a:xfrm>
+          <a:prstGeom prst="rect">
+            <a:avLst/>
+          </a:prstGeom>
+        </p:spPr>
+      </p:pic>
+      <p:pic>
+        <p:nvPicPr>
+          <p:cNvPr id="9" name="Picture 8"/>
+          <p:cNvPicPr>
+            <a:picLocks noChangeAspect="1"/>
+          </p:cNvPicPr>
+          <p:nvPr/>
+        </p:nvPicPr>
+        <p:blipFill>
+          <a:blip r:embed="rId5">
+            <a:extLst>
+              <a:ext uri="{28A0092B-C50C-407E-A947-70E740481C1C}">
+                <a14:useLocalDpi xmlns:a14="http://schemas.microsoft.com/office/drawing/2010/main" val="0"/>
+              </a:ext>
+            </a:extLst>
+          </a:blip>
+          <a:stretch>
+            <a:fillRect/>
+          </a:stretch>
+        </p:blipFill>
+        <p:spPr>
+          <a:xfrm>
+            <a:off x="0" y="5382816"/>
+            <a:ext cx="3302001" cy="695513"/>
+          </a:xfrm>
+          <a:prstGeom prst="rect">
+            <a:avLst/>
+          </a:prstGeom>
+        </p:spPr>
+      </p:pic>
+      <p:pic>
+        <p:nvPicPr>
+          <p:cNvPr id="10" name="Picture 9"/>
+          <p:cNvPicPr>
+            <a:picLocks noChangeAspect="1"/>
+          </p:cNvPicPr>
+          <p:nvPr/>
+        </p:nvPicPr>
+        <p:blipFill rotWithShape="1">
+          <a:blip r:embed="rId6">
+            <a:extLst>
+              <a:ext uri="{28A0092B-C50C-407E-A947-70E740481C1C}">
+                <a14:useLocalDpi xmlns:a14="http://schemas.microsoft.com/office/drawing/2010/main" val="0"/>
+              </a:ext>
+            </a:extLst>
+          </a:blip>
+          <a:srcRect l="3508" t="38957" r="3185" b="39994"/>
+          <a:stretch/>
+        </p:blipFill>
+        <p:spPr>
+          <a:xfrm>
+            <a:off x="3456636" y="5382816"/>
+            <a:ext cx="3083198" cy="695513"/>
+          </a:xfrm>
+          <a:prstGeom prst="rect">
+            <a:avLst/>
+          </a:prstGeom>
+        </p:spPr>
+      </p:pic>
     </p:spTree>
     <p:extLst>
       <p:ext uri="{BB962C8B-B14F-4D97-AF65-F5344CB8AC3E}">
@@ -18598,13 +22118,18 @@
             <a:spLocks noGrp="1"/>
           </p:cNvSpPr>
           <p:nvPr>
-            <p:ph type="body" sz="quarter" idx="10"/>
+            <p:ph idx="1"/>
           </p:nvPr>
         </p:nvSpPr>
-        <p:spPr/>
+        <p:spPr>
+          <a:xfrm>
+            <a:off x="365856" y="1122218"/>
+            <a:ext cx="11372771" cy="4047778"/>
+          </a:xfrm>
+        </p:spPr>
         <p:txBody>
           <a:bodyPr>
-            <a:normAutofit fontScale="92500" lnSpcReduction="20000"/>
+            <a:normAutofit fontScale="85000" lnSpcReduction="20000"/>
           </a:bodyPr>
           <a:lstStyle/>
           <a:p>
@@ -18786,13 +22311,13 @@
             <a:spLocks noGrp="1"/>
           </p:cNvSpPr>
           <p:nvPr>
-            <p:ph type="body" sz="quarter" idx="10"/>
+            <p:ph idx="1"/>
           </p:nvPr>
         </p:nvSpPr>
         <p:spPr>
           <a:xfrm>
-            <a:off x="720648" y="1194954"/>
-            <a:ext cx="10571466" cy="4930075"/>
+            <a:off x="368520" y="974814"/>
+            <a:ext cx="11372771" cy="4047778"/>
           </a:xfrm>
         </p:spPr>
         <p:txBody>
@@ -19293,6 +22818,10 @@
           </p:nvPr>
         </p:nvSpPr>
         <p:spPr>
+          <a:xfrm>
+            <a:off x="365856" y="178723"/>
+            <a:ext cx="11375435" cy="914400"/>
+          </a:xfrm>
           <a:prstGeom prst="rect">
             <a:avLst/>
           </a:prstGeom>
@@ -19317,7 +22846,7 @@
               <a:buNone/>
             </a:pPr>
             <a:r>
-              <a:rPr lang="en-US" sz="3200" b="0" i="0" u="none" strike="noStrike" cap="none" dirty="0" smtClean="0">
+              <a:rPr lang="en-US" i="0" u="none" strike="noStrike" cap="none" dirty="0" smtClean="0">
                 <a:solidFill>
                   <a:schemeClr val="tx1"/>
                 </a:solidFill>
@@ -19326,7 +22855,7 @@
               <a:t>Developing </a:t>
             </a:r>
             <a:r>
-              <a:rPr lang="en-US" sz="3200" b="0" i="0" u="none" strike="noStrike" cap="none" dirty="0">
+              <a:rPr lang="en-US" i="0" u="none" strike="noStrike" cap="none" dirty="0">
                 <a:solidFill>
                   <a:schemeClr val="tx1"/>
                 </a:solidFill>
@@ -19335,7 +22864,7 @@
               <a:t>Container </a:t>
             </a:r>
             <a:r>
-              <a:rPr lang="en-US" sz="3200" b="0" i="0" u="none" strike="noStrike" cap="none" dirty="0" smtClean="0">
+              <a:rPr lang="en-US" i="0" u="none" strike="noStrike" cap="none" dirty="0" smtClean="0">
                 <a:solidFill>
                   <a:schemeClr val="tx1"/>
                 </a:solidFill>
@@ -19343,7 +22872,7 @@
               </a:rPr>
               <a:t>Vision</a:t>
             </a:r>
-            <a:endParaRPr sz="3200" b="0" i="0" u="none" strike="noStrike" cap="none" dirty="0">
+            <a:endParaRPr i="0" u="none" strike="noStrike" cap="none" dirty="0">
               <a:solidFill>
                 <a:schemeClr val="tx1"/>
               </a:solidFill>
@@ -19359,13 +22888,13 @@
             <a:spLocks noGrp="1"/>
           </p:cNvSpPr>
           <p:nvPr>
-            <p:ph type="body" sz="quarter" idx="10"/>
+            <p:ph idx="1"/>
           </p:nvPr>
         </p:nvSpPr>
         <p:spPr>
           <a:xfrm>
-            <a:off x="436328" y="1102767"/>
-            <a:ext cx="10627039" cy="5361073"/>
+            <a:off x="368520" y="1325880"/>
+            <a:ext cx="11372771" cy="4047778"/>
           </a:xfrm>
           <a:prstGeom prst="rect">
             <a:avLst/>
@@ -19930,8 +23459,8 @@
         <p:fade/>
       </p:transition>
     </mc:Choice>
-    <mc:Fallback xmlns="" xmlns:mv="urn:schemas-microsoft-com:mac:vml" xmlns:c="http://schemas.openxmlformats.org/drawingml/2006/chart" xmlns:dgm="http://schemas.openxmlformats.org/drawingml/2006/diagram" xmlns:o="urn:schemas-microsoft-com:office:office" xmlns:v="urn:schemas-microsoft-com:vml" xmlns:pvml="urn:schemas-microsoft-com:office:powerpoint" xmlns:com="http://schemas.openxmlformats.org/drawingml/2006/compatibility" xmlns:p15="http://schemas.microsoft.com/office/powerpoint/2012/main">
-      <p:transition spd="slow">
+    <mc:Fallback xmlns="">
+      <p:transition spd="med">
         <p:fade/>
       </p:transition>
     </mc:Fallback>
@@ -19990,13 +23519,13 @@
             <a:spLocks noGrp="1"/>
           </p:cNvSpPr>
           <p:nvPr>
-            <p:ph type="body" sz="quarter" idx="10"/>
+            <p:ph idx="1"/>
           </p:nvPr>
         </p:nvSpPr>
         <p:spPr/>
         <p:txBody>
           <a:bodyPr>
-            <a:normAutofit/>
+            <a:normAutofit fontScale="92500" lnSpcReduction="10000"/>
           </a:bodyPr>
           <a:lstStyle/>
           <a:p>
@@ -20156,12 +23685,12 @@
       </p:sp>
       <p:sp>
         <p:nvSpPr>
-          <p:cNvPr id="4" name="Slide Number Placeholder 3"/>
+          <p:cNvPr id="3" name="Content Placeholder 2"/>
           <p:cNvSpPr>
             <a:spLocks noGrp="1"/>
           </p:cNvSpPr>
           <p:nvPr>
-            <p:ph type="sldNum" sz="quarter" idx="4"/>
+            <p:ph idx="1"/>
           </p:nvPr>
         </p:nvSpPr>
         <p:spPr/>
@@ -20169,103 +23698,111 @@
           <a:bodyPr/>
           <a:lstStyle/>
           <a:p>
+            <a:r>
+              <a:rPr lang="en-US" sz="2400" dirty="0"/>
+              <a:t>Impractical for apps to use large-scale supercomputers for DevOps and/or testing </a:t>
+            </a:r>
+          </a:p>
+          <a:p>
+            <a:pPr lvl="1"/>
+            <a:r>
+              <a:rPr lang="en-US" sz="2000" dirty="0"/>
+              <a:t>HPC resources have long batch queues</a:t>
+            </a:r>
+          </a:p>
+          <a:p>
+            <a:pPr lvl="1"/>
+            <a:r>
+              <a:rPr lang="en-US" sz="2000" dirty="0"/>
+              <a:t>Dev time commonly delayed as a result</a:t>
+            </a:r>
+          </a:p>
+          <a:p>
+            <a:r>
+              <a:rPr lang="en-US" dirty="0"/>
+              <a:t>Create deployment portability with containers</a:t>
+            </a:r>
+          </a:p>
+          <a:p>
+            <a:pPr lvl="1"/>
+            <a:r>
+              <a:rPr lang="en-US" dirty="0"/>
+              <a:t>Develop Docker containers on your laptop or workstation</a:t>
+            </a:r>
+          </a:p>
+          <a:p>
+            <a:pPr lvl="1"/>
+            <a:r>
+              <a:rPr lang="en-US" dirty="0"/>
+              <a:t>Leverage </a:t>
+            </a:r>
+            <a:r>
+              <a:rPr lang="en-US" dirty="0" err="1"/>
+              <a:t>Gitlab</a:t>
+            </a:r>
+            <a:r>
+              <a:rPr lang="en-US" dirty="0"/>
+              <a:t> registry services</a:t>
+            </a:r>
+          </a:p>
+          <a:p>
+            <a:pPr lvl="2"/>
+            <a:r>
+              <a:rPr lang="en-US" dirty="0"/>
+              <a:t>Separate networks maintain separate registries</a:t>
+            </a:r>
+          </a:p>
+          <a:p>
+            <a:pPr lvl="1"/>
+            <a:r>
+              <a:rPr lang="en-US" dirty="0"/>
+              <a:t>Import to target deployment</a:t>
+            </a:r>
+          </a:p>
+          <a:p>
+            <a:pPr lvl="2"/>
+            <a:r>
+              <a:rPr lang="en-US" dirty="0"/>
+              <a:t>Leverage local resource manager </a:t>
+            </a:r>
+          </a:p>
+          <a:p>
+            <a:endParaRPr lang="en-US" sz="2400" dirty="0"/>
+          </a:p>
+          <a:p>
+            <a:endParaRPr lang="en-US" sz="2400" dirty="0"/>
+          </a:p>
+        </p:txBody>
+      </p:sp>
+      <p:sp>
+        <p:nvSpPr>
+          <p:cNvPr id="4" name="Slide Number Placeholder 3"/>
+          <p:cNvSpPr>
+            <a:spLocks noGrp="1"/>
+          </p:cNvSpPr>
+          <p:nvPr>
+            <p:ph type="sldNum" sz="quarter" idx="4294967295"/>
+          </p:nvPr>
+        </p:nvSpPr>
+        <p:spPr>
+          <a:xfrm>
+            <a:off x="0" y="446088"/>
+            <a:ext cx="419100" cy="365125"/>
+          </a:xfrm>
+          <a:prstGeom prst="rect">
+            <a:avLst/>
+          </a:prstGeom>
+        </p:spPr>
+        <p:txBody>
+          <a:bodyPr/>
+          <a:lstStyle/>
+          <a:p>
             <a:fld id="{A5E55A7B-7854-E145-92D9-B491DF4BAE2D}" type="slidenum">
               <a:rPr lang="en-US" smtClean="0"/>
               <a:pPr/>
               <a:t>14</a:t>
             </a:fld>
             <a:endParaRPr lang="en-US"/>
-          </a:p>
-        </p:txBody>
-      </p:sp>
-      <p:sp>
-        <p:nvSpPr>
-          <p:cNvPr id="3" name="Content Placeholder 2"/>
-          <p:cNvSpPr>
-            <a:spLocks noGrp="1"/>
-          </p:cNvSpPr>
-          <p:nvPr>
-            <p:ph type="body" sz="quarter" idx="10"/>
-          </p:nvPr>
-        </p:nvSpPr>
-        <p:spPr/>
-        <p:txBody>
-          <a:bodyPr/>
-          <a:lstStyle/>
-          <a:p>
-            <a:r>
-              <a:rPr lang="en-US" sz="2400" dirty="0"/>
-              <a:t>Impractical for apps to use large-scale supercomputers for DevOps and/or testing </a:t>
-            </a:r>
-          </a:p>
-          <a:p>
-            <a:pPr lvl="1"/>
-            <a:r>
-              <a:rPr lang="en-US" sz="2000" dirty="0"/>
-              <a:t>HPC resources have long batch queues</a:t>
-            </a:r>
-          </a:p>
-          <a:p>
-            <a:pPr lvl="1"/>
-            <a:r>
-              <a:rPr lang="en-US" sz="2000" dirty="0"/>
-              <a:t>Dev time commonly delayed as a result</a:t>
-            </a:r>
-          </a:p>
-          <a:p>
-            <a:r>
-              <a:rPr lang="en-US" dirty="0"/>
-              <a:t>Create deployment portability with containers</a:t>
-            </a:r>
-          </a:p>
-          <a:p>
-            <a:pPr lvl="1"/>
-            <a:r>
-              <a:rPr lang="en-US" dirty="0"/>
-              <a:t>Develop Docker containers on your laptop or workstation</a:t>
-            </a:r>
-          </a:p>
-          <a:p>
-            <a:pPr lvl="1"/>
-            <a:r>
-              <a:rPr lang="en-US" dirty="0"/>
-              <a:t>Leverage </a:t>
-            </a:r>
-            <a:r>
-              <a:rPr lang="en-US" dirty="0" err="1"/>
-              <a:t>Gitlab</a:t>
-            </a:r>
-            <a:r>
-              <a:rPr lang="en-US" dirty="0"/>
-              <a:t> registry services</a:t>
-            </a:r>
-          </a:p>
-          <a:p>
-            <a:pPr lvl="2"/>
-            <a:r>
-              <a:rPr lang="en-US" dirty="0"/>
-              <a:t>Separate networks maintain separate registries</a:t>
-            </a:r>
-          </a:p>
-          <a:p>
-            <a:pPr lvl="1"/>
-            <a:r>
-              <a:rPr lang="en-US" dirty="0"/>
-              <a:t>Import to target deployment</a:t>
-            </a:r>
-          </a:p>
-          <a:p>
-            <a:pPr lvl="2"/>
-            <a:r>
-              <a:rPr lang="en-US" dirty="0"/>
-              <a:t>Leverage local resource manager </a:t>
-            </a:r>
-          </a:p>
-          <a:p>
-            <a:endParaRPr lang="en-US" sz="2400" dirty="0"/>
-          </a:p>
-          <a:p>
-            <a:endParaRPr lang="en-US" sz="2400" dirty="0"/>
           </a:p>
         </p:txBody>
       </p:sp>
@@ -20360,7 +23897,11 @@
           <a:bodyPr/>
           <a:lstStyle/>
           <a:p>
-            <a:endParaRPr lang="en-US"/>
+            <a:r>
+              <a:rPr lang="en-US" dirty="0" smtClean="0"/>
+              <a:t>Next: learn how to work with your first container!</a:t>
+            </a:r>
+            <a:endParaRPr lang="en-US" dirty="0"/>
           </a:p>
         </p:txBody>
       </p:sp>
@@ -20436,46 +23977,106 @@
             <a:spLocks noGrp="1"/>
           </p:cNvSpPr>
           <p:nvPr>
-            <p:ph type="body" sz="quarter" idx="10"/>
+            <p:ph idx="1"/>
           </p:nvPr>
         </p:nvSpPr>
-        <p:spPr>
-          <a:xfrm>
-            <a:off x="720648" y="1441696"/>
-            <a:ext cx="11050174" cy="4794211"/>
-          </a:xfrm>
-        </p:spPr>
+        <p:spPr/>
         <p:txBody>
           <a:bodyPr/>
           <a:lstStyle/>
           <a:p>
             <a:r>
+              <a:rPr lang="en-US" b="1" dirty="0" smtClean="0"/>
+              <a:t>14:01 </a:t>
+            </a:r>
+            <a:r>
               <a:rPr lang="en-US" b="1" dirty="0"/>
-              <a:t>0:01 - 0:30 Introduction to Containers in HPC (Younge/Canon)</a:t>
-            </a:r>
-          </a:p>
-          <a:p>
+              <a:t>- </a:t>
+            </a:r>
+            <a:r>
+              <a:rPr lang="en-US" b="1" dirty="0" smtClean="0"/>
+              <a:t>14:30 </a:t>
+            </a:r>
+            <a:r>
+              <a:rPr lang="en-US" b="1" dirty="0"/>
+              <a:t>Introduction to Containers in HPC </a:t>
+            </a:r>
+            <a:r>
+              <a:rPr lang="en-US" b="1" dirty="0" smtClean="0"/>
+              <a:t>(Younge)</a:t>
+            </a:r>
+            <a:endParaRPr lang="en-US" b="1" dirty="0"/>
+          </a:p>
+          <a:p>
+            <a:r>
+              <a:rPr lang="en-US" dirty="0" smtClean="0"/>
+              <a:t>14:31 </a:t>
+            </a:r>
             <a:r>
               <a:rPr lang="en-US" dirty="0"/>
-              <a:t>0:30 - 1:00 How to build your first Docker container (Canon)</a:t>
-            </a:r>
-          </a:p>
-          <a:p>
+              <a:t>- </a:t>
+            </a:r>
+            <a:r>
+              <a:rPr lang="en-US" dirty="0" smtClean="0"/>
+              <a:t>15:00 </a:t>
+            </a:r>
             <a:r>
               <a:rPr lang="en-US" dirty="0"/>
-              <a:t>1:00 - 1:30 How to deploy a container on a supercomputer (Canon)</a:t>
-            </a:r>
-          </a:p>
-          <a:p>
+              <a:t>How to build your first Docker container (Canon)</a:t>
+            </a:r>
+          </a:p>
+          <a:p>
+            <a:r>
+              <a:rPr lang="en-US" dirty="0" smtClean="0"/>
+              <a:t>15:00 </a:t>
+            </a:r>
             <a:r>
               <a:rPr lang="en-US" dirty="0"/>
-              <a:t>1:30 - 2:00 -- Break --</a:t>
-            </a:r>
-          </a:p>
-          <a:p>
+              <a:t>- </a:t>
+            </a:r>
+            <a:r>
+              <a:rPr lang="en-US" dirty="0" smtClean="0"/>
+              <a:t>15:30 </a:t>
+            </a:r>
             <a:r>
               <a:rPr lang="en-US" dirty="0"/>
-              <a:t>2:00 - 2:30 How to build a Singularity container image (</a:t>
+              <a:t>How to deploy a container on a supercomputer (Canon)</a:t>
+            </a:r>
+          </a:p>
+          <a:p>
+            <a:r>
+              <a:rPr lang="en-US" dirty="0" smtClean="0"/>
+              <a:t>15:30 </a:t>
+            </a:r>
+            <a:r>
+              <a:rPr lang="en-US" dirty="0"/>
+              <a:t>- </a:t>
+            </a:r>
+            <a:r>
+              <a:rPr lang="en-US" dirty="0" smtClean="0"/>
+              <a:t>16:00              -- </a:t>
+            </a:r>
+            <a:r>
+              <a:rPr lang="en-US" dirty="0"/>
+              <a:t>Break --</a:t>
+            </a:r>
+          </a:p>
+          <a:p>
+            <a:r>
+              <a:rPr lang="en-US" dirty="0" smtClean="0"/>
+              <a:t>16:00 </a:t>
+            </a:r>
+            <a:r>
+              <a:rPr lang="en-US" dirty="0"/>
+              <a:t>- </a:t>
+            </a:r>
+            <a:r>
+              <a:rPr lang="en-US" dirty="0" smtClean="0"/>
+              <a:t>16:30 </a:t>
+            </a:r>
+            <a:r>
+              <a:rPr lang="en-US" dirty="0"/>
+              <a:t>How to build a Singularity container image (</a:t>
             </a:r>
             <a:r>
               <a:rPr lang="en-US" dirty="0" err="1"/>
@@ -20488,8 +24089,20 @@
           </a:p>
           <a:p>
             <a:r>
+              <a:rPr lang="en-US" dirty="0" smtClean="0"/>
+              <a:t>16:30 </a:t>
+            </a:r>
+            <a:r>
               <a:rPr lang="en-US" dirty="0"/>
-              <a:t>2:30 - 3:00 Running Singularity on a supercomputer &amp; </a:t>
+              <a:t>- </a:t>
+            </a:r>
+            <a:r>
+              <a:rPr lang="en-US" dirty="0" smtClean="0"/>
+              <a:t>17:00 </a:t>
+            </a:r>
+            <a:r>
+              <a:rPr lang="en-US" dirty="0"/>
+              <a:t>Running Singularity on a supercomputer &amp; </a:t>
             </a:r>
             <a:r>
               <a:rPr lang="en-US" dirty="0" err="1"/>
@@ -20510,17 +24123,44 @@
           </a:p>
           <a:p>
             <a:r>
+              <a:rPr lang="en-US" dirty="0" smtClean="0"/>
+              <a:t>17:00 </a:t>
+            </a:r>
+            <a:r>
               <a:rPr lang="en-US" dirty="0"/>
-              <a:t>3:00 - 4:00 Example: Running an HPC app on the E4S container (</a:t>
+              <a:t>-</a:t>
+            </a:r>
+            <a:r>
+              <a:rPr lang="en-US" dirty="0" smtClean="0"/>
+              <a:t> 17:30 Running </a:t>
+            </a:r>
+            <a:r>
+              <a:rPr lang="en-US" dirty="0"/>
+              <a:t>an HPC app on the E4S container (</a:t>
             </a:r>
             <a:r>
               <a:rPr lang="en-US" dirty="0" err="1"/>
               <a:t>Shende</a:t>
             </a:r>
             <a:r>
-              <a:rPr lang="en-US" dirty="0"/>
+              <a:rPr lang="en-US" dirty="0" smtClean="0"/>
               <a:t>)</a:t>
             </a:r>
+          </a:p>
+          <a:p>
+            <a:r>
+              <a:rPr lang="en-US" dirty="0" smtClean="0"/>
+              <a:t>17:30</a:t>
+            </a:r>
+            <a:r>
+              <a:rPr lang="mr-IN" dirty="0" smtClean="0"/>
+              <a:t>–</a:t>
+            </a:r>
+            <a:r>
+              <a:rPr lang="en-US" dirty="0" smtClean="0"/>
+              <a:t> 18:00 Success Stories and Summary (Canon)</a:t>
+            </a:r>
+            <a:endParaRPr lang="en-US" dirty="0"/>
           </a:p>
           <a:p>
             <a:endParaRPr lang="en-US" dirty="0"/>
@@ -20576,7 +24216,7 @@
             <a:spLocks noGrp="1"/>
           </p:cNvSpPr>
           <p:nvPr>
-            <p:ph type="title"/>
+            <p:ph type="ctrTitle"/>
           </p:nvPr>
         </p:nvSpPr>
         <p:spPr/>
@@ -20586,12 +24226,27 @@
           <a:p>
             <a:r>
               <a:rPr lang="en-US" dirty="0" smtClean="0"/>
-              <a:t>Introduction to Containers </a:t>
-            </a:r>
-            <a:r>
-              <a:rPr lang="en-US" dirty="0" smtClean="0"/>
-              <a:t>in HPC</a:t>
-            </a:r>
+              <a:t>Introduction to Containers in HPC</a:t>
+            </a:r>
+            <a:endParaRPr lang="en-US" dirty="0"/>
+          </a:p>
+        </p:txBody>
+      </p:sp>
+      <p:sp>
+        <p:nvSpPr>
+          <p:cNvPr id="3" name="Subtitle 2"/>
+          <p:cNvSpPr>
+            <a:spLocks noGrp="1"/>
+          </p:cNvSpPr>
+          <p:nvPr>
+            <p:ph type="subTitle" idx="1"/>
+          </p:nvPr>
+        </p:nvSpPr>
+        <p:spPr/>
+        <p:txBody>
+          <a:bodyPr/>
+          <a:lstStyle/>
+          <a:p>
             <a:endParaRPr lang="en-US" dirty="0"/>
           </a:p>
         </p:txBody>
@@ -20675,15 +24330,10 @@
             <a:spLocks noGrp="1"/>
           </p:cNvSpPr>
           <p:nvPr>
-            <p:ph type="body" sz="quarter" idx="10"/>
+            <p:ph idx="1"/>
           </p:nvPr>
         </p:nvSpPr>
-        <p:spPr>
-          <a:xfrm>
-            <a:off x="720647" y="1441696"/>
-            <a:ext cx="10552403" cy="4794211"/>
-          </a:xfrm>
-        </p:spPr>
+        <p:spPr/>
         <p:txBody>
           <a:bodyPr/>
           <a:lstStyle/>
@@ -20897,15 +24547,82 @@
       </p:sp>
       <p:sp>
         <p:nvSpPr>
+          <p:cNvPr id="3" name="Content Placeholder 2"/>
+          <p:cNvSpPr>
+            <a:spLocks noGrp="1"/>
+          </p:cNvSpPr>
+          <p:nvPr>
+            <p:ph idx="1"/>
+          </p:nvPr>
+        </p:nvSpPr>
+        <p:spPr>
+          <a:xfrm>
+            <a:off x="365856" y="868680"/>
+            <a:ext cx="11372771" cy="4047778"/>
+          </a:xfrm>
+        </p:spPr>
+        <p:txBody>
+          <a:bodyPr/>
+          <a:lstStyle/>
+          <a:p>
+            <a:r>
+              <a:rPr lang="en-US" dirty="0" smtClean="0"/>
+              <a:t>Type 1 hypervisors insert layer below host OS</a:t>
+            </a:r>
+          </a:p>
+          <a:p>
+            <a:r>
+              <a:rPr lang="en-US" dirty="0" smtClean="0"/>
+              <a:t>Type 2 hypervisors work as or within the host OS</a:t>
+            </a:r>
+          </a:p>
+          <a:p>
+            <a:r>
+              <a:rPr lang="en-US" dirty="0" smtClean="0"/>
+              <a:t>Containers do not abstract hardware, instead provide “enhanced </a:t>
+            </a:r>
+            <a:r>
+              <a:rPr lang="en-US" dirty="0" err="1" smtClean="0"/>
+              <a:t>chroot</a:t>
+            </a:r>
+            <a:r>
+              <a:rPr lang="en-US" dirty="0" smtClean="0"/>
+              <a:t>” to create isolated environment</a:t>
+            </a:r>
+          </a:p>
+          <a:p>
+            <a:r>
+              <a:rPr lang="en-US" dirty="0" smtClean="0"/>
+              <a:t>Location of abstraction can have impact on performance</a:t>
+            </a:r>
+          </a:p>
+          <a:p>
+            <a:r>
+              <a:rPr lang="en-US" dirty="0" smtClean="0"/>
+              <a:t>All enable custom software stacks on existing hardware</a:t>
+            </a:r>
+          </a:p>
+        </p:txBody>
+      </p:sp>
+      <p:sp>
+        <p:nvSpPr>
           <p:cNvPr id="4" name="Slide Number Placeholder 3"/>
           <p:cNvSpPr>
             <a:spLocks noGrp="1"/>
           </p:cNvSpPr>
           <p:nvPr>
-            <p:ph type="sldNum" sz="quarter" idx="4"/>
+            <p:ph type="sldNum" sz="quarter" idx="4294967295"/>
           </p:nvPr>
         </p:nvSpPr>
-        <p:spPr/>
+        <p:spPr>
+          <a:xfrm>
+            <a:off x="0" y="446088"/>
+            <a:ext cx="419100" cy="365125"/>
+          </a:xfrm>
+          <a:prstGeom prst="rect">
+            <a:avLst/>
+          </a:prstGeom>
+        </p:spPr>
         <p:txBody>
           <a:bodyPr/>
           <a:lstStyle/>
@@ -20916,70 +24633,6 @@
               <a:t>5</a:t>
             </a:fld>
             <a:endParaRPr lang="en-US"/>
-          </a:p>
-        </p:txBody>
-      </p:sp>
-      <p:sp>
-        <p:nvSpPr>
-          <p:cNvPr id="3" name="Content Placeholder 2"/>
-          <p:cNvSpPr>
-            <a:spLocks noGrp="1"/>
-          </p:cNvSpPr>
-          <p:nvPr>
-            <p:ph type="body" sz="quarter" idx="10"/>
-          </p:nvPr>
-        </p:nvSpPr>
-        <p:spPr>
-          <a:xfrm>
-            <a:off x="720648" y="942932"/>
-            <a:ext cx="10058400" cy="4794211"/>
-          </a:xfrm>
-        </p:spPr>
-        <p:txBody>
-          <a:bodyPr/>
-          <a:lstStyle/>
-          <a:p>
-            <a:r>
-              <a:rPr lang="en-US" dirty="0" smtClean="0"/>
-              <a:t>Type 1 hypervisors insert layer below host OS</a:t>
-            </a:r>
-          </a:p>
-          <a:p>
-            <a:r>
-              <a:rPr lang="en-US" dirty="0" smtClean="0"/>
-              <a:t>Type 2 hypervisors work as or within the host OS</a:t>
-            </a:r>
-          </a:p>
-          <a:p>
-            <a:r>
-              <a:rPr lang="en-US" dirty="0" smtClean="0"/>
-              <a:t>Containers do not abstract hardware, instead provide “enhanced </a:t>
-            </a:r>
-            <a:r>
-              <a:rPr lang="en-US" dirty="0" err="1" smtClean="0"/>
-              <a:t>chroot</a:t>
-            </a:r>
-            <a:r>
-              <a:rPr lang="en-US" dirty="0" smtClean="0"/>
-              <a:t>” to create </a:t>
-            </a:r>
-            <a:r>
-              <a:rPr lang="en-US" dirty="0" smtClean="0"/>
-              <a:t>isolated environment</a:t>
-            </a:r>
-            <a:endParaRPr lang="en-US" dirty="0" smtClean="0"/>
-          </a:p>
-          <a:p>
-            <a:r>
-              <a:rPr lang="en-US" dirty="0" smtClean="0"/>
-              <a:t>Location of abstraction can have impact on performance</a:t>
-            </a:r>
-          </a:p>
-          <a:p>
-            <a:r>
-              <a:rPr lang="en-US" dirty="0" smtClean="0"/>
-              <a:t>All enable custom software stacks on existing hardware</a:t>
-            </a:r>
           </a:p>
         </p:txBody>
       </p:sp>
@@ -21005,7 +24658,7 @@
         </p:blipFill>
         <p:spPr>
           <a:xfrm>
-            <a:off x="2117426" y="3770236"/>
+            <a:off x="2117426" y="3756525"/>
             <a:ext cx="6851545" cy="3087764"/>
           </a:xfrm>
           <a:prstGeom prst="rect">
@@ -21086,15 +24739,135 @@
       </p:sp>
       <p:sp>
         <p:nvSpPr>
+          <p:cNvPr id="3" name="Content Placeholder 2"/>
+          <p:cNvSpPr>
+            <a:spLocks noGrp="1"/>
+          </p:cNvSpPr>
+          <p:nvPr>
+            <p:ph idx="1"/>
+          </p:nvPr>
+        </p:nvSpPr>
+        <p:spPr>
+          <a:xfrm>
+            <a:off x="365856" y="1172095"/>
+            <a:ext cx="11372771" cy="4047778"/>
+          </a:xfrm>
+        </p:spPr>
+        <p:txBody>
+          <a:bodyPr/>
+          <a:lstStyle/>
+          <a:p>
+            <a:r>
+              <a:rPr lang="en-US" dirty="0"/>
+              <a:t>Abstracting hardware and software resources has had profound impact on computing</a:t>
+            </a:r>
+          </a:p>
+          <a:p>
+            <a:r>
+              <a:rPr lang="en-US" dirty="0"/>
+              <a:t>Virtual Machines to Cloud computing in the past decade</a:t>
+            </a:r>
+          </a:p>
+          <a:p>
+            <a:pPr lvl="1"/>
+            <a:r>
+              <a:rPr lang="en-US" dirty="0"/>
+              <a:t>Early implementations limited by performance</a:t>
+            </a:r>
+          </a:p>
+          <a:p>
+            <a:pPr lvl="1"/>
+            <a:r>
+              <a:rPr lang="en-US" dirty="0"/>
+              <a:t>HPC on clouds: </a:t>
+            </a:r>
+            <a:r>
+              <a:rPr lang="en-US" dirty="0" err="1"/>
+              <a:t>FutureGrid</a:t>
+            </a:r>
+            <a:r>
+              <a:rPr lang="en-US" dirty="0"/>
+              <a:t>, Magellan, Chameleon Cloud, Hobbes, </a:t>
+            </a:r>
+            <a:r>
+              <a:rPr lang="en-US" dirty="0" err="1"/>
+              <a:t>etc</a:t>
+            </a:r>
+            <a:endParaRPr lang="en-US" dirty="0"/>
+          </a:p>
+          <a:p>
+            <a:pPr lvl="1"/>
+            <a:r>
+              <a:rPr lang="en-US" dirty="0"/>
+              <a:t>Some initial successes, but not always straightforward</a:t>
+            </a:r>
+          </a:p>
+          <a:p>
+            <a:r>
+              <a:rPr lang="en-US" dirty="0"/>
+              <a:t>OS-level virtualization a bit different</a:t>
+            </a:r>
+          </a:p>
+          <a:p>
+            <a:pPr lvl="1"/>
+            <a:r>
+              <a:rPr lang="en-US" dirty="0"/>
+              <a:t>User level code packaged in container, can then be transported</a:t>
+            </a:r>
+          </a:p>
+          <a:p>
+            <a:pPr lvl="1"/>
+            <a:r>
+              <a:rPr lang="en-US" dirty="0"/>
+              <a:t>Single OS kernel shared across containers and provides isolation</a:t>
+            </a:r>
+          </a:p>
+          <a:p>
+            <a:pPr lvl="1"/>
+            <a:r>
+              <a:rPr lang="en-US" dirty="0" err="1"/>
+              <a:t>Cgroups</a:t>
+            </a:r>
+            <a:r>
+              <a:rPr lang="en-US" dirty="0"/>
+              <a:t> traditionally multiplexes hardware resources</a:t>
+            </a:r>
+          </a:p>
+          <a:p>
+            <a:pPr lvl="1"/>
+            <a:r>
+              <a:rPr lang="en-US" dirty="0"/>
+              <a:t>Performance is good, but OS flexibility is limited</a:t>
+            </a:r>
+          </a:p>
+          <a:p>
+            <a:pPr lvl="1"/>
+            <a:endParaRPr lang="en-US" dirty="0"/>
+          </a:p>
+          <a:p>
+            <a:endParaRPr lang="en-US" dirty="0"/>
+          </a:p>
+        </p:txBody>
+      </p:sp>
+      <p:sp>
+        <p:nvSpPr>
           <p:cNvPr id="4" name="Slide Number Placeholder 3"/>
           <p:cNvSpPr>
             <a:spLocks noGrp="1"/>
           </p:cNvSpPr>
           <p:nvPr>
-            <p:ph type="sldNum" sz="quarter" idx="4"/>
+            <p:ph type="sldNum" sz="quarter" idx="4294967295"/>
           </p:nvPr>
         </p:nvSpPr>
-        <p:spPr/>
+        <p:spPr>
+          <a:xfrm>
+            <a:off x="0" y="446088"/>
+            <a:ext cx="419100" cy="365125"/>
+          </a:xfrm>
+          <a:prstGeom prst="rect">
+            <a:avLst/>
+          </a:prstGeom>
+        </p:spPr>
         <p:txBody>
           <a:bodyPr/>
           <a:lstStyle/>
@@ -21113,113 +24886,6 @@
                 <a:prstClr val="black"/>
               </a:solidFill>
             </a:endParaRPr>
-          </a:p>
-        </p:txBody>
-      </p:sp>
-      <p:sp>
-        <p:nvSpPr>
-          <p:cNvPr id="3" name="Content Placeholder 2"/>
-          <p:cNvSpPr>
-            <a:spLocks noGrp="1"/>
-          </p:cNvSpPr>
-          <p:nvPr>
-            <p:ph type="body" sz="quarter" idx="10"/>
-          </p:nvPr>
-        </p:nvSpPr>
-        <p:spPr/>
-        <p:txBody>
-          <a:bodyPr/>
-          <a:lstStyle/>
-          <a:p>
-            <a:r>
-              <a:rPr lang="en-US" dirty="0"/>
-              <a:t>Abstracting hardware and software resources has had profound impact on computing</a:t>
-            </a:r>
-          </a:p>
-          <a:p>
-            <a:r>
-              <a:rPr lang="en-US" dirty="0"/>
-              <a:t>Virtual Machines to Cloud computing in the past decade</a:t>
-            </a:r>
-          </a:p>
-          <a:p>
-            <a:pPr lvl="1"/>
-            <a:r>
-              <a:rPr lang="en-US" dirty="0"/>
-              <a:t>Early implementations limited by performance</a:t>
-            </a:r>
-          </a:p>
-          <a:p>
-            <a:pPr lvl="1"/>
-            <a:r>
-              <a:rPr lang="en-US" dirty="0"/>
-              <a:t>HPC on clouds: </a:t>
-            </a:r>
-            <a:r>
-              <a:rPr lang="en-US" dirty="0" err="1"/>
-              <a:t>FutureGrid</a:t>
-            </a:r>
-            <a:r>
-              <a:rPr lang="en-US" dirty="0"/>
-              <a:t>, Magellan, Chameleon Cloud, Hobbes, </a:t>
-            </a:r>
-            <a:r>
-              <a:rPr lang="en-US" dirty="0" err="1"/>
-              <a:t>etc</a:t>
-            </a:r>
-            <a:endParaRPr lang="en-US" dirty="0"/>
-          </a:p>
-          <a:p>
-            <a:pPr lvl="1"/>
-            <a:r>
-              <a:rPr lang="en-US" dirty="0"/>
-              <a:t>Some initial successes, but not always straightforward</a:t>
-            </a:r>
-          </a:p>
-          <a:p>
-            <a:r>
-              <a:rPr lang="en-US" dirty="0"/>
-              <a:t>OS-level virtualization a bit different</a:t>
-            </a:r>
-          </a:p>
-          <a:p>
-            <a:pPr lvl="1"/>
-            <a:r>
-              <a:rPr lang="en-US" dirty="0"/>
-              <a:t>User level code packaged in container, can then be transported</a:t>
-            </a:r>
-          </a:p>
-          <a:p>
-            <a:pPr lvl="1"/>
-            <a:r>
-              <a:rPr lang="en-US" dirty="0"/>
-              <a:t>Single OS kernel shared across containers and provides isolation</a:t>
-            </a:r>
-          </a:p>
-          <a:p>
-            <a:pPr lvl="1"/>
-            <a:r>
-              <a:rPr lang="en-US" dirty="0" err="1"/>
-              <a:t>Cgroups</a:t>
-            </a:r>
-            <a:r>
-              <a:rPr lang="en-US" dirty="0"/>
-              <a:t> traditionally multiplexes hardware resources</a:t>
-            </a:r>
-          </a:p>
-          <a:p>
-            <a:pPr lvl="1"/>
-            <a:r>
-              <a:rPr lang="en-US" dirty="0"/>
-              <a:t>Performance is good, but OS flexibility is limited</a:t>
-            </a:r>
-          </a:p>
-          <a:p>
-            <a:pPr lvl="1"/>
-            <a:endParaRPr lang="en-US" dirty="0"/>
-          </a:p>
-          <a:p>
-            <a:endParaRPr lang="en-US" dirty="0"/>
           </a:p>
         </p:txBody>
       </p:sp>
@@ -21294,10 +24960,15 @@
             <a:spLocks noGrp="1"/>
           </p:cNvSpPr>
           <p:nvPr>
-            <p:ph type="body" sz="quarter" idx="10"/>
+            <p:ph idx="1"/>
           </p:nvPr>
         </p:nvSpPr>
-        <p:spPr/>
+        <p:spPr>
+          <a:xfrm>
+            <a:off x="365856" y="1105593"/>
+            <a:ext cx="11372771" cy="4047778"/>
+          </a:xfrm>
+        </p:spPr>
         <p:txBody>
           <a:bodyPr>
             <a:noAutofit/>
@@ -21473,15 +25144,103 @@
       </p:sp>
       <p:sp>
         <p:nvSpPr>
+          <p:cNvPr id="3" name="Content Placeholder 2"/>
+          <p:cNvSpPr>
+            <a:spLocks noGrp="1"/>
+          </p:cNvSpPr>
+          <p:nvPr>
+            <p:ph idx="1"/>
+          </p:nvPr>
+        </p:nvSpPr>
+        <p:spPr>
+          <a:xfrm>
+            <a:off x="419100" y="1188720"/>
+            <a:ext cx="11372771" cy="4047778"/>
+          </a:xfrm>
+        </p:spPr>
+        <p:txBody>
+          <a:bodyPr/>
+          <a:lstStyle/>
+          <a:p>
+            <a:r>
+              <a:rPr lang="en-US" dirty="0"/>
+              <a:t>Containers are gaining popularity for software management of distributed systems</a:t>
+            </a:r>
+          </a:p>
+          <a:p>
+            <a:r>
+              <a:rPr lang="en-US" dirty="0"/>
+              <a:t>Enable way for developers to specify software ecosystem </a:t>
+            </a:r>
+          </a:p>
+          <a:p>
+            <a:r>
+              <a:rPr lang="en-US" dirty="0"/>
+              <a:t>US DOE High Performance Computing (HPC) resources need to support emerging software stacks</a:t>
+            </a:r>
+          </a:p>
+          <a:p>
+            <a:pPr lvl="1"/>
+            <a:r>
+              <a:rPr lang="en-US" dirty="0"/>
+              <a:t>Applicable to DevOps problems seen with large HPC codes today</a:t>
+            </a:r>
+          </a:p>
+          <a:p>
+            <a:pPr lvl="1"/>
+            <a:r>
+              <a:rPr lang="en-US" dirty="0"/>
+              <a:t>Support new frameworks &amp; cloud platform services</a:t>
+            </a:r>
+          </a:p>
+          <a:p>
+            <a:r>
+              <a:rPr lang="en-US" dirty="0"/>
+              <a:t>But HPC systems are very dissimilar from cloud infrastructure</a:t>
+            </a:r>
+          </a:p>
+          <a:p>
+            <a:pPr lvl="1"/>
+            <a:r>
+              <a:rPr lang="en-US" dirty="0"/>
+              <a:t>MPI-based bulk synchronous parallel workloads are common</a:t>
+            </a:r>
+          </a:p>
+          <a:p>
+            <a:pPr lvl="1"/>
+            <a:r>
+              <a:rPr lang="en-US" dirty="0"/>
+              <a:t>Scale-out to thousands of nodes</a:t>
+            </a:r>
+          </a:p>
+          <a:p>
+            <a:pPr lvl="1"/>
+            <a:r>
+              <a:rPr lang="en-US" dirty="0"/>
+              <a:t>Performance is paramount</a:t>
+            </a:r>
+          </a:p>
+        </p:txBody>
+      </p:sp>
+      <p:sp>
+        <p:nvSpPr>
           <p:cNvPr id="4" name="Slide Number Placeholder 3"/>
           <p:cNvSpPr>
             <a:spLocks noGrp="1"/>
           </p:cNvSpPr>
           <p:nvPr>
-            <p:ph type="sldNum" sz="quarter" idx="4"/>
+            <p:ph type="sldNum" sz="quarter" idx="4294967295"/>
           </p:nvPr>
         </p:nvSpPr>
-        <p:spPr/>
+        <p:spPr>
+          <a:xfrm>
+            <a:off x="0" y="446088"/>
+            <a:ext cx="419100" cy="365125"/>
+          </a:xfrm>
+          <a:prstGeom prst="rect">
+            <a:avLst/>
+          </a:prstGeom>
+        </p:spPr>
         <p:txBody>
           <a:bodyPr/>
           <a:lstStyle/>
@@ -21500,81 +25259,6 @@
                 <a:prstClr val="black"/>
               </a:solidFill>
             </a:endParaRPr>
-          </a:p>
-        </p:txBody>
-      </p:sp>
-      <p:sp>
-        <p:nvSpPr>
-          <p:cNvPr id="3" name="Content Placeholder 2"/>
-          <p:cNvSpPr>
-            <a:spLocks noGrp="1"/>
-          </p:cNvSpPr>
-          <p:nvPr>
-            <p:ph type="body" sz="quarter" idx="10"/>
-          </p:nvPr>
-        </p:nvSpPr>
-        <p:spPr/>
-        <p:txBody>
-          <a:bodyPr/>
-          <a:lstStyle/>
-          <a:p>
-            <a:r>
-              <a:rPr lang="en-US" dirty="0"/>
-              <a:t>Containers are gaining popularity for software management of distributed systems</a:t>
-            </a:r>
-          </a:p>
-          <a:p>
-            <a:r>
-              <a:rPr lang="en-US" dirty="0"/>
-              <a:t>Enable way for developers to specify software ecosystem </a:t>
-            </a:r>
-          </a:p>
-          <a:p>
-            <a:r>
-              <a:rPr lang="en-US" dirty="0"/>
-              <a:t>US DOE High Performance Computing (HPC) resources need to support emerging software stacks</a:t>
-            </a:r>
-          </a:p>
-          <a:p>
-            <a:pPr lvl="1"/>
-            <a:r>
-              <a:rPr lang="en-US" dirty="0"/>
-              <a:t>Applicable to DevOps problems seen with large HPC codes today</a:t>
-            </a:r>
-          </a:p>
-          <a:p>
-            <a:pPr lvl="1"/>
-            <a:r>
-              <a:rPr lang="en-US" dirty="0"/>
-              <a:t>Support new frameworks &amp; cloud platform services</a:t>
-            </a:r>
-          </a:p>
-          <a:p>
-            <a:r>
-              <a:rPr lang="en-US" dirty="0"/>
-              <a:t>But HPC systems are very dissimilar from cloud infrastructure</a:t>
-            </a:r>
-          </a:p>
-          <a:p>
-            <a:pPr lvl="1"/>
-            <a:r>
-              <a:rPr lang="en-US" dirty="0"/>
-              <a:t>MPI-based bulk synchronous parallel workloads are common</a:t>
-            </a:r>
-          </a:p>
-          <a:p>
-            <a:pPr lvl="1"/>
-            <a:r>
-              <a:rPr lang="en-US" dirty="0"/>
-              <a:t>Scale-out to thousands of nodes</a:t>
-            </a:r>
-          </a:p>
-          <a:p>
-            <a:pPr lvl="1"/>
-            <a:r>
-              <a:rPr lang="en-US" dirty="0"/>
-              <a:t>Performance is paramount</a:t>
-            </a:r>
           </a:p>
         </p:txBody>
       </p:sp>
@@ -21679,7 +25363,7 @@
             <a:spLocks noGrp="1"/>
           </p:cNvSpPr>
           <p:nvPr>
-            <p:ph type="body" sz="quarter" idx="10"/>
+            <p:ph idx="1"/>
           </p:nvPr>
         </p:nvSpPr>
         <p:spPr>
@@ -22052,8 +25736,8 @@
         <p:fade/>
       </p:transition>
     </mc:Choice>
-    <mc:Fallback xmlns="" xmlns:mv="urn:schemas-microsoft-com:mac:vml" xmlns:c="http://schemas.openxmlformats.org/drawingml/2006/chart" xmlns:dgm="http://schemas.openxmlformats.org/drawingml/2006/diagram" xmlns:o="urn:schemas-microsoft-com:office:office" xmlns:v="urn:schemas-microsoft-com:vml" xmlns:pvml="urn:schemas-microsoft-com:office:powerpoint" xmlns:com="http://schemas.openxmlformats.org/drawingml/2006/compatibility" xmlns:p15="http://schemas.microsoft.com/office/powerpoint/2012/main">
-      <p:transition spd="slow">
+    <mc:Fallback xmlns="">
+      <p:transition spd="med">
         <p:fade/>
       </p:transition>
     </mc:Fallback>
@@ -22754,6 +26438,348 @@
 </file>
 
 <file path=ppt/theme/theme3.xml><?xml version="1.0" encoding="utf-8"?>
+<a:theme xmlns:a="http://schemas.openxmlformats.org/drawingml/2006/main" name="ecp_theme_sameer">
+  <a:themeElements>
+    <a:clrScheme name="ECP 171103 final">
+      <a:dk1>
+        <a:sysClr val="windowText" lastClr="000000"/>
+      </a:dk1>
+      <a:lt1>
+        <a:sysClr val="window" lastClr="FFFFFF"/>
+      </a:lt1>
+      <a:dk2>
+        <a:srgbClr val="266093"/>
+      </a:dk2>
+      <a:lt2>
+        <a:srgbClr val="FFFFFF"/>
+      </a:lt2>
+      <a:accent1>
+        <a:srgbClr val="2A75BB"/>
+      </a:accent1>
+      <a:accent2>
+        <a:srgbClr val="84B641"/>
+      </a:accent2>
+      <a:accent3>
+        <a:srgbClr val="43B1E5"/>
+      </a:accent3>
+      <a:accent4>
+        <a:srgbClr val="D13940"/>
+      </a:accent4>
+      <a:accent5>
+        <a:srgbClr val="C39C2F"/>
+      </a:accent5>
+      <a:accent6>
+        <a:srgbClr val="7F7F7F"/>
+      </a:accent6>
+      <a:hlink>
+        <a:srgbClr val="A03123"/>
+      </a:hlink>
+      <a:folHlink>
+        <a:srgbClr val="000000"/>
+      </a:folHlink>
+    </a:clrScheme>
+    <a:fontScheme name="Office Classic 2">
+      <a:majorFont>
+        <a:latin typeface="Arial"/>
+        <a:ea typeface=""/>
+        <a:cs typeface=""/>
+        <a:font script="Jpan" typeface="ＭＳ Ｐゴシック"/>
+        <a:font script="Hang" typeface="굴림"/>
+        <a:font script="Hans" typeface="黑体"/>
+        <a:font script="Hant" typeface="微軟正黑體"/>
+        <a:font script="Arab" typeface="Arial"/>
+        <a:font script="Hebr" typeface="Arial"/>
+        <a:font script="Thai" typeface="Cordia New"/>
+        <a:font script="Ethi" typeface="Nyala"/>
+        <a:font script="Beng" typeface="Vrinda"/>
+        <a:font script="Gujr" typeface="Shruti"/>
+        <a:font script="Khmr" typeface="DaunPenh"/>
+        <a:font script="Knda" typeface="Tunga"/>
+        <a:font script="Guru" typeface="Raavi"/>
+        <a:font script="Cans" typeface="Euphemia"/>
+        <a:font script="Cher" typeface="Plantagenet Cherokee"/>
+        <a:font script="Yiii" typeface="Microsoft Yi Baiti"/>
+        <a:font script="Tibt" typeface="Microsoft Himalaya"/>
+        <a:font script="Thaa" typeface="MV Boli"/>
+        <a:font script="Deva" typeface="Mangal"/>
+        <a:font script="Telu" typeface="Gautami"/>
+        <a:font script="Taml" typeface="Latha"/>
+        <a:font script="Syrc" typeface="Estrangelo Edessa"/>
+        <a:font script="Orya" typeface="Kalinga"/>
+        <a:font script="Mlym" typeface="Kartika"/>
+        <a:font script="Laoo" typeface="DokChampa"/>
+        <a:font script="Sinh" typeface="Iskoola Pota"/>
+        <a:font script="Mong" typeface="Mongolian Baiti"/>
+        <a:font script="Viet" typeface="Arial"/>
+        <a:font script="Uigh" typeface="Microsoft Uighur"/>
+        <a:font script="Geor" typeface="Sylfaen"/>
+      </a:majorFont>
+      <a:minorFont>
+        <a:latin typeface="Arial"/>
+        <a:ea typeface=""/>
+        <a:cs typeface=""/>
+        <a:font script="Jpan" typeface="ＭＳ Ｐゴシック"/>
+        <a:font script="Hang" typeface="굴림"/>
+        <a:font script="Hans" typeface="黑体"/>
+        <a:font script="Hant" typeface="微軟正黑體"/>
+        <a:font script="Arab" typeface="Arial"/>
+        <a:font script="Hebr" typeface="Arial"/>
+        <a:font script="Thai" typeface="Cordia New"/>
+        <a:font script="Ethi" typeface="Nyala"/>
+        <a:font script="Beng" typeface="Vrinda"/>
+        <a:font script="Gujr" typeface="Shruti"/>
+        <a:font script="Khmr" typeface="DaunPenh"/>
+        <a:font script="Knda" typeface="Tunga"/>
+        <a:font script="Guru" typeface="Raavi"/>
+        <a:font script="Cans" typeface="Euphemia"/>
+        <a:font script="Cher" typeface="Plantagenet Cherokee"/>
+        <a:font script="Yiii" typeface="Microsoft Yi Baiti"/>
+        <a:font script="Tibt" typeface="Microsoft Himalaya"/>
+        <a:font script="Thaa" typeface="MV Boli"/>
+        <a:font script="Deva" typeface="Mangal"/>
+        <a:font script="Telu" typeface="Gautami"/>
+        <a:font script="Taml" typeface="Latha"/>
+        <a:font script="Syrc" typeface="Estrangelo Edessa"/>
+        <a:font script="Orya" typeface="Kalinga"/>
+        <a:font script="Mlym" typeface="Kartika"/>
+        <a:font script="Laoo" typeface="DokChampa"/>
+        <a:font script="Sinh" typeface="Iskoola Pota"/>
+        <a:font script="Mong" typeface="Mongolian Baiti"/>
+        <a:font script="Viet" typeface="Arial"/>
+        <a:font script="Uigh" typeface="Microsoft Uighur"/>
+        <a:font script="Geor" typeface="Sylfaen"/>
+      </a:minorFont>
+    </a:fontScheme>
+    <a:fmtScheme name="Office">
+      <a:fillStyleLst>
+        <a:solidFill>
+          <a:schemeClr val="phClr"/>
+        </a:solidFill>
+        <a:gradFill rotWithShape="1">
+          <a:gsLst>
+            <a:gs pos="0">
+              <a:schemeClr val="phClr">
+                <a:tint val="50000"/>
+                <a:satMod val="300000"/>
+              </a:schemeClr>
+            </a:gs>
+            <a:gs pos="35000">
+              <a:schemeClr val="phClr">
+                <a:tint val="37000"/>
+                <a:satMod val="300000"/>
+              </a:schemeClr>
+            </a:gs>
+            <a:gs pos="100000">
+              <a:schemeClr val="phClr">
+                <a:tint val="15000"/>
+                <a:satMod val="350000"/>
+              </a:schemeClr>
+            </a:gs>
+          </a:gsLst>
+          <a:lin ang="16200000" scaled="1"/>
+        </a:gradFill>
+        <a:gradFill rotWithShape="1">
+          <a:gsLst>
+            <a:gs pos="0">
+              <a:schemeClr val="phClr">
+                <a:shade val="51000"/>
+                <a:satMod val="130000"/>
+              </a:schemeClr>
+            </a:gs>
+            <a:gs pos="80000">
+              <a:schemeClr val="phClr">
+                <a:shade val="93000"/>
+                <a:satMod val="130000"/>
+              </a:schemeClr>
+            </a:gs>
+            <a:gs pos="100000">
+              <a:schemeClr val="phClr">
+                <a:shade val="94000"/>
+                <a:satMod val="135000"/>
+              </a:schemeClr>
+            </a:gs>
+          </a:gsLst>
+          <a:lin ang="16200000" scaled="0"/>
+        </a:gradFill>
+      </a:fillStyleLst>
+      <a:lnStyleLst>
+        <a:ln w="9525" cap="flat" cmpd="sng" algn="ctr">
+          <a:solidFill>
+            <a:schemeClr val="phClr">
+              <a:shade val="95000"/>
+              <a:satMod val="105000"/>
+            </a:schemeClr>
+          </a:solidFill>
+          <a:prstDash val="solid"/>
+        </a:ln>
+        <a:ln w="25400" cap="flat" cmpd="sng" algn="ctr">
+          <a:solidFill>
+            <a:schemeClr val="phClr"/>
+          </a:solidFill>
+          <a:prstDash val="solid"/>
+        </a:ln>
+        <a:ln w="38100" cap="flat" cmpd="sng" algn="ctr">
+          <a:solidFill>
+            <a:schemeClr val="phClr"/>
+          </a:solidFill>
+          <a:prstDash val="solid"/>
+        </a:ln>
+      </a:lnStyleLst>
+      <a:effectStyleLst>
+        <a:effectStyle>
+          <a:effectLst>
+            <a:outerShdw blurRad="40000" dist="20000" dir="5400000" rotWithShape="0">
+              <a:srgbClr val="000000">
+                <a:alpha val="38000"/>
+              </a:srgbClr>
+            </a:outerShdw>
+          </a:effectLst>
+        </a:effectStyle>
+        <a:effectStyle>
+          <a:effectLst>
+            <a:outerShdw blurRad="40000" dist="23000" dir="5400000" rotWithShape="0">
+              <a:srgbClr val="000000">
+                <a:alpha val="35000"/>
+              </a:srgbClr>
+            </a:outerShdw>
+          </a:effectLst>
+        </a:effectStyle>
+        <a:effectStyle>
+          <a:effectLst>
+            <a:outerShdw blurRad="40000" dist="23000" dir="5400000" rotWithShape="0">
+              <a:srgbClr val="000000">
+                <a:alpha val="35000"/>
+              </a:srgbClr>
+            </a:outerShdw>
+          </a:effectLst>
+          <a:scene3d>
+            <a:camera prst="orthographicFront">
+              <a:rot lat="0" lon="0" rev="0"/>
+            </a:camera>
+            <a:lightRig rig="threePt" dir="t">
+              <a:rot lat="0" lon="0" rev="1200000"/>
+            </a:lightRig>
+          </a:scene3d>
+          <a:sp3d>
+            <a:bevelT w="63500" h="25400"/>
+          </a:sp3d>
+        </a:effectStyle>
+      </a:effectStyleLst>
+      <a:bgFillStyleLst>
+        <a:solidFill>
+          <a:schemeClr val="phClr"/>
+        </a:solidFill>
+        <a:gradFill rotWithShape="1">
+          <a:gsLst>
+            <a:gs pos="0">
+              <a:schemeClr val="phClr">
+                <a:tint val="40000"/>
+                <a:satMod val="350000"/>
+              </a:schemeClr>
+            </a:gs>
+            <a:gs pos="40000">
+              <a:schemeClr val="phClr">
+                <a:tint val="45000"/>
+                <a:shade val="99000"/>
+                <a:satMod val="350000"/>
+              </a:schemeClr>
+            </a:gs>
+            <a:gs pos="100000">
+              <a:schemeClr val="phClr">
+                <a:shade val="20000"/>
+                <a:satMod val="255000"/>
+              </a:schemeClr>
+            </a:gs>
+          </a:gsLst>
+          <a:path path="circle">
+            <a:fillToRect l="50000" t="-80000" r="50000" b="180000"/>
+          </a:path>
+        </a:gradFill>
+        <a:gradFill rotWithShape="1">
+          <a:gsLst>
+            <a:gs pos="0">
+              <a:schemeClr val="phClr">
+                <a:tint val="80000"/>
+                <a:satMod val="300000"/>
+              </a:schemeClr>
+            </a:gs>
+            <a:gs pos="100000">
+              <a:schemeClr val="phClr">
+                <a:shade val="30000"/>
+                <a:satMod val="200000"/>
+              </a:schemeClr>
+            </a:gs>
+          </a:gsLst>
+          <a:path path="circle">
+            <a:fillToRect l="50000" t="50000" r="50000" b="50000"/>
+          </a:path>
+        </a:gradFill>
+      </a:bgFillStyleLst>
+    </a:fmtScheme>
+  </a:themeElements>
+  <a:objectDefaults>
+    <a:spDef>
+      <a:spPr>
+        <a:solidFill>
+          <a:schemeClr val="accent3"/>
+        </a:solidFill>
+        <a:ln>
+          <a:noFill/>
+        </a:ln>
+        <a:effectLst>
+          <a:outerShdw blurRad="44450" dist="27940" dir="5400000" algn="ctr">
+            <a:srgbClr val="000000">
+              <a:alpha val="32000"/>
+            </a:srgbClr>
+          </a:outerShdw>
+        </a:effectLst>
+      </a:spPr>
+      <a:bodyPr rot="0" spcFirstLastPara="0" vertOverflow="overflow" horzOverflow="overflow" vert="horz" wrap="square" lIns="121851" tIns="60925" rIns="121851" bIns="60925" numCol="1" spcCol="0" rtlCol="0" fromWordArt="0" anchor="ctr" anchorCtr="0" forceAA="0" compatLnSpc="1">
+        <a:prstTxWarp prst="textNoShape">
+          <a:avLst/>
+        </a:prstTxWarp>
+        <a:noAutofit/>
+      </a:bodyPr>
+      <a:lstStyle>
+        <a:defPPr algn="ctr">
+          <a:lnSpc>
+            <a:spcPct val="90000"/>
+          </a:lnSpc>
+          <a:defRPr sz="2000" dirty="0">
+            <a:solidFill>
+              <a:schemeClr val="bg1"/>
+            </a:solidFill>
+          </a:defRPr>
+        </a:defPPr>
+      </a:lstStyle>
+    </a:spDef>
+    <a:txDef>
+      <a:spPr>
+        <a:noFill/>
+      </a:spPr>
+      <a:bodyPr wrap="square" lIns="118872" tIns="91440" rIns="118872" bIns="91440" rtlCol="0" anchor="ctr" anchorCtr="0">
+        <a:spAutoFit/>
+      </a:bodyPr>
+      <a:lstStyle>
+        <a:defPPr algn="l">
+          <a:lnSpc>
+            <a:spcPct val="90000"/>
+          </a:lnSpc>
+          <a:defRPr dirty="0" smtClean="0"/>
+        </a:defPPr>
+      </a:lstStyle>
+    </a:txDef>
+  </a:objectDefaults>
+  <a:extraClrSchemeLst/>
+  <a:extLst>
+    <a:ext uri="{05A4C25C-085E-4340-85A3-A5531E510DB2}">
+      <thm15:themeFamily xmlns:thm15="http://schemas.microsoft.com/office/thememl/2012/main" name="ecp_theme_sameer" id="{11798EFB-38F0-9B4D-8277-7EEB0644AC9A}" vid="{A7D3EC63-CD61-3044-9E2B-50058122DC55}"/>
+    </a:ext>
+  </a:extLst>
+</a:theme>
+</file>
+
+<file path=ppt/theme/theme4.xml><?xml version="1.0" encoding="utf-8"?>
 <a:theme xmlns:a="http://schemas.openxmlformats.org/drawingml/2006/main" name="Office Theme">
   <a:themeElements>
     <a:clrScheme name="Office">

--- a/slides/isc19_intro_to_containers_ajy.pptx
+++ b/slides/isc19_intro_to_containers_ajy.pptx
@@ -7,7 +7,7 @@
     <p:sldMasterId id="2147483703" r:id="rId3"/>
   </p:sldMasterIdLst>
   <p:notesMasterIdLst>
-    <p:notesMasterId r:id="rId19"/>
+    <p:notesMasterId r:id="rId20"/>
   </p:notesMasterIdLst>
   <p:sldIdLst>
     <p:sldId id="256" r:id="rId4"/>
@@ -22,9 +22,10 @@
     <p:sldId id="261" r:id="rId13"/>
     <p:sldId id="289" r:id="rId14"/>
     <p:sldId id="290" r:id="rId15"/>
-    <p:sldId id="262" r:id="rId16"/>
-    <p:sldId id="263" r:id="rId17"/>
-    <p:sldId id="280" r:id="rId18"/>
+    <p:sldId id="263" r:id="rId16"/>
+    <p:sldId id="293" r:id="rId17"/>
+    <p:sldId id="294" r:id="rId18"/>
+    <p:sldId id="280" r:id="rId19"/>
   </p:sldIdLst>
   <p:sldSz cx="12192000" cy="6858000"/>
   <p:notesSz cx="6858000" cy="9144000"/>
@@ -213,7 +214,7 @@
           <a:p>
             <a:fld id="{89E96D6E-0423-7341-8D17-96BD8A1BF2C0}" type="datetimeFigureOut">
               <a:rPr lang="en-US" smtClean="0"/>
-              <a:t>6/4/19</a:t>
+              <a:t>6/16/19</a:t>
             </a:fld>
             <a:endParaRPr lang="en-US"/>
           </a:p>
@@ -874,94 +875,6 @@
 </p:notes>
 </file>
 
-<file path=ppt/notesSlides/notesSlide4.xml><?xml version="1.0" encoding="utf-8"?>
-<p:notes xmlns:a="http://schemas.openxmlformats.org/drawingml/2006/main" xmlns:r="http://schemas.openxmlformats.org/officeDocument/2006/relationships" xmlns:p="http://schemas.openxmlformats.org/presentationml/2006/main">
-  <p:cSld>
-    <p:spTree>
-      <p:nvGrpSpPr>
-        <p:cNvPr id="1" name=""/>
-        <p:cNvGrpSpPr/>
-        <p:nvPr/>
-      </p:nvGrpSpPr>
-      <p:grpSpPr>
-        <a:xfrm>
-          <a:off x="0" y="0"/>
-          <a:ext cx="0" cy="0"/>
-          <a:chOff x="0" y="0"/>
-          <a:chExt cx="0" cy="0"/>
-        </a:xfrm>
-      </p:grpSpPr>
-      <p:sp>
-        <p:nvSpPr>
-          <p:cNvPr id="2" name="Slide Image Placeholder 1"/>
-          <p:cNvSpPr>
-            <a:spLocks noGrp="1" noRot="1" noChangeAspect="1"/>
-          </p:cNvSpPr>
-          <p:nvPr>
-            <p:ph type="sldImg"/>
-          </p:nvPr>
-        </p:nvSpPr>
-        <p:spPr/>
-      </p:sp>
-      <p:sp>
-        <p:nvSpPr>
-          <p:cNvPr id="3" name="Notes Placeholder 2"/>
-          <p:cNvSpPr>
-            <a:spLocks noGrp="1"/>
-          </p:cNvSpPr>
-          <p:nvPr>
-            <p:ph type="body" idx="1"/>
-          </p:nvPr>
-        </p:nvSpPr>
-        <p:spPr/>
-        <p:txBody>
-          <a:bodyPr/>
-          <a:lstStyle/>
-          <a:p>
-            <a:r>
-              <a:rPr lang="en-US" dirty="0"/>
-              <a:t>Caveat: you are your own helpdesk</a:t>
-            </a:r>
-            <a:r>
-              <a:rPr lang="en-US" baseline="0" dirty="0"/>
-              <a:t> or support services</a:t>
-            </a:r>
-            <a:endParaRPr lang="en-US" dirty="0"/>
-          </a:p>
-        </p:txBody>
-      </p:sp>
-      <p:sp>
-        <p:nvSpPr>
-          <p:cNvPr id="4" name="Header Placeholder 3"/>
-          <p:cNvSpPr>
-            <a:spLocks noGrp="1"/>
-          </p:cNvSpPr>
-          <p:nvPr>
-            <p:ph type="hdr" sz="quarter" idx="10"/>
-          </p:nvPr>
-        </p:nvSpPr>
-        <p:spPr/>
-        <p:txBody>
-          <a:bodyPr/>
-          <a:lstStyle/>
-          <a:p>
-            <a:endParaRPr lang="en-US"/>
-          </a:p>
-        </p:txBody>
-      </p:sp>
-    </p:spTree>
-    <p:extLst>
-      <p:ext uri="{BB962C8B-B14F-4D97-AF65-F5344CB8AC3E}">
-        <p14:creationId xmlns:p14="http://schemas.microsoft.com/office/powerpoint/2010/main" val="1590304774"/>
-      </p:ext>
-    </p:extLst>
-  </p:cSld>
-  <p:clrMapOvr>
-    <a:masterClrMapping/>
-  </p:clrMapOvr>
-</p:notes>
-</file>
-
 <file path=ppt/slideLayouts/slideLayout1.xml><?xml version="1.0" encoding="utf-8"?>
 <p:sldLayout xmlns:a="http://schemas.openxmlformats.org/drawingml/2006/main" xmlns:r="http://schemas.openxmlformats.org/officeDocument/2006/relationships" xmlns:p="http://schemas.openxmlformats.org/presentationml/2006/main" showMasterSp="0" type="title" preserve="1">
   <p:cSld name="7_Title Slide">
@@ -984,7 +897,7 @@
           <p:cNvPr id="21" name="Picture 20">
             <a:extLst>
               <a:ext uri="{FF2B5EF4-FFF2-40B4-BE49-F238E27FC236}">
-                <a16:creationId xmlns:a16="http://schemas.microsoft.com/office/drawing/2014/main" xmlns="" id="{7EE845FF-FE6B-4C05-AD90-73F7E8097570}"/>
+                <a16:creationId xmlns:a16="http://schemas.microsoft.com/office/drawing/2014/main" id="{7EE845FF-FE6B-4C05-AD90-73F7E8097570}"/>
               </a:ext>
             </a:extLst>
           </p:cNvPr>
@@ -1020,7 +933,7 @@
           <p:cNvPr id="26" name="Picture 25">
             <a:extLst>
               <a:ext uri="{FF2B5EF4-FFF2-40B4-BE49-F238E27FC236}">
-                <a16:creationId xmlns:a16="http://schemas.microsoft.com/office/drawing/2014/main" xmlns="" id="{7572306A-6D28-4B79-9F33-F65B3290E929}"/>
+                <a16:creationId xmlns:a16="http://schemas.microsoft.com/office/drawing/2014/main" id="{7572306A-6D28-4B79-9F33-F65B3290E929}"/>
               </a:ext>
             </a:extLst>
           </p:cNvPr>
@@ -1072,7 +985,7 @@
           <p:cNvPr id="4" name="Rectangle 3">
             <a:extLst>
               <a:ext uri="{FF2B5EF4-FFF2-40B4-BE49-F238E27FC236}">
-                <a16:creationId xmlns:a16="http://schemas.microsoft.com/office/drawing/2014/main" xmlns="" id="{B9853B16-5BA4-4AF0-8A80-CD86D6EAD828}"/>
+                <a16:creationId xmlns:a16="http://schemas.microsoft.com/office/drawing/2014/main" id="{B9853B16-5BA4-4AF0-8A80-CD86D6EAD828}"/>
               </a:ext>
             </a:extLst>
           </p:cNvPr>
@@ -1184,7 +1097,7 @@
           </a:lstStyle>
           <a:p>
             <a:r>
-              <a:rPr lang="en-US" smtClean="0"/>
+              <a:rPr lang="en-US"/>
               <a:t>Click to edit Master title style</a:t>
             </a:r>
             <a:endParaRPr lang="en-US" dirty="0"/>
@@ -1303,7 +1216,7 @@
           </a:lstStyle>
           <a:p>
             <a:r>
-              <a:rPr lang="en-US" smtClean="0"/>
+              <a:rPr lang="en-US"/>
               <a:t>Click to edit Master subtitle style</a:t>
             </a:r>
             <a:endParaRPr lang="en-US" dirty="0"/>
@@ -1315,7 +1228,7 @@
           <p:cNvPr id="17" name="Picture 16" descr="A close up of a computer&#10;&#10;Description generated with high confidence">
             <a:extLst>
               <a:ext uri="{FF2B5EF4-FFF2-40B4-BE49-F238E27FC236}">
-                <a16:creationId xmlns:a16="http://schemas.microsoft.com/office/drawing/2014/main" xmlns="" id="{B2FB6BAC-57DC-470D-AA27-6E916BEEC956}"/>
+                <a16:creationId xmlns:a16="http://schemas.microsoft.com/office/drawing/2014/main" id="{B2FB6BAC-57DC-470D-AA27-6E916BEEC956}"/>
               </a:ext>
             </a:extLst>
           </p:cNvPr>
@@ -1360,7 +1273,7 @@
           <p:cNvPr id="18" name="Picture 17" descr="A close up of a logo&#10;&#10;Description generated with very high confidence">
             <a:extLst>
               <a:ext uri="{FF2B5EF4-FFF2-40B4-BE49-F238E27FC236}">
-                <a16:creationId xmlns:a16="http://schemas.microsoft.com/office/drawing/2014/main" xmlns="" id="{F700AA35-7ACE-4657-BBD7-03E3A55B64A0}"/>
+                <a16:creationId xmlns:a16="http://schemas.microsoft.com/office/drawing/2014/main" id="{F700AA35-7ACE-4657-BBD7-03E3A55B64A0}"/>
               </a:ext>
             </a:extLst>
           </p:cNvPr>
@@ -1396,7 +1309,7 @@
           <p:cNvPr id="9" name="Picture 8">
             <a:extLst>
               <a:ext uri="{FF2B5EF4-FFF2-40B4-BE49-F238E27FC236}">
-                <a16:creationId xmlns:a16="http://schemas.microsoft.com/office/drawing/2014/main" xmlns="" id="{1F0A5EAC-900C-4667-A5FC-E744A5D87EFB}"/>
+                <a16:creationId xmlns:a16="http://schemas.microsoft.com/office/drawing/2014/main" id="{1F0A5EAC-900C-4667-A5FC-E744A5D87EFB}"/>
               </a:ext>
             </a:extLst>
           </p:cNvPr>
@@ -1432,7 +1345,7 @@
           <p:cNvPr id="10" name="TextBox 9">
             <a:extLst>
               <a:ext uri="{FF2B5EF4-FFF2-40B4-BE49-F238E27FC236}">
-                <a16:creationId xmlns:a16="http://schemas.microsoft.com/office/drawing/2014/main" xmlns="" id="{5AE59CF4-F91D-442C-8F8F-9A25967A871A}"/>
+                <a16:creationId xmlns:a16="http://schemas.microsoft.com/office/drawing/2014/main" id="{5AE59CF4-F91D-442C-8F8F-9A25967A871A}"/>
               </a:ext>
             </a:extLst>
           </p:cNvPr>
@@ -1594,7 +1507,7 @@
           <p:cNvPr id="2" name="Group 1">
             <a:extLst>
               <a:ext uri="{FF2B5EF4-FFF2-40B4-BE49-F238E27FC236}">
-                <a16:creationId xmlns:a16="http://schemas.microsoft.com/office/drawing/2014/main" xmlns="" id="{215922CA-3E0F-485B-9F76-A1F211BE7C4F}"/>
+                <a16:creationId xmlns:a16="http://schemas.microsoft.com/office/drawing/2014/main" id="{215922CA-3E0F-485B-9F76-A1F211BE7C4F}"/>
               </a:ext>
             </a:extLst>
           </p:cNvPr>
@@ -1614,7 +1527,7 @@
             <p:cNvPr id="38" name="Rectangle 37">
               <a:extLst>
                 <a:ext uri="{FF2B5EF4-FFF2-40B4-BE49-F238E27FC236}">
-                  <a16:creationId xmlns:a16="http://schemas.microsoft.com/office/drawing/2014/main" xmlns="" id="{1DC80716-D7F2-40BD-B894-87B7C5521D93}"/>
+                  <a16:creationId xmlns:a16="http://schemas.microsoft.com/office/drawing/2014/main" id="{1DC80716-D7F2-40BD-B894-87B7C5521D93}"/>
                 </a:ext>
               </a:extLst>
             </p:cNvPr>
@@ -1703,7 +1616,7 @@
             <p:cNvPr id="13" name="Rectangle 12">
               <a:extLst>
                 <a:ext uri="{FF2B5EF4-FFF2-40B4-BE49-F238E27FC236}">
-                  <a16:creationId xmlns:a16="http://schemas.microsoft.com/office/drawing/2014/main" xmlns="" id="{DD431D86-B4F2-4178-9479-C223044E67E1}"/>
+                  <a16:creationId xmlns:a16="http://schemas.microsoft.com/office/drawing/2014/main" id="{DD431D86-B4F2-4178-9479-C223044E67E1}"/>
                 </a:ext>
               </a:extLst>
             </p:cNvPr>
@@ -1776,7 +1689,7 @@
             <p:cNvPr id="39" name="Rectangle 38">
               <a:extLst>
                 <a:ext uri="{FF2B5EF4-FFF2-40B4-BE49-F238E27FC236}">
-                  <a16:creationId xmlns:a16="http://schemas.microsoft.com/office/drawing/2014/main" xmlns="" id="{9772E6C0-3363-4678-BD7B-839981CFEC1B}"/>
+                  <a16:creationId xmlns:a16="http://schemas.microsoft.com/office/drawing/2014/main" id="{9772E6C0-3363-4678-BD7B-839981CFEC1B}"/>
                 </a:ext>
               </a:extLst>
             </p:cNvPr>
@@ -1865,7 +1778,7 @@
             <p:cNvPr id="16" name="Rectangle 15">
               <a:extLst>
                 <a:ext uri="{FF2B5EF4-FFF2-40B4-BE49-F238E27FC236}">
-                  <a16:creationId xmlns:a16="http://schemas.microsoft.com/office/drawing/2014/main" xmlns="" id="{7881C044-83B1-4BEC-A2A0-51CA4BF72CE4}"/>
+                  <a16:creationId xmlns:a16="http://schemas.microsoft.com/office/drawing/2014/main" id="{7881C044-83B1-4BEC-A2A0-51CA4BF72CE4}"/>
                 </a:ext>
               </a:extLst>
             </p:cNvPr>
@@ -1938,7 +1851,7 @@
             <p:cNvPr id="40" name="Rectangle 39">
               <a:extLst>
                 <a:ext uri="{FF2B5EF4-FFF2-40B4-BE49-F238E27FC236}">
-                  <a16:creationId xmlns:a16="http://schemas.microsoft.com/office/drawing/2014/main" xmlns="" id="{104C995C-9C57-406C-A69D-7613F8F47165}"/>
+                  <a16:creationId xmlns:a16="http://schemas.microsoft.com/office/drawing/2014/main" id="{104C995C-9C57-406C-A69D-7613F8F47165}"/>
                 </a:ext>
               </a:extLst>
             </p:cNvPr>
@@ -2027,7 +1940,7 @@
             <p:cNvPr id="22" name="Rectangle 21">
               <a:extLst>
                 <a:ext uri="{FF2B5EF4-FFF2-40B4-BE49-F238E27FC236}">
-                  <a16:creationId xmlns:a16="http://schemas.microsoft.com/office/drawing/2014/main" xmlns="" id="{A526A7F5-6E08-49A4-A894-85B35B49A075}"/>
+                  <a16:creationId xmlns:a16="http://schemas.microsoft.com/office/drawing/2014/main" id="{A526A7F5-6E08-49A4-A894-85B35B49A075}"/>
                 </a:ext>
               </a:extLst>
             </p:cNvPr>
@@ -2100,7 +2013,7 @@
             <p:cNvPr id="26" name="Rectangle 25">
               <a:extLst>
                 <a:ext uri="{FF2B5EF4-FFF2-40B4-BE49-F238E27FC236}">
-                  <a16:creationId xmlns:a16="http://schemas.microsoft.com/office/drawing/2014/main" xmlns="" id="{925F09E4-91A6-437A-BED4-ED7995D473E7}"/>
+                  <a16:creationId xmlns:a16="http://schemas.microsoft.com/office/drawing/2014/main" id="{925F09E4-91A6-437A-BED4-ED7995D473E7}"/>
                 </a:ext>
               </a:extLst>
             </p:cNvPr>
@@ -2189,7 +2102,7 @@
             <p:cNvPr id="27" name="Rectangle 26">
               <a:extLst>
                 <a:ext uri="{FF2B5EF4-FFF2-40B4-BE49-F238E27FC236}">
-                  <a16:creationId xmlns:a16="http://schemas.microsoft.com/office/drawing/2014/main" xmlns="" id="{6192D3D3-2A2D-4482-B3F5-B0CBCD39D93A}"/>
+                  <a16:creationId xmlns:a16="http://schemas.microsoft.com/office/drawing/2014/main" id="{6192D3D3-2A2D-4482-B3F5-B0CBCD39D93A}"/>
                 </a:ext>
               </a:extLst>
             </p:cNvPr>
@@ -2263,7 +2176,7 @@
           <p:cNvPr id="14" name="Text Placeholder 2">
             <a:extLst>
               <a:ext uri="{FF2B5EF4-FFF2-40B4-BE49-F238E27FC236}">
-                <a16:creationId xmlns:a16="http://schemas.microsoft.com/office/drawing/2014/main" xmlns="" id="{A568B759-9EAF-4F57-B09C-A71D9D5B516C}"/>
+                <a16:creationId xmlns:a16="http://schemas.microsoft.com/office/drawing/2014/main" id="{A568B759-9EAF-4F57-B09C-A71D9D5B516C}"/>
               </a:ext>
             </a:extLst>
           </p:cNvPr>
@@ -2331,7 +2244,7 @@
           <a:p>
             <a:pPr lvl="0"/>
             <a:r>
-              <a:rPr lang="en-US" smtClean="0"/>
+              <a:rPr lang="en-US"/>
               <a:t>Click to edit Master text styles</a:t>
             </a:r>
           </a:p>
@@ -2342,7 +2255,7 @@
           <p:cNvPr id="15" name="Content Placeholder 3">
             <a:extLst>
               <a:ext uri="{FF2B5EF4-FFF2-40B4-BE49-F238E27FC236}">
-                <a16:creationId xmlns:a16="http://schemas.microsoft.com/office/drawing/2014/main" xmlns="" id="{62AD586E-7375-402D-9BA8-7C07EB8240E8}"/>
+                <a16:creationId xmlns:a16="http://schemas.microsoft.com/office/drawing/2014/main" id="{62AD586E-7375-402D-9BA8-7C07EB8240E8}"/>
               </a:ext>
             </a:extLst>
           </p:cNvPr>
@@ -2398,35 +2311,35 @@
           <a:p>
             <a:pPr lvl="0"/>
             <a:r>
-              <a:rPr lang="en-US" smtClean="0"/>
+              <a:rPr lang="en-US"/>
               <a:t>Click to edit Master text styles</a:t>
             </a:r>
           </a:p>
           <a:p>
             <a:pPr lvl="1"/>
             <a:r>
-              <a:rPr lang="en-US" smtClean="0"/>
+              <a:rPr lang="en-US"/>
               <a:t>Second level</a:t>
             </a:r>
           </a:p>
           <a:p>
             <a:pPr lvl="2"/>
             <a:r>
-              <a:rPr lang="en-US" smtClean="0"/>
+              <a:rPr lang="en-US"/>
               <a:t>Third level</a:t>
             </a:r>
           </a:p>
           <a:p>
             <a:pPr lvl="3"/>
             <a:r>
-              <a:rPr lang="en-US" smtClean="0"/>
+              <a:rPr lang="en-US"/>
               <a:t>Fourth level</a:t>
             </a:r>
           </a:p>
           <a:p>
             <a:pPr lvl="4"/>
             <a:r>
-              <a:rPr lang="en-US" smtClean="0"/>
+              <a:rPr lang="en-US"/>
               <a:t>Fifth level</a:t>
             </a:r>
             <a:endParaRPr lang="en-US" dirty="0"/>
@@ -2438,7 +2351,7 @@
           <p:cNvPr id="17" name="Text Placeholder 4">
             <a:extLst>
               <a:ext uri="{FF2B5EF4-FFF2-40B4-BE49-F238E27FC236}">
-                <a16:creationId xmlns:a16="http://schemas.microsoft.com/office/drawing/2014/main" xmlns="" id="{2A49DFE2-905F-42AB-9CE1-CCCD2BB9576B}"/>
+                <a16:creationId xmlns:a16="http://schemas.microsoft.com/office/drawing/2014/main" id="{2A49DFE2-905F-42AB-9CE1-CCCD2BB9576B}"/>
               </a:ext>
             </a:extLst>
           </p:cNvPr>
@@ -2506,7 +2419,7 @@
           <a:p>
             <a:pPr lvl="0"/>
             <a:r>
-              <a:rPr lang="en-US" smtClean="0"/>
+              <a:rPr lang="en-US"/>
               <a:t>Click to edit Master text styles</a:t>
             </a:r>
           </a:p>
@@ -2517,7 +2430,7 @@
           <p:cNvPr id="18" name="Content Placeholder 5">
             <a:extLst>
               <a:ext uri="{FF2B5EF4-FFF2-40B4-BE49-F238E27FC236}">
-                <a16:creationId xmlns:a16="http://schemas.microsoft.com/office/drawing/2014/main" xmlns="" id="{AF1555CB-15BC-4181-B741-965A19E6BA91}"/>
+                <a16:creationId xmlns:a16="http://schemas.microsoft.com/office/drawing/2014/main" id="{AF1555CB-15BC-4181-B741-965A19E6BA91}"/>
               </a:ext>
             </a:extLst>
           </p:cNvPr>
@@ -2578,35 +2491,35 @@
           <a:p>
             <a:pPr lvl="0"/>
             <a:r>
-              <a:rPr lang="en-US" smtClean="0"/>
+              <a:rPr lang="en-US"/>
               <a:t>Click to edit Master text styles</a:t>
             </a:r>
           </a:p>
           <a:p>
             <a:pPr lvl="1"/>
             <a:r>
-              <a:rPr lang="en-US" smtClean="0"/>
+              <a:rPr lang="en-US"/>
               <a:t>Second level</a:t>
             </a:r>
           </a:p>
           <a:p>
             <a:pPr lvl="2"/>
             <a:r>
-              <a:rPr lang="en-US" smtClean="0"/>
+              <a:rPr lang="en-US"/>
               <a:t>Third level</a:t>
             </a:r>
           </a:p>
           <a:p>
             <a:pPr lvl="3"/>
             <a:r>
-              <a:rPr lang="en-US" smtClean="0"/>
+              <a:rPr lang="en-US"/>
               <a:t>Fourth level</a:t>
             </a:r>
           </a:p>
           <a:p>
             <a:pPr lvl="4"/>
             <a:r>
-              <a:rPr lang="en-US" smtClean="0"/>
+              <a:rPr lang="en-US"/>
               <a:t>Fifth level</a:t>
             </a:r>
             <a:endParaRPr lang="en-US" dirty="0"/>
@@ -2618,7 +2531,7 @@
           <p:cNvPr id="19" name="Text Placeholder 4">
             <a:extLst>
               <a:ext uri="{FF2B5EF4-FFF2-40B4-BE49-F238E27FC236}">
-                <a16:creationId xmlns:a16="http://schemas.microsoft.com/office/drawing/2014/main" xmlns="" id="{21FF3A3E-474D-4F1F-9B01-4428215B857D}"/>
+                <a16:creationId xmlns:a16="http://schemas.microsoft.com/office/drawing/2014/main" id="{21FF3A3E-474D-4F1F-9B01-4428215B857D}"/>
               </a:ext>
             </a:extLst>
           </p:cNvPr>
@@ -2686,7 +2599,7 @@
           <a:p>
             <a:pPr lvl="0"/>
             <a:r>
-              <a:rPr lang="en-US" smtClean="0"/>
+              <a:rPr lang="en-US"/>
               <a:t>Click to edit Master text styles</a:t>
             </a:r>
           </a:p>
@@ -2697,7 +2610,7 @@
           <p:cNvPr id="20" name="Content Placeholder 5">
             <a:extLst>
               <a:ext uri="{FF2B5EF4-FFF2-40B4-BE49-F238E27FC236}">
-                <a16:creationId xmlns:a16="http://schemas.microsoft.com/office/drawing/2014/main" xmlns="" id="{EDB166DE-69D8-4E82-A304-FF11CEBD23D7}"/>
+                <a16:creationId xmlns:a16="http://schemas.microsoft.com/office/drawing/2014/main" id="{EDB166DE-69D8-4E82-A304-FF11CEBD23D7}"/>
               </a:ext>
             </a:extLst>
           </p:cNvPr>
@@ -2758,35 +2671,35 @@
           <a:p>
             <a:pPr lvl="0"/>
             <a:r>
-              <a:rPr lang="en-US" smtClean="0"/>
+              <a:rPr lang="en-US"/>
               <a:t>Click to edit Master text styles</a:t>
             </a:r>
           </a:p>
           <a:p>
             <a:pPr lvl="1"/>
             <a:r>
-              <a:rPr lang="en-US" smtClean="0"/>
+              <a:rPr lang="en-US"/>
               <a:t>Second level</a:t>
             </a:r>
           </a:p>
           <a:p>
             <a:pPr lvl="2"/>
             <a:r>
-              <a:rPr lang="en-US" smtClean="0"/>
+              <a:rPr lang="en-US"/>
               <a:t>Third level</a:t>
             </a:r>
           </a:p>
           <a:p>
             <a:pPr lvl="3"/>
             <a:r>
-              <a:rPr lang="en-US" smtClean="0"/>
+              <a:rPr lang="en-US"/>
               <a:t>Fourth level</a:t>
             </a:r>
           </a:p>
           <a:p>
             <a:pPr lvl="4"/>
             <a:r>
-              <a:rPr lang="en-US" smtClean="0"/>
+              <a:rPr lang="en-US"/>
               <a:t>Fifth level</a:t>
             </a:r>
             <a:endParaRPr lang="en-US" dirty="0"/>
@@ -2798,7 +2711,7 @@
           <p:cNvPr id="32" name="Rectangle 31">
             <a:extLst>
               <a:ext uri="{FF2B5EF4-FFF2-40B4-BE49-F238E27FC236}">
-                <a16:creationId xmlns:a16="http://schemas.microsoft.com/office/drawing/2014/main" xmlns="" id="{4A1CB721-FBCB-4DC7-9C2A-15C90E984F90}"/>
+                <a16:creationId xmlns:a16="http://schemas.microsoft.com/office/drawing/2014/main" id="{4A1CB721-FBCB-4DC7-9C2A-15C90E984F90}"/>
               </a:ext>
             </a:extLst>
           </p:cNvPr>
@@ -2873,7 +2786,7 @@
           <p:cNvPr id="33" name="Title 1">
             <a:extLst>
               <a:ext uri="{FF2B5EF4-FFF2-40B4-BE49-F238E27FC236}">
-                <a16:creationId xmlns:a16="http://schemas.microsoft.com/office/drawing/2014/main" xmlns="" id="{9FDFB4D2-95C3-44FB-85E0-FB87B96D0DC8}"/>
+                <a16:creationId xmlns:a16="http://schemas.microsoft.com/office/drawing/2014/main" id="{9FDFB4D2-95C3-44FB-85E0-FB87B96D0DC8}"/>
               </a:ext>
             </a:extLst>
           </p:cNvPr>
@@ -2904,7 +2817,7 @@
           </a:lstStyle>
           <a:p>
             <a:r>
-              <a:rPr lang="en-US" smtClean="0"/>
+              <a:rPr lang="en-US"/>
               <a:t>Click to edit Master title style</a:t>
             </a:r>
             <a:endParaRPr lang="en-US" dirty="0"/>
@@ -2916,7 +2829,7 @@
           <p:cNvPr id="24" name="Rectangle 23">
             <a:extLst>
               <a:ext uri="{FF2B5EF4-FFF2-40B4-BE49-F238E27FC236}">
-                <a16:creationId xmlns:a16="http://schemas.microsoft.com/office/drawing/2014/main" xmlns="" id="{6CDDBDFD-39A6-0043-BAD4-065FAFF6A9DA}"/>
+                <a16:creationId xmlns:a16="http://schemas.microsoft.com/office/drawing/2014/main" id="{6CDDBDFD-39A6-0043-BAD4-065FAFF6A9DA}"/>
               </a:ext>
             </a:extLst>
           </p:cNvPr>
@@ -2989,7 +2902,7 @@
           <p:cNvPr id="21" name="Rectangle 6">
             <a:extLst>
               <a:ext uri="{FF2B5EF4-FFF2-40B4-BE49-F238E27FC236}">
-                <a16:creationId xmlns:a16="http://schemas.microsoft.com/office/drawing/2014/main" xmlns="" id="{F20E070A-FF02-490F-91F7-767E82133AD8}"/>
+                <a16:creationId xmlns:a16="http://schemas.microsoft.com/office/drawing/2014/main" id="{F20E070A-FF02-490F-91F7-767E82133AD8}"/>
               </a:ext>
             </a:extLst>
           </p:cNvPr>
@@ -3066,7 +2979,7 @@
           <p:cNvPr id="29" name="Text Placeholder 4">
             <a:extLst>
               <a:ext uri="{FF2B5EF4-FFF2-40B4-BE49-F238E27FC236}">
-                <a16:creationId xmlns:a16="http://schemas.microsoft.com/office/drawing/2014/main" xmlns="" id="{757D323C-D2DD-42C4-81D6-6224EE035EE4}"/>
+                <a16:creationId xmlns:a16="http://schemas.microsoft.com/office/drawing/2014/main" id="{757D323C-D2DD-42C4-81D6-6224EE035EE4}"/>
               </a:ext>
             </a:extLst>
           </p:cNvPr>
@@ -3134,7 +3047,7 @@
           <a:p>
             <a:pPr lvl="0"/>
             <a:r>
-              <a:rPr lang="en-US" smtClean="0"/>
+              <a:rPr lang="en-US"/>
               <a:t>Click to edit Master text styles</a:t>
             </a:r>
           </a:p>
@@ -3145,7 +3058,7 @@
           <p:cNvPr id="30" name="Content Placeholder 5">
             <a:extLst>
               <a:ext uri="{FF2B5EF4-FFF2-40B4-BE49-F238E27FC236}">
-                <a16:creationId xmlns:a16="http://schemas.microsoft.com/office/drawing/2014/main" xmlns="" id="{6D6262AB-5413-4C3B-B769-39B07A6E5626}"/>
+                <a16:creationId xmlns:a16="http://schemas.microsoft.com/office/drawing/2014/main" id="{6D6262AB-5413-4C3B-B769-39B07A6E5626}"/>
               </a:ext>
             </a:extLst>
           </p:cNvPr>
@@ -3206,35 +3119,35 @@
           <a:p>
             <a:pPr lvl="0"/>
             <a:r>
-              <a:rPr lang="en-US" smtClean="0"/>
+              <a:rPr lang="en-US"/>
               <a:t>Click to edit Master text styles</a:t>
             </a:r>
           </a:p>
           <a:p>
             <a:pPr lvl="1"/>
             <a:r>
-              <a:rPr lang="en-US" smtClean="0"/>
+              <a:rPr lang="en-US"/>
               <a:t>Second level</a:t>
             </a:r>
           </a:p>
           <a:p>
             <a:pPr lvl="2"/>
             <a:r>
-              <a:rPr lang="en-US" smtClean="0"/>
+              <a:rPr lang="en-US"/>
               <a:t>Third level</a:t>
             </a:r>
           </a:p>
           <a:p>
             <a:pPr lvl="3"/>
             <a:r>
-              <a:rPr lang="en-US" smtClean="0"/>
+              <a:rPr lang="en-US"/>
               <a:t>Fourth level</a:t>
             </a:r>
           </a:p>
           <a:p>
             <a:pPr lvl="4"/>
             <a:r>
-              <a:rPr lang="en-US" smtClean="0"/>
+              <a:rPr lang="en-US"/>
               <a:t>Fifth level</a:t>
             </a:r>
             <a:endParaRPr lang="en-US" dirty="0"/>
@@ -3246,7 +3159,7 @@
           <p:cNvPr id="35" name="Picture 34">
             <a:extLst>
               <a:ext uri="{FF2B5EF4-FFF2-40B4-BE49-F238E27FC236}">
-                <a16:creationId xmlns:a16="http://schemas.microsoft.com/office/drawing/2014/main" xmlns="" id="{A9FA5920-8F8E-4860-872E-2CA4CDDC3B2A}"/>
+                <a16:creationId xmlns:a16="http://schemas.microsoft.com/office/drawing/2014/main" id="{A9FA5920-8F8E-4860-872E-2CA4CDDC3B2A}"/>
               </a:ext>
             </a:extLst>
           </p:cNvPr>
@@ -3282,7 +3195,7 @@
           <p:cNvPr id="36" name="Picture 35">
             <a:extLst>
               <a:ext uri="{FF2B5EF4-FFF2-40B4-BE49-F238E27FC236}">
-                <a16:creationId xmlns:a16="http://schemas.microsoft.com/office/drawing/2014/main" xmlns="" id="{8330713C-B6BE-44C7-BD3A-E89F9DA07175}"/>
+                <a16:creationId xmlns:a16="http://schemas.microsoft.com/office/drawing/2014/main" id="{8330713C-B6BE-44C7-BD3A-E89F9DA07175}"/>
               </a:ext>
             </a:extLst>
           </p:cNvPr>
@@ -3344,7 +3257,7 @@
           <p:cNvPr id="2" name="Group 1">
             <a:extLst>
               <a:ext uri="{FF2B5EF4-FFF2-40B4-BE49-F238E27FC236}">
-                <a16:creationId xmlns:a16="http://schemas.microsoft.com/office/drawing/2014/main" xmlns="" id="{95187DF1-019D-4B29-80A4-491D910D6F8B}"/>
+                <a16:creationId xmlns:a16="http://schemas.microsoft.com/office/drawing/2014/main" id="{95187DF1-019D-4B29-80A4-491D910D6F8B}"/>
               </a:ext>
             </a:extLst>
           </p:cNvPr>
@@ -3364,7 +3277,7 @@
             <p:cNvPr id="38" name="Rectangle 37">
               <a:extLst>
                 <a:ext uri="{FF2B5EF4-FFF2-40B4-BE49-F238E27FC236}">
-                  <a16:creationId xmlns:a16="http://schemas.microsoft.com/office/drawing/2014/main" xmlns="" id="{1DC80716-D7F2-40BD-B894-87B7C5521D93}"/>
+                  <a16:creationId xmlns:a16="http://schemas.microsoft.com/office/drawing/2014/main" id="{1DC80716-D7F2-40BD-B894-87B7C5521D93}"/>
                 </a:ext>
               </a:extLst>
             </p:cNvPr>
@@ -3453,7 +3366,7 @@
             <p:cNvPr id="13" name="Rectangle 12">
               <a:extLst>
                 <a:ext uri="{FF2B5EF4-FFF2-40B4-BE49-F238E27FC236}">
-                  <a16:creationId xmlns:a16="http://schemas.microsoft.com/office/drawing/2014/main" xmlns="" id="{DD431D86-B4F2-4178-9479-C223044E67E1}"/>
+                  <a16:creationId xmlns:a16="http://schemas.microsoft.com/office/drawing/2014/main" id="{DD431D86-B4F2-4178-9479-C223044E67E1}"/>
                 </a:ext>
               </a:extLst>
             </p:cNvPr>
@@ -3526,7 +3439,7 @@
             <p:cNvPr id="39" name="Rectangle 38">
               <a:extLst>
                 <a:ext uri="{FF2B5EF4-FFF2-40B4-BE49-F238E27FC236}">
-                  <a16:creationId xmlns:a16="http://schemas.microsoft.com/office/drawing/2014/main" xmlns="" id="{9772E6C0-3363-4678-BD7B-839981CFEC1B}"/>
+                  <a16:creationId xmlns:a16="http://schemas.microsoft.com/office/drawing/2014/main" id="{9772E6C0-3363-4678-BD7B-839981CFEC1B}"/>
                 </a:ext>
               </a:extLst>
             </p:cNvPr>
@@ -3615,7 +3528,7 @@
             <p:cNvPr id="16" name="Rectangle 15">
               <a:extLst>
                 <a:ext uri="{FF2B5EF4-FFF2-40B4-BE49-F238E27FC236}">
-                  <a16:creationId xmlns:a16="http://schemas.microsoft.com/office/drawing/2014/main" xmlns="" id="{7881C044-83B1-4BEC-A2A0-51CA4BF72CE4}"/>
+                  <a16:creationId xmlns:a16="http://schemas.microsoft.com/office/drawing/2014/main" id="{7881C044-83B1-4BEC-A2A0-51CA4BF72CE4}"/>
                 </a:ext>
               </a:extLst>
             </p:cNvPr>
@@ -3688,7 +3601,7 @@
             <p:cNvPr id="40" name="Rectangle 39">
               <a:extLst>
                 <a:ext uri="{FF2B5EF4-FFF2-40B4-BE49-F238E27FC236}">
-                  <a16:creationId xmlns:a16="http://schemas.microsoft.com/office/drawing/2014/main" xmlns="" id="{104C995C-9C57-406C-A69D-7613F8F47165}"/>
+                  <a16:creationId xmlns:a16="http://schemas.microsoft.com/office/drawing/2014/main" id="{104C995C-9C57-406C-A69D-7613F8F47165}"/>
                 </a:ext>
               </a:extLst>
             </p:cNvPr>
@@ -3777,7 +3690,7 @@
             <p:cNvPr id="22" name="Rectangle 21">
               <a:extLst>
                 <a:ext uri="{FF2B5EF4-FFF2-40B4-BE49-F238E27FC236}">
-                  <a16:creationId xmlns:a16="http://schemas.microsoft.com/office/drawing/2014/main" xmlns="" id="{A526A7F5-6E08-49A4-A894-85B35B49A075}"/>
+                  <a16:creationId xmlns:a16="http://schemas.microsoft.com/office/drawing/2014/main" id="{A526A7F5-6E08-49A4-A894-85B35B49A075}"/>
                 </a:ext>
               </a:extLst>
             </p:cNvPr>
@@ -3851,7 +3764,7 @@
           <p:cNvPr id="14" name="Text Placeholder 2">
             <a:extLst>
               <a:ext uri="{FF2B5EF4-FFF2-40B4-BE49-F238E27FC236}">
-                <a16:creationId xmlns:a16="http://schemas.microsoft.com/office/drawing/2014/main" xmlns="" id="{A568B759-9EAF-4F57-B09C-A71D9D5B516C}"/>
+                <a16:creationId xmlns:a16="http://schemas.microsoft.com/office/drawing/2014/main" id="{A568B759-9EAF-4F57-B09C-A71D9D5B516C}"/>
               </a:ext>
             </a:extLst>
           </p:cNvPr>
@@ -3919,7 +3832,7 @@
           <a:p>
             <a:pPr lvl="0"/>
             <a:r>
-              <a:rPr lang="en-US" smtClean="0"/>
+              <a:rPr lang="en-US"/>
               <a:t>Click to edit Master text styles</a:t>
             </a:r>
           </a:p>
@@ -3930,7 +3843,7 @@
           <p:cNvPr id="15" name="Content Placeholder 3">
             <a:extLst>
               <a:ext uri="{FF2B5EF4-FFF2-40B4-BE49-F238E27FC236}">
-                <a16:creationId xmlns:a16="http://schemas.microsoft.com/office/drawing/2014/main" xmlns="" id="{62AD586E-7375-402D-9BA8-7C07EB8240E8}"/>
+                <a16:creationId xmlns:a16="http://schemas.microsoft.com/office/drawing/2014/main" id="{62AD586E-7375-402D-9BA8-7C07EB8240E8}"/>
               </a:ext>
             </a:extLst>
           </p:cNvPr>
@@ -3986,21 +3899,21 @@
           <a:p>
             <a:pPr lvl="0"/>
             <a:r>
-              <a:rPr lang="en-US" smtClean="0"/>
+              <a:rPr lang="en-US"/>
               <a:t>Click to edit Master text styles</a:t>
             </a:r>
           </a:p>
           <a:p>
             <a:pPr lvl="1"/>
             <a:r>
-              <a:rPr lang="en-US" smtClean="0"/>
+              <a:rPr lang="en-US"/>
               <a:t>Second level</a:t>
             </a:r>
           </a:p>
           <a:p>
             <a:pPr lvl="2"/>
             <a:r>
-              <a:rPr lang="en-US" smtClean="0"/>
+              <a:rPr lang="en-US"/>
               <a:t>Third level</a:t>
             </a:r>
           </a:p>
@@ -4011,7 +3924,7 @@
           <p:cNvPr id="17" name="Text Placeholder 4">
             <a:extLst>
               <a:ext uri="{FF2B5EF4-FFF2-40B4-BE49-F238E27FC236}">
-                <a16:creationId xmlns:a16="http://schemas.microsoft.com/office/drawing/2014/main" xmlns="" id="{2A49DFE2-905F-42AB-9CE1-CCCD2BB9576B}"/>
+                <a16:creationId xmlns:a16="http://schemas.microsoft.com/office/drawing/2014/main" id="{2A49DFE2-905F-42AB-9CE1-CCCD2BB9576B}"/>
               </a:ext>
             </a:extLst>
           </p:cNvPr>
@@ -4079,7 +3992,7 @@
           <a:p>
             <a:pPr lvl="0"/>
             <a:r>
-              <a:rPr lang="en-US" smtClean="0"/>
+              <a:rPr lang="en-US"/>
               <a:t>Click to edit Master text styles</a:t>
             </a:r>
           </a:p>
@@ -4090,7 +4003,7 @@
           <p:cNvPr id="18" name="Content Placeholder 5">
             <a:extLst>
               <a:ext uri="{FF2B5EF4-FFF2-40B4-BE49-F238E27FC236}">
-                <a16:creationId xmlns:a16="http://schemas.microsoft.com/office/drawing/2014/main" xmlns="" id="{AF1555CB-15BC-4181-B741-965A19E6BA91}"/>
+                <a16:creationId xmlns:a16="http://schemas.microsoft.com/office/drawing/2014/main" id="{AF1555CB-15BC-4181-B741-965A19E6BA91}"/>
               </a:ext>
             </a:extLst>
           </p:cNvPr>
@@ -4151,21 +4064,21 @@
           <a:p>
             <a:pPr lvl="0"/>
             <a:r>
-              <a:rPr lang="en-US" smtClean="0"/>
+              <a:rPr lang="en-US"/>
               <a:t>Click to edit Master text styles</a:t>
             </a:r>
           </a:p>
           <a:p>
             <a:pPr lvl="1"/>
             <a:r>
-              <a:rPr lang="en-US" smtClean="0"/>
+              <a:rPr lang="en-US"/>
               <a:t>Second level</a:t>
             </a:r>
           </a:p>
           <a:p>
             <a:pPr lvl="2"/>
             <a:r>
-              <a:rPr lang="en-US" smtClean="0"/>
+              <a:rPr lang="en-US"/>
               <a:t>Third level</a:t>
             </a:r>
           </a:p>
@@ -4176,7 +4089,7 @@
           <p:cNvPr id="19" name="Text Placeholder 4">
             <a:extLst>
               <a:ext uri="{FF2B5EF4-FFF2-40B4-BE49-F238E27FC236}">
-                <a16:creationId xmlns:a16="http://schemas.microsoft.com/office/drawing/2014/main" xmlns="" id="{21FF3A3E-474D-4F1F-9B01-4428215B857D}"/>
+                <a16:creationId xmlns:a16="http://schemas.microsoft.com/office/drawing/2014/main" id="{21FF3A3E-474D-4F1F-9B01-4428215B857D}"/>
               </a:ext>
             </a:extLst>
           </p:cNvPr>
@@ -4244,7 +4157,7 @@
           <a:p>
             <a:pPr lvl="0"/>
             <a:r>
-              <a:rPr lang="en-US" smtClean="0"/>
+              <a:rPr lang="en-US"/>
               <a:t>Click to edit Master text styles</a:t>
             </a:r>
           </a:p>
@@ -4255,7 +4168,7 @@
           <p:cNvPr id="20" name="Content Placeholder 5">
             <a:extLst>
               <a:ext uri="{FF2B5EF4-FFF2-40B4-BE49-F238E27FC236}">
-                <a16:creationId xmlns:a16="http://schemas.microsoft.com/office/drawing/2014/main" xmlns="" id="{EDB166DE-69D8-4E82-A304-FF11CEBD23D7}"/>
+                <a16:creationId xmlns:a16="http://schemas.microsoft.com/office/drawing/2014/main" id="{EDB166DE-69D8-4E82-A304-FF11CEBD23D7}"/>
               </a:ext>
             </a:extLst>
           </p:cNvPr>
@@ -4316,21 +4229,21 @@
           <a:p>
             <a:pPr lvl="0"/>
             <a:r>
-              <a:rPr lang="en-US" smtClean="0"/>
+              <a:rPr lang="en-US"/>
               <a:t>Click to edit Master text styles</a:t>
             </a:r>
           </a:p>
           <a:p>
             <a:pPr lvl="1"/>
             <a:r>
-              <a:rPr lang="en-US" smtClean="0"/>
+              <a:rPr lang="en-US"/>
               <a:t>Second level</a:t>
             </a:r>
           </a:p>
           <a:p>
             <a:pPr lvl="2"/>
             <a:r>
-              <a:rPr lang="en-US" smtClean="0"/>
+              <a:rPr lang="en-US"/>
               <a:t>Third level</a:t>
             </a:r>
           </a:p>
@@ -4341,7 +4254,7 @@
           <p:cNvPr id="32" name="Rectangle 31">
             <a:extLst>
               <a:ext uri="{FF2B5EF4-FFF2-40B4-BE49-F238E27FC236}">
-                <a16:creationId xmlns:a16="http://schemas.microsoft.com/office/drawing/2014/main" xmlns="" id="{4A1CB721-FBCB-4DC7-9C2A-15C90E984F90}"/>
+                <a16:creationId xmlns:a16="http://schemas.microsoft.com/office/drawing/2014/main" id="{4A1CB721-FBCB-4DC7-9C2A-15C90E984F90}"/>
               </a:ext>
             </a:extLst>
           </p:cNvPr>
@@ -4416,7 +4329,7 @@
           <p:cNvPr id="33" name="Title 1">
             <a:extLst>
               <a:ext uri="{FF2B5EF4-FFF2-40B4-BE49-F238E27FC236}">
-                <a16:creationId xmlns:a16="http://schemas.microsoft.com/office/drawing/2014/main" xmlns="" id="{9FDFB4D2-95C3-44FB-85E0-FB87B96D0DC8}"/>
+                <a16:creationId xmlns:a16="http://schemas.microsoft.com/office/drawing/2014/main" id="{9FDFB4D2-95C3-44FB-85E0-FB87B96D0DC8}"/>
               </a:ext>
             </a:extLst>
           </p:cNvPr>
@@ -4447,7 +4360,7 @@
           </a:lstStyle>
           <a:p>
             <a:r>
-              <a:rPr lang="en-US" smtClean="0"/>
+              <a:rPr lang="en-US"/>
               <a:t>Click to edit Master title style</a:t>
             </a:r>
             <a:endParaRPr lang="en-US" dirty="0"/>
@@ -4459,7 +4372,7 @@
           <p:cNvPr id="24" name="Rectangle 23">
             <a:extLst>
               <a:ext uri="{FF2B5EF4-FFF2-40B4-BE49-F238E27FC236}">
-                <a16:creationId xmlns:a16="http://schemas.microsoft.com/office/drawing/2014/main" xmlns="" id="{6CDDBDFD-39A6-0043-BAD4-065FAFF6A9DA}"/>
+                <a16:creationId xmlns:a16="http://schemas.microsoft.com/office/drawing/2014/main" id="{6CDDBDFD-39A6-0043-BAD4-065FAFF6A9DA}"/>
               </a:ext>
             </a:extLst>
           </p:cNvPr>
@@ -4532,7 +4445,7 @@
           <p:cNvPr id="21" name="Rectangle 6">
             <a:extLst>
               <a:ext uri="{FF2B5EF4-FFF2-40B4-BE49-F238E27FC236}">
-                <a16:creationId xmlns:a16="http://schemas.microsoft.com/office/drawing/2014/main" xmlns="" id="{F20E070A-FF02-490F-91F7-767E82133AD8}"/>
+                <a16:creationId xmlns:a16="http://schemas.microsoft.com/office/drawing/2014/main" id="{F20E070A-FF02-490F-91F7-767E82133AD8}"/>
               </a:ext>
             </a:extLst>
           </p:cNvPr>
@@ -4609,7 +4522,7 @@
           <p:cNvPr id="35" name="Picture 34">
             <a:extLst>
               <a:ext uri="{FF2B5EF4-FFF2-40B4-BE49-F238E27FC236}">
-                <a16:creationId xmlns:a16="http://schemas.microsoft.com/office/drawing/2014/main" xmlns="" id="{A9FA5920-8F8E-4860-872E-2CA4CDDC3B2A}"/>
+                <a16:creationId xmlns:a16="http://schemas.microsoft.com/office/drawing/2014/main" id="{A9FA5920-8F8E-4860-872E-2CA4CDDC3B2A}"/>
               </a:ext>
             </a:extLst>
           </p:cNvPr>
@@ -4645,7 +4558,7 @@
           <p:cNvPr id="36" name="Picture 35">
             <a:extLst>
               <a:ext uri="{FF2B5EF4-FFF2-40B4-BE49-F238E27FC236}">
-                <a16:creationId xmlns:a16="http://schemas.microsoft.com/office/drawing/2014/main" xmlns="" id="{8330713C-B6BE-44C7-BD3A-E89F9DA07175}"/>
+                <a16:creationId xmlns:a16="http://schemas.microsoft.com/office/drawing/2014/main" id="{8330713C-B6BE-44C7-BD3A-E89F9DA07175}"/>
               </a:ext>
             </a:extLst>
           </p:cNvPr>
@@ -4707,7 +4620,7 @@
           <p:cNvPr id="2" name="Group 1">
             <a:extLst>
               <a:ext uri="{FF2B5EF4-FFF2-40B4-BE49-F238E27FC236}">
-                <a16:creationId xmlns:a16="http://schemas.microsoft.com/office/drawing/2014/main" xmlns="" id="{DA440C9B-5899-407D-BC65-8B8988B0C2A4}"/>
+                <a16:creationId xmlns:a16="http://schemas.microsoft.com/office/drawing/2014/main" id="{DA440C9B-5899-407D-BC65-8B8988B0C2A4}"/>
               </a:ext>
             </a:extLst>
           </p:cNvPr>
@@ -4727,7 +4640,7 @@
             <p:cNvPr id="32" name="Rectangle 31">
               <a:extLst>
                 <a:ext uri="{FF2B5EF4-FFF2-40B4-BE49-F238E27FC236}">
-                  <a16:creationId xmlns:a16="http://schemas.microsoft.com/office/drawing/2014/main" xmlns="" id="{4A1CB721-FBCB-4DC7-9C2A-15C90E984F90}"/>
+                  <a16:creationId xmlns:a16="http://schemas.microsoft.com/office/drawing/2014/main" id="{4A1CB721-FBCB-4DC7-9C2A-15C90E984F90}"/>
                 </a:ext>
               </a:extLst>
             </p:cNvPr>
@@ -4802,7 +4715,7 @@
             <p:cNvPr id="24" name="Rectangle 23">
               <a:extLst>
                 <a:ext uri="{FF2B5EF4-FFF2-40B4-BE49-F238E27FC236}">
-                  <a16:creationId xmlns:a16="http://schemas.microsoft.com/office/drawing/2014/main" xmlns="" id="{6CDDBDFD-39A6-0043-BAD4-065FAFF6A9DA}"/>
+                  <a16:creationId xmlns:a16="http://schemas.microsoft.com/office/drawing/2014/main" id="{6CDDBDFD-39A6-0043-BAD4-065FAFF6A9DA}"/>
                 </a:ext>
               </a:extLst>
             </p:cNvPr>
@@ -4876,7 +4789,7 @@
           <p:cNvPr id="38" name="Rectangle 37">
             <a:extLst>
               <a:ext uri="{FF2B5EF4-FFF2-40B4-BE49-F238E27FC236}">
-                <a16:creationId xmlns:a16="http://schemas.microsoft.com/office/drawing/2014/main" xmlns="" id="{1DC80716-D7F2-40BD-B894-87B7C5521D93}"/>
+                <a16:creationId xmlns:a16="http://schemas.microsoft.com/office/drawing/2014/main" id="{1DC80716-D7F2-40BD-B894-87B7C5521D93}"/>
               </a:ext>
             </a:extLst>
           </p:cNvPr>
@@ -4965,7 +4878,7 @@
           <p:cNvPr id="15" name="Content Placeholder 3">
             <a:extLst>
               <a:ext uri="{FF2B5EF4-FFF2-40B4-BE49-F238E27FC236}">
-                <a16:creationId xmlns:a16="http://schemas.microsoft.com/office/drawing/2014/main" xmlns="" id="{62AD586E-7375-402D-9BA8-7C07EB8240E8}"/>
+                <a16:creationId xmlns:a16="http://schemas.microsoft.com/office/drawing/2014/main" id="{62AD586E-7375-402D-9BA8-7C07EB8240E8}"/>
               </a:ext>
             </a:extLst>
           </p:cNvPr>
@@ -5021,21 +4934,21 @@
           <a:p>
             <a:pPr lvl="0"/>
             <a:r>
-              <a:rPr lang="en-US" smtClean="0"/>
+              <a:rPr lang="en-US"/>
               <a:t>Click to edit Master text styles</a:t>
             </a:r>
           </a:p>
           <a:p>
             <a:pPr lvl="1"/>
             <a:r>
-              <a:rPr lang="en-US" smtClean="0"/>
+              <a:rPr lang="en-US"/>
               <a:t>Second level</a:t>
             </a:r>
           </a:p>
           <a:p>
             <a:pPr lvl="2"/>
             <a:r>
-              <a:rPr lang="en-US" smtClean="0"/>
+              <a:rPr lang="en-US"/>
               <a:t>Third level</a:t>
             </a:r>
           </a:p>
@@ -5046,7 +4959,7 @@
           <p:cNvPr id="33" name="Title 1">
             <a:extLst>
               <a:ext uri="{FF2B5EF4-FFF2-40B4-BE49-F238E27FC236}">
-                <a16:creationId xmlns:a16="http://schemas.microsoft.com/office/drawing/2014/main" xmlns="" id="{9FDFB4D2-95C3-44FB-85E0-FB87B96D0DC8}"/>
+                <a16:creationId xmlns:a16="http://schemas.microsoft.com/office/drawing/2014/main" id="{9FDFB4D2-95C3-44FB-85E0-FB87B96D0DC8}"/>
               </a:ext>
             </a:extLst>
           </p:cNvPr>
@@ -5095,7 +5008,7 @@
           <p:cNvPr id="21" name="Rectangle 6">
             <a:extLst>
               <a:ext uri="{FF2B5EF4-FFF2-40B4-BE49-F238E27FC236}">
-                <a16:creationId xmlns:a16="http://schemas.microsoft.com/office/drawing/2014/main" xmlns="" id="{F20E070A-FF02-490F-91F7-767E82133AD8}"/>
+                <a16:creationId xmlns:a16="http://schemas.microsoft.com/office/drawing/2014/main" id="{F20E070A-FF02-490F-91F7-767E82133AD8}"/>
               </a:ext>
             </a:extLst>
           </p:cNvPr>
@@ -5172,7 +5085,7 @@
           <p:cNvPr id="35" name="Picture 34">
             <a:extLst>
               <a:ext uri="{FF2B5EF4-FFF2-40B4-BE49-F238E27FC236}">
-                <a16:creationId xmlns:a16="http://schemas.microsoft.com/office/drawing/2014/main" xmlns="" id="{A9FA5920-8F8E-4860-872E-2CA4CDDC3B2A}"/>
+                <a16:creationId xmlns:a16="http://schemas.microsoft.com/office/drawing/2014/main" id="{A9FA5920-8F8E-4860-872E-2CA4CDDC3B2A}"/>
               </a:ext>
             </a:extLst>
           </p:cNvPr>
@@ -5208,7 +5121,7 @@
           <p:cNvPr id="36" name="Picture 35">
             <a:extLst>
               <a:ext uri="{FF2B5EF4-FFF2-40B4-BE49-F238E27FC236}">
-                <a16:creationId xmlns:a16="http://schemas.microsoft.com/office/drawing/2014/main" xmlns="" id="{8330713C-B6BE-44C7-BD3A-E89F9DA07175}"/>
+                <a16:creationId xmlns:a16="http://schemas.microsoft.com/office/drawing/2014/main" id="{8330713C-B6BE-44C7-BD3A-E89F9DA07175}"/>
               </a:ext>
             </a:extLst>
           </p:cNvPr>
@@ -5348,7 +5261,7 @@
           <a:p>
             <a:fld id="{F46EDD32-319E-1849-AF7B-D687449C9808}" type="datetimeFigureOut">
               <a:rPr lang="en-US" smtClean="0"/>
-              <a:t>6/4/19</a:t>
+              <a:t>6/16/19</a:t>
             </a:fld>
             <a:endParaRPr lang="en-US"/>
           </a:p>
@@ -5573,7 +5486,7 @@
           <a:p>
             <a:fld id="{F46EDD32-319E-1849-AF7B-D687449C9808}" type="datetimeFigureOut">
               <a:rPr lang="en-US" smtClean="0"/>
-              <a:t>6/4/19</a:t>
+              <a:t>6/16/19</a:t>
             </a:fld>
             <a:endParaRPr lang="en-US"/>
           </a:p>
@@ -5793,7 +5706,7 @@
           <p:cNvPr id="21" name="Picture 20">
             <a:extLst>
               <a:ext uri="{FF2B5EF4-FFF2-40B4-BE49-F238E27FC236}">
-                <a16:creationId xmlns:a16="http://schemas.microsoft.com/office/drawing/2014/main" xmlns="" id="{7EE845FF-FE6B-4C05-AD90-73F7E8097570}"/>
+                <a16:creationId xmlns:a16="http://schemas.microsoft.com/office/drawing/2014/main" id="{7EE845FF-FE6B-4C05-AD90-73F7E8097570}"/>
               </a:ext>
             </a:extLst>
           </p:cNvPr>
@@ -5829,7 +5742,7 @@
           <p:cNvPr id="26" name="Picture 25">
             <a:extLst>
               <a:ext uri="{FF2B5EF4-FFF2-40B4-BE49-F238E27FC236}">
-                <a16:creationId xmlns:a16="http://schemas.microsoft.com/office/drawing/2014/main" xmlns="" id="{7572306A-6D28-4B79-9F33-F65B3290E929}"/>
+                <a16:creationId xmlns:a16="http://schemas.microsoft.com/office/drawing/2014/main" id="{7572306A-6D28-4B79-9F33-F65B3290E929}"/>
               </a:ext>
             </a:extLst>
           </p:cNvPr>
@@ -5881,7 +5794,7 @@
           <p:cNvPr id="4" name="Rectangle 3">
             <a:extLst>
               <a:ext uri="{FF2B5EF4-FFF2-40B4-BE49-F238E27FC236}">
-                <a16:creationId xmlns:a16="http://schemas.microsoft.com/office/drawing/2014/main" xmlns="" id="{B9853B16-5BA4-4AF0-8A80-CD86D6EAD828}"/>
+                <a16:creationId xmlns:a16="http://schemas.microsoft.com/office/drawing/2014/main" id="{B9853B16-5BA4-4AF0-8A80-CD86D6EAD828}"/>
               </a:ext>
             </a:extLst>
           </p:cNvPr>
@@ -5993,7 +5906,7 @@
           </a:lstStyle>
           <a:p>
             <a:r>
-              <a:rPr lang="en-US" smtClean="0"/>
+              <a:rPr lang="en-US"/>
               <a:t>Click to edit Master title style</a:t>
             </a:r>
             <a:endParaRPr lang="en-US" dirty="0"/>
@@ -6112,7 +6025,7 @@
           </a:lstStyle>
           <a:p>
             <a:r>
-              <a:rPr lang="en-US" smtClean="0"/>
+              <a:rPr lang="en-US"/>
               <a:t>Click to edit Master subtitle style</a:t>
             </a:r>
             <a:endParaRPr lang="en-US" dirty="0"/>
@@ -6124,7 +6037,7 @@
           <p:cNvPr id="17" name="Picture 16" descr="A close up of a computer&#10;&#10;Description generated with high confidence">
             <a:extLst>
               <a:ext uri="{FF2B5EF4-FFF2-40B4-BE49-F238E27FC236}">
-                <a16:creationId xmlns:a16="http://schemas.microsoft.com/office/drawing/2014/main" xmlns="" id="{B2FB6BAC-57DC-470D-AA27-6E916BEEC956}"/>
+                <a16:creationId xmlns:a16="http://schemas.microsoft.com/office/drawing/2014/main" id="{B2FB6BAC-57DC-470D-AA27-6E916BEEC956}"/>
               </a:ext>
             </a:extLst>
           </p:cNvPr>
@@ -6169,7 +6082,7 @@
           <p:cNvPr id="18" name="Picture 17" descr="A close up of a logo&#10;&#10;Description generated with very high confidence">
             <a:extLst>
               <a:ext uri="{FF2B5EF4-FFF2-40B4-BE49-F238E27FC236}">
-                <a16:creationId xmlns:a16="http://schemas.microsoft.com/office/drawing/2014/main" xmlns="" id="{F700AA35-7ACE-4657-BBD7-03E3A55B64A0}"/>
+                <a16:creationId xmlns:a16="http://schemas.microsoft.com/office/drawing/2014/main" id="{F700AA35-7ACE-4657-BBD7-03E3A55B64A0}"/>
               </a:ext>
             </a:extLst>
           </p:cNvPr>
@@ -6205,7 +6118,7 @@
           <p:cNvPr id="9" name="Picture 8">
             <a:extLst>
               <a:ext uri="{FF2B5EF4-FFF2-40B4-BE49-F238E27FC236}">
-                <a16:creationId xmlns:a16="http://schemas.microsoft.com/office/drawing/2014/main" xmlns="" id="{1F0A5EAC-900C-4667-A5FC-E744A5D87EFB}"/>
+                <a16:creationId xmlns:a16="http://schemas.microsoft.com/office/drawing/2014/main" id="{1F0A5EAC-900C-4667-A5FC-E744A5D87EFB}"/>
               </a:ext>
             </a:extLst>
           </p:cNvPr>
@@ -6241,7 +6154,7 @@
           <p:cNvPr id="10" name="TextBox 9">
             <a:extLst>
               <a:ext uri="{FF2B5EF4-FFF2-40B4-BE49-F238E27FC236}">
-                <a16:creationId xmlns:a16="http://schemas.microsoft.com/office/drawing/2014/main" xmlns="" id="{5AE59CF4-F91D-442C-8F8F-9A25967A871A}"/>
+                <a16:creationId xmlns:a16="http://schemas.microsoft.com/office/drawing/2014/main" id="{5AE59CF4-F91D-442C-8F8F-9A25967A871A}"/>
               </a:ext>
             </a:extLst>
           </p:cNvPr>
@@ -6403,7 +6316,7 @@
           <p:cNvPr id="21" name="Picture 20">
             <a:extLst>
               <a:ext uri="{FF2B5EF4-FFF2-40B4-BE49-F238E27FC236}">
-                <a16:creationId xmlns:a16="http://schemas.microsoft.com/office/drawing/2014/main" xmlns="" id="{7EE845FF-FE6B-4C05-AD90-73F7E8097570}"/>
+                <a16:creationId xmlns:a16="http://schemas.microsoft.com/office/drawing/2014/main" id="{7EE845FF-FE6B-4C05-AD90-73F7E8097570}"/>
               </a:ext>
             </a:extLst>
           </p:cNvPr>
@@ -6439,7 +6352,7 @@
           <p:cNvPr id="26" name="Picture 25">
             <a:extLst>
               <a:ext uri="{FF2B5EF4-FFF2-40B4-BE49-F238E27FC236}">
-                <a16:creationId xmlns:a16="http://schemas.microsoft.com/office/drawing/2014/main" xmlns="" id="{7572306A-6D28-4B79-9F33-F65B3290E929}"/>
+                <a16:creationId xmlns:a16="http://schemas.microsoft.com/office/drawing/2014/main" id="{7572306A-6D28-4B79-9F33-F65B3290E929}"/>
               </a:ext>
             </a:extLst>
           </p:cNvPr>
@@ -6491,7 +6404,7 @@
           <p:cNvPr id="4" name="Rectangle 3">
             <a:extLst>
               <a:ext uri="{FF2B5EF4-FFF2-40B4-BE49-F238E27FC236}">
-                <a16:creationId xmlns:a16="http://schemas.microsoft.com/office/drawing/2014/main" xmlns="" id="{B9853B16-5BA4-4AF0-8A80-CD86D6EAD828}"/>
+                <a16:creationId xmlns:a16="http://schemas.microsoft.com/office/drawing/2014/main" id="{B9853B16-5BA4-4AF0-8A80-CD86D6EAD828}"/>
               </a:ext>
             </a:extLst>
           </p:cNvPr>
@@ -6603,7 +6516,7 @@
           </a:lstStyle>
           <a:p>
             <a:r>
-              <a:rPr lang="en-US" smtClean="0"/>
+              <a:rPr lang="en-US"/>
               <a:t>Click to edit Master title style</a:t>
             </a:r>
             <a:endParaRPr lang="en-US" dirty="0"/>
@@ -6722,7 +6635,7 @@
           </a:lstStyle>
           <a:p>
             <a:r>
-              <a:rPr lang="en-US" smtClean="0"/>
+              <a:rPr lang="en-US"/>
               <a:t>Click to edit Master subtitle style</a:t>
             </a:r>
             <a:endParaRPr lang="en-US" dirty="0"/>
@@ -6734,7 +6647,7 @@
           <p:cNvPr id="17" name="Picture 16" descr="A close up of a computer&#10;&#10;Description generated with high confidence">
             <a:extLst>
               <a:ext uri="{FF2B5EF4-FFF2-40B4-BE49-F238E27FC236}">
-                <a16:creationId xmlns:a16="http://schemas.microsoft.com/office/drawing/2014/main" xmlns="" id="{B2FB6BAC-57DC-470D-AA27-6E916BEEC956}"/>
+                <a16:creationId xmlns:a16="http://schemas.microsoft.com/office/drawing/2014/main" id="{B2FB6BAC-57DC-470D-AA27-6E916BEEC956}"/>
               </a:ext>
             </a:extLst>
           </p:cNvPr>
@@ -6779,7 +6692,7 @@
           <p:cNvPr id="18" name="Picture 17" descr="A close up of a logo&#10;&#10;Description generated with very high confidence">
             <a:extLst>
               <a:ext uri="{FF2B5EF4-FFF2-40B4-BE49-F238E27FC236}">
-                <a16:creationId xmlns:a16="http://schemas.microsoft.com/office/drawing/2014/main" xmlns="" id="{F700AA35-7ACE-4657-BBD7-03E3A55B64A0}"/>
+                <a16:creationId xmlns:a16="http://schemas.microsoft.com/office/drawing/2014/main" id="{F700AA35-7ACE-4657-BBD7-03E3A55B64A0}"/>
               </a:ext>
             </a:extLst>
           </p:cNvPr>
@@ -6815,7 +6728,7 @@
           <p:cNvPr id="9" name="Picture 8">
             <a:extLst>
               <a:ext uri="{FF2B5EF4-FFF2-40B4-BE49-F238E27FC236}">
-                <a16:creationId xmlns:a16="http://schemas.microsoft.com/office/drawing/2014/main" xmlns="" id="{1F0A5EAC-900C-4667-A5FC-E744A5D87EFB}"/>
+                <a16:creationId xmlns:a16="http://schemas.microsoft.com/office/drawing/2014/main" id="{1F0A5EAC-900C-4667-A5FC-E744A5D87EFB}"/>
               </a:ext>
             </a:extLst>
           </p:cNvPr>
@@ -6852,13 +6765,6 @@
   <p:clrMapOvr>
     <a:masterClrMapping/>
   </p:clrMapOvr>
-  <p:timing>
-    <p:tnLst>
-      <p:par>
-        <p:cTn id="1" dur="indefinite" restart="never" nodeType="tmRoot"/>
-      </p:par>
-    </p:tnLst>
-  </p:timing>
   <p:extLst mod="1">
     <p:ext uri="{DCECCB84-F9BA-43D5-87BE-67443E8EF086}">
       <p15:sldGuideLst xmlns:p15="http://schemas.microsoft.com/office/powerpoint/2012/main">
@@ -6918,7 +6824,7 @@
           </a:lstStyle>
           <a:p>
             <a:r>
-              <a:rPr lang="en-US" smtClean="0"/>
+              <a:rPr lang="en-US"/>
               <a:t>Click to edit Master title style</a:t>
             </a:r>
             <a:endParaRPr lang="en-US" dirty="0"/>
@@ -7013,21 +6919,21 @@
           <a:p>
             <a:pPr lvl="0"/>
             <a:r>
-              <a:rPr lang="en-US" smtClean="0"/>
+              <a:rPr lang="en-US"/>
               <a:t>Click to edit Master text styles</a:t>
             </a:r>
           </a:p>
           <a:p>
             <a:pPr lvl="1"/>
             <a:r>
-              <a:rPr lang="en-US" smtClean="0"/>
+              <a:rPr lang="en-US"/>
               <a:t>Second level</a:t>
             </a:r>
           </a:p>
           <a:p>
             <a:pPr lvl="2"/>
             <a:r>
-              <a:rPr lang="en-US" smtClean="0"/>
+              <a:rPr lang="en-US"/>
               <a:t>Third level</a:t>
             </a:r>
           </a:p>
@@ -7039,13 +6945,6 @@
   <p:clrMapOvr>
     <a:masterClrMapping/>
   </p:clrMapOvr>
-  <p:timing>
-    <p:tnLst>
-      <p:par>
-        <p:cTn id="1" dur="indefinite" restart="never" nodeType="tmRoot"/>
-      </p:par>
-    </p:tnLst>
-  </p:timing>
 </p:sldLayout>
 </file>
 
@@ -7071,7 +6970,7 @@
           <p:cNvPr id="6" name="Rectangle 5">
             <a:extLst>
               <a:ext uri="{FF2B5EF4-FFF2-40B4-BE49-F238E27FC236}">
-                <a16:creationId xmlns:a16="http://schemas.microsoft.com/office/drawing/2014/main" xmlns="" id="{F679D6E9-7CB6-4816-BA71-A98C108727C8}"/>
+                <a16:creationId xmlns:a16="http://schemas.microsoft.com/office/drawing/2014/main" id="{F679D6E9-7CB6-4816-BA71-A98C108727C8}"/>
               </a:ext>
             </a:extLst>
           </p:cNvPr>
@@ -7266,7 +7165,7 @@
           <p:cNvPr id="2" name="Title 1">
             <a:extLst>
               <a:ext uri="{FF2B5EF4-FFF2-40B4-BE49-F238E27FC236}">
-                <a16:creationId xmlns:a16="http://schemas.microsoft.com/office/drawing/2014/main" xmlns="" id="{C2F2F47A-E421-4CE0-A746-76A8C436B135}"/>
+                <a16:creationId xmlns:a16="http://schemas.microsoft.com/office/drawing/2014/main" id="{C2F2F47A-E421-4CE0-A746-76A8C436B135}"/>
               </a:ext>
             </a:extLst>
           </p:cNvPr>
@@ -7299,7 +7198,7 @@
           </a:lstStyle>
           <a:p>
             <a:r>
-              <a:rPr lang="en-US" smtClean="0"/>
+              <a:rPr lang="en-US"/>
               <a:t>Click to edit Master title style</a:t>
             </a:r>
             <a:endParaRPr lang="en-US" dirty="0"/>
@@ -7311,7 +7210,7 @@
           <p:cNvPr id="14" name="Picture 13">
             <a:extLst>
               <a:ext uri="{FF2B5EF4-FFF2-40B4-BE49-F238E27FC236}">
-                <a16:creationId xmlns:a16="http://schemas.microsoft.com/office/drawing/2014/main" xmlns="" id="{6E16882D-8BEB-4DE9-9D6E-B66A4265552E}"/>
+                <a16:creationId xmlns:a16="http://schemas.microsoft.com/office/drawing/2014/main" id="{6E16882D-8BEB-4DE9-9D6E-B66A4265552E}"/>
               </a:ext>
             </a:extLst>
           </p:cNvPr>
@@ -7346,7 +7245,7 @@
           <p:cNvPr id="21" name="Picture 20">
             <a:extLst>
               <a:ext uri="{FF2B5EF4-FFF2-40B4-BE49-F238E27FC236}">
-                <a16:creationId xmlns:a16="http://schemas.microsoft.com/office/drawing/2014/main" xmlns="" id="{9EAFB177-595A-4BDE-9AC4-D7572B1CC592}"/>
+                <a16:creationId xmlns:a16="http://schemas.microsoft.com/office/drawing/2014/main" id="{9EAFB177-595A-4BDE-9AC4-D7572B1CC592}"/>
               </a:ext>
             </a:extLst>
           </p:cNvPr>
@@ -7383,13 +7282,6 @@
   <p:clrMapOvr>
     <a:masterClrMapping/>
   </p:clrMapOvr>
-  <p:timing>
-    <p:tnLst>
-      <p:par>
-        <p:cTn id="1" dur="indefinite" restart="never" nodeType="tmRoot"/>
-      </p:par>
-    </p:tnLst>
-  </p:timing>
 </p:sldLayout>
 </file>
 
@@ -7442,7 +7334,7 @@
           </a:lstStyle>
           <a:p>
             <a:r>
-              <a:rPr lang="en-US" smtClean="0"/>
+              <a:rPr lang="en-US"/>
               <a:t>Click to edit Master title style</a:t>
             </a:r>
             <a:endParaRPr lang="en-US" dirty="0"/>
@@ -7535,21 +7427,21 @@
           <a:p>
             <a:pPr lvl="0"/>
             <a:r>
-              <a:rPr lang="en-US" smtClean="0"/>
+              <a:rPr lang="en-US"/>
               <a:t>Click to edit Master text styles</a:t>
             </a:r>
           </a:p>
           <a:p>
             <a:pPr lvl="1"/>
             <a:r>
-              <a:rPr lang="en-US" smtClean="0"/>
+              <a:rPr lang="en-US"/>
               <a:t>Second level</a:t>
             </a:r>
           </a:p>
           <a:p>
             <a:pPr lvl="2"/>
             <a:r>
-              <a:rPr lang="en-US" smtClean="0"/>
+              <a:rPr lang="en-US"/>
               <a:t>Third level</a:t>
             </a:r>
           </a:p>
@@ -7644,21 +7536,21 @@
           <a:p>
             <a:pPr lvl="0"/>
             <a:r>
-              <a:rPr lang="en-US" smtClean="0"/>
+              <a:rPr lang="en-US"/>
               <a:t>Click to edit Master text styles</a:t>
             </a:r>
           </a:p>
           <a:p>
             <a:pPr lvl="1"/>
             <a:r>
-              <a:rPr lang="en-US" smtClean="0"/>
+              <a:rPr lang="en-US"/>
               <a:t>Second level</a:t>
             </a:r>
           </a:p>
           <a:p>
             <a:pPr lvl="2"/>
             <a:r>
-              <a:rPr lang="en-US" smtClean="0"/>
+              <a:rPr lang="en-US"/>
               <a:t>Third level</a:t>
             </a:r>
           </a:p>
@@ -7669,7 +7561,7 @@
           <p:cNvPr id="12" name="Rectangle 256">
             <a:extLst>
               <a:ext uri="{FF2B5EF4-FFF2-40B4-BE49-F238E27FC236}">
-                <a16:creationId xmlns:a16="http://schemas.microsoft.com/office/drawing/2014/main" xmlns="" id="{0ED8B866-A29F-4437-842E-6B7908B2FB7D}"/>
+                <a16:creationId xmlns:a16="http://schemas.microsoft.com/office/drawing/2014/main" id="{0ED8B866-A29F-4437-842E-6B7908B2FB7D}"/>
               </a:ext>
             </a:extLst>
           </p:cNvPr>
@@ -7712,13 +7604,6 @@
   <p:clrMapOvr>
     <a:masterClrMapping/>
   </p:clrMapOvr>
-  <p:timing>
-    <p:tnLst>
-      <p:par>
-        <p:cTn id="1" dur="indefinite" restart="never" nodeType="tmRoot"/>
-      </p:par>
-    </p:tnLst>
-  </p:timing>
 </p:sldLayout>
 </file>
 
@@ -7744,7 +7629,7 @@
           <p:cNvPr id="21" name="Picture 20">
             <a:extLst>
               <a:ext uri="{FF2B5EF4-FFF2-40B4-BE49-F238E27FC236}">
-                <a16:creationId xmlns:a16="http://schemas.microsoft.com/office/drawing/2014/main" xmlns="" id="{7EE845FF-FE6B-4C05-AD90-73F7E8097570}"/>
+                <a16:creationId xmlns:a16="http://schemas.microsoft.com/office/drawing/2014/main" id="{7EE845FF-FE6B-4C05-AD90-73F7E8097570}"/>
               </a:ext>
             </a:extLst>
           </p:cNvPr>
@@ -7780,7 +7665,7 @@
           <p:cNvPr id="26" name="Picture 25">
             <a:extLst>
               <a:ext uri="{FF2B5EF4-FFF2-40B4-BE49-F238E27FC236}">
-                <a16:creationId xmlns:a16="http://schemas.microsoft.com/office/drawing/2014/main" xmlns="" id="{7572306A-6D28-4B79-9F33-F65B3290E929}"/>
+                <a16:creationId xmlns:a16="http://schemas.microsoft.com/office/drawing/2014/main" id="{7572306A-6D28-4B79-9F33-F65B3290E929}"/>
               </a:ext>
             </a:extLst>
           </p:cNvPr>
@@ -7832,7 +7717,7 @@
           <p:cNvPr id="4" name="Rectangle 3">
             <a:extLst>
               <a:ext uri="{FF2B5EF4-FFF2-40B4-BE49-F238E27FC236}">
-                <a16:creationId xmlns:a16="http://schemas.microsoft.com/office/drawing/2014/main" xmlns="" id="{B9853B16-5BA4-4AF0-8A80-CD86D6EAD828}"/>
+                <a16:creationId xmlns:a16="http://schemas.microsoft.com/office/drawing/2014/main" id="{B9853B16-5BA4-4AF0-8A80-CD86D6EAD828}"/>
               </a:ext>
             </a:extLst>
           </p:cNvPr>
@@ -7944,7 +7829,7 @@
           </a:lstStyle>
           <a:p>
             <a:r>
-              <a:rPr lang="en-US" smtClean="0"/>
+              <a:rPr lang="en-US"/>
               <a:t>Click to edit Master title style</a:t>
             </a:r>
             <a:endParaRPr lang="en-US" dirty="0"/>
@@ -8063,7 +7948,7 @@
           </a:lstStyle>
           <a:p>
             <a:r>
-              <a:rPr lang="en-US" smtClean="0"/>
+              <a:rPr lang="en-US"/>
               <a:t>Click to edit Master subtitle style</a:t>
             </a:r>
             <a:endParaRPr lang="en-US" dirty="0"/>
@@ -8075,7 +7960,7 @@
           <p:cNvPr id="17" name="Picture 16" descr="A close up of a computer&#10;&#10;Description generated with high confidence">
             <a:extLst>
               <a:ext uri="{FF2B5EF4-FFF2-40B4-BE49-F238E27FC236}">
-                <a16:creationId xmlns:a16="http://schemas.microsoft.com/office/drawing/2014/main" xmlns="" id="{B2FB6BAC-57DC-470D-AA27-6E916BEEC956}"/>
+                <a16:creationId xmlns:a16="http://schemas.microsoft.com/office/drawing/2014/main" id="{B2FB6BAC-57DC-470D-AA27-6E916BEEC956}"/>
               </a:ext>
             </a:extLst>
           </p:cNvPr>
@@ -8120,7 +8005,7 @@
           <p:cNvPr id="18" name="Picture 17" descr="A close up of a logo&#10;&#10;Description generated with very high confidence">
             <a:extLst>
               <a:ext uri="{FF2B5EF4-FFF2-40B4-BE49-F238E27FC236}">
-                <a16:creationId xmlns:a16="http://schemas.microsoft.com/office/drawing/2014/main" xmlns="" id="{F700AA35-7ACE-4657-BBD7-03E3A55B64A0}"/>
+                <a16:creationId xmlns:a16="http://schemas.microsoft.com/office/drawing/2014/main" id="{F700AA35-7ACE-4657-BBD7-03E3A55B64A0}"/>
               </a:ext>
             </a:extLst>
           </p:cNvPr>
@@ -8156,7 +8041,7 @@
           <p:cNvPr id="9" name="Picture 8">
             <a:extLst>
               <a:ext uri="{FF2B5EF4-FFF2-40B4-BE49-F238E27FC236}">
-                <a16:creationId xmlns:a16="http://schemas.microsoft.com/office/drawing/2014/main" xmlns="" id="{1F0A5EAC-900C-4667-A5FC-E744A5D87EFB}"/>
+                <a16:creationId xmlns:a16="http://schemas.microsoft.com/office/drawing/2014/main" id="{1F0A5EAC-900C-4667-A5FC-E744A5D87EFB}"/>
               </a:ext>
             </a:extLst>
           </p:cNvPr>
@@ -8252,7 +8137,7 @@
           </a:lstStyle>
           <a:p>
             <a:r>
-              <a:rPr lang="en-US" smtClean="0"/>
+              <a:rPr lang="en-US"/>
               <a:t>Click to edit Master title style</a:t>
             </a:r>
             <a:endParaRPr lang="en-US" dirty="0"/>
@@ -8265,13 +8150,6 @@
   <p:clrMapOvr>
     <a:masterClrMapping/>
   </p:clrMapOvr>
-  <p:timing>
-    <p:tnLst>
-      <p:par>
-        <p:cTn id="1" dur="indefinite" restart="never" nodeType="tmRoot"/>
-      </p:par>
-    </p:tnLst>
-  </p:timing>
 </p:sldLayout>
 </file>
 
@@ -8298,13 +8176,6 @@
   <p:clrMapOvr>
     <a:masterClrMapping/>
   </p:clrMapOvr>
-  <p:timing>
-    <p:tnLst>
-      <p:par>
-        <p:cTn id="1" dur="indefinite" restart="never" nodeType="tmRoot"/>
-      </p:par>
-    </p:tnLst>
-  </p:timing>
 </p:sldLayout>
 </file>
 
@@ -8353,7 +8224,7 @@
           </a:lstStyle>
           <a:p>
             <a:r>
-              <a:rPr lang="en-US" smtClean="0"/>
+              <a:rPr lang="en-US"/>
               <a:t>Click to edit Master title style</a:t>
             </a:r>
             <a:endParaRPr lang="en-US" dirty="0"/>
@@ -8434,7 +8305,7 @@
           <a:p>
             <a:pPr lvl="0"/>
             <a:r>
-              <a:rPr lang="en-US" smtClean="0"/>
+              <a:rPr lang="en-US"/>
               <a:t>Click to edit Master text styles</a:t>
             </a:r>
           </a:p>
@@ -8548,21 +8419,21 @@
           <a:p>
             <a:pPr lvl="0"/>
             <a:r>
-              <a:rPr lang="en-US" smtClean="0"/>
+              <a:rPr lang="en-US"/>
               <a:t>Click to edit Master text styles</a:t>
             </a:r>
           </a:p>
           <a:p>
             <a:pPr lvl="1"/>
             <a:r>
-              <a:rPr lang="en-US" smtClean="0"/>
+              <a:rPr lang="en-US"/>
               <a:t>Second level</a:t>
             </a:r>
           </a:p>
           <a:p>
             <a:pPr lvl="2"/>
             <a:r>
-              <a:rPr lang="en-US" smtClean="0"/>
+              <a:rPr lang="en-US"/>
               <a:t>Third level</a:t>
             </a:r>
           </a:p>
@@ -8642,7 +8513,7 @@
           <a:p>
             <a:pPr lvl="0"/>
             <a:r>
-              <a:rPr lang="en-US" smtClean="0"/>
+              <a:rPr lang="en-US"/>
               <a:t>Click to edit Master text styles</a:t>
             </a:r>
           </a:p>
@@ -8768,21 +8639,21 @@
           <a:p>
             <a:pPr lvl="0"/>
             <a:r>
-              <a:rPr lang="en-US" smtClean="0"/>
+              <a:rPr lang="en-US"/>
               <a:t>Click to edit Master text styles</a:t>
             </a:r>
           </a:p>
           <a:p>
             <a:pPr lvl="1"/>
             <a:r>
-              <a:rPr lang="en-US" smtClean="0"/>
+              <a:rPr lang="en-US"/>
               <a:t>Second level</a:t>
             </a:r>
           </a:p>
           <a:p>
             <a:pPr lvl="2"/>
             <a:r>
-              <a:rPr lang="en-US" smtClean="0"/>
+              <a:rPr lang="en-US"/>
               <a:t>Third level</a:t>
             </a:r>
           </a:p>
@@ -8793,7 +8664,7 @@
           <p:cNvPr id="14" name="Rectangle 256">
             <a:extLst>
               <a:ext uri="{FF2B5EF4-FFF2-40B4-BE49-F238E27FC236}">
-                <a16:creationId xmlns:a16="http://schemas.microsoft.com/office/drawing/2014/main" xmlns="" id="{B764CAE0-734A-4D16-BDA1-3E43A810370F}"/>
+                <a16:creationId xmlns:a16="http://schemas.microsoft.com/office/drawing/2014/main" id="{B764CAE0-734A-4D16-BDA1-3E43A810370F}"/>
               </a:ext>
             </a:extLst>
           </p:cNvPr>
@@ -8836,13 +8707,6 @@
   <p:clrMapOvr>
     <a:masterClrMapping/>
   </p:clrMapOvr>
-  <p:timing>
-    <p:tnLst>
-      <p:par>
-        <p:cTn id="1" dur="indefinite" restart="never" nodeType="tmRoot"/>
-      </p:par>
-    </p:tnLst>
-  </p:timing>
 </p:sldLayout>
 </file>
 
@@ -8891,7 +8755,7 @@
           </a:lstStyle>
           <a:p>
             <a:r>
-              <a:rPr lang="en-US" smtClean="0"/>
+              <a:rPr lang="en-US"/>
               <a:t>Click to edit Master title style</a:t>
             </a:r>
             <a:endParaRPr lang="en-US" dirty="0"/>
@@ -8972,7 +8836,7 @@
           <a:p>
             <a:pPr lvl="0"/>
             <a:r>
-              <a:rPr lang="en-US" smtClean="0"/>
+              <a:rPr lang="en-US"/>
               <a:t>Click to edit Master text styles</a:t>
             </a:r>
           </a:p>
@@ -9086,21 +8950,21 @@
           <a:p>
             <a:pPr lvl="0"/>
             <a:r>
-              <a:rPr lang="en-US" smtClean="0"/>
+              <a:rPr lang="en-US"/>
               <a:t>Click to edit Master text styles</a:t>
             </a:r>
           </a:p>
           <a:p>
             <a:pPr lvl="1"/>
             <a:r>
-              <a:rPr lang="en-US" smtClean="0"/>
+              <a:rPr lang="en-US"/>
               <a:t>Second level</a:t>
             </a:r>
           </a:p>
           <a:p>
             <a:pPr lvl="2"/>
             <a:r>
-              <a:rPr lang="en-US" smtClean="0"/>
+              <a:rPr lang="en-US"/>
               <a:t>Third level</a:t>
             </a:r>
           </a:p>
@@ -9180,7 +9044,7 @@
           <a:p>
             <a:pPr lvl="0"/>
             <a:r>
-              <a:rPr lang="en-US" smtClean="0"/>
+              <a:rPr lang="en-US"/>
               <a:t>Click to edit Master text styles</a:t>
             </a:r>
           </a:p>
@@ -9306,21 +9170,21 @@
           <a:p>
             <a:pPr lvl="0"/>
             <a:r>
-              <a:rPr lang="en-US" smtClean="0"/>
+              <a:rPr lang="en-US"/>
               <a:t>Click to edit Master text styles</a:t>
             </a:r>
           </a:p>
           <a:p>
             <a:pPr lvl="1"/>
             <a:r>
-              <a:rPr lang="en-US" smtClean="0"/>
+              <a:rPr lang="en-US"/>
               <a:t>Second level</a:t>
             </a:r>
           </a:p>
           <a:p>
             <a:pPr lvl="2"/>
             <a:r>
-              <a:rPr lang="en-US" smtClean="0"/>
+              <a:rPr lang="en-US"/>
               <a:t>Third level</a:t>
             </a:r>
           </a:p>
@@ -9331,7 +9195,7 @@
           <p:cNvPr id="7" name="Text Placeholder 4">
             <a:extLst>
               <a:ext uri="{FF2B5EF4-FFF2-40B4-BE49-F238E27FC236}">
-                <a16:creationId xmlns:a16="http://schemas.microsoft.com/office/drawing/2014/main" xmlns="" id="{49D91D4C-0C90-4594-94C2-E939B6EF57C4}"/>
+                <a16:creationId xmlns:a16="http://schemas.microsoft.com/office/drawing/2014/main" id="{49D91D4C-0C90-4594-94C2-E939B6EF57C4}"/>
               </a:ext>
             </a:extLst>
           </p:cNvPr>
@@ -9406,7 +9270,7 @@
           <a:p>
             <a:pPr lvl="0"/>
             <a:r>
-              <a:rPr lang="en-US" smtClean="0"/>
+              <a:rPr lang="en-US"/>
               <a:t>Click to edit Master text styles</a:t>
             </a:r>
           </a:p>
@@ -9417,7 +9281,7 @@
           <p:cNvPr id="8" name="Content Placeholder 5">
             <a:extLst>
               <a:ext uri="{FF2B5EF4-FFF2-40B4-BE49-F238E27FC236}">
-                <a16:creationId xmlns:a16="http://schemas.microsoft.com/office/drawing/2014/main" xmlns="" id="{E1A87D9D-30BD-4BC1-AB79-1F900F87185B}"/>
+                <a16:creationId xmlns:a16="http://schemas.microsoft.com/office/drawing/2014/main" id="{E1A87D9D-30BD-4BC1-AB79-1F900F87185B}"/>
               </a:ext>
             </a:extLst>
           </p:cNvPr>
@@ -9538,21 +9402,21 @@
           <a:p>
             <a:pPr lvl="0"/>
             <a:r>
-              <a:rPr lang="en-US" smtClean="0"/>
+              <a:rPr lang="en-US"/>
               <a:t>Click to edit Master text styles</a:t>
             </a:r>
           </a:p>
           <a:p>
             <a:pPr lvl="1"/>
             <a:r>
-              <a:rPr lang="en-US" smtClean="0"/>
+              <a:rPr lang="en-US"/>
               <a:t>Second level</a:t>
             </a:r>
           </a:p>
           <a:p>
             <a:pPr lvl="2"/>
             <a:r>
-              <a:rPr lang="en-US" smtClean="0"/>
+              <a:rPr lang="en-US"/>
               <a:t>Third level</a:t>
             </a:r>
           </a:p>
@@ -9563,7 +9427,7 @@
           <p:cNvPr id="14" name="Rectangle 256">
             <a:extLst>
               <a:ext uri="{FF2B5EF4-FFF2-40B4-BE49-F238E27FC236}">
-                <a16:creationId xmlns:a16="http://schemas.microsoft.com/office/drawing/2014/main" xmlns="" id="{B764CAE0-734A-4D16-BDA1-3E43A810370F}"/>
+                <a16:creationId xmlns:a16="http://schemas.microsoft.com/office/drawing/2014/main" id="{B764CAE0-734A-4D16-BDA1-3E43A810370F}"/>
               </a:ext>
             </a:extLst>
           </p:cNvPr>
@@ -9606,13 +9470,6 @@
   <p:clrMapOvr>
     <a:masterClrMapping/>
   </p:clrMapOvr>
-  <p:timing>
-    <p:tnLst>
-      <p:par>
-        <p:cTn id="1" dur="indefinite" restart="never" nodeType="tmRoot"/>
-      </p:par>
-    </p:tnLst>
-  </p:timing>
 </p:sldLayout>
 </file>
 
@@ -9638,7 +9495,7 @@
           <p:cNvPr id="2" name="Group 1">
             <a:extLst>
               <a:ext uri="{FF2B5EF4-FFF2-40B4-BE49-F238E27FC236}">
-                <a16:creationId xmlns:a16="http://schemas.microsoft.com/office/drawing/2014/main" xmlns="" id="{215922CA-3E0F-485B-9F76-A1F211BE7C4F}"/>
+                <a16:creationId xmlns:a16="http://schemas.microsoft.com/office/drawing/2014/main" id="{215922CA-3E0F-485B-9F76-A1F211BE7C4F}"/>
               </a:ext>
             </a:extLst>
           </p:cNvPr>
@@ -9658,7 +9515,7 @@
             <p:cNvPr id="38" name="Rectangle 37">
               <a:extLst>
                 <a:ext uri="{FF2B5EF4-FFF2-40B4-BE49-F238E27FC236}">
-                  <a16:creationId xmlns:a16="http://schemas.microsoft.com/office/drawing/2014/main" xmlns="" id="{1DC80716-D7F2-40BD-B894-87B7C5521D93}"/>
+                  <a16:creationId xmlns:a16="http://schemas.microsoft.com/office/drawing/2014/main" id="{1DC80716-D7F2-40BD-B894-87B7C5521D93}"/>
                 </a:ext>
               </a:extLst>
             </p:cNvPr>
@@ -9747,7 +9604,7 @@
             <p:cNvPr id="13" name="Rectangle 12">
               <a:extLst>
                 <a:ext uri="{FF2B5EF4-FFF2-40B4-BE49-F238E27FC236}">
-                  <a16:creationId xmlns:a16="http://schemas.microsoft.com/office/drawing/2014/main" xmlns="" id="{DD431D86-B4F2-4178-9479-C223044E67E1}"/>
+                  <a16:creationId xmlns:a16="http://schemas.microsoft.com/office/drawing/2014/main" id="{DD431D86-B4F2-4178-9479-C223044E67E1}"/>
                 </a:ext>
               </a:extLst>
             </p:cNvPr>
@@ -9820,7 +9677,7 @@
             <p:cNvPr id="39" name="Rectangle 38">
               <a:extLst>
                 <a:ext uri="{FF2B5EF4-FFF2-40B4-BE49-F238E27FC236}">
-                  <a16:creationId xmlns:a16="http://schemas.microsoft.com/office/drawing/2014/main" xmlns="" id="{9772E6C0-3363-4678-BD7B-839981CFEC1B}"/>
+                  <a16:creationId xmlns:a16="http://schemas.microsoft.com/office/drawing/2014/main" id="{9772E6C0-3363-4678-BD7B-839981CFEC1B}"/>
                 </a:ext>
               </a:extLst>
             </p:cNvPr>
@@ -9909,7 +9766,7 @@
             <p:cNvPr id="16" name="Rectangle 15">
               <a:extLst>
                 <a:ext uri="{FF2B5EF4-FFF2-40B4-BE49-F238E27FC236}">
-                  <a16:creationId xmlns:a16="http://schemas.microsoft.com/office/drawing/2014/main" xmlns="" id="{7881C044-83B1-4BEC-A2A0-51CA4BF72CE4}"/>
+                  <a16:creationId xmlns:a16="http://schemas.microsoft.com/office/drawing/2014/main" id="{7881C044-83B1-4BEC-A2A0-51CA4BF72CE4}"/>
                 </a:ext>
               </a:extLst>
             </p:cNvPr>
@@ -9982,7 +9839,7 @@
             <p:cNvPr id="40" name="Rectangle 39">
               <a:extLst>
                 <a:ext uri="{FF2B5EF4-FFF2-40B4-BE49-F238E27FC236}">
-                  <a16:creationId xmlns:a16="http://schemas.microsoft.com/office/drawing/2014/main" xmlns="" id="{104C995C-9C57-406C-A69D-7613F8F47165}"/>
+                  <a16:creationId xmlns:a16="http://schemas.microsoft.com/office/drawing/2014/main" id="{104C995C-9C57-406C-A69D-7613F8F47165}"/>
                 </a:ext>
               </a:extLst>
             </p:cNvPr>
@@ -10071,7 +9928,7 @@
             <p:cNvPr id="22" name="Rectangle 21">
               <a:extLst>
                 <a:ext uri="{FF2B5EF4-FFF2-40B4-BE49-F238E27FC236}">
-                  <a16:creationId xmlns:a16="http://schemas.microsoft.com/office/drawing/2014/main" xmlns="" id="{A526A7F5-6E08-49A4-A894-85B35B49A075}"/>
+                  <a16:creationId xmlns:a16="http://schemas.microsoft.com/office/drawing/2014/main" id="{A526A7F5-6E08-49A4-A894-85B35B49A075}"/>
                 </a:ext>
               </a:extLst>
             </p:cNvPr>
@@ -10144,7 +10001,7 @@
             <p:cNvPr id="26" name="Rectangle 25">
               <a:extLst>
                 <a:ext uri="{FF2B5EF4-FFF2-40B4-BE49-F238E27FC236}">
-                  <a16:creationId xmlns:a16="http://schemas.microsoft.com/office/drawing/2014/main" xmlns="" id="{925F09E4-91A6-437A-BED4-ED7995D473E7}"/>
+                  <a16:creationId xmlns:a16="http://schemas.microsoft.com/office/drawing/2014/main" id="{925F09E4-91A6-437A-BED4-ED7995D473E7}"/>
                 </a:ext>
               </a:extLst>
             </p:cNvPr>
@@ -10233,7 +10090,7 @@
             <p:cNvPr id="27" name="Rectangle 26">
               <a:extLst>
                 <a:ext uri="{FF2B5EF4-FFF2-40B4-BE49-F238E27FC236}">
-                  <a16:creationId xmlns:a16="http://schemas.microsoft.com/office/drawing/2014/main" xmlns="" id="{6192D3D3-2A2D-4482-B3F5-B0CBCD39D93A}"/>
+                  <a16:creationId xmlns:a16="http://schemas.microsoft.com/office/drawing/2014/main" id="{6192D3D3-2A2D-4482-B3F5-B0CBCD39D93A}"/>
                 </a:ext>
               </a:extLst>
             </p:cNvPr>
@@ -10307,7 +10164,7 @@
           <p:cNvPr id="14" name="Text Placeholder 2">
             <a:extLst>
               <a:ext uri="{FF2B5EF4-FFF2-40B4-BE49-F238E27FC236}">
-                <a16:creationId xmlns:a16="http://schemas.microsoft.com/office/drawing/2014/main" xmlns="" id="{A568B759-9EAF-4F57-B09C-A71D9D5B516C}"/>
+                <a16:creationId xmlns:a16="http://schemas.microsoft.com/office/drawing/2014/main" id="{A568B759-9EAF-4F57-B09C-A71D9D5B516C}"/>
               </a:ext>
             </a:extLst>
           </p:cNvPr>
@@ -10375,7 +10232,7 @@
           <a:p>
             <a:pPr lvl="0"/>
             <a:r>
-              <a:rPr lang="en-US" smtClean="0"/>
+              <a:rPr lang="en-US"/>
               <a:t>Click to edit Master text styles</a:t>
             </a:r>
           </a:p>
@@ -10386,7 +10243,7 @@
           <p:cNvPr id="15" name="Content Placeholder 3">
             <a:extLst>
               <a:ext uri="{FF2B5EF4-FFF2-40B4-BE49-F238E27FC236}">
-                <a16:creationId xmlns:a16="http://schemas.microsoft.com/office/drawing/2014/main" xmlns="" id="{62AD586E-7375-402D-9BA8-7C07EB8240E8}"/>
+                <a16:creationId xmlns:a16="http://schemas.microsoft.com/office/drawing/2014/main" id="{62AD586E-7375-402D-9BA8-7C07EB8240E8}"/>
               </a:ext>
             </a:extLst>
           </p:cNvPr>
@@ -10442,35 +10299,35 @@
           <a:p>
             <a:pPr lvl="0"/>
             <a:r>
-              <a:rPr lang="en-US" smtClean="0"/>
+              <a:rPr lang="en-US"/>
               <a:t>Click to edit Master text styles</a:t>
             </a:r>
           </a:p>
           <a:p>
             <a:pPr lvl="1"/>
             <a:r>
-              <a:rPr lang="en-US" smtClean="0"/>
+              <a:rPr lang="en-US"/>
               <a:t>Second level</a:t>
             </a:r>
           </a:p>
           <a:p>
             <a:pPr lvl="2"/>
             <a:r>
-              <a:rPr lang="en-US" smtClean="0"/>
+              <a:rPr lang="en-US"/>
               <a:t>Third level</a:t>
             </a:r>
           </a:p>
           <a:p>
             <a:pPr lvl="3"/>
             <a:r>
-              <a:rPr lang="en-US" smtClean="0"/>
+              <a:rPr lang="en-US"/>
               <a:t>Fourth level</a:t>
             </a:r>
           </a:p>
           <a:p>
             <a:pPr lvl="4"/>
             <a:r>
-              <a:rPr lang="en-US" smtClean="0"/>
+              <a:rPr lang="en-US"/>
               <a:t>Fifth level</a:t>
             </a:r>
             <a:endParaRPr lang="en-US" dirty="0"/>
@@ -10482,7 +10339,7 @@
           <p:cNvPr id="17" name="Text Placeholder 4">
             <a:extLst>
               <a:ext uri="{FF2B5EF4-FFF2-40B4-BE49-F238E27FC236}">
-                <a16:creationId xmlns:a16="http://schemas.microsoft.com/office/drawing/2014/main" xmlns="" id="{2A49DFE2-905F-42AB-9CE1-CCCD2BB9576B}"/>
+                <a16:creationId xmlns:a16="http://schemas.microsoft.com/office/drawing/2014/main" id="{2A49DFE2-905F-42AB-9CE1-CCCD2BB9576B}"/>
               </a:ext>
             </a:extLst>
           </p:cNvPr>
@@ -10550,7 +10407,7 @@
           <a:p>
             <a:pPr lvl="0"/>
             <a:r>
-              <a:rPr lang="en-US" smtClean="0"/>
+              <a:rPr lang="en-US"/>
               <a:t>Click to edit Master text styles</a:t>
             </a:r>
           </a:p>
@@ -10561,7 +10418,7 @@
           <p:cNvPr id="18" name="Content Placeholder 5">
             <a:extLst>
               <a:ext uri="{FF2B5EF4-FFF2-40B4-BE49-F238E27FC236}">
-                <a16:creationId xmlns:a16="http://schemas.microsoft.com/office/drawing/2014/main" xmlns="" id="{AF1555CB-15BC-4181-B741-965A19E6BA91}"/>
+                <a16:creationId xmlns:a16="http://schemas.microsoft.com/office/drawing/2014/main" id="{AF1555CB-15BC-4181-B741-965A19E6BA91}"/>
               </a:ext>
             </a:extLst>
           </p:cNvPr>
@@ -10622,35 +10479,35 @@
           <a:p>
             <a:pPr lvl="0"/>
             <a:r>
-              <a:rPr lang="en-US" smtClean="0"/>
+              <a:rPr lang="en-US"/>
               <a:t>Click to edit Master text styles</a:t>
             </a:r>
           </a:p>
           <a:p>
             <a:pPr lvl="1"/>
             <a:r>
-              <a:rPr lang="en-US" smtClean="0"/>
+              <a:rPr lang="en-US"/>
               <a:t>Second level</a:t>
             </a:r>
           </a:p>
           <a:p>
             <a:pPr lvl="2"/>
             <a:r>
-              <a:rPr lang="en-US" smtClean="0"/>
+              <a:rPr lang="en-US"/>
               <a:t>Third level</a:t>
             </a:r>
           </a:p>
           <a:p>
             <a:pPr lvl="3"/>
             <a:r>
-              <a:rPr lang="en-US" smtClean="0"/>
+              <a:rPr lang="en-US"/>
               <a:t>Fourth level</a:t>
             </a:r>
           </a:p>
           <a:p>
             <a:pPr lvl="4"/>
             <a:r>
-              <a:rPr lang="en-US" smtClean="0"/>
+              <a:rPr lang="en-US"/>
               <a:t>Fifth level</a:t>
             </a:r>
             <a:endParaRPr lang="en-US" dirty="0"/>
@@ -10662,7 +10519,7 @@
           <p:cNvPr id="19" name="Text Placeholder 4">
             <a:extLst>
               <a:ext uri="{FF2B5EF4-FFF2-40B4-BE49-F238E27FC236}">
-                <a16:creationId xmlns:a16="http://schemas.microsoft.com/office/drawing/2014/main" xmlns="" id="{21FF3A3E-474D-4F1F-9B01-4428215B857D}"/>
+                <a16:creationId xmlns:a16="http://schemas.microsoft.com/office/drawing/2014/main" id="{21FF3A3E-474D-4F1F-9B01-4428215B857D}"/>
               </a:ext>
             </a:extLst>
           </p:cNvPr>
@@ -10730,7 +10587,7 @@
           <a:p>
             <a:pPr lvl="0"/>
             <a:r>
-              <a:rPr lang="en-US" smtClean="0"/>
+              <a:rPr lang="en-US"/>
               <a:t>Click to edit Master text styles</a:t>
             </a:r>
           </a:p>
@@ -10741,7 +10598,7 @@
           <p:cNvPr id="20" name="Content Placeholder 5">
             <a:extLst>
               <a:ext uri="{FF2B5EF4-FFF2-40B4-BE49-F238E27FC236}">
-                <a16:creationId xmlns:a16="http://schemas.microsoft.com/office/drawing/2014/main" xmlns="" id="{EDB166DE-69D8-4E82-A304-FF11CEBD23D7}"/>
+                <a16:creationId xmlns:a16="http://schemas.microsoft.com/office/drawing/2014/main" id="{EDB166DE-69D8-4E82-A304-FF11CEBD23D7}"/>
               </a:ext>
             </a:extLst>
           </p:cNvPr>
@@ -10802,35 +10659,35 @@
           <a:p>
             <a:pPr lvl="0"/>
             <a:r>
-              <a:rPr lang="en-US" smtClean="0"/>
+              <a:rPr lang="en-US"/>
               <a:t>Click to edit Master text styles</a:t>
             </a:r>
           </a:p>
           <a:p>
             <a:pPr lvl="1"/>
             <a:r>
-              <a:rPr lang="en-US" smtClean="0"/>
+              <a:rPr lang="en-US"/>
               <a:t>Second level</a:t>
             </a:r>
           </a:p>
           <a:p>
             <a:pPr lvl="2"/>
             <a:r>
-              <a:rPr lang="en-US" smtClean="0"/>
+              <a:rPr lang="en-US"/>
               <a:t>Third level</a:t>
             </a:r>
           </a:p>
           <a:p>
             <a:pPr lvl="3"/>
             <a:r>
-              <a:rPr lang="en-US" smtClean="0"/>
+              <a:rPr lang="en-US"/>
               <a:t>Fourth level</a:t>
             </a:r>
           </a:p>
           <a:p>
             <a:pPr lvl="4"/>
             <a:r>
-              <a:rPr lang="en-US" smtClean="0"/>
+              <a:rPr lang="en-US"/>
               <a:t>Fifth level</a:t>
             </a:r>
             <a:endParaRPr lang="en-US" dirty="0"/>
@@ -10842,7 +10699,7 @@
           <p:cNvPr id="32" name="Rectangle 31">
             <a:extLst>
               <a:ext uri="{FF2B5EF4-FFF2-40B4-BE49-F238E27FC236}">
-                <a16:creationId xmlns:a16="http://schemas.microsoft.com/office/drawing/2014/main" xmlns="" id="{4A1CB721-FBCB-4DC7-9C2A-15C90E984F90}"/>
+                <a16:creationId xmlns:a16="http://schemas.microsoft.com/office/drawing/2014/main" id="{4A1CB721-FBCB-4DC7-9C2A-15C90E984F90}"/>
               </a:ext>
             </a:extLst>
           </p:cNvPr>
@@ -10917,7 +10774,7 @@
           <p:cNvPr id="33" name="Title 1">
             <a:extLst>
               <a:ext uri="{FF2B5EF4-FFF2-40B4-BE49-F238E27FC236}">
-                <a16:creationId xmlns:a16="http://schemas.microsoft.com/office/drawing/2014/main" xmlns="" id="{9FDFB4D2-95C3-44FB-85E0-FB87B96D0DC8}"/>
+                <a16:creationId xmlns:a16="http://schemas.microsoft.com/office/drawing/2014/main" id="{9FDFB4D2-95C3-44FB-85E0-FB87B96D0DC8}"/>
               </a:ext>
             </a:extLst>
           </p:cNvPr>
@@ -10948,7 +10805,7 @@
           </a:lstStyle>
           <a:p>
             <a:r>
-              <a:rPr lang="en-US" smtClean="0"/>
+              <a:rPr lang="en-US"/>
               <a:t>Click to edit Master title style</a:t>
             </a:r>
             <a:endParaRPr lang="en-US" dirty="0"/>
@@ -10960,7 +10817,7 @@
           <p:cNvPr id="24" name="Rectangle 23">
             <a:extLst>
               <a:ext uri="{FF2B5EF4-FFF2-40B4-BE49-F238E27FC236}">
-                <a16:creationId xmlns:a16="http://schemas.microsoft.com/office/drawing/2014/main" xmlns="" id="{6CDDBDFD-39A6-0043-BAD4-065FAFF6A9DA}"/>
+                <a16:creationId xmlns:a16="http://schemas.microsoft.com/office/drawing/2014/main" id="{6CDDBDFD-39A6-0043-BAD4-065FAFF6A9DA}"/>
               </a:ext>
             </a:extLst>
           </p:cNvPr>
@@ -11033,7 +10890,7 @@
           <p:cNvPr id="21" name="Rectangle 6">
             <a:extLst>
               <a:ext uri="{FF2B5EF4-FFF2-40B4-BE49-F238E27FC236}">
-                <a16:creationId xmlns:a16="http://schemas.microsoft.com/office/drawing/2014/main" xmlns="" id="{F20E070A-FF02-490F-91F7-767E82133AD8}"/>
+                <a16:creationId xmlns:a16="http://schemas.microsoft.com/office/drawing/2014/main" id="{F20E070A-FF02-490F-91F7-767E82133AD8}"/>
               </a:ext>
             </a:extLst>
           </p:cNvPr>
@@ -11110,7 +10967,7 @@
           <p:cNvPr id="29" name="Text Placeholder 4">
             <a:extLst>
               <a:ext uri="{FF2B5EF4-FFF2-40B4-BE49-F238E27FC236}">
-                <a16:creationId xmlns:a16="http://schemas.microsoft.com/office/drawing/2014/main" xmlns="" id="{757D323C-D2DD-42C4-81D6-6224EE035EE4}"/>
+                <a16:creationId xmlns:a16="http://schemas.microsoft.com/office/drawing/2014/main" id="{757D323C-D2DD-42C4-81D6-6224EE035EE4}"/>
               </a:ext>
             </a:extLst>
           </p:cNvPr>
@@ -11178,7 +11035,7 @@
           <a:p>
             <a:pPr lvl="0"/>
             <a:r>
-              <a:rPr lang="en-US" smtClean="0"/>
+              <a:rPr lang="en-US"/>
               <a:t>Click to edit Master text styles</a:t>
             </a:r>
           </a:p>
@@ -11189,7 +11046,7 @@
           <p:cNvPr id="30" name="Content Placeholder 5">
             <a:extLst>
               <a:ext uri="{FF2B5EF4-FFF2-40B4-BE49-F238E27FC236}">
-                <a16:creationId xmlns:a16="http://schemas.microsoft.com/office/drawing/2014/main" xmlns="" id="{6D6262AB-5413-4C3B-B769-39B07A6E5626}"/>
+                <a16:creationId xmlns:a16="http://schemas.microsoft.com/office/drawing/2014/main" id="{6D6262AB-5413-4C3B-B769-39B07A6E5626}"/>
               </a:ext>
             </a:extLst>
           </p:cNvPr>
@@ -11250,35 +11107,35 @@
           <a:p>
             <a:pPr lvl="0"/>
             <a:r>
-              <a:rPr lang="en-US" smtClean="0"/>
+              <a:rPr lang="en-US"/>
               <a:t>Click to edit Master text styles</a:t>
             </a:r>
           </a:p>
           <a:p>
             <a:pPr lvl="1"/>
             <a:r>
-              <a:rPr lang="en-US" smtClean="0"/>
+              <a:rPr lang="en-US"/>
               <a:t>Second level</a:t>
             </a:r>
           </a:p>
           <a:p>
             <a:pPr lvl="2"/>
             <a:r>
-              <a:rPr lang="en-US" smtClean="0"/>
+              <a:rPr lang="en-US"/>
               <a:t>Third level</a:t>
             </a:r>
           </a:p>
           <a:p>
             <a:pPr lvl="3"/>
             <a:r>
-              <a:rPr lang="en-US" smtClean="0"/>
+              <a:rPr lang="en-US"/>
               <a:t>Fourth level</a:t>
             </a:r>
           </a:p>
           <a:p>
             <a:pPr lvl="4"/>
             <a:r>
-              <a:rPr lang="en-US" smtClean="0"/>
+              <a:rPr lang="en-US"/>
               <a:t>Fifth level</a:t>
             </a:r>
             <a:endParaRPr lang="en-US" dirty="0"/>
@@ -11290,7 +11147,7 @@
           <p:cNvPr id="35" name="Picture 34">
             <a:extLst>
               <a:ext uri="{FF2B5EF4-FFF2-40B4-BE49-F238E27FC236}">
-                <a16:creationId xmlns:a16="http://schemas.microsoft.com/office/drawing/2014/main" xmlns="" id="{A9FA5920-8F8E-4860-872E-2CA4CDDC3B2A}"/>
+                <a16:creationId xmlns:a16="http://schemas.microsoft.com/office/drawing/2014/main" id="{A9FA5920-8F8E-4860-872E-2CA4CDDC3B2A}"/>
               </a:ext>
             </a:extLst>
           </p:cNvPr>
@@ -11326,7 +11183,7 @@
           <p:cNvPr id="36" name="Picture 35">
             <a:extLst>
               <a:ext uri="{FF2B5EF4-FFF2-40B4-BE49-F238E27FC236}">
-                <a16:creationId xmlns:a16="http://schemas.microsoft.com/office/drawing/2014/main" xmlns="" id="{8330713C-B6BE-44C7-BD3A-E89F9DA07175}"/>
+                <a16:creationId xmlns:a16="http://schemas.microsoft.com/office/drawing/2014/main" id="{8330713C-B6BE-44C7-BD3A-E89F9DA07175}"/>
               </a:ext>
             </a:extLst>
           </p:cNvPr>
@@ -11363,13 +11220,6 @@
   <p:clrMapOvr>
     <a:masterClrMapping/>
   </p:clrMapOvr>
-  <p:timing>
-    <p:tnLst>
-      <p:par>
-        <p:cTn id="1" dur="indefinite" restart="never" nodeType="tmRoot"/>
-      </p:par>
-    </p:tnLst>
-  </p:timing>
 </p:sldLayout>
 </file>
 
@@ -11395,7 +11245,7 @@
           <p:cNvPr id="2" name="Group 1">
             <a:extLst>
               <a:ext uri="{FF2B5EF4-FFF2-40B4-BE49-F238E27FC236}">
-                <a16:creationId xmlns:a16="http://schemas.microsoft.com/office/drawing/2014/main" xmlns="" id="{95187DF1-019D-4B29-80A4-491D910D6F8B}"/>
+                <a16:creationId xmlns:a16="http://schemas.microsoft.com/office/drawing/2014/main" id="{95187DF1-019D-4B29-80A4-491D910D6F8B}"/>
               </a:ext>
             </a:extLst>
           </p:cNvPr>
@@ -11415,7 +11265,7 @@
             <p:cNvPr id="38" name="Rectangle 37">
               <a:extLst>
                 <a:ext uri="{FF2B5EF4-FFF2-40B4-BE49-F238E27FC236}">
-                  <a16:creationId xmlns:a16="http://schemas.microsoft.com/office/drawing/2014/main" xmlns="" id="{1DC80716-D7F2-40BD-B894-87B7C5521D93}"/>
+                  <a16:creationId xmlns:a16="http://schemas.microsoft.com/office/drawing/2014/main" id="{1DC80716-D7F2-40BD-B894-87B7C5521D93}"/>
                 </a:ext>
               </a:extLst>
             </p:cNvPr>
@@ -11504,7 +11354,7 @@
             <p:cNvPr id="13" name="Rectangle 12">
               <a:extLst>
                 <a:ext uri="{FF2B5EF4-FFF2-40B4-BE49-F238E27FC236}">
-                  <a16:creationId xmlns:a16="http://schemas.microsoft.com/office/drawing/2014/main" xmlns="" id="{DD431D86-B4F2-4178-9479-C223044E67E1}"/>
+                  <a16:creationId xmlns:a16="http://schemas.microsoft.com/office/drawing/2014/main" id="{DD431D86-B4F2-4178-9479-C223044E67E1}"/>
                 </a:ext>
               </a:extLst>
             </p:cNvPr>
@@ -11577,7 +11427,7 @@
             <p:cNvPr id="39" name="Rectangle 38">
               <a:extLst>
                 <a:ext uri="{FF2B5EF4-FFF2-40B4-BE49-F238E27FC236}">
-                  <a16:creationId xmlns:a16="http://schemas.microsoft.com/office/drawing/2014/main" xmlns="" id="{9772E6C0-3363-4678-BD7B-839981CFEC1B}"/>
+                  <a16:creationId xmlns:a16="http://schemas.microsoft.com/office/drawing/2014/main" id="{9772E6C0-3363-4678-BD7B-839981CFEC1B}"/>
                 </a:ext>
               </a:extLst>
             </p:cNvPr>
@@ -11666,7 +11516,7 @@
             <p:cNvPr id="16" name="Rectangle 15">
               <a:extLst>
                 <a:ext uri="{FF2B5EF4-FFF2-40B4-BE49-F238E27FC236}">
-                  <a16:creationId xmlns:a16="http://schemas.microsoft.com/office/drawing/2014/main" xmlns="" id="{7881C044-83B1-4BEC-A2A0-51CA4BF72CE4}"/>
+                  <a16:creationId xmlns:a16="http://schemas.microsoft.com/office/drawing/2014/main" id="{7881C044-83B1-4BEC-A2A0-51CA4BF72CE4}"/>
                 </a:ext>
               </a:extLst>
             </p:cNvPr>
@@ -11739,7 +11589,7 @@
             <p:cNvPr id="40" name="Rectangle 39">
               <a:extLst>
                 <a:ext uri="{FF2B5EF4-FFF2-40B4-BE49-F238E27FC236}">
-                  <a16:creationId xmlns:a16="http://schemas.microsoft.com/office/drawing/2014/main" xmlns="" id="{104C995C-9C57-406C-A69D-7613F8F47165}"/>
+                  <a16:creationId xmlns:a16="http://schemas.microsoft.com/office/drawing/2014/main" id="{104C995C-9C57-406C-A69D-7613F8F47165}"/>
                 </a:ext>
               </a:extLst>
             </p:cNvPr>
@@ -11828,7 +11678,7 @@
             <p:cNvPr id="22" name="Rectangle 21">
               <a:extLst>
                 <a:ext uri="{FF2B5EF4-FFF2-40B4-BE49-F238E27FC236}">
-                  <a16:creationId xmlns:a16="http://schemas.microsoft.com/office/drawing/2014/main" xmlns="" id="{A526A7F5-6E08-49A4-A894-85B35B49A075}"/>
+                  <a16:creationId xmlns:a16="http://schemas.microsoft.com/office/drawing/2014/main" id="{A526A7F5-6E08-49A4-A894-85B35B49A075}"/>
                 </a:ext>
               </a:extLst>
             </p:cNvPr>
@@ -11902,7 +11752,7 @@
           <p:cNvPr id="14" name="Text Placeholder 2">
             <a:extLst>
               <a:ext uri="{FF2B5EF4-FFF2-40B4-BE49-F238E27FC236}">
-                <a16:creationId xmlns:a16="http://schemas.microsoft.com/office/drawing/2014/main" xmlns="" id="{A568B759-9EAF-4F57-B09C-A71D9D5B516C}"/>
+                <a16:creationId xmlns:a16="http://schemas.microsoft.com/office/drawing/2014/main" id="{A568B759-9EAF-4F57-B09C-A71D9D5B516C}"/>
               </a:ext>
             </a:extLst>
           </p:cNvPr>
@@ -11970,7 +11820,7 @@
           <a:p>
             <a:pPr lvl="0"/>
             <a:r>
-              <a:rPr lang="en-US" smtClean="0"/>
+              <a:rPr lang="en-US"/>
               <a:t>Click to edit Master text styles</a:t>
             </a:r>
           </a:p>
@@ -11981,7 +11831,7 @@
           <p:cNvPr id="15" name="Content Placeholder 3">
             <a:extLst>
               <a:ext uri="{FF2B5EF4-FFF2-40B4-BE49-F238E27FC236}">
-                <a16:creationId xmlns:a16="http://schemas.microsoft.com/office/drawing/2014/main" xmlns="" id="{62AD586E-7375-402D-9BA8-7C07EB8240E8}"/>
+                <a16:creationId xmlns:a16="http://schemas.microsoft.com/office/drawing/2014/main" id="{62AD586E-7375-402D-9BA8-7C07EB8240E8}"/>
               </a:ext>
             </a:extLst>
           </p:cNvPr>
@@ -12037,21 +11887,21 @@
           <a:p>
             <a:pPr lvl="0"/>
             <a:r>
-              <a:rPr lang="en-US" smtClean="0"/>
+              <a:rPr lang="en-US"/>
               <a:t>Click to edit Master text styles</a:t>
             </a:r>
           </a:p>
           <a:p>
             <a:pPr lvl="1"/>
             <a:r>
-              <a:rPr lang="en-US" smtClean="0"/>
+              <a:rPr lang="en-US"/>
               <a:t>Second level</a:t>
             </a:r>
           </a:p>
           <a:p>
             <a:pPr lvl="2"/>
             <a:r>
-              <a:rPr lang="en-US" smtClean="0"/>
+              <a:rPr lang="en-US"/>
               <a:t>Third level</a:t>
             </a:r>
           </a:p>
@@ -12062,7 +11912,7 @@
           <p:cNvPr id="17" name="Text Placeholder 4">
             <a:extLst>
               <a:ext uri="{FF2B5EF4-FFF2-40B4-BE49-F238E27FC236}">
-                <a16:creationId xmlns:a16="http://schemas.microsoft.com/office/drawing/2014/main" xmlns="" id="{2A49DFE2-905F-42AB-9CE1-CCCD2BB9576B}"/>
+                <a16:creationId xmlns:a16="http://schemas.microsoft.com/office/drawing/2014/main" id="{2A49DFE2-905F-42AB-9CE1-CCCD2BB9576B}"/>
               </a:ext>
             </a:extLst>
           </p:cNvPr>
@@ -12130,7 +11980,7 @@
           <a:p>
             <a:pPr lvl="0"/>
             <a:r>
-              <a:rPr lang="en-US" smtClean="0"/>
+              <a:rPr lang="en-US"/>
               <a:t>Click to edit Master text styles</a:t>
             </a:r>
           </a:p>
@@ -12141,7 +11991,7 @@
           <p:cNvPr id="18" name="Content Placeholder 5">
             <a:extLst>
               <a:ext uri="{FF2B5EF4-FFF2-40B4-BE49-F238E27FC236}">
-                <a16:creationId xmlns:a16="http://schemas.microsoft.com/office/drawing/2014/main" xmlns="" id="{AF1555CB-15BC-4181-B741-965A19E6BA91}"/>
+                <a16:creationId xmlns:a16="http://schemas.microsoft.com/office/drawing/2014/main" id="{AF1555CB-15BC-4181-B741-965A19E6BA91}"/>
               </a:ext>
             </a:extLst>
           </p:cNvPr>
@@ -12202,21 +12052,21 @@
           <a:p>
             <a:pPr lvl="0"/>
             <a:r>
-              <a:rPr lang="en-US" smtClean="0"/>
+              <a:rPr lang="en-US"/>
               <a:t>Click to edit Master text styles</a:t>
             </a:r>
           </a:p>
           <a:p>
             <a:pPr lvl="1"/>
             <a:r>
-              <a:rPr lang="en-US" smtClean="0"/>
+              <a:rPr lang="en-US"/>
               <a:t>Second level</a:t>
             </a:r>
           </a:p>
           <a:p>
             <a:pPr lvl="2"/>
             <a:r>
-              <a:rPr lang="en-US" smtClean="0"/>
+              <a:rPr lang="en-US"/>
               <a:t>Third level</a:t>
             </a:r>
           </a:p>
@@ -12227,7 +12077,7 @@
           <p:cNvPr id="19" name="Text Placeholder 4">
             <a:extLst>
               <a:ext uri="{FF2B5EF4-FFF2-40B4-BE49-F238E27FC236}">
-                <a16:creationId xmlns:a16="http://schemas.microsoft.com/office/drawing/2014/main" xmlns="" id="{21FF3A3E-474D-4F1F-9B01-4428215B857D}"/>
+                <a16:creationId xmlns:a16="http://schemas.microsoft.com/office/drawing/2014/main" id="{21FF3A3E-474D-4F1F-9B01-4428215B857D}"/>
               </a:ext>
             </a:extLst>
           </p:cNvPr>
@@ -12295,7 +12145,7 @@
           <a:p>
             <a:pPr lvl="0"/>
             <a:r>
-              <a:rPr lang="en-US" smtClean="0"/>
+              <a:rPr lang="en-US"/>
               <a:t>Click to edit Master text styles</a:t>
             </a:r>
           </a:p>
@@ -12306,7 +12156,7 @@
           <p:cNvPr id="20" name="Content Placeholder 5">
             <a:extLst>
               <a:ext uri="{FF2B5EF4-FFF2-40B4-BE49-F238E27FC236}">
-                <a16:creationId xmlns:a16="http://schemas.microsoft.com/office/drawing/2014/main" xmlns="" id="{EDB166DE-69D8-4E82-A304-FF11CEBD23D7}"/>
+                <a16:creationId xmlns:a16="http://schemas.microsoft.com/office/drawing/2014/main" id="{EDB166DE-69D8-4E82-A304-FF11CEBD23D7}"/>
               </a:ext>
             </a:extLst>
           </p:cNvPr>
@@ -12367,21 +12217,21 @@
           <a:p>
             <a:pPr lvl="0"/>
             <a:r>
-              <a:rPr lang="en-US" smtClean="0"/>
+              <a:rPr lang="en-US"/>
               <a:t>Click to edit Master text styles</a:t>
             </a:r>
           </a:p>
           <a:p>
             <a:pPr lvl="1"/>
             <a:r>
-              <a:rPr lang="en-US" smtClean="0"/>
+              <a:rPr lang="en-US"/>
               <a:t>Second level</a:t>
             </a:r>
           </a:p>
           <a:p>
             <a:pPr lvl="2"/>
             <a:r>
-              <a:rPr lang="en-US" smtClean="0"/>
+              <a:rPr lang="en-US"/>
               <a:t>Third level</a:t>
             </a:r>
           </a:p>
@@ -12392,7 +12242,7 @@
           <p:cNvPr id="32" name="Rectangle 31">
             <a:extLst>
               <a:ext uri="{FF2B5EF4-FFF2-40B4-BE49-F238E27FC236}">
-                <a16:creationId xmlns:a16="http://schemas.microsoft.com/office/drawing/2014/main" xmlns="" id="{4A1CB721-FBCB-4DC7-9C2A-15C90E984F90}"/>
+                <a16:creationId xmlns:a16="http://schemas.microsoft.com/office/drawing/2014/main" id="{4A1CB721-FBCB-4DC7-9C2A-15C90E984F90}"/>
               </a:ext>
             </a:extLst>
           </p:cNvPr>
@@ -12467,7 +12317,7 @@
           <p:cNvPr id="33" name="Title 1">
             <a:extLst>
               <a:ext uri="{FF2B5EF4-FFF2-40B4-BE49-F238E27FC236}">
-                <a16:creationId xmlns:a16="http://schemas.microsoft.com/office/drawing/2014/main" xmlns="" id="{9FDFB4D2-95C3-44FB-85E0-FB87B96D0DC8}"/>
+                <a16:creationId xmlns:a16="http://schemas.microsoft.com/office/drawing/2014/main" id="{9FDFB4D2-95C3-44FB-85E0-FB87B96D0DC8}"/>
               </a:ext>
             </a:extLst>
           </p:cNvPr>
@@ -12498,7 +12348,7 @@
           </a:lstStyle>
           <a:p>
             <a:r>
-              <a:rPr lang="en-US" smtClean="0"/>
+              <a:rPr lang="en-US"/>
               <a:t>Click to edit Master title style</a:t>
             </a:r>
             <a:endParaRPr lang="en-US" dirty="0"/>
@@ -12510,7 +12360,7 @@
           <p:cNvPr id="24" name="Rectangle 23">
             <a:extLst>
               <a:ext uri="{FF2B5EF4-FFF2-40B4-BE49-F238E27FC236}">
-                <a16:creationId xmlns:a16="http://schemas.microsoft.com/office/drawing/2014/main" xmlns="" id="{6CDDBDFD-39A6-0043-BAD4-065FAFF6A9DA}"/>
+                <a16:creationId xmlns:a16="http://schemas.microsoft.com/office/drawing/2014/main" id="{6CDDBDFD-39A6-0043-BAD4-065FAFF6A9DA}"/>
               </a:ext>
             </a:extLst>
           </p:cNvPr>
@@ -12583,7 +12433,7 @@
           <p:cNvPr id="21" name="Rectangle 6">
             <a:extLst>
               <a:ext uri="{FF2B5EF4-FFF2-40B4-BE49-F238E27FC236}">
-                <a16:creationId xmlns:a16="http://schemas.microsoft.com/office/drawing/2014/main" xmlns="" id="{F20E070A-FF02-490F-91F7-767E82133AD8}"/>
+                <a16:creationId xmlns:a16="http://schemas.microsoft.com/office/drawing/2014/main" id="{F20E070A-FF02-490F-91F7-767E82133AD8}"/>
               </a:ext>
             </a:extLst>
           </p:cNvPr>
@@ -12660,7 +12510,7 @@
           <p:cNvPr id="35" name="Picture 34">
             <a:extLst>
               <a:ext uri="{FF2B5EF4-FFF2-40B4-BE49-F238E27FC236}">
-                <a16:creationId xmlns:a16="http://schemas.microsoft.com/office/drawing/2014/main" xmlns="" id="{A9FA5920-8F8E-4860-872E-2CA4CDDC3B2A}"/>
+                <a16:creationId xmlns:a16="http://schemas.microsoft.com/office/drawing/2014/main" id="{A9FA5920-8F8E-4860-872E-2CA4CDDC3B2A}"/>
               </a:ext>
             </a:extLst>
           </p:cNvPr>
@@ -12696,7 +12546,7 @@
           <p:cNvPr id="36" name="Picture 35">
             <a:extLst>
               <a:ext uri="{FF2B5EF4-FFF2-40B4-BE49-F238E27FC236}">
-                <a16:creationId xmlns:a16="http://schemas.microsoft.com/office/drawing/2014/main" xmlns="" id="{8330713C-B6BE-44C7-BD3A-E89F9DA07175}"/>
+                <a16:creationId xmlns:a16="http://schemas.microsoft.com/office/drawing/2014/main" id="{8330713C-B6BE-44C7-BD3A-E89F9DA07175}"/>
               </a:ext>
             </a:extLst>
           </p:cNvPr>
@@ -12733,13 +12583,6 @@
   <p:clrMapOvr>
     <a:masterClrMapping/>
   </p:clrMapOvr>
-  <p:timing>
-    <p:tnLst>
-      <p:par>
-        <p:cTn id="1" dur="indefinite" restart="never" nodeType="tmRoot"/>
-      </p:par>
-    </p:tnLst>
-  </p:timing>
 </p:sldLayout>
 </file>
 
@@ -12765,7 +12608,7 @@
           <p:cNvPr id="2" name="Group 1">
             <a:extLst>
               <a:ext uri="{FF2B5EF4-FFF2-40B4-BE49-F238E27FC236}">
-                <a16:creationId xmlns:a16="http://schemas.microsoft.com/office/drawing/2014/main" xmlns="" id="{DA440C9B-5899-407D-BC65-8B8988B0C2A4}"/>
+                <a16:creationId xmlns:a16="http://schemas.microsoft.com/office/drawing/2014/main" id="{DA440C9B-5899-407D-BC65-8B8988B0C2A4}"/>
               </a:ext>
             </a:extLst>
           </p:cNvPr>
@@ -12785,7 +12628,7 @@
             <p:cNvPr id="32" name="Rectangle 31">
               <a:extLst>
                 <a:ext uri="{FF2B5EF4-FFF2-40B4-BE49-F238E27FC236}">
-                  <a16:creationId xmlns:a16="http://schemas.microsoft.com/office/drawing/2014/main" xmlns="" id="{4A1CB721-FBCB-4DC7-9C2A-15C90E984F90}"/>
+                  <a16:creationId xmlns:a16="http://schemas.microsoft.com/office/drawing/2014/main" id="{4A1CB721-FBCB-4DC7-9C2A-15C90E984F90}"/>
                 </a:ext>
               </a:extLst>
             </p:cNvPr>
@@ -12860,7 +12703,7 @@
             <p:cNvPr id="24" name="Rectangle 23">
               <a:extLst>
                 <a:ext uri="{FF2B5EF4-FFF2-40B4-BE49-F238E27FC236}">
-                  <a16:creationId xmlns:a16="http://schemas.microsoft.com/office/drawing/2014/main" xmlns="" id="{6CDDBDFD-39A6-0043-BAD4-065FAFF6A9DA}"/>
+                  <a16:creationId xmlns:a16="http://schemas.microsoft.com/office/drawing/2014/main" id="{6CDDBDFD-39A6-0043-BAD4-065FAFF6A9DA}"/>
                 </a:ext>
               </a:extLst>
             </p:cNvPr>
@@ -12934,7 +12777,7 @@
           <p:cNvPr id="38" name="Rectangle 37">
             <a:extLst>
               <a:ext uri="{FF2B5EF4-FFF2-40B4-BE49-F238E27FC236}">
-                <a16:creationId xmlns:a16="http://schemas.microsoft.com/office/drawing/2014/main" xmlns="" id="{1DC80716-D7F2-40BD-B894-87B7C5521D93}"/>
+                <a16:creationId xmlns:a16="http://schemas.microsoft.com/office/drawing/2014/main" id="{1DC80716-D7F2-40BD-B894-87B7C5521D93}"/>
               </a:ext>
             </a:extLst>
           </p:cNvPr>
@@ -13023,7 +12866,7 @@
           <p:cNvPr id="15" name="Content Placeholder 3">
             <a:extLst>
               <a:ext uri="{FF2B5EF4-FFF2-40B4-BE49-F238E27FC236}">
-                <a16:creationId xmlns:a16="http://schemas.microsoft.com/office/drawing/2014/main" xmlns="" id="{62AD586E-7375-402D-9BA8-7C07EB8240E8}"/>
+                <a16:creationId xmlns:a16="http://schemas.microsoft.com/office/drawing/2014/main" id="{62AD586E-7375-402D-9BA8-7C07EB8240E8}"/>
               </a:ext>
             </a:extLst>
           </p:cNvPr>
@@ -13079,21 +12922,21 @@
           <a:p>
             <a:pPr lvl="0"/>
             <a:r>
-              <a:rPr lang="en-US" smtClean="0"/>
+              <a:rPr lang="en-US"/>
               <a:t>Click to edit Master text styles</a:t>
             </a:r>
           </a:p>
           <a:p>
             <a:pPr lvl="1"/>
             <a:r>
-              <a:rPr lang="en-US" smtClean="0"/>
+              <a:rPr lang="en-US"/>
               <a:t>Second level</a:t>
             </a:r>
           </a:p>
           <a:p>
             <a:pPr lvl="2"/>
             <a:r>
-              <a:rPr lang="en-US" smtClean="0"/>
+              <a:rPr lang="en-US"/>
               <a:t>Third level</a:t>
             </a:r>
           </a:p>
@@ -13104,7 +12947,7 @@
           <p:cNvPr id="33" name="Title 1">
             <a:extLst>
               <a:ext uri="{FF2B5EF4-FFF2-40B4-BE49-F238E27FC236}">
-                <a16:creationId xmlns:a16="http://schemas.microsoft.com/office/drawing/2014/main" xmlns="" id="{9FDFB4D2-95C3-44FB-85E0-FB87B96D0DC8}"/>
+                <a16:creationId xmlns:a16="http://schemas.microsoft.com/office/drawing/2014/main" id="{9FDFB4D2-95C3-44FB-85E0-FB87B96D0DC8}"/>
               </a:ext>
             </a:extLst>
           </p:cNvPr>
@@ -13153,7 +12996,7 @@
           <p:cNvPr id="21" name="Rectangle 6">
             <a:extLst>
               <a:ext uri="{FF2B5EF4-FFF2-40B4-BE49-F238E27FC236}">
-                <a16:creationId xmlns:a16="http://schemas.microsoft.com/office/drawing/2014/main" xmlns="" id="{F20E070A-FF02-490F-91F7-767E82133AD8}"/>
+                <a16:creationId xmlns:a16="http://schemas.microsoft.com/office/drawing/2014/main" id="{F20E070A-FF02-490F-91F7-767E82133AD8}"/>
               </a:ext>
             </a:extLst>
           </p:cNvPr>
@@ -13230,7 +13073,7 @@
           <p:cNvPr id="35" name="Picture 34">
             <a:extLst>
               <a:ext uri="{FF2B5EF4-FFF2-40B4-BE49-F238E27FC236}">
-                <a16:creationId xmlns:a16="http://schemas.microsoft.com/office/drawing/2014/main" xmlns="" id="{A9FA5920-8F8E-4860-872E-2CA4CDDC3B2A}"/>
+                <a16:creationId xmlns:a16="http://schemas.microsoft.com/office/drawing/2014/main" id="{A9FA5920-8F8E-4860-872E-2CA4CDDC3B2A}"/>
               </a:ext>
             </a:extLst>
           </p:cNvPr>
@@ -13266,7 +13109,7 @@
           <p:cNvPr id="36" name="Picture 35">
             <a:extLst>
               <a:ext uri="{FF2B5EF4-FFF2-40B4-BE49-F238E27FC236}">
-                <a16:creationId xmlns:a16="http://schemas.microsoft.com/office/drawing/2014/main" xmlns="" id="{8330713C-B6BE-44C7-BD3A-E89F9DA07175}"/>
+                <a16:creationId xmlns:a16="http://schemas.microsoft.com/office/drawing/2014/main" id="{8330713C-B6BE-44C7-BD3A-E89F9DA07175}"/>
               </a:ext>
             </a:extLst>
           </p:cNvPr>
@@ -13303,13 +13146,6 @@
   <p:clrMapOvr>
     <a:masterClrMapping/>
   </p:clrMapOvr>
-  <p:timing>
-    <p:tnLst>
-      <p:par>
-        <p:cTn id="1" dur="indefinite" restart="never" nodeType="tmRoot"/>
-      </p:par>
-    </p:tnLst>
-  </p:timing>
 </p:sldLayout>
 </file>
 
@@ -13335,7 +13171,7 @@
           <p:cNvPr id="10" name="Picture Placeholder 9">
             <a:extLst>
               <a:ext uri="{FF2B5EF4-FFF2-40B4-BE49-F238E27FC236}">
-                <a16:creationId xmlns:a16="http://schemas.microsoft.com/office/drawing/2014/main" xmlns="" id="{C6C050B2-309D-42C4-AF63-BBB0EBE7C22D}"/>
+                <a16:creationId xmlns:a16="http://schemas.microsoft.com/office/drawing/2014/main" id="{C6C050B2-309D-42C4-AF63-BBB0EBE7C22D}"/>
               </a:ext>
             </a:extLst>
           </p:cNvPr>
@@ -13357,7 +13193,7 @@
           <a:lstStyle/>
           <a:p>
             <a:r>
-              <a:rPr lang="en-US" smtClean="0"/>
+              <a:rPr lang="en-US"/>
               <a:t>Drag picture to placeholder or click icon to add</a:t>
             </a:r>
             <a:endParaRPr lang="en-US" dirty="0"/>
@@ -13407,7 +13243,7 @@
           <p:cNvPr id="12" name="Rectangle 11">
             <a:extLst>
               <a:ext uri="{FF2B5EF4-FFF2-40B4-BE49-F238E27FC236}">
-                <a16:creationId xmlns:a16="http://schemas.microsoft.com/office/drawing/2014/main" xmlns="" id="{AAB9F530-BC13-4BDB-8495-8DE5CC20E7EE}"/>
+                <a16:creationId xmlns:a16="http://schemas.microsoft.com/office/drawing/2014/main" id="{AAB9F530-BC13-4BDB-8495-8DE5CC20E7EE}"/>
               </a:ext>
             </a:extLst>
           </p:cNvPr>
@@ -13489,7 +13325,7 @@
           <p:cNvPr id="6" name="Rectangle 6">
             <a:extLst>
               <a:ext uri="{FF2B5EF4-FFF2-40B4-BE49-F238E27FC236}">
-                <a16:creationId xmlns:a16="http://schemas.microsoft.com/office/drawing/2014/main" xmlns="" id="{1F531CFB-FD09-40B4-8CFD-1F4C9A83DCBE}"/>
+                <a16:creationId xmlns:a16="http://schemas.microsoft.com/office/drawing/2014/main" id="{1F531CFB-FD09-40B4-8CFD-1F4C9A83DCBE}"/>
               </a:ext>
             </a:extLst>
           </p:cNvPr>
@@ -13566,7 +13402,7 @@
           <p:cNvPr id="7" name="Picture 6">
             <a:extLst>
               <a:ext uri="{FF2B5EF4-FFF2-40B4-BE49-F238E27FC236}">
-                <a16:creationId xmlns:a16="http://schemas.microsoft.com/office/drawing/2014/main" xmlns="" id="{D63A5909-90CD-4D68-BFAA-D15F56471C54}"/>
+                <a16:creationId xmlns:a16="http://schemas.microsoft.com/office/drawing/2014/main" id="{D63A5909-90CD-4D68-BFAA-D15F56471C54}"/>
               </a:ext>
             </a:extLst>
           </p:cNvPr>
@@ -13700,7 +13536,7 @@
           <a:p>
             <a:fld id="{F46EDD32-319E-1849-AF7B-D687449C9808}" type="datetimeFigureOut">
               <a:rPr lang="en-US" smtClean="0"/>
-              <a:t>6/4/19</a:t>
+              <a:t>6/16/19</a:t>
             </a:fld>
             <a:endParaRPr lang="en-US"/>
           </a:p>
@@ -13920,7 +13756,7 @@
           <p:cNvPr id="4" name="Rectangle 3">
             <a:extLst>
               <a:ext uri="{FF2B5EF4-FFF2-40B4-BE49-F238E27FC236}">
-                <a16:creationId xmlns="" xmlns:a16="http://schemas.microsoft.com/office/drawing/2014/main" id="{2E2177C6-060C-4445-8C10-ADA6D3CE5F74}"/>
+                <a16:creationId xmlns:a16="http://schemas.microsoft.com/office/drawing/2014/main" id="{2E2177C6-060C-4445-8C10-ADA6D3CE5F74}"/>
               </a:ext>
             </a:extLst>
           </p:cNvPr>
@@ -14091,7 +13927,7 @@
           </a:lstStyle>
           <a:p>
             <a:r>
-              <a:rPr lang="en-US" smtClean="0"/>
+              <a:rPr lang="en-US"/>
               <a:t>Click to edit Master title style</a:t>
             </a:r>
             <a:endParaRPr lang="en-US" dirty="0"/>
@@ -14210,7 +14046,7 @@
           </a:lstStyle>
           <a:p>
             <a:r>
-              <a:rPr lang="en-US" smtClean="0"/>
+              <a:rPr lang="en-US"/>
               <a:t>Click to edit Master subtitle style</a:t>
             </a:r>
             <a:endParaRPr lang="en-US" dirty="0"/>
@@ -14329,7 +14165,7 @@
           <p:cNvPr id="11" name="Picture 10">
             <a:extLst>
               <a:ext uri="{FF2B5EF4-FFF2-40B4-BE49-F238E27FC236}">
-                <a16:creationId xmlns="" xmlns:a16="http://schemas.microsoft.com/office/drawing/2014/main" id="{FEB516F4-C09A-4E83-A0F1-168C638F25AA}"/>
+                <a16:creationId xmlns:a16="http://schemas.microsoft.com/office/drawing/2014/main" id="{FEB516F4-C09A-4E83-A0F1-168C638F25AA}"/>
               </a:ext>
             </a:extLst>
           </p:cNvPr>
@@ -14365,13 +14201,6 @@
   <p:clrMapOvr>
     <a:masterClrMapping/>
   </p:clrMapOvr>
-  <p:timing>
-    <p:tnLst>
-      <p:par>
-        <p:cTn id="1" dur="indefinite" restart="never" nodeType="tmRoot"/>
-      </p:par>
-    </p:tnLst>
-  </p:timing>
   <p:extLst>
     <p:ext uri="{DCECCB84-F9BA-43D5-87BE-67443E8EF086}">
       <p15:sldGuideLst xmlns:p15="http://schemas.microsoft.com/office/powerpoint/2012/main"/>
@@ -14425,7 +14254,7 @@
           </a:lstStyle>
           <a:p>
             <a:r>
-              <a:rPr lang="en-US" smtClean="0"/>
+              <a:rPr lang="en-US"/>
               <a:t>Click to edit Master title style</a:t>
             </a:r>
             <a:endParaRPr lang="en-US" dirty="0"/>
@@ -14520,21 +14349,21 @@
           <a:p>
             <a:pPr lvl="0"/>
             <a:r>
-              <a:rPr lang="en-US" smtClean="0"/>
+              <a:rPr lang="en-US"/>
               <a:t>Click to edit Master text styles</a:t>
             </a:r>
           </a:p>
           <a:p>
             <a:pPr lvl="1"/>
             <a:r>
-              <a:rPr lang="en-US" smtClean="0"/>
+              <a:rPr lang="en-US"/>
               <a:t>Second level</a:t>
             </a:r>
           </a:p>
           <a:p>
             <a:pPr lvl="2"/>
             <a:r>
-              <a:rPr lang="en-US" smtClean="0"/>
+              <a:rPr lang="en-US"/>
               <a:t>Third level</a:t>
             </a:r>
           </a:p>
@@ -14595,7 +14424,7 @@
           <a:lstStyle/>
           <a:p>
             <a:r>
-              <a:rPr lang="en-US" smtClean="0"/>
+              <a:rPr lang="en-US"/>
               <a:t>Click to edit Master title style</a:t>
             </a:r>
             <a:endParaRPr lang="en-US" dirty="0"/>
@@ -14742,7 +14571,7 @@
           </a:lstStyle>
           <a:p>
             <a:r>
-              <a:rPr lang="en-US" smtClean="0"/>
+              <a:rPr lang="en-US"/>
               <a:t>Click to edit Master title style</a:t>
             </a:r>
             <a:endParaRPr lang="en-US" dirty="0"/>
@@ -14916,35 +14745,35 @@
           <a:p>
             <a:pPr lvl="0"/>
             <a:r>
-              <a:rPr lang="en-US" smtClean="0"/>
+              <a:rPr lang="en-US"/>
               <a:t>Click to edit Master text styles</a:t>
             </a:r>
           </a:p>
           <a:p>
             <a:pPr lvl="1"/>
             <a:r>
-              <a:rPr lang="en-US" smtClean="0"/>
+              <a:rPr lang="en-US"/>
               <a:t>Second level</a:t>
             </a:r>
           </a:p>
           <a:p>
             <a:pPr lvl="2"/>
             <a:r>
-              <a:rPr lang="en-US" smtClean="0"/>
+              <a:rPr lang="en-US"/>
               <a:t>Third level</a:t>
             </a:r>
           </a:p>
           <a:p>
             <a:pPr lvl="3"/>
             <a:r>
-              <a:rPr lang="en-US" smtClean="0"/>
+              <a:rPr lang="en-US"/>
               <a:t>Fourth level</a:t>
             </a:r>
           </a:p>
           <a:p>
             <a:pPr lvl="4"/>
             <a:r>
-              <a:rPr lang="en-US" smtClean="0"/>
+              <a:rPr lang="en-US"/>
               <a:t>Fifth level</a:t>
             </a:r>
             <a:endParaRPr lang="en-US" dirty="0"/>
@@ -15028,7 +14857,7 @@
           <a:p>
             <a:pPr lvl="0"/>
             <a:r>
-              <a:rPr lang="en-US" smtClean="0"/>
+              <a:rPr lang="en-US"/>
               <a:t>Click to edit Master text styles</a:t>
             </a:r>
           </a:p>
@@ -15123,35 +14952,35 @@
           <a:p>
             <a:pPr lvl="0"/>
             <a:r>
-              <a:rPr lang="en-US" smtClean="0"/>
+              <a:rPr lang="en-US"/>
               <a:t>Click to edit Master text styles</a:t>
             </a:r>
           </a:p>
           <a:p>
             <a:pPr lvl="1"/>
             <a:r>
-              <a:rPr lang="en-US" smtClean="0"/>
+              <a:rPr lang="en-US"/>
               <a:t>Second level</a:t>
             </a:r>
           </a:p>
           <a:p>
             <a:pPr lvl="2"/>
             <a:r>
-              <a:rPr lang="en-US" smtClean="0"/>
+              <a:rPr lang="en-US"/>
               <a:t>Third level</a:t>
             </a:r>
           </a:p>
           <a:p>
             <a:pPr lvl="3"/>
             <a:r>
-              <a:rPr lang="en-US" smtClean="0"/>
+              <a:rPr lang="en-US"/>
               <a:t>Fourth level</a:t>
             </a:r>
           </a:p>
           <a:p>
             <a:pPr lvl="4"/>
             <a:r>
-              <a:rPr lang="en-US" smtClean="0"/>
+              <a:rPr lang="en-US"/>
               <a:t>Fifth level</a:t>
             </a:r>
             <a:endParaRPr lang="en-US" dirty="0"/>
@@ -15209,7 +15038,7 @@
           </a:lstStyle>
           <a:p>
             <a:r>
-              <a:rPr lang="en-US" smtClean="0"/>
+              <a:rPr lang="en-US"/>
               <a:t>Click to edit Master title style</a:t>
             </a:r>
             <a:endParaRPr lang="en-US" dirty="0"/>
@@ -15564,7 +15393,7 @@
           <p:cNvPr id="10" name="Text Placeholder 9">
             <a:extLst>
               <a:ext uri="{FF2B5EF4-FFF2-40B4-BE49-F238E27FC236}">
-                <a16:creationId xmlns="" xmlns:a16="http://schemas.microsoft.com/office/drawing/2014/main" id="{1AC1494F-06BF-478E-BCF5-6FCC755EF91F}"/>
+                <a16:creationId xmlns:a16="http://schemas.microsoft.com/office/drawing/2014/main" id="{1AC1494F-06BF-478E-BCF5-6FCC755EF91F}"/>
               </a:ext>
             </a:extLst>
           </p:cNvPr>
@@ -15654,7 +15483,7 @@
           <p:cNvPr id="12" name="Text Placeholder 11">
             <a:extLst>
               <a:ext uri="{FF2B5EF4-FFF2-40B4-BE49-F238E27FC236}">
-                <a16:creationId xmlns="" xmlns:a16="http://schemas.microsoft.com/office/drawing/2014/main" id="{DE13F5F8-5DA4-4A7D-94FF-19BFEBF090FD}"/>
+                <a16:creationId xmlns:a16="http://schemas.microsoft.com/office/drawing/2014/main" id="{DE13F5F8-5DA4-4A7D-94FF-19BFEBF090FD}"/>
               </a:ext>
             </a:extLst>
           </p:cNvPr>
@@ -15744,7 +15573,7 @@
           <p:cNvPr id="14" name="Text Placeholder 13">
             <a:extLst>
               <a:ext uri="{FF2B5EF4-FFF2-40B4-BE49-F238E27FC236}">
-                <a16:creationId xmlns="" xmlns:a16="http://schemas.microsoft.com/office/drawing/2014/main" id="{11508C29-BEAF-4D1B-85C7-62D86B9A99F0}"/>
+                <a16:creationId xmlns:a16="http://schemas.microsoft.com/office/drawing/2014/main" id="{11508C29-BEAF-4D1B-85C7-62D86B9A99F0}"/>
               </a:ext>
             </a:extLst>
           </p:cNvPr>
@@ -15808,21 +15637,21 @@
           <a:p>
             <a:pPr lvl="0"/>
             <a:r>
-              <a:rPr lang="en-US" smtClean="0"/>
+              <a:rPr lang="en-US"/>
               <a:t>Click to edit Master text styles</a:t>
             </a:r>
           </a:p>
           <a:p>
             <a:pPr lvl="1"/>
             <a:r>
-              <a:rPr lang="en-US" smtClean="0"/>
+              <a:rPr lang="en-US"/>
               <a:t>Second level</a:t>
             </a:r>
           </a:p>
           <a:p>
             <a:pPr lvl="2"/>
             <a:r>
-              <a:rPr lang="en-US" smtClean="0"/>
+              <a:rPr lang="en-US"/>
               <a:t>Third level</a:t>
             </a:r>
           </a:p>
@@ -15833,7 +15662,7 @@
           <p:cNvPr id="16" name="Text Placeholder 15">
             <a:extLst>
               <a:ext uri="{FF2B5EF4-FFF2-40B4-BE49-F238E27FC236}">
-                <a16:creationId xmlns="" xmlns:a16="http://schemas.microsoft.com/office/drawing/2014/main" id="{DA42C277-CD07-4855-BE2B-F5804018ECD9}"/>
+                <a16:creationId xmlns:a16="http://schemas.microsoft.com/office/drawing/2014/main" id="{DA42C277-CD07-4855-BE2B-F5804018ECD9}"/>
               </a:ext>
             </a:extLst>
           </p:cNvPr>
@@ -15897,21 +15726,21 @@
           <a:p>
             <a:pPr lvl="0"/>
             <a:r>
-              <a:rPr lang="en-US" smtClean="0"/>
+              <a:rPr lang="en-US"/>
               <a:t>Click to edit Master text styles</a:t>
             </a:r>
           </a:p>
           <a:p>
             <a:pPr lvl="1"/>
             <a:r>
-              <a:rPr lang="en-US" smtClean="0"/>
+              <a:rPr lang="en-US"/>
               <a:t>Second level</a:t>
             </a:r>
           </a:p>
           <a:p>
             <a:pPr lvl="2"/>
             <a:r>
-              <a:rPr lang="en-US" smtClean="0"/>
+              <a:rPr lang="en-US"/>
               <a:t>Third level</a:t>
             </a:r>
           </a:p>
@@ -15964,7 +15793,7 @@
           <a:lstStyle/>
           <a:p>
             <a:r>
-              <a:rPr lang="en-US" smtClean="0"/>
+              <a:rPr lang="en-US"/>
               <a:t>Click to edit Master title style</a:t>
             </a:r>
             <a:endParaRPr lang="en-US" dirty="0"/>
@@ -16018,7 +15847,7 @@
           <a:lstStyle/>
           <a:p>
             <a:r>
-              <a:rPr lang="en-US" smtClean="0"/>
+              <a:rPr lang="en-US"/>
               <a:t>Click to edit Master title style</a:t>
             </a:r>
             <a:endParaRPr lang="en-US" dirty="0"/>
@@ -16071,17 +15900,16 @@
           </a:lstStyle>
           <a:p>
             <a:r>
-              <a:rPr lang="en-US" dirty="0" smtClean="0"/>
+              <a:rPr lang="en-US" dirty="0"/>
               <a:t>BASIC CONTENT SLIDE</a:t>
             </a:r>
             <a:br>
-              <a:rPr lang="en-US" dirty="0" smtClean="0"/>
+              <a:rPr lang="en-US" dirty="0"/>
             </a:br>
             <a:r>
-              <a:rPr lang="en-US" dirty="0" smtClean="0"/>
+              <a:rPr lang="en-US" dirty="0"/>
               <a:t>one or two lines for headline</a:t>
             </a:r>
-            <a:endParaRPr lang="en-US" dirty="0"/>
           </a:p>
         </p:txBody>
       </p:sp>
@@ -16111,38 +15939,37 @@
           <a:p>
             <a:pPr lvl="0"/>
             <a:r>
-              <a:rPr lang="en-US" dirty="0" smtClean="0"/>
+              <a:rPr lang="en-US" dirty="0"/>
               <a:t>Click to add 1st-level bullet. Click an icon below to add table, graph or other imagery.</a:t>
             </a:r>
           </a:p>
           <a:p>
             <a:pPr lvl="1"/>
             <a:r>
-              <a:rPr lang="en-US" dirty="0" smtClean="0"/>
+              <a:rPr lang="en-US" dirty="0"/>
               <a:t>Second level</a:t>
             </a:r>
           </a:p>
           <a:p>
             <a:pPr lvl="2"/>
             <a:r>
-              <a:rPr lang="en-US" dirty="0" smtClean="0"/>
+              <a:rPr lang="en-US" dirty="0"/>
               <a:t>Third level</a:t>
             </a:r>
           </a:p>
           <a:p>
             <a:pPr lvl="3"/>
             <a:r>
-              <a:rPr lang="en-US" dirty="0" smtClean="0"/>
+              <a:rPr lang="en-US" dirty="0"/>
               <a:t>Fourth level</a:t>
             </a:r>
           </a:p>
           <a:p>
             <a:pPr lvl="4"/>
             <a:r>
-              <a:rPr lang="en-US" dirty="0" smtClean="0"/>
+              <a:rPr lang="en-US" dirty="0"/>
               <a:t>Fifth level</a:t>
             </a:r>
-            <a:endParaRPr lang="en-US" dirty="0"/>
           </a:p>
         </p:txBody>
       </p:sp>
@@ -16184,10 +16011,9 @@
           </a:lstStyle>
           <a:p>
             <a:r>
-              <a:rPr lang="en-US" dirty="0" smtClean="0"/>
+              <a:rPr lang="en-US" dirty="0"/>
               <a:t>Slide subtitle optional -  delete as needed</a:t>
             </a:r>
-            <a:endParaRPr lang="en-US" dirty="0"/>
           </a:p>
         </p:txBody>
       </p:sp>
@@ -16241,13 +16067,6 @@
       </p:transition>
     </mc:Fallback>
   </mc:AlternateContent>
-  <p:timing>
-    <p:tnLst>
-      <p:par>
-        <p:cTn id="1" dur="indefinite" restart="never" nodeType="tmRoot"/>
-      </p:par>
-    </p:tnLst>
-  </p:timing>
 </p:sldLayout>
 </file>
 
@@ -16345,7 +16164,7 @@
           <a:p>
             <a:fld id="{F46EDD32-319E-1849-AF7B-D687449C9808}" type="datetimeFigureOut">
               <a:rPr lang="en-US" smtClean="0"/>
-              <a:t>6/4/19</a:t>
+              <a:t>6/16/19</a:t>
             </a:fld>
             <a:endParaRPr lang="en-US"/>
           </a:p>
@@ -16565,7 +16384,7 @@
           <p:cNvPr id="2" name="Title 1">
             <a:extLst>
               <a:ext uri="{FF2B5EF4-FFF2-40B4-BE49-F238E27FC236}">
-                <a16:creationId xmlns:a16="http://schemas.microsoft.com/office/drawing/2014/main" xmlns="" id="{C2F2F47A-E421-4CE0-A746-76A8C436B135}"/>
+                <a16:creationId xmlns:a16="http://schemas.microsoft.com/office/drawing/2014/main" id="{C2F2F47A-E421-4CE0-A746-76A8C436B135}"/>
               </a:ext>
             </a:extLst>
           </p:cNvPr>
@@ -16598,7 +16417,7 @@
           </a:lstStyle>
           <a:p>
             <a:r>
-              <a:rPr lang="en-US" smtClean="0"/>
+              <a:rPr lang="en-US"/>
               <a:t>Click to edit Master title style</a:t>
             </a:r>
             <a:endParaRPr lang="en-US" dirty="0"/>
@@ -16615,13 +16434,6 @@
   <p:clrMapOvr>
     <a:masterClrMapping/>
   </p:clrMapOvr>
-  <p:timing>
-    <p:tnLst>
-      <p:par>
-        <p:cTn id="1" dur="indefinite" restart="never" nodeType="tmRoot"/>
-      </p:par>
-    </p:tnLst>
-  </p:timing>
 </p:sldLayout>
 </file>
 
@@ -16647,7 +16459,7 @@
           <p:cNvPr id="6" name="Rectangle 5">
             <a:extLst>
               <a:ext uri="{FF2B5EF4-FFF2-40B4-BE49-F238E27FC236}">
-                <a16:creationId xmlns:a16="http://schemas.microsoft.com/office/drawing/2014/main" xmlns="" id="{F679D6E9-7CB6-4816-BA71-A98C108727C8}"/>
+                <a16:creationId xmlns:a16="http://schemas.microsoft.com/office/drawing/2014/main" id="{F679D6E9-7CB6-4816-BA71-A98C108727C8}"/>
               </a:ext>
             </a:extLst>
           </p:cNvPr>
@@ -16842,7 +16654,7 @@
           <p:cNvPr id="2" name="Title 1">
             <a:extLst>
               <a:ext uri="{FF2B5EF4-FFF2-40B4-BE49-F238E27FC236}">
-                <a16:creationId xmlns:a16="http://schemas.microsoft.com/office/drawing/2014/main" xmlns="" id="{C2F2F47A-E421-4CE0-A746-76A8C436B135}"/>
+                <a16:creationId xmlns:a16="http://schemas.microsoft.com/office/drawing/2014/main" id="{C2F2F47A-E421-4CE0-A746-76A8C436B135}"/>
               </a:ext>
             </a:extLst>
           </p:cNvPr>
@@ -16875,7 +16687,7 @@
           </a:lstStyle>
           <a:p>
             <a:r>
-              <a:rPr lang="en-US" smtClean="0"/>
+              <a:rPr lang="en-US"/>
               <a:t>Click to edit Master title style</a:t>
             </a:r>
             <a:endParaRPr lang="en-US" dirty="0"/>
@@ -16887,7 +16699,7 @@
           <p:cNvPr id="14" name="Picture 13">
             <a:extLst>
               <a:ext uri="{FF2B5EF4-FFF2-40B4-BE49-F238E27FC236}">
-                <a16:creationId xmlns:a16="http://schemas.microsoft.com/office/drawing/2014/main" xmlns="" id="{6E16882D-8BEB-4DE9-9D6E-B66A4265552E}"/>
+                <a16:creationId xmlns:a16="http://schemas.microsoft.com/office/drawing/2014/main" id="{6E16882D-8BEB-4DE9-9D6E-B66A4265552E}"/>
               </a:ext>
             </a:extLst>
           </p:cNvPr>
@@ -16922,7 +16734,7 @@
           <p:cNvPr id="21" name="Picture 20">
             <a:extLst>
               <a:ext uri="{FF2B5EF4-FFF2-40B4-BE49-F238E27FC236}">
-                <a16:creationId xmlns:a16="http://schemas.microsoft.com/office/drawing/2014/main" xmlns="" id="{9EAFB177-595A-4BDE-9AC4-D7572B1CC592}"/>
+                <a16:creationId xmlns:a16="http://schemas.microsoft.com/office/drawing/2014/main" id="{9EAFB177-595A-4BDE-9AC4-D7572B1CC592}"/>
               </a:ext>
             </a:extLst>
           </p:cNvPr>
@@ -17011,7 +16823,7 @@
           </a:lstStyle>
           <a:p>
             <a:r>
-              <a:rPr lang="en-US" smtClean="0"/>
+              <a:rPr lang="en-US"/>
               <a:t>Click to edit Master title style</a:t>
             </a:r>
             <a:endParaRPr lang="en-US" dirty="0"/>
@@ -17104,21 +16916,21 @@
           <a:p>
             <a:pPr lvl="0"/>
             <a:r>
-              <a:rPr lang="en-US" smtClean="0"/>
+              <a:rPr lang="en-US"/>
               <a:t>Click to edit Master text styles</a:t>
             </a:r>
           </a:p>
           <a:p>
             <a:pPr lvl="1"/>
             <a:r>
-              <a:rPr lang="en-US" smtClean="0"/>
+              <a:rPr lang="en-US"/>
               <a:t>Second level</a:t>
             </a:r>
           </a:p>
           <a:p>
             <a:pPr lvl="2"/>
             <a:r>
-              <a:rPr lang="en-US" smtClean="0"/>
+              <a:rPr lang="en-US"/>
               <a:t>Third level</a:t>
             </a:r>
           </a:p>
@@ -17213,21 +17025,21 @@
           <a:p>
             <a:pPr lvl="0"/>
             <a:r>
-              <a:rPr lang="en-US" smtClean="0"/>
+              <a:rPr lang="en-US"/>
               <a:t>Click to edit Master text styles</a:t>
             </a:r>
           </a:p>
           <a:p>
             <a:pPr lvl="1"/>
             <a:r>
-              <a:rPr lang="en-US" smtClean="0"/>
+              <a:rPr lang="en-US"/>
               <a:t>Second level</a:t>
             </a:r>
           </a:p>
           <a:p>
             <a:pPr lvl="2"/>
             <a:r>
-              <a:rPr lang="en-US" smtClean="0"/>
+              <a:rPr lang="en-US"/>
               <a:t>Third level</a:t>
             </a:r>
           </a:p>
@@ -17238,7 +17050,7 @@
           <p:cNvPr id="12" name="Rectangle 256">
             <a:extLst>
               <a:ext uri="{FF2B5EF4-FFF2-40B4-BE49-F238E27FC236}">
-                <a16:creationId xmlns:a16="http://schemas.microsoft.com/office/drawing/2014/main" xmlns="" id="{0ED8B866-A29F-4437-842E-6B7908B2FB7D}"/>
+                <a16:creationId xmlns:a16="http://schemas.microsoft.com/office/drawing/2014/main" id="{0ED8B866-A29F-4437-842E-6B7908B2FB7D}"/>
               </a:ext>
             </a:extLst>
           </p:cNvPr>
@@ -17329,7 +17141,7 @@
           </a:lstStyle>
           <a:p>
             <a:r>
-              <a:rPr lang="en-US" smtClean="0"/>
+              <a:rPr lang="en-US"/>
               <a:t>Click to edit Master title style</a:t>
             </a:r>
             <a:endParaRPr lang="en-US" dirty="0"/>
@@ -17416,7 +17228,7 @@
           </a:lstStyle>
           <a:p>
             <a:r>
-              <a:rPr lang="en-US" smtClean="0"/>
+              <a:rPr lang="en-US"/>
               <a:t>Click to edit Master title style</a:t>
             </a:r>
             <a:endParaRPr lang="en-US" dirty="0"/>
@@ -17497,7 +17309,7 @@
           <a:p>
             <a:pPr lvl="0"/>
             <a:r>
-              <a:rPr lang="en-US" smtClean="0"/>
+              <a:rPr lang="en-US"/>
               <a:t>Click to edit Master text styles</a:t>
             </a:r>
           </a:p>
@@ -17611,21 +17423,21 @@
           <a:p>
             <a:pPr lvl="0"/>
             <a:r>
-              <a:rPr lang="en-US" smtClean="0"/>
+              <a:rPr lang="en-US"/>
               <a:t>Click to edit Master text styles</a:t>
             </a:r>
           </a:p>
           <a:p>
             <a:pPr lvl="1"/>
             <a:r>
-              <a:rPr lang="en-US" smtClean="0"/>
+              <a:rPr lang="en-US"/>
               <a:t>Second level</a:t>
             </a:r>
           </a:p>
           <a:p>
             <a:pPr lvl="2"/>
             <a:r>
-              <a:rPr lang="en-US" smtClean="0"/>
+              <a:rPr lang="en-US"/>
               <a:t>Third level</a:t>
             </a:r>
           </a:p>
@@ -17705,7 +17517,7 @@
           <a:p>
             <a:pPr lvl="0"/>
             <a:r>
-              <a:rPr lang="en-US" smtClean="0"/>
+              <a:rPr lang="en-US"/>
               <a:t>Click to edit Master text styles</a:t>
             </a:r>
           </a:p>
@@ -17831,21 +17643,21 @@
           <a:p>
             <a:pPr lvl="0"/>
             <a:r>
-              <a:rPr lang="en-US" smtClean="0"/>
+              <a:rPr lang="en-US"/>
               <a:t>Click to edit Master text styles</a:t>
             </a:r>
           </a:p>
           <a:p>
             <a:pPr lvl="1"/>
             <a:r>
-              <a:rPr lang="en-US" smtClean="0"/>
+              <a:rPr lang="en-US"/>
               <a:t>Second level</a:t>
             </a:r>
           </a:p>
           <a:p>
             <a:pPr lvl="2"/>
             <a:r>
-              <a:rPr lang="en-US" smtClean="0"/>
+              <a:rPr lang="en-US"/>
               <a:t>Third level</a:t>
             </a:r>
           </a:p>
@@ -17856,7 +17668,7 @@
           <p:cNvPr id="14" name="Rectangle 256">
             <a:extLst>
               <a:ext uri="{FF2B5EF4-FFF2-40B4-BE49-F238E27FC236}">
-                <a16:creationId xmlns:a16="http://schemas.microsoft.com/office/drawing/2014/main" xmlns="" id="{B764CAE0-734A-4D16-BDA1-3E43A810370F}"/>
+                <a16:creationId xmlns:a16="http://schemas.microsoft.com/office/drawing/2014/main" id="{B764CAE0-734A-4D16-BDA1-3E43A810370F}"/>
               </a:ext>
             </a:extLst>
           </p:cNvPr>
@@ -17947,7 +17759,7 @@
           </a:lstStyle>
           <a:p>
             <a:r>
-              <a:rPr lang="en-US" smtClean="0"/>
+              <a:rPr lang="en-US"/>
               <a:t>Click to edit Master title style</a:t>
             </a:r>
             <a:endParaRPr lang="en-US" dirty="0"/>
@@ -18028,7 +17840,7 @@
           <a:p>
             <a:pPr lvl="0"/>
             <a:r>
-              <a:rPr lang="en-US" smtClean="0"/>
+              <a:rPr lang="en-US"/>
               <a:t>Click to edit Master text styles</a:t>
             </a:r>
           </a:p>
@@ -18142,21 +17954,21 @@
           <a:p>
             <a:pPr lvl="0"/>
             <a:r>
-              <a:rPr lang="en-US" smtClean="0"/>
+              <a:rPr lang="en-US"/>
               <a:t>Click to edit Master text styles</a:t>
             </a:r>
           </a:p>
           <a:p>
             <a:pPr lvl="1"/>
             <a:r>
-              <a:rPr lang="en-US" smtClean="0"/>
+              <a:rPr lang="en-US"/>
               <a:t>Second level</a:t>
             </a:r>
           </a:p>
           <a:p>
             <a:pPr lvl="2"/>
             <a:r>
-              <a:rPr lang="en-US" smtClean="0"/>
+              <a:rPr lang="en-US"/>
               <a:t>Third level</a:t>
             </a:r>
           </a:p>
@@ -18236,7 +18048,7 @@
           <a:p>
             <a:pPr lvl="0"/>
             <a:r>
-              <a:rPr lang="en-US" smtClean="0"/>
+              <a:rPr lang="en-US"/>
               <a:t>Click to edit Master text styles</a:t>
             </a:r>
           </a:p>
@@ -18362,21 +18174,21 @@
           <a:p>
             <a:pPr lvl="0"/>
             <a:r>
-              <a:rPr lang="en-US" smtClean="0"/>
+              <a:rPr lang="en-US"/>
               <a:t>Click to edit Master text styles</a:t>
             </a:r>
           </a:p>
           <a:p>
             <a:pPr lvl="1"/>
             <a:r>
-              <a:rPr lang="en-US" smtClean="0"/>
+              <a:rPr lang="en-US"/>
               <a:t>Second level</a:t>
             </a:r>
           </a:p>
           <a:p>
             <a:pPr lvl="2"/>
             <a:r>
-              <a:rPr lang="en-US" smtClean="0"/>
+              <a:rPr lang="en-US"/>
               <a:t>Third level</a:t>
             </a:r>
           </a:p>
@@ -18387,7 +18199,7 @@
           <p:cNvPr id="7" name="Text Placeholder 4">
             <a:extLst>
               <a:ext uri="{FF2B5EF4-FFF2-40B4-BE49-F238E27FC236}">
-                <a16:creationId xmlns:a16="http://schemas.microsoft.com/office/drawing/2014/main" xmlns="" id="{49D91D4C-0C90-4594-94C2-E939B6EF57C4}"/>
+                <a16:creationId xmlns:a16="http://schemas.microsoft.com/office/drawing/2014/main" id="{49D91D4C-0C90-4594-94C2-E939B6EF57C4}"/>
               </a:ext>
             </a:extLst>
           </p:cNvPr>
@@ -18462,7 +18274,7 @@
           <a:p>
             <a:pPr lvl="0"/>
             <a:r>
-              <a:rPr lang="en-US" smtClean="0"/>
+              <a:rPr lang="en-US"/>
               <a:t>Click to edit Master text styles</a:t>
             </a:r>
           </a:p>
@@ -18473,7 +18285,7 @@
           <p:cNvPr id="8" name="Content Placeholder 5">
             <a:extLst>
               <a:ext uri="{FF2B5EF4-FFF2-40B4-BE49-F238E27FC236}">
-                <a16:creationId xmlns:a16="http://schemas.microsoft.com/office/drawing/2014/main" xmlns="" id="{E1A87D9D-30BD-4BC1-AB79-1F900F87185B}"/>
+                <a16:creationId xmlns:a16="http://schemas.microsoft.com/office/drawing/2014/main" id="{E1A87D9D-30BD-4BC1-AB79-1F900F87185B}"/>
               </a:ext>
             </a:extLst>
           </p:cNvPr>
@@ -18594,21 +18406,21 @@
           <a:p>
             <a:pPr lvl="0"/>
             <a:r>
-              <a:rPr lang="en-US" smtClean="0"/>
+              <a:rPr lang="en-US"/>
               <a:t>Click to edit Master text styles</a:t>
             </a:r>
           </a:p>
           <a:p>
             <a:pPr lvl="1"/>
             <a:r>
-              <a:rPr lang="en-US" smtClean="0"/>
+              <a:rPr lang="en-US"/>
               <a:t>Second level</a:t>
             </a:r>
           </a:p>
           <a:p>
             <a:pPr lvl="2"/>
             <a:r>
-              <a:rPr lang="en-US" smtClean="0"/>
+              <a:rPr lang="en-US"/>
               <a:t>Third level</a:t>
             </a:r>
           </a:p>
@@ -18619,7 +18431,7 @@
           <p:cNvPr id="14" name="Rectangle 256">
             <a:extLst>
               <a:ext uri="{FF2B5EF4-FFF2-40B4-BE49-F238E27FC236}">
-                <a16:creationId xmlns:a16="http://schemas.microsoft.com/office/drawing/2014/main" xmlns="" id="{B764CAE0-734A-4D16-BDA1-3E43A810370F}"/>
+                <a16:creationId xmlns:a16="http://schemas.microsoft.com/office/drawing/2014/main" id="{B764CAE0-734A-4D16-BDA1-3E43A810370F}"/>
               </a:ext>
             </a:extLst>
           </p:cNvPr>
@@ -18727,7 +18539,7 @@
           <a:p>
             <a:pPr lvl="0"/>
             <a:r>
-              <a:rPr lang="en-US" smtClean="0"/>
+              <a:rPr lang="en-US"/>
               <a:t>Click to edit Master title style</a:t>
             </a:r>
             <a:endParaRPr lang="en-US" dirty="0"/>
@@ -18867,7 +18679,7 @@
           <p:cNvPr id="10" name="Rectangle 256">
             <a:extLst>
               <a:ext uri="{FF2B5EF4-FFF2-40B4-BE49-F238E27FC236}">
-                <a16:creationId xmlns:a16="http://schemas.microsoft.com/office/drawing/2014/main" xmlns="" id="{323F2AC7-81B7-4181-8965-07F2D3F8B684}"/>
+                <a16:creationId xmlns:a16="http://schemas.microsoft.com/office/drawing/2014/main" id="{323F2AC7-81B7-4181-8965-07F2D3F8B684}"/>
               </a:ext>
             </a:extLst>
           </p:cNvPr>
@@ -18911,7 +18723,7 @@
           <p:cNvPr id="11" name="Picture 10">
             <a:extLst>
               <a:ext uri="{FF2B5EF4-FFF2-40B4-BE49-F238E27FC236}">
-                <a16:creationId xmlns:a16="http://schemas.microsoft.com/office/drawing/2014/main" xmlns="" id="{CFD6DE45-8FAB-4A30-B928-C1E44BA13091}"/>
+                <a16:creationId xmlns:a16="http://schemas.microsoft.com/office/drawing/2014/main" id="{CFD6DE45-8FAB-4A30-B928-C1E44BA13091}"/>
               </a:ext>
             </a:extLst>
           </p:cNvPr>
@@ -18947,7 +18759,7 @@
           <p:cNvPr id="9" name="Picture 8">
             <a:extLst>
               <a:ext uri="{FF2B5EF4-FFF2-40B4-BE49-F238E27FC236}">
-                <a16:creationId xmlns:a16="http://schemas.microsoft.com/office/drawing/2014/main" xmlns="" id="{8BF8E338-5546-49FD-9045-793529472DA0}"/>
+                <a16:creationId xmlns:a16="http://schemas.microsoft.com/office/drawing/2014/main" id="{8BF8E338-5546-49FD-9045-793529472DA0}"/>
               </a:ext>
             </a:extLst>
           </p:cNvPr>
@@ -19014,13 +18826,6 @@
       </p:transition>
     </mc:Fallback>
   </mc:AlternateContent>
-  <p:timing>
-    <p:tnLst>
-      <p:par>
-        <p:cTn id="1" dur="indefinite" restart="never" nodeType="tmRoot"/>
-      </p:par>
-    </p:tnLst>
-  </p:timing>
   <p:txStyles>
     <p:titleStyle>
       <a:lvl1pPr algn="l" rtl="0" eaLnBrk="1" fontAlgn="base" hangingPunct="1">
@@ -19566,7 +19371,7 @@
           <a:p>
             <a:pPr lvl="0"/>
             <a:r>
-              <a:rPr lang="en-US" smtClean="0"/>
+              <a:rPr lang="en-US"/>
               <a:t>Click to edit Master title style</a:t>
             </a:r>
             <a:endParaRPr lang="en-US" dirty="0"/>
@@ -19706,7 +19511,7 @@
           <p:cNvPr id="10" name="Rectangle 256">
             <a:extLst>
               <a:ext uri="{FF2B5EF4-FFF2-40B4-BE49-F238E27FC236}">
-                <a16:creationId xmlns:a16="http://schemas.microsoft.com/office/drawing/2014/main" xmlns="" id="{323F2AC7-81B7-4181-8965-07F2D3F8B684}"/>
+                <a16:creationId xmlns:a16="http://schemas.microsoft.com/office/drawing/2014/main" id="{323F2AC7-81B7-4181-8965-07F2D3F8B684}"/>
               </a:ext>
             </a:extLst>
           </p:cNvPr>
@@ -19750,7 +19555,7 @@
           <p:cNvPr id="11" name="Picture 10">
             <a:extLst>
               <a:ext uri="{FF2B5EF4-FFF2-40B4-BE49-F238E27FC236}">
-                <a16:creationId xmlns:a16="http://schemas.microsoft.com/office/drawing/2014/main" xmlns="" id="{CFD6DE45-8FAB-4A30-B928-C1E44BA13091}"/>
+                <a16:creationId xmlns:a16="http://schemas.microsoft.com/office/drawing/2014/main" id="{CFD6DE45-8FAB-4A30-B928-C1E44BA13091}"/>
               </a:ext>
             </a:extLst>
           </p:cNvPr>
@@ -19786,7 +19591,7 @@
           <p:cNvPr id="9" name="Picture 8">
             <a:extLst>
               <a:ext uri="{FF2B5EF4-FFF2-40B4-BE49-F238E27FC236}">
-                <a16:creationId xmlns:a16="http://schemas.microsoft.com/office/drawing/2014/main" xmlns="" id="{8BF8E338-5546-49FD-9045-793529472DA0}"/>
+                <a16:creationId xmlns:a16="http://schemas.microsoft.com/office/drawing/2014/main" id="{8BF8E338-5546-49FD-9045-793529472DA0}"/>
               </a:ext>
             </a:extLst>
           </p:cNvPr>
@@ -19853,13 +19658,6 @@
       </p:transition>
     </mc:Fallback>
   </mc:AlternateContent>
-  <p:timing>
-    <p:tnLst>
-      <p:par>
-        <p:cTn id="1" dur="indefinite" restart="never" nodeType="tmRoot"/>
-      </p:par>
-    </p:tnLst>
-  </p:timing>
   <p:txStyles>
     <p:titleStyle>
       <a:lvl1pPr algn="l" rtl="0" eaLnBrk="1" fontAlgn="base" hangingPunct="1">
@@ -20373,7 +20171,7 @@
           <p:cNvPr id="14" name="Picture 13">
             <a:extLst>
               <a:ext uri="{FF2B5EF4-FFF2-40B4-BE49-F238E27FC236}">
-                <a16:creationId xmlns="" xmlns:a16="http://schemas.microsoft.com/office/drawing/2014/main" id="{ED1C1369-A08C-454A-B0B5-0955BB31B118}"/>
+                <a16:creationId xmlns:a16="http://schemas.microsoft.com/office/drawing/2014/main" id="{ED1C1369-A08C-454A-B0B5-0955BB31B118}"/>
               </a:ext>
             </a:extLst>
           </p:cNvPr>
@@ -20447,7 +20245,7 @@
           <a:p>
             <a:pPr lvl="0"/>
             <a:r>
-              <a:rPr lang="en-US" smtClean="0"/>
+              <a:rPr lang="en-US"/>
               <a:t>Click to edit Master title style</a:t>
             </a:r>
             <a:endParaRPr lang="en-US" dirty="0"/>
@@ -20690,13 +20488,6 @@
       </p:transition>
     </mc:Fallback>
   </mc:AlternateContent>
-  <p:timing>
-    <p:tnLst>
-      <p:par>
-        <p:cTn id="1" dur="indefinite" restart="never" nodeType="tmRoot"/>
-      </p:par>
-    </p:tnLst>
-  </p:timing>
   <p:txStyles>
     <p:titleStyle>
       <a:lvl1pPr marL="0" indent="0" algn="l" rtl="0" eaLnBrk="1" fontAlgn="base" hangingPunct="1">
@@ -21163,7 +20954,7 @@
           <p:cNvPr id="4" name="Title 3">
             <a:extLst>
               <a:ext uri="{FF2B5EF4-FFF2-40B4-BE49-F238E27FC236}">
-                <a16:creationId xmlns:a16="http://schemas.microsoft.com/office/drawing/2014/main" xmlns="" id="{30E4F7B9-1C58-D042-B35D-05F088A952B4}"/>
+                <a16:creationId xmlns:a16="http://schemas.microsoft.com/office/drawing/2014/main" id="{30E4F7B9-1C58-D042-B35D-05F088A952B4}"/>
               </a:ext>
             </a:extLst>
           </p:cNvPr>
@@ -21188,33 +20979,16 @@
           <a:p>
             <a:pPr algn="ctr"/>
             <a:r>
-              <a:rPr lang="en-US" sz="4000" dirty="0" smtClean="0"/>
-              <a:t>ISC 19 Tutorial</a:t>
-            </a:r>
-            <a:r>
               <a:rPr lang="en-US" sz="4000" dirty="0"/>
-              <a:t>: </a:t>
-            </a:r>
-            <a:r>
-              <a:rPr lang="en-US" sz="4000" dirty="0" smtClean="0"/>
-              <a:t/>
+              <a:t>ISC 19 Tutorial: </a:t>
             </a:r>
             <a:br>
-              <a:rPr lang="en-US" sz="4000" dirty="0" smtClean="0"/>
+              <a:rPr lang="en-US" sz="4000" dirty="0"/>
             </a:br>
             <a:r>
-              <a:rPr lang="en-US" sz="4000" dirty="0" smtClean="0"/>
-              <a:t>Getting </a:t>
-            </a:r>
-            <a:r>
               <a:rPr lang="en-US" sz="4000" dirty="0"/>
-              <a:t>Started with Containers on </a:t>
-            </a:r>
-            <a:r>
-              <a:rPr lang="en-US" sz="4000" dirty="0" smtClean="0"/>
-              <a:t>HPC</a:t>
-            </a:r>
-            <a:endParaRPr lang="en-US" sz="4000" dirty="0"/>
+              <a:t>Getting Started with Containers on HPC</a:t>
+            </a:r>
           </a:p>
         </p:txBody>
       </p:sp>
@@ -21223,7 +20997,7 @@
           <p:cNvPr id="5" name="Subtitle 4">
             <a:extLst>
               <a:ext uri="{FF2B5EF4-FFF2-40B4-BE49-F238E27FC236}">
-                <a16:creationId xmlns:a16="http://schemas.microsoft.com/office/drawing/2014/main" xmlns="" id="{32A9B3A2-72DA-234B-A6EF-9CB611236748}"/>
+                <a16:creationId xmlns:a16="http://schemas.microsoft.com/office/drawing/2014/main" id="{32A9B3A2-72DA-234B-A6EF-9CB611236748}"/>
               </a:ext>
             </a:extLst>
           </p:cNvPr>
@@ -21273,14 +21047,10 @@
             </a:r>
             <a:r>
               <a:rPr lang="en-US" sz="2400" dirty="0"/>
-              <a:t>, Andrew J. </a:t>
-            </a:r>
-            <a:r>
-              <a:rPr lang="en-US" sz="2400" dirty="0" smtClean="0"/>
-              <a:t>Younge</a:t>
-            </a:r>
-            <a:r>
-              <a:rPr lang="en-US" sz="2400" baseline="30000" dirty="0" smtClean="0"/>
+              <a:t>, Andrew J. Younge</a:t>
+            </a:r>
+            <a:r>
+              <a:rPr lang="en-US" sz="2400" baseline="30000" dirty="0"/>
               <a:t>4</a:t>
             </a:r>
           </a:p>
@@ -21321,8 +21091,20 @@
             <a:tbl>
               <a:tblPr/>
               <a:tblGrid>
-                <a:gridCol w="4347557"/>
-                <a:gridCol w="4347557"/>
+                <a:gridCol w="4347557">
+                  <a:extLst>
+                    <a:ext uri="{9D8B030D-6E8A-4147-A177-3AD203B41FA5}">
+                      <a16:colId xmlns:a16="http://schemas.microsoft.com/office/drawing/2014/main" val="20000"/>
+                    </a:ext>
+                  </a:extLst>
+                </a:gridCol>
+                <a:gridCol w="4347557">
+                  <a:extLst>
+                    <a:ext uri="{9D8B030D-6E8A-4147-A177-3AD203B41FA5}">
+                      <a16:colId xmlns:a16="http://schemas.microsoft.com/office/drawing/2014/main" val="20001"/>
+                    </a:ext>
+                  </a:extLst>
+                </a:gridCol>
               </a:tblGrid>
               <a:tr h="558800">
                 <a:tc>
@@ -21339,11 +21121,11 @@
                         </a:spcAft>
                       </a:pPr>
                       <a:r>
-                        <a:rPr lang="en-US" sz="2000" baseline="30000" dirty="0" smtClean="0"/>
+                        <a:rPr lang="en-US" sz="2000" baseline="30000" dirty="0"/>
                         <a:t>1</a:t>
                       </a:r>
                       <a:r>
-                        <a:rPr lang="is-IS" sz="2000" b="0" i="0" u="none" strike="noStrike" dirty="0" smtClean="0">
+                        <a:rPr lang="is-IS" sz="2000" b="0" i="0" u="none" strike="noStrike" dirty="0">
                           <a:solidFill>
                             <a:srgbClr val="000000"/>
                           </a:solidFill>
@@ -21433,7 +21215,7 @@
                         </a:spcAft>
                       </a:pPr>
                       <a:r>
-                        <a:rPr lang="en-US" sz="2000" b="0" i="0" u="none" strike="noStrike" baseline="30000" dirty="0" smtClean="0">
+                        <a:rPr lang="en-US" sz="2000" b="0" i="0" u="none" strike="noStrike" baseline="30000" dirty="0">
                           <a:solidFill>
                             <a:schemeClr val="tx1"/>
                           </a:solidFill>
@@ -21443,16 +21225,6 @@
                         <a:t>2</a:t>
                       </a:r>
                       <a:r>
-                        <a:rPr lang="en-US" sz="2000" b="0" i="0" u="none" strike="noStrike" dirty="0" smtClean="0">
-                          <a:solidFill>
-                            <a:srgbClr val="000000"/>
-                          </a:solidFill>
-                          <a:effectLst/>
-                          <a:latin typeface="Arial" charset="0"/>
-                        </a:rPr>
-                        <a:t>University </a:t>
-                      </a:r>
-                      <a:r>
                         <a:rPr lang="en-US" sz="2000" b="0" i="0" u="none" strike="noStrike" dirty="0">
                           <a:solidFill>
                             <a:srgbClr val="000000"/>
@@ -21460,7 +21232,7 @@
                           <a:effectLst/>
                           <a:latin typeface="Arial" charset="0"/>
                         </a:rPr>
-                        <a:t>of Oregon</a:t>
+                        <a:t>University of Oregon</a:t>
                       </a:r>
                       <a:endParaRPr lang="en-US" sz="2800" dirty="0">
                         <a:effectLst/>
@@ -21529,6 +21301,11 @@
                     </a:lnB>
                   </a:tcPr>
                 </a:tc>
+                <a:extLst>
+                  <a:ext uri="{0D108BD9-81ED-4DB2-BD59-A6C34878D82A}">
+                    <a16:rowId xmlns:a16="http://schemas.microsoft.com/office/drawing/2014/main" val="10000"/>
+                  </a:ext>
+                </a:extLst>
               </a:tr>
               <a:tr h="0">
                 <a:tc>
@@ -21545,7 +21322,7 @@
                         </a:spcAft>
                       </a:pPr>
                       <a:r>
-                        <a:rPr lang="en-US" sz="2000" b="0" i="0" u="none" strike="noStrike" baseline="30000" dirty="0" smtClean="0">
+                        <a:rPr lang="en-US" sz="2000" b="0" i="0" u="none" strike="noStrike" baseline="30000" dirty="0">
                           <a:solidFill>
                             <a:schemeClr val="tx1"/>
                           </a:solidFill>
@@ -21555,16 +21332,6 @@
                         <a:t>3</a:t>
                       </a:r>
                       <a:r>
-                        <a:rPr lang="en-US" sz="2000" b="0" i="0" u="none" strike="noStrike" dirty="0" smtClean="0">
-                          <a:solidFill>
-                            <a:srgbClr val="000000"/>
-                          </a:solidFill>
-                          <a:effectLst/>
-                          <a:latin typeface="Arial" charset="0"/>
-                        </a:rPr>
-                        <a:t>Lawrence </a:t>
-                      </a:r>
-                      <a:r>
                         <a:rPr lang="en-US" sz="2000" b="0" i="0" u="none" strike="noStrike" dirty="0">
                           <a:solidFill>
                             <a:srgbClr val="000000"/>
@@ -21572,7 +21339,7 @@
                           <a:effectLst/>
                           <a:latin typeface="Arial" charset="0"/>
                         </a:rPr>
-                        <a:t>Berkeley National Lab</a:t>
+                        <a:t>Lawrence Berkeley National Lab</a:t>
                       </a:r>
                       <a:endParaRPr lang="en-US" sz="2800" dirty="0">
                         <a:effectLst/>
@@ -21655,7 +21422,7 @@
                         </a:spcAft>
                       </a:pPr>
                       <a:r>
-                        <a:rPr lang="en-US" sz="2000" b="0" i="0" u="none" strike="noStrike" baseline="30000" dirty="0" smtClean="0">
+                        <a:rPr lang="en-US" sz="2000" b="0" i="0" u="none" strike="noStrike" baseline="30000" dirty="0">
                           <a:solidFill>
                             <a:schemeClr val="tx1"/>
                           </a:solidFill>
@@ -21665,16 +21432,6 @@
                         <a:t>4</a:t>
                       </a:r>
                       <a:r>
-                        <a:rPr lang="en-US" sz="2000" b="0" i="0" u="none" strike="noStrike" dirty="0" smtClean="0">
-                          <a:solidFill>
-                            <a:srgbClr val="000000"/>
-                          </a:solidFill>
-                          <a:effectLst/>
-                          <a:latin typeface="Arial" charset="0"/>
-                        </a:rPr>
-                        <a:t>Sandia </a:t>
-                      </a:r>
-                      <a:r>
                         <a:rPr lang="en-US" sz="2000" b="0" i="0" u="none" strike="noStrike" dirty="0">
                           <a:solidFill>
                             <a:srgbClr val="000000"/>
@@ -21682,7 +21439,7 @@
                           <a:effectLst/>
                           <a:latin typeface="Arial" charset="0"/>
                         </a:rPr>
-                        <a:t>National Labs</a:t>
+                        <a:t>Sandia National Labs</a:t>
                       </a:r>
                       <a:endParaRPr lang="en-US" sz="2800" dirty="0">
                         <a:effectLst/>
@@ -21751,6 +21508,11 @@
                     </a:lnB>
                   </a:tcPr>
                 </a:tc>
+                <a:extLst>
+                  <a:ext uri="{0D108BD9-81ED-4DB2-BD59-A6C34878D82A}">
+                    <a16:rowId xmlns:a16="http://schemas.microsoft.com/office/drawing/2014/main" val="10001"/>
+                  </a:ext>
+                </a:extLst>
               </a:tr>
             </a:tbl>
           </a:graphicData>
@@ -21833,19 +21595,6 @@
               <a:buNone/>
               <a:tabLst/>
             </a:pPr>
-            <a:r>
-              <a:rPr kumimoji="0" lang="x-none" altLang="x-none" sz="1800" b="0" i="0" u="none" strike="noStrike" cap="none" normalizeH="0" baseline="0">
-                <a:ln>
-                  <a:noFill/>
-                </a:ln>
-                <a:solidFill>
-                  <a:schemeClr val="tx1"/>
-                </a:solidFill>
-                <a:effectLst/>
-                <a:latin typeface="Arial" charset="0"/>
-              </a:rPr>
-              <a:t/>
-            </a:r>
             <a:br>
               <a:rPr kumimoji="0" lang="x-none" altLang="x-none" sz="1800" b="0" i="0" u="none" strike="noStrike" cap="none" normalizeH="0" baseline="0">
                 <a:ln>
@@ -22297,10 +22046,9 @@
           <a:lstStyle/>
           <a:p>
             <a:r>
-              <a:rPr lang="en-US" dirty="0" smtClean="0"/>
+              <a:rPr lang="en-US" dirty="0"/>
               <a:t>HPC Containers</a:t>
             </a:r>
-            <a:endParaRPr lang="en-US" dirty="0"/>
           </a:p>
         </p:txBody>
       </p:sp>
@@ -22339,7 +22087,7 @@
               <a:buChar char="▪"/>
             </a:pPr>
             <a:r>
-              <a:rPr lang="en-US" sz="2800" dirty="0" smtClean="0">
+              <a:rPr lang="en-US" sz="2800" dirty="0">
                 <a:solidFill>
                   <a:schemeClr val="dk1"/>
                 </a:solidFill>
@@ -22347,7 +22095,7 @@
               </a:rPr>
               <a:t>Docker not good fit for running HPC workloads</a:t>
             </a:r>
-            <a:endParaRPr lang="en-US" dirty="0" smtClean="0"/>
+            <a:endParaRPr lang="en-US" dirty="0"/>
           </a:p>
           <a:p>
             <a:pPr marL="741396" lvl="1" indent="-284172">
@@ -22365,7 +22113,7 @@
               <a:buChar char="▪"/>
             </a:pPr>
             <a:r>
-              <a:rPr lang="en-US" sz="2400" dirty="0" smtClean="0">
+              <a:rPr lang="en-US" sz="2400" dirty="0">
                 <a:solidFill>
                   <a:schemeClr val="dk1"/>
                 </a:solidFill>
@@ -22390,7 +22138,7 @@
               <a:buChar char="▪"/>
             </a:pPr>
             <a:r>
-              <a:rPr lang="en-US" dirty="0" smtClean="0">
+              <a:rPr lang="en-US" dirty="0">
                 <a:solidFill>
                   <a:schemeClr val="dk1"/>
                 </a:solidFill>
@@ -22415,7 +22163,7 @@
               <a:buChar char="▪"/>
             </a:pPr>
             <a:r>
-              <a:rPr lang="en-US" sz="2400" dirty="0" smtClean="0">
+              <a:rPr lang="en-US" sz="2400" dirty="0">
                 <a:solidFill>
                   <a:schemeClr val="dk1"/>
                 </a:solidFill>
@@ -22440,7 +22188,7 @@
               <a:buChar char="▪"/>
             </a:pPr>
             <a:r>
-              <a:rPr lang="en-US" dirty="0" smtClean="0">
+              <a:rPr lang="en-US" dirty="0">
                 <a:solidFill>
                   <a:schemeClr val="dk1"/>
                 </a:solidFill>
@@ -22465,7 +22213,7 @@
               <a:buChar char="▪"/>
             </a:pPr>
             <a:r>
-              <a:rPr lang="en-US" dirty="0" smtClean="0">
+              <a:rPr lang="en-US" dirty="0">
                 <a:solidFill>
                   <a:schemeClr val="dk1"/>
                 </a:solidFill>
@@ -22490,7 +22238,7 @@
               <a:buChar char="▪"/>
             </a:pPr>
             <a:r>
-              <a:rPr lang="en-US" dirty="0" smtClean="0">
+              <a:rPr lang="en-US" dirty="0">
                 <a:solidFill>
                   <a:schemeClr val="dk1"/>
                 </a:solidFill>
@@ -22540,7 +22288,7 @@
               <a:buNone/>
             </a:pPr>
             <a:r>
-              <a:rPr lang="en-US" sz="2400" dirty="0" smtClean="0">
+              <a:rPr lang="en-US" sz="2400" dirty="0">
                 <a:solidFill>
                   <a:schemeClr val="dk1"/>
                 </a:solidFill>
@@ -22549,7 +22297,7 @@
               <a:t>   Shifter                  Singularity                </a:t>
             </a:r>
             <a:r>
-              <a:rPr lang="en-US" sz="2400" dirty="0" err="1" smtClean="0">
+              <a:rPr lang="en-US" sz="2400" dirty="0" err="1">
                 <a:solidFill>
                   <a:schemeClr val="dk1"/>
                 </a:solidFill>
@@ -22558,7 +22306,7 @@
               <a:t>Charliecloud</a:t>
             </a:r>
             <a:r>
-              <a:rPr lang="en-US" sz="2400" dirty="0" smtClean="0">
+              <a:rPr lang="en-US" sz="2400" dirty="0">
                 <a:solidFill>
                   <a:schemeClr val="dk1"/>
                 </a:solidFill>
@@ -22567,7 +22315,7 @@
               <a:t>              </a:t>
             </a:r>
             <a:r>
-              <a:rPr lang="mr-IN" sz="2400" dirty="0" smtClean="0">
+              <a:rPr lang="mr-IN" sz="2400" dirty="0">
                 <a:solidFill>
                   <a:schemeClr val="dk1"/>
                 </a:solidFill>
@@ -22597,7 +22345,7 @@
               <a:buFont typeface="Noto Sans Symbols"/>
               <a:buChar char="▪"/>
             </a:pPr>
-            <a:endParaRPr lang="en-US" dirty="0" smtClean="0">
+            <a:endParaRPr lang="en-US" dirty="0">
               <a:solidFill>
                 <a:schemeClr val="dk1"/>
               </a:solidFill>
@@ -22619,7 +22367,7 @@
               <a:buFont typeface="Noto Sans Symbols"/>
               <a:buChar char="▪"/>
             </a:pPr>
-            <a:endParaRPr lang="en-US" dirty="0" smtClean="0">
+            <a:endParaRPr lang="en-US" dirty="0">
               <a:solidFill>
                 <a:schemeClr val="dk1"/>
               </a:solidFill>
@@ -22846,31 +22594,13 @@
               <a:buNone/>
             </a:pPr>
             <a:r>
-              <a:rPr lang="en-US" i="0" u="none" strike="noStrike" cap="none" dirty="0" smtClean="0">
-                <a:solidFill>
-                  <a:schemeClr val="tx1"/>
-                </a:solidFill>
-                <a:sym typeface="Calibri"/>
-              </a:rPr>
-              <a:t>Developing </a:t>
-            </a:r>
-            <a:r>
               <a:rPr lang="en-US" i="0" u="none" strike="noStrike" cap="none" dirty="0">
                 <a:solidFill>
                   <a:schemeClr val="tx1"/>
                 </a:solidFill>
                 <a:sym typeface="Calibri"/>
               </a:rPr>
-              <a:t>Container </a:t>
-            </a:r>
-            <a:r>
-              <a:rPr lang="en-US" i="0" u="none" strike="noStrike" cap="none" dirty="0" smtClean="0">
-                <a:solidFill>
-                  <a:schemeClr val="tx1"/>
-                </a:solidFill>
-                <a:sym typeface="Calibri"/>
-              </a:rPr>
-              <a:t>Vision</a:t>
+              <a:t>Developing Container Vision</a:t>
             </a:r>
             <a:endParaRPr i="0" u="none" strike="noStrike" cap="none" dirty="0">
               <a:solidFill>
@@ -22983,16 +22713,7 @@
                 </a:solidFill>
                 <a:sym typeface="Calibri"/>
               </a:rPr>
-              <a:t>Dev time on supercomputers is </a:t>
-            </a:r>
-            <a:r>
-              <a:rPr lang="en-US" sz="2000" b="0" i="0" u="none" strike="noStrike" cap="none" dirty="0" smtClean="0">
-                <a:solidFill>
-                  <a:schemeClr val="dk1"/>
-                </a:solidFill>
-                <a:sym typeface="Calibri"/>
-              </a:rPr>
-              <a:t>expensive</a:t>
+              <a:t>Dev time on supercomputers is expensive</a:t>
             </a:r>
             <a:endParaRPr dirty="0"/>
           </a:p>
@@ -23047,7 +22768,7 @@
               <a:t>Let developers specify how to build the </a:t>
             </a:r>
             <a:r>
-              <a:rPr lang="en-US" sz="2400" b="0" i="0" u="none" strike="noStrike" cap="none" dirty="0" err="1" smtClean="0">
+              <a:rPr lang="en-US" sz="2400" b="0" i="0" u="none" strike="noStrike" cap="none" dirty="0" err="1">
                 <a:solidFill>
                   <a:schemeClr val="dk1"/>
                 </a:solidFill>
@@ -23056,7 +22777,7 @@
               <a:t>env</a:t>
             </a:r>
             <a:r>
-              <a:rPr lang="en-US" sz="2400" b="0" i="0" u="none" strike="noStrike" cap="none" dirty="0" smtClean="0">
+              <a:rPr lang="en-US" sz="2400" b="0" i="0" u="none" strike="noStrike" cap="none" dirty="0">
                 <a:solidFill>
                   <a:schemeClr val="dk1"/>
                 </a:solidFill>
@@ -23091,22 +22812,13 @@
               <a:t>I</a:t>
             </a:r>
             <a:r>
-              <a:rPr lang="en-US" sz="2000" b="0" i="0" u="none" strike="noStrike" cap="none" dirty="0" smtClean="0">
-                <a:solidFill>
-                  <a:schemeClr val="dk1"/>
-                </a:solidFill>
-                <a:sym typeface="Calibri"/>
-              </a:rPr>
-              <a:t>mport and run container on </a:t>
-            </a:r>
-            <a:r>
               <a:rPr lang="en-US" sz="2000" b="0" i="0" u="none" strike="noStrike" cap="none" dirty="0">
                 <a:solidFill>
                   <a:schemeClr val="dk1"/>
                 </a:solidFill>
                 <a:sym typeface="Calibri"/>
               </a:rPr>
-              <a:t>target platform</a:t>
+              <a:t>mport and run container on target platform</a:t>
             </a:r>
             <a:endParaRPr dirty="0"/>
           </a:p>
@@ -23134,12 +22846,6 @@
               </a:rPr>
               <a:t>Many containers, but can have different code “branches” </a:t>
             </a:r>
-            <a:endParaRPr lang="en-US" sz="2000" b="0" i="0" u="none" strike="noStrike" cap="none" dirty="0" smtClean="0">
-              <a:solidFill>
-                <a:schemeClr val="dk1"/>
-              </a:solidFill>
-              <a:sym typeface="Calibri"/>
-            </a:endParaRPr>
           </a:p>
           <a:p>
             <a:pPr marL="741396" marR="0" lvl="1" indent="-284172" algn="l" rtl="0">
@@ -23157,25 +22863,16 @@
               <a:buChar char="▪"/>
             </a:pPr>
             <a:r>
-              <a:rPr lang="en-US" sz="2000" b="0" i="0" u="none" strike="noStrike" cap="none" dirty="0" smtClean="0">
-                <a:solidFill>
-                  <a:schemeClr val="dk1"/>
-                </a:solidFill>
-                <a:sym typeface="Calibri"/>
-              </a:rPr>
-              <a:t>Not </a:t>
-            </a:r>
-            <a:r>
               <a:rPr lang="en-US" sz="2000" b="0" i="0" u="none" strike="noStrike" cap="none" dirty="0">
                 <a:solidFill>
                   <a:schemeClr val="dk1"/>
                 </a:solidFill>
                 <a:sym typeface="Calibri"/>
               </a:rPr>
-              <a:t>bound to vendor and sysadmin </a:t>
-            </a:r>
-            <a:r>
-              <a:rPr lang="en-US" dirty="0" smtClean="0">
+              <a:t>Not bound to vendor and sysadmin </a:t>
+            </a:r>
+            <a:r>
+              <a:rPr lang="en-US" dirty="0">
                 <a:solidFill>
                   <a:schemeClr val="dk1"/>
                 </a:solidFill>
@@ -23201,7 +22898,7 @@
               <a:buChar char="▪"/>
             </a:pPr>
             <a:r>
-              <a:rPr lang="en-US" dirty="0" smtClean="0">
+              <a:rPr lang="en-US" dirty="0">
                 <a:solidFill>
                   <a:schemeClr val="dk1"/>
                 </a:solidFill>
@@ -23226,7 +22923,7 @@
               <a:buChar char="▪"/>
             </a:pPr>
             <a:r>
-              <a:rPr lang="en-US" dirty="0" smtClean="0">
+              <a:rPr lang="en-US" dirty="0">
                 <a:solidFill>
                   <a:schemeClr val="dk1"/>
                 </a:solidFill>
@@ -23251,7 +22948,7 @@
               <a:buChar char="▪"/>
             </a:pPr>
             <a:r>
-              <a:rPr lang="en-US" dirty="0" smtClean="0">
+              <a:rPr lang="en-US" dirty="0">
                 <a:solidFill>
                   <a:schemeClr val="dk1"/>
                 </a:solidFill>
@@ -23283,16 +22980,7 @@
                 </a:solidFill>
                 <a:sym typeface="Calibri"/>
               </a:rPr>
-              <a:t>Performance </a:t>
-            </a:r>
-            <a:r>
-              <a:rPr lang="en-US" dirty="0" smtClean="0">
-                <a:solidFill>
-                  <a:schemeClr val="dk1"/>
-                </a:solidFill>
-                <a:sym typeface="Calibri"/>
-              </a:rPr>
-              <a:t>matters</a:t>
+              <a:t>Performance matters</a:t>
             </a:r>
           </a:p>
           <a:p>
@@ -23311,24 +22999,15 @@
               <a:buChar char="▪"/>
             </a:pPr>
             <a:r>
-              <a:rPr lang="en-US" dirty="0" smtClean="0">
-                <a:solidFill>
-                  <a:schemeClr val="dk1"/>
-                </a:solidFill>
-                <a:sym typeface="Calibri"/>
-              </a:rPr>
-              <a:t>Want </a:t>
-            </a:r>
-            <a:r>
               <a:rPr lang="en-US" dirty="0">
                 <a:solidFill>
                   <a:schemeClr val="dk1"/>
                 </a:solidFill>
                 <a:sym typeface="Calibri"/>
               </a:rPr>
-              <a:t>to manage permutations of architectures and compilers</a:t>
-            </a:r>
-            <a:endParaRPr lang="en-US" dirty="0" smtClean="0"/>
+              <a:t>Want to manage permutations of architectures and compilers</a:t>
+            </a:r>
+            <a:endParaRPr lang="en-US" dirty="0"/>
           </a:p>
           <a:p>
             <a:pPr marL="741395" marR="0" lvl="1" indent="-284171" algn="l" rtl="0">
@@ -23346,7 +23025,7 @@
               <a:buChar char="▪"/>
             </a:pPr>
             <a:r>
-              <a:rPr lang="en-US" dirty="0" smtClean="0"/>
+              <a:rPr lang="en-US" dirty="0"/>
               <a:t>Ensure container implementations on HPC are performant</a:t>
             </a:r>
             <a:endParaRPr dirty="0"/>
@@ -23368,11 +23047,7 @@
             </a:pPr>
             <a:r>
               <a:rPr lang="en-US" dirty="0"/>
-              <a:t>Keep features to support future </a:t>
-            </a:r>
-            <a:r>
-              <a:rPr lang="en-US" dirty="0" smtClean="0"/>
-              <a:t>complete workflows</a:t>
+              <a:t>Keep features to support future complete workflows</a:t>
             </a:r>
           </a:p>
           <a:p>
@@ -23502,13 +23177,8 @@
           <a:p>
             <a:r>
               <a:rPr lang="en-US" dirty="0"/>
-              <a:t>Container </a:t>
-            </a:r>
-            <a:r>
-              <a:rPr lang="en-US" dirty="0" smtClean="0"/>
-              <a:t>Vision</a:t>
-            </a:r>
-            <a:endParaRPr lang="en-US" dirty="0"/>
+              <a:t>Container DevOps</a:t>
+            </a:r>
           </a:p>
         </p:txBody>
       </p:sp>
@@ -23524,100 +23194,89 @@
         </p:nvSpPr>
         <p:spPr/>
         <p:txBody>
-          <a:bodyPr>
-            <a:normAutofit fontScale="92500" lnSpcReduction="10000"/>
-          </a:bodyPr>
+          <a:bodyPr/>
           <a:lstStyle/>
           <a:p>
             <a:r>
+              <a:rPr lang="en-US" sz="2400" dirty="0"/>
+              <a:t>Impractical for apps to use large-scale supercomputers for DevOps and/or testing </a:t>
+            </a:r>
+          </a:p>
+          <a:p>
+            <a:pPr lvl="1"/>
+            <a:r>
+              <a:rPr lang="en-US" sz="2000" dirty="0"/>
+              <a:t>HPC resources have long batch queues</a:t>
+            </a:r>
+          </a:p>
+          <a:p>
+            <a:pPr lvl="1"/>
+            <a:r>
+              <a:rPr lang="en-US" sz="2000" dirty="0"/>
+              <a:t>Dev time commonly delayed as a result</a:t>
+            </a:r>
+          </a:p>
+          <a:p>
+            <a:r>
               <a:rPr lang="en-US" dirty="0"/>
-              <a:t>Support software dev and testing on laptops 	</a:t>
+              <a:t>Create deployment portability with containers</a:t>
             </a:r>
           </a:p>
           <a:p>
             <a:pPr lvl="1"/>
             <a:r>
               <a:rPr lang="en-US" dirty="0"/>
-              <a:t>Working builds then can run on supercomputers</a:t>
+              <a:t>Develop Docker containers on your laptop or workstation</a:t>
             </a:r>
           </a:p>
           <a:p>
             <a:pPr lvl="1"/>
             <a:r>
               <a:rPr lang="en-US" dirty="0"/>
-              <a:t>May also leverage VM/binary translation</a:t>
-            </a:r>
-          </a:p>
-          <a:p>
+              <a:t>Leverage </a:t>
+            </a:r>
+            <a:r>
+              <a:rPr lang="en-US" dirty="0" err="1"/>
+              <a:t>Gitlab</a:t>
+            </a:r>
             <a:r>
               <a:rPr lang="en-US" dirty="0"/>
-              <a:t>Let developers specify how to build the environment AND the application</a:t>
+              <a:t> registry services</a:t>
+            </a:r>
+          </a:p>
+          <a:p>
+            <a:pPr lvl="2"/>
+            <a:r>
+              <a:rPr lang="en-US" dirty="0"/>
+              <a:t>Separate networks maintain separate registries</a:t>
             </a:r>
           </a:p>
           <a:p>
             <a:pPr lvl="1"/>
             <a:r>
               <a:rPr lang="en-US" dirty="0"/>
-              <a:t>Users just import a container and run on target platform</a:t>
-            </a:r>
-          </a:p>
-          <a:p>
-            <a:pPr lvl="1"/>
+              <a:t>Import to target deployment</a:t>
+            </a:r>
+          </a:p>
+          <a:p>
+            <a:pPr lvl="2"/>
             <a:r>
               <a:rPr lang="en-US" dirty="0"/>
-              <a:t>Many containers, but can have different code “branches” for arch, compilers, etc.</a:t>
-            </a:r>
-          </a:p>
-          <a:p>
-            <a:pPr lvl="1"/>
-            <a:r>
-              <a:rPr lang="en-US" dirty="0"/>
-              <a:t>Not bound to vendor and sysadmin software release cycles</a:t>
-            </a:r>
-          </a:p>
-          <a:p>
-            <a:r>
-              <a:rPr lang="en-US" dirty="0"/>
-              <a:t>Performance matters!</a:t>
-            </a:r>
-          </a:p>
-          <a:p>
-            <a:r>
-              <a:rPr lang="en-US" dirty="0"/>
-              <a:t>Want to manage permutations of architectures and compilers</a:t>
-            </a:r>
-          </a:p>
-          <a:p>
-            <a:pPr lvl="1"/>
-            <a:r>
-              <a:rPr lang="en-US" dirty="0"/>
-              <a:t>x86 &amp; KNL, ARMv8, POWER9, </a:t>
-            </a:r>
-            <a:r>
-              <a:rPr lang="en-US" dirty="0" err="1"/>
-              <a:t>etc</a:t>
-            </a:r>
-            <a:endParaRPr lang="en-US" dirty="0"/>
-          </a:p>
-          <a:p>
-            <a:pPr lvl="1"/>
-            <a:r>
-              <a:rPr lang="en-US" dirty="0"/>
-              <a:t>Intel, GCC, LLVM</a:t>
-            </a:r>
-          </a:p>
-          <a:p>
-            <a:endParaRPr lang="en-US" dirty="0"/>
-          </a:p>
-          <a:p>
-            <a:endParaRPr lang="en-US" dirty="0"/>
+              <a:t>Leverage local resource manager </a:t>
+            </a:r>
+          </a:p>
+          <a:p>
+            <a:endParaRPr lang="en-US" sz="2400" dirty="0"/>
+          </a:p>
+          <a:p>
+            <a:endParaRPr lang="en-US" sz="2400" dirty="0"/>
           </a:p>
         </p:txBody>
       </p:sp>
     </p:spTree>
     <p:extLst>
       <p:ext uri="{BB962C8B-B14F-4D97-AF65-F5344CB8AC3E}">
-        <p14:creationId xmlns:p14="http://schemas.microsoft.com/office/powerpoint/2010/main" val="3518896908"/>
+        <p14:creationId xmlns:p14="http://schemas.microsoft.com/office/powerpoint/2010/main" val="427290961"/>
       </p:ext>
     </p:extLst>
   </p:cSld>
@@ -23658,7 +23317,13 @@
       </p:grpSpPr>
       <p:sp>
         <p:nvSpPr>
-          <p:cNvPr id="2" name="Title 1"/>
+          <p:cNvPr id="2" name="Title 1">
+            <a:extLst>
+              <a:ext uri="{FF2B5EF4-FFF2-40B4-BE49-F238E27FC236}">
+                <a16:creationId xmlns:a16="http://schemas.microsoft.com/office/drawing/2014/main" id="{97C20AE6-CC5E-3E49-9D40-3DAF67C64B4A}"/>
+              </a:ext>
+            </a:extLst>
+          </p:cNvPr>
           <p:cNvSpPr>
             <a:spLocks noGrp="1"/>
           </p:cNvSpPr>
@@ -23673,19 +23338,20 @@
           <a:p>
             <a:r>
               <a:rPr lang="en-US" dirty="0"/>
-              <a:t>Container </a:t>
-            </a:r>
-            <a:r>
-              <a:rPr lang="en-US" dirty="0" smtClean="0"/>
-              <a:t>DevOps</a:t>
-            </a:r>
-            <a:endParaRPr lang="en-US" dirty="0"/>
+              <a:t>This tutorial will show you:</a:t>
+            </a:r>
           </a:p>
         </p:txBody>
       </p:sp>
       <p:sp>
         <p:nvSpPr>
-          <p:cNvPr id="3" name="Content Placeholder 2"/>
+          <p:cNvPr id="3" name="Content Placeholder 2">
+            <a:extLst>
+              <a:ext uri="{FF2B5EF4-FFF2-40B4-BE49-F238E27FC236}">
+                <a16:creationId xmlns:a16="http://schemas.microsoft.com/office/drawing/2014/main" id="{3823BA03-4C3E-FA48-B96E-2EEBA39BC2CF}"/>
+              </a:ext>
+            </a:extLst>
+          </p:cNvPr>
           <p:cNvSpPr>
             <a:spLocks noGrp="1"/>
           </p:cNvSpPr>
@@ -23699,135 +23365,103 @@
           <a:lstStyle/>
           <a:p>
             <a:r>
-              <a:rPr lang="en-US" sz="2400" dirty="0"/>
-              <a:t>Impractical for apps to use large-scale supercomputers for DevOps and/or testing </a:t>
+              <a:rPr lang="en-US" dirty="0"/>
+              <a:t>How to build your first Docker container.</a:t>
+            </a:r>
+          </a:p>
+          <a:p>
+            <a:r>
+              <a:rPr lang="en-US" dirty="0"/>
+              <a:t>How to run a Docker container on a supercomputer with Shifter.</a:t>
+            </a:r>
+          </a:p>
+          <a:p>
+            <a:r>
+              <a:rPr lang="en-US" dirty="0"/>
+              <a:t>How to build your first Singularity container.</a:t>
+            </a:r>
+          </a:p>
+          <a:p>
+            <a:r>
+              <a:rPr lang="en-US" dirty="0"/>
+              <a:t>How to run a container on a supercomputer with Singularity.</a:t>
             </a:r>
           </a:p>
           <a:p>
             <a:pPr lvl="1"/>
             <a:r>
-              <a:rPr lang="en-US" sz="2000" dirty="0"/>
-              <a:t>HPC resources have long batch queues</a:t>
+              <a:rPr lang="en-US" dirty="0"/>
+              <a:t>And work with some </a:t>
+            </a:r>
+            <a:r>
+              <a:rPr lang="en-US" dirty="0" err="1"/>
+              <a:t>Sylabs</a:t>
+            </a:r>
+            <a:r>
+              <a:rPr lang="en-US" dirty="0"/>
+              <a:t> cloud features</a:t>
+            </a:r>
+          </a:p>
+          <a:p>
+            <a:r>
+              <a:rPr lang="en-US" dirty="0"/>
+              <a:t>How to use the </a:t>
+            </a:r>
+            <a:r>
+              <a:rPr lang="en-GB" altLang="en-US" dirty="0"/>
+              <a:t>Extreme-scale Scientific Software Stack (E4S) </a:t>
+            </a:r>
+            <a:r>
+              <a:rPr lang="en-US" dirty="0"/>
+              <a:t>container image.</a:t>
             </a:r>
           </a:p>
           <a:p>
             <a:pPr lvl="1"/>
             <a:r>
-              <a:rPr lang="en-US" sz="2000" dirty="0"/>
-              <a:t>Dev time commonly delayed as a result</a:t>
-            </a:r>
-          </a:p>
-          <a:p>
-            <a:r>
               <a:rPr lang="en-US" dirty="0"/>
-              <a:t>Create deployment portability with containers</a:t>
+              <a:t>And a bit about </a:t>
+            </a:r>
+            <a:r>
+              <a:rPr lang="en-US" dirty="0" err="1"/>
+              <a:t>Spack</a:t>
+            </a:r>
+            <a:endParaRPr lang="en-US" dirty="0"/>
+          </a:p>
+          <a:p>
+            <a:r>
+              <a:rPr lang="en-US" dirty="0"/>
+              <a:t>And maybe some best practices and lessons learned.</a:t>
             </a:r>
           </a:p>
           <a:p>
             <a:pPr lvl="1"/>
-            <a:r>
-              <a:rPr lang="en-US" dirty="0"/>
-              <a:t>Develop Docker containers on your laptop or workstation</a:t>
-            </a:r>
-          </a:p>
-          <a:p>
-            <a:pPr lvl="1"/>
-            <a:r>
-              <a:rPr lang="en-US" dirty="0"/>
-              <a:t>Leverage </a:t>
-            </a:r>
-            <a:r>
-              <a:rPr lang="en-US" dirty="0" err="1"/>
-              <a:t>Gitlab</a:t>
-            </a:r>
-            <a:r>
-              <a:rPr lang="en-US" dirty="0"/>
-              <a:t> registry services</a:t>
-            </a:r>
-          </a:p>
-          <a:p>
-            <a:pPr lvl="2"/>
-            <a:r>
-              <a:rPr lang="en-US" dirty="0"/>
-              <a:t>Separate networks maintain separate registries</a:t>
-            </a:r>
-          </a:p>
-          <a:p>
-            <a:pPr lvl="1"/>
-            <a:r>
-              <a:rPr lang="en-US" dirty="0"/>
-              <a:t>Import to target deployment</a:t>
-            </a:r>
-          </a:p>
-          <a:p>
-            <a:pPr lvl="2"/>
-            <a:r>
-              <a:rPr lang="en-US" dirty="0"/>
-              <a:t>Leverage local resource manager </a:t>
-            </a:r>
-          </a:p>
-          <a:p>
-            <a:endParaRPr lang="en-US" sz="2400" dirty="0"/>
-          </a:p>
-          <a:p>
-            <a:endParaRPr lang="en-US" sz="2400" dirty="0"/>
-          </a:p>
-        </p:txBody>
-      </p:sp>
-      <p:sp>
-        <p:nvSpPr>
-          <p:cNvPr id="4" name="Slide Number Placeholder 3"/>
-          <p:cNvSpPr>
-            <a:spLocks noGrp="1"/>
-          </p:cNvSpPr>
-          <p:nvPr>
-            <p:ph type="sldNum" sz="quarter" idx="4294967295"/>
-          </p:nvPr>
-        </p:nvSpPr>
-        <p:spPr>
-          <a:xfrm>
-            <a:off x="0" y="446088"/>
-            <a:ext cx="419100" cy="365125"/>
-          </a:xfrm>
-          <a:prstGeom prst="rect">
-            <a:avLst/>
-          </a:prstGeom>
-        </p:spPr>
-        <p:txBody>
-          <a:bodyPr/>
-          <a:lstStyle/>
-          <a:p>
-            <a:fld id="{A5E55A7B-7854-E145-92D9-B491DF4BAE2D}" type="slidenum">
-              <a:rPr lang="en-US" smtClean="0"/>
-              <a:pPr/>
-              <a:t>14</a:t>
-            </a:fld>
-            <a:endParaRPr lang="en-US"/>
+            <a:endParaRPr lang="en-US" dirty="0"/>
+          </a:p>
+          <a:p>
+            <a:endParaRPr lang="en-US" dirty="0"/>
+          </a:p>
+          <a:p>
+            <a:endParaRPr lang="en-US" dirty="0"/>
+          </a:p>
+          <a:p>
+            <a:endParaRPr lang="en-US" dirty="0"/>
+          </a:p>
+          <a:p>
+            <a:endParaRPr lang="en-US" dirty="0"/>
           </a:p>
         </p:txBody>
       </p:sp>
     </p:spTree>
     <p:extLst>
       <p:ext uri="{BB962C8B-B14F-4D97-AF65-F5344CB8AC3E}">
-        <p14:creationId xmlns:p14="http://schemas.microsoft.com/office/powerpoint/2010/main" val="427290961"/>
+        <p14:creationId xmlns:p14="http://schemas.microsoft.com/office/powerpoint/2010/main" val="3467951920"/>
       </p:ext>
     </p:extLst>
   </p:cSld>
   <p:clrMapOvr>
     <a:masterClrMapping/>
   </p:clrMapOvr>
-  <mc:AlternateContent xmlns:mc="http://schemas.openxmlformats.org/markup-compatibility/2006" xmlns:p14="http://schemas.microsoft.com/office/powerpoint/2010/main">
-    <mc:Choice Requires="p14">
-      <p:transition spd="med" p14:dur="700">
-        <p:fade/>
-      </p:transition>
-    </mc:Choice>
-    <mc:Fallback xmlns="">
-      <p:transition spd="med">
-        <p:fade/>
-      </p:transition>
-    </mc:Fallback>
-  </mc:AlternateContent>
 </p:sld>
 </file>
 
@@ -23853,7 +23487,99 @@
           <p:cNvPr id="2" name="Title 1">
             <a:extLst>
               <a:ext uri="{FF2B5EF4-FFF2-40B4-BE49-F238E27FC236}">
-                <a16:creationId xmlns:a16="http://schemas.microsoft.com/office/drawing/2014/main" xmlns="" id="{382F3572-2E08-2544-A50B-E14F55190FB6}"/>
+                <a16:creationId xmlns:a16="http://schemas.microsoft.com/office/drawing/2014/main" id="{29675714-5D97-E540-9D6E-0C24CB8BE9AB}"/>
+              </a:ext>
+            </a:extLst>
+          </p:cNvPr>
+          <p:cNvSpPr>
+            <a:spLocks noGrp="1"/>
+          </p:cNvSpPr>
+          <p:nvPr>
+            <p:ph type="title"/>
+          </p:nvPr>
+        </p:nvSpPr>
+        <p:spPr/>
+        <p:txBody>
+          <a:bodyPr/>
+          <a:lstStyle/>
+          <a:p>
+            <a:r>
+              <a:rPr lang="en-US" dirty="0"/>
+              <a:t>Tutorial Link</a:t>
+            </a:r>
+          </a:p>
+        </p:txBody>
+      </p:sp>
+      <p:sp>
+        <p:nvSpPr>
+          <p:cNvPr id="3" name="Content Placeholder 2">
+            <a:extLst>
+              <a:ext uri="{FF2B5EF4-FFF2-40B4-BE49-F238E27FC236}">
+                <a16:creationId xmlns:a16="http://schemas.microsoft.com/office/drawing/2014/main" id="{C2D9A635-A391-344E-B556-6339FDC1EFBE}"/>
+              </a:ext>
+            </a:extLst>
+          </p:cNvPr>
+          <p:cNvSpPr>
+            <a:spLocks noGrp="1"/>
+          </p:cNvSpPr>
+          <p:nvPr>
+            <p:ph idx="1"/>
+          </p:nvPr>
+        </p:nvSpPr>
+        <p:spPr/>
+        <p:txBody>
+          <a:bodyPr/>
+          <a:lstStyle/>
+          <a:p>
+            <a:pPr marL="0" indent="0" algn="ctr">
+              <a:buNone/>
+            </a:pPr>
+            <a:r>
+              <a:rPr lang="en-US" sz="2800" dirty="0">
+                <a:hlinkClick r:id="rId2"/>
+              </a:rPr>
+              <a:t>https://github.com/ecpcontainers/isc19-tutorial</a:t>
+            </a:r>
+            <a:endParaRPr lang="en-US" sz="2800" dirty="0"/>
+          </a:p>
+        </p:txBody>
+      </p:sp>
+    </p:spTree>
+    <p:extLst>
+      <p:ext uri="{BB962C8B-B14F-4D97-AF65-F5344CB8AC3E}">
+        <p14:creationId xmlns:p14="http://schemas.microsoft.com/office/powerpoint/2010/main" val="2902539092"/>
+      </p:ext>
+    </p:extLst>
+  </p:cSld>
+  <p:clrMapOvr>
+    <a:masterClrMapping/>
+  </p:clrMapOvr>
+</p:sld>
+</file>
+
+<file path=ppt/slides/slide16.xml><?xml version="1.0" encoding="utf-8"?>
+<p:sld xmlns:a="http://schemas.openxmlformats.org/drawingml/2006/main" xmlns:r="http://schemas.openxmlformats.org/officeDocument/2006/relationships" xmlns:p="http://schemas.openxmlformats.org/presentationml/2006/main">
+  <p:cSld>
+    <p:spTree>
+      <p:nvGrpSpPr>
+        <p:cNvPr id="1" name=""/>
+        <p:cNvGrpSpPr/>
+        <p:nvPr/>
+      </p:nvGrpSpPr>
+      <p:grpSpPr>
+        <a:xfrm>
+          <a:off x="0" y="0"/>
+          <a:ext cx="0" cy="0"/>
+          <a:chOff x="0" y="0"/>
+          <a:chExt cx="0" cy="0"/>
+        </a:xfrm>
+      </p:grpSpPr>
+      <p:sp>
+        <p:nvSpPr>
+          <p:cNvPr id="2" name="Title 1">
+            <a:extLst>
+              <a:ext uri="{FF2B5EF4-FFF2-40B4-BE49-F238E27FC236}">
+                <a16:creationId xmlns:a16="http://schemas.microsoft.com/office/drawing/2014/main" id="{382F3572-2E08-2544-A50B-E14F55190FB6}"/>
               </a:ext>
             </a:extLst>
           </p:cNvPr>
@@ -23881,7 +23607,7 @@
           <p:cNvPr id="3" name="Subtitle 2">
             <a:extLst>
               <a:ext uri="{FF2B5EF4-FFF2-40B4-BE49-F238E27FC236}">
-                <a16:creationId xmlns:a16="http://schemas.microsoft.com/office/drawing/2014/main" xmlns="" id="{7AB6FF59-C43B-0B43-8951-FBFF7AC8CB4F}"/>
+                <a16:creationId xmlns:a16="http://schemas.microsoft.com/office/drawing/2014/main" id="{7AB6FF59-C43B-0B43-8951-FBFF7AC8CB4F}"/>
               </a:ext>
             </a:extLst>
           </p:cNvPr>
@@ -23898,10 +23624,9 @@
           <a:lstStyle/>
           <a:p>
             <a:r>
-              <a:rPr lang="en-US" dirty="0" smtClean="0"/>
+              <a:rPr lang="en-US" dirty="0"/>
               <a:t>Next: learn how to work with your first container!</a:t>
             </a:r>
-            <a:endParaRPr lang="en-US" dirty="0"/>
           </a:p>
         </p:txBody>
       </p:sp>
@@ -23963,10 +23688,9 @@
           <a:lstStyle/>
           <a:p>
             <a:r>
-              <a:rPr lang="en-US" dirty="0" smtClean="0"/>
+              <a:rPr lang="en-US" dirty="0"/>
               <a:t>Outline</a:t>
             </a:r>
-            <a:endParaRPr lang="en-US" dirty="0"/>
           </a:p>
         </p:txBody>
       </p:sp>
@@ -23986,97 +23710,32 @@
           <a:lstStyle/>
           <a:p>
             <a:r>
-              <a:rPr lang="en-US" b="1" dirty="0" smtClean="0"/>
-              <a:t>14:01 </a:t>
-            </a:r>
-            <a:r>
               <a:rPr lang="en-US" b="1" dirty="0"/>
-              <a:t>- </a:t>
-            </a:r>
-            <a:r>
-              <a:rPr lang="en-US" b="1" dirty="0" smtClean="0"/>
-              <a:t>14:30 </a:t>
-            </a:r>
-            <a:r>
-              <a:rPr lang="en-US" b="1" dirty="0"/>
-              <a:t>Introduction to Containers in HPC </a:t>
-            </a:r>
-            <a:r>
-              <a:rPr lang="en-US" b="1" dirty="0" smtClean="0"/>
-              <a:t>(Younge)</a:t>
-            </a:r>
-            <a:endParaRPr lang="en-US" b="1" dirty="0"/>
-          </a:p>
-          <a:p>
-            <a:r>
-              <a:rPr lang="en-US" dirty="0" smtClean="0"/>
-              <a:t>14:31 </a:t>
-            </a:r>
+              <a:t>14:01 - 14:30 Introduction to Containers in HPC (Younge)</a:t>
+            </a:r>
+          </a:p>
+          <a:p>
             <a:r>
               <a:rPr lang="en-US" dirty="0"/>
-              <a:t>- </a:t>
-            </a:r>
-            <a:r>
-              <a:rPr lang="en-US" dirty="0" smtClean="0"/>
-              <a:t>15:00 </a:t>
-            </a:r>
+              <a:t>14:31 - 15:00 How to build your first Docker container (Canon)</a:t>
+            </a:r>
+          </a:p>
+          <a:p>
             <a:r>
               <a:rPr lang="en-US" dirty="0"/>
-              <a:t>How to build your first Docker container (Canon)</a:t>
-            </a:r>
-          </a:p>
-          <a:p>
-            <a:r>
-              <a:rPr lang="en-US" dirty="0" smtClean="0"/>
-              <a:t>15:00 </a:t>
-            </a:r>
+              <a:t>15:00 - 15:30 How to deploy a container on a supercomputer (Canon)</a:t>
+            </a:r>
+          </a:p>
+          <a:p>
             <a:r>
               <a:rPr lang="en-US" dirty="0"/>
-              <a:t>- </a:t>
-            </a:r>
-            <a:r>
-              <a:rPr lang="en-US" dirty="0" smtClean="0"/>
-              <a:t>15:30 </a:t>
-            </a:r>
+              <a:t>15:30 - 16:00              -- Break --</a:t>
+            </a:r>
+          </a:p>
+          <a:p>
             <a:r>
               <a:rPr lang="en-US" dirty="0"/>
-              <a:t>How to deploy a container on a supercomputer (Canon)</a:t>
-            </a:r>
-          </a:p>
-          <a:p>
-            <a:r>
-              <a:rPr lang="en-US" dirty="0" smtClean="0"/>
-              <a:t>15:30 </a:t>
-            </a:r>
-            <a:r>
-              <a:rPr lang="en-US" dirty="0"/>
-              <a:t>- </a:t>
-            </a:r>
-            <a:r>
-              <a:rPr lang="en-US" dirty="0" smtClean="0"/>
-              <a:t>16:00              -- </a:t>
-            </a:r>
-            <a:r>
-              <a:rPr lang="en-US" dirty="0"/>
-              <a:t>Break --</a:t>
-            </a:r>
-          </a:p>
-          <a:p>
-            <a:r>
-              <a:rPr lang="en-US" dirty="0" smtClean="0"/>
-              <a:t>16:00 </a:t>
-            </a:r>
-            <a:r>
-              <a:rPr lang="en-US" dirty="0"/>
-              <a:t>- </a:t>
-            </a:r>
-            <a:r>
-              <a:rPr lang="en-US" dirty="0" smtClean="0"/>
-              <a:t>16:30 </a:t>
-            </a:r>
-            <a:r>
-              <a:rPr lang="en-US" dirty="0"/>
-              <a:t>How to build a Singularity container image (</a:t>
+              <a:t>16:00 - 16:30 How to build a Singularity container image (</a:t>
             </a:r>
             <a:r>
               <a:rPr lang="en-US" dirty="0" err="1"/>
@@ -24089,20 +23748,8 @@
           </a:p>
           <a:p>
             <a:r>
-              <a:rPr lang="en-US" dirty="0" smtClean="0"/>
-              <a:t>16:30 </a:t>
-            </a:r>
-            <a:r>
               <a:rPr lang="en-US" dirty="0"/>
-              <a:t>- </a:t>
-            </a:r>
-            <a:r>
-              <a:rPr lang="en-US" dirty="0" smtClean="0"/>
-              <a:t>17:00 </a:t>
-            </a:r>
-            <a:r>
-              <a:rPr lang="en-US" dirty="0"/>
-              <a:t>Running Singularity on a supercomputer &amp; </a:t>
+              <a:t>16:30 - 17:00 Running Singularity on a supercomputer &amp; </a:t>
             </a:r>
             <a:r>
               <a:rPr lang="en-US" dirty="0" err="1"/>
@@ -24123,42 +23770,48 @@
           </a:p>
           <a:p>
             <a:r>
-              <a:rPr lang="en-US" dirty="0" smtClean="0"/>
-              <a:t>17:00 </a:t>
-            </a:r>
-            <a:r>
               <a:rPr lang="en-US" dirty="0"/>
-              <a:t>-</a:t>
-            </a:r>
-            <a:r>
-              <a:rPr lang="en-US" dirty="0" smtClean="0"/>
-              <a:t> 17:30 Running </a:t>
-            </a:r>
-            <a:r>
-              <a:rPr lang="en-US" dirty="0"/>
-              <a:t>an HPC app on the E4S container (</a:t>
+              <a:t>17:00 - 17:30 Running an HPC app on the E4S container (</a:t>
             </a:r>
             <a:r>
               <a:rPr lang="en-US" dirty="0" err="1"/>
               <a:t>Shende</a:t>
             </a:r>
             <a:r>
-              <a:rPr lang="en-US" dirty="0" smtClean="0"/>
+              <a:rPr lang="en-US" dirty="0"/>
               <a:t>)</a:t>
             </a:r>
           </a:p>
           <a:p>
             <a:r>
-              <a:rPr lang="en-US" dirty="0" smtClean="0"/>
+              <a:rPr lang="en-US" dirty="0"/>
               <a:t>17:30</a:t>
             </a:r>
             <a:r>
-              <a:rPr lang="mr-IN" dirty="0" smtClean="0"/>
+              <a:rPr lang="mr-IN" dirty="0"/>
               <a:t>–</a:t>
             </a:r>
             <a:r>
-              <a:rPr lang="en-US" dirty="0" smtClean="0"/>
+              <a:rPr lang="en-US" dirty="0"/>
               <a:t> 18:00 Success Stories and Summary (Canon)</a:t>
+            </a:r>
+          </a:p>
+          <a:p>
+            <a:endParaRPr lang="en-US" dirty="0"/>
+          </a:p>
+          <a:p>
+            <a:pPr marL="0" indent="0">
+              <a:buNone/>
+            </a:pPr>
+            <a:r>
+              <a:rPr lang="en-US" dirty="0"/>
+              <a:t>Link: </a:t>
+            </a:r>
+            <a:r>
+              <a:rPr lang="en-US" dirty="0">
+                <a:hlinkClick r:id="rId2"/>
+              </a:rPr>
+              <a:t>https://github.com/ecpcontainers/isc19-tutorial</a:t>
             </a:r>
             <a:endParaRPr lang="en-US" dirty="0"/>
           </a:p>
@@ -24225,10 +23878,9 @@
           <a:lstStyle/>
           <a:p>
             <a:r>
-              <a:rPr lang="en-US" dirty="0" smtClean="0"/>
+              <a:rPr lang="en-US" dirty="0"/>
               <a:t>Introduction to Containers in HPC</a:t>
             </a:r>
-            <a:endParaRPr lang="en-US" dirty="0"/>
           </a:p>
         </p:txBody>
       </p:sp>
@@ -24247,6 +23899,14 @@
           <a:bodyPr/>
           <a:lstStyle/>
           <a:p>
+            <a:r>
+              <a:rPr lang="en-US" dirty="0"/>
+              <a:t>Andrew </a:t>
+            </a:r>
+            <a:r>
+              <a:rPr lang="en-US" dirty="0" err="1"/>
+              <a:t>Younge</a:t>
+            </a:r>
             <a:endParaRPr lang="en-US" dirty="0"/>
           </a:p>
         </p:txBody>
@@ -24273,13 +23933,6 @@
       </p:transition>
     </mc:Fallback>
   </mc:AlternateContent>
-  <p:timing>
-    <p:tnLst>
-      <p:par>
-        <p:cTn id="1" dur="indefinite" restart="never" nodeType="tmRoot"/>
-      </p:par>
-    </p:tnLst>
-  </p:timing>
 </p:sld>
 </file>
 
@@ -24316,10 +23969,9 @@
           <a:lstStyle/>
           <a:p>
             <a:r>
-              <a:rPr lang="en-US" dirty="0" smtClean="0"/>
+              <a:rPr lang="en-US" dirty="0"/>
               <a:t>What are containers</a:t>
             </a:r>
-            <a:endParaRPr lang="en-US" dirty="0"/>
           </a:p>
         </p:txBody>
       </p:sp>
@@ -24339,59 +23991,43 @@
           <a:lstStyle/>
           <a:p>
             <a:r>
-              <a:rPr lang="en-US" dirty="0" smtClean="0"/>
+              <a:rPr lang="en-US" dirty="0"/>
               <a:t>A lightweight collection of executable software that encapsulates everything needed to run a single specific task</a:t>
             </a:r>
           </a:p>
           <a:p>
             <a:pPr lvl="1"/>
             <a:r>
-              <a:rPr lang="en-US" dirty="0" smtClean="0"/>
-              <a:t>Minus the </a:t>
-            </a:r>
-            <a:r>
               <a:rPr lang="en-US" dirty="0"/>
-              <a:t>OS </a:t>
-            </a:r>
-            <a:r>
-              <a:rPr lang="en-US" dirty="0" smtClean="0"/>
-              <a:t>kernel</a:t>
+              <a:t>Minus the OS kernel</a:t>
             </a:r>
           </a:p>
           <a:p>
             <a:pPr lvl="1"/>
             <a:r>
-              <a:rPr lang="en-US" dirty="0" smtClean="0"/>
+              <a:rPr lang="en-US" dirty="0"/>
               <a:t>Based on Linux only</a:t>
             </a:r>
           </a:p>
           <a:p>
             <a:r>
-              <a:rPr lang="en-US" dirty="0" smtClean="0"/>
+              <a:rPr lang="en-US" dirty="0"/>
               <a:t>Processes and all user-level software is isolated</a:t>
             </a:r>
           </a:p>
           <a:p>
             <a:r>
-              <a:rPr lang="en-US" dirty="0" smtClean="0"/>
-              <a:t>Creates a portable</a:t>
-            </a:r>
-            <a:r>
               <a:rPr lang="en-US" dirty="0"/>
-              <a:t>*</a:t>
-            </a:r>
-            <a:r>
-              <a:rPr lang="en-US" dirty="0" smtClean="0"/>
-              <a:t> software ecosystem</a:t>
-            </a:r>
-          </a:p>
-          <a:p>
-            <a:r>
-              <a:rPr lang="en-US" dirty="0" smtClean="0"/>
+              <a:t>Creates a portable* software ecosystem</a:t>
+            </a:r>
+          </a:p>
+          <a:p>
+            <a:r>
+              <a:rPr lang="en-US" dirty="0"/>
               <a:t>Think </a:t>
             </a:r>
             <a:r>
-              <a:rPr lang="en-US" dirty="0" err="1" smtClean="0">
+              <a:rPr lang="en-US" dirty="0" err="1">
                 <a:latin typeface="Courier New" charset="0"/>
                 <a:ea typeface="Courier New" charset="0"/>
                 <a:cs typeface="Courier New" charset="0"/>
@@ -24399,48 +24035,48 @@
               <a:t>chroot</a:t>
             </a:r>
             <a:r>
-              <a:rPr lang="en-US" dirty="0" smtClean="0"/>
+              <a:rPr lang="en-US" dirty="0"/>
               <a:t> on steroids</a:t>
             </a:r>
           </a:p>
           <a:p>
             <a:r>
-              <a:rPr lang="en-US" dirty="0" smtClean="0"/>
+              <a:rPr lang="en-US" dirty="0"/>
               <a:t>Docker most common tool today</a:t>
             </a:r>
           </a:p>
           <a:p>
             <a:pPr lvl="1"/>
             <a:r>
-              <a:rPr lang="en-US" dirty="0" smtClean="0"/>
+              <a:rPr lang="en-US" dirty="0"/>
               <a:t>Available on all major platforms</a:t>
             </a:r>
           </a:p>
           <a:p>
             <a:pPr lvl="1"/>
             <a:r>
-              <a:rPr lang="en-US" dirty="0" smtClean="0"/>
+              <a:rPr lang="en-US" dirty="0"/>
               <a:t>Widely used in industry</a:t>
             </a:r>
           </a:p>
           <a:p>
             <a:pPr lvl="1"/>
             <a:r>
-              <a:rPr lang="en-US" dirty="0" smtClean="0"/>
+              <a:rPr lang="en-US" dirty="0"/>
               <a:t>Integrated container registry via </a:t>
             </a:r>
             <a:r>
-              <a:rPr lang="en-US" dirty="0" err="1" smtClean="0"/>
+              <a:rPr lang="en-US" dirty="0" err="1"/>
               <a:t>Dockerhub</a:t>
             </a:r>
-            <a:endParaRPr lang="en-US" dirty="0" smtClean="0"/>
+            <a:endParaRPr lang="en-US" dirty="0"/>
           </a:p>
           <a:p>
             <a:pPr lvl="1"/>
-            <a:endParaRPr lang="en-US" dirty="0" smtClean="0"/>
-          </a:p>
-          <a:p>
-            <a:endParaRPr lang="en-US" dirty="0" smtClean="0"/>
+            <a:endParaRPr lang="en-US" dirty="0"/>
+          </a:p>
+          <a:p>
+            <a:endParaRPr lang="en-US" dirty="0"/>
           </a:p>
           <a:p>
             <a:endParaRPr lang="en-US" dirty="0"/>
@@ -24538,10 +24174,9 @@
           <a:lstStyle/>
           <a:p>
             <a:r>
-              <a:rPr lang="en-US" dirty="0" smtClean="0"/>
+              <a:rPr lang="en-US" dirty="0"/>
               <a:t>Hypervisors and Containers</a:t>
             </a:r>
-            <a:endParaRPr lang="en-US" dirty="0"/>
           </a:p>
         </p:txBody>
       </p:sp>
@@ -24566,39 +24201,39 @@
           <a:lstStyle/>
           <a:p>
             <a:r>
-              <a:rPr lang="en-US" dirty="0" smtClean="0"/>
+              <a:rPr lang="en-US" dirty="0"/>
               <a:t>Type 1 hypervisors insert layer below host OS</a:t>
             </a:r>
           </a:p>
           <a:p>
             <a:r>
-              <a:rPr lang="en-US" dirty="0" smtClean="0"/>
+              <a:rPr lang="en-US" dirty="0"/>
               <a:t>Type 2 hypervisors work as or within the host OS</a:t>
             </a:r>
           </a:p>
           <a:p>
             <a:r>
-              <a:rPr lang="en-US" dirty="0" smtClean="0"/>
+              <a:rPr lang="en-US" dirty="0"/>
               <a:t>Containers do not abstract hardware, instead provide “enhanced </a:t>
             </a:r>
             <a:r>
-              <a:rPr lang="en-US" dirty="0" err="1" smtClean="0"/>
+              <a:rPr lang="en-US" dirty="0" err="1"/>
               <a:t>chroot</a:t>
             </a:r>
             <a:r>
-              <a:rPr lang="en-US" dirty="0" smtClean="0"/>
+              <a:rPr lang="en-US" dirty="0"/>
               <a:t>” to create isolated environment</a:t>
             </a:r>
           </a:p>
           <a:p>
             <a:r>
-              <a:rPr lang="en-US" dirty="0" smtClean="0"/>
+              <a:rPr lang="en-US" dirty="0"/>
               <a:t>Location of abstraction can have impact on performance</a:t>
             </a:r>
           </a:p>
           <a:p>
             <a:r>
-              <a:rPr lang="en-US" dirty="0" smtClean="0"/>
+              <a:rPr lang="en-US" dirty="0"/>
               <a:t>All enable custom software stacks on existing hardware</a:t>
             </a:r>
           </a:p>
@@ -24688,13 +24323,6 @@
       </p:transition>
     </mc:Fallback>
   </mc:AlternateContent>
-  <p:timing>
-    <p:tnLst>
-      <p:par>
-        <p:cTn id="1" dur="indefinite" restart="never" nodeType="tmRoot"/>
-      </p:par>
-    </p:tnLst>
-  </p:timing>
 </p:sld>
 </file>
 
@@ -25135,10 +24763,9 @@
           <a:lstStyle/>
           <a:p>
             <a:r>
-              <a:rPr lang="en-US" dirty="0" smtClean="0"/>
+              <a:rPr lang="en-US" dirty="0"/>
               <a:t>Containers</a:t>
             </a:r>
-            <a:endParaRPr lang="en-US" dirty="0"/>
           </a:p>
         </p:txBody>
       </p:sp>
@@ -25219,46 +24846,6 @@
               <a:rPr lang="en-US" dirty="0"/>
               <a:t>Performance is paramount</a:t>
             </a:r>
-          </a:p>
-        </p:txBody>
-      </p:sp>
-      <p:sp>
-        <p:nvSpPr>
-          <p:cNvPr id="4" name="Slide Number Placeholder 3"/>
-          <p:cNvSpPr>
-            <a:spLocks noGrp="1"/>
-          </p:cNvSpPr>
-          <p:nvPr>
-            <p:ph type="sldNum" sz="quarter" idx="4294967295"/>
-          </p:nvPr>
-        </p:nvSpPr>
-        <p:spPr>
-          <a:xfrm>
-            <a:off x="0" y="446088"/>
-            <a:ext cx="419100" cy="365125"/>
-          </a:xfrm>
-          <a:prstGeom prst="rect">
-            <a:avLst/>
-          </a:prstGeom>
-        </p:spPr>
-        <p:txBody>
-          <a:bodyPr/>
-          <a:lstStyle/>
-          <a:p>
-            <a:fld id="{A5E55A7B-7854-E145-92D9-B491DF4BAE2D}" type="slidenum">
-              <a:rPr lang="en-US" smtClean="0">
-                <a:solidFill>
-                  <a:prstClr val="black"/>
-                </a:solidFill>
-              </a:rPr>
-              <a:pPr/>
-              <a:t>8</a:t>
-            </a:fld>
-            <a:endParaRPr lang="en-US">
-              <a:solidFill>
-                <a:prstClr val="black"/>
-              </a:solidFill>
-            </a:endParaRPr>
           </a:p>
         </p:txBody>
       </p:sp>
@@ -25315,6 +24902,10 @@
           </p:nvPr>
         </p:nvSpPr>
         <p:spPr>
+          <a:xfrm>
+            <a:off x="365856" y="0"/>
+            <a:ext cx="11375435" cy="914400"/>
+          </a:xfrm>
           <a:prstGeom prst="rect">
             <a:avLst/>
           </a:prstGeom>
@@ -25339,15 +24930,15 @@
               <a:buNone/>
             </a:pPr>
             <a:r>
-              <a:rPr lang="en-US" sz="3200" b="0" i="0" u="none" strike="noStrike" cap="none" dirty="0" smtClean="0">
+              <a:rPr lang="en-US" i="0" u="none" strike="noStrike" cap="none" dirty="0">
                 <a:solidFill>
                   <a:schemeClr val="tx1"/>
                 </a:solidFill>
                 <a:sym typeface="Calibri"/>
               </a:rPr>
-              <a:t>Containers in HPC</a:t>
-            </a:r>
-            <a:endParaRPr sz="3200" b="0" i="0" u="none" strike="noStrike" cap="none" dirty="0">
+              <a:t>Container features in HPC</a:t>
+            </a:r>
+            <a:endParaRPr i="0" u="none" strike="noStrike" cap="none" dirty="0">
               <a:solidFill>
                 <a:schemeClr val="tx1"/>
               </a:solidFill>
@@ -25396,7 +24987,7 @@
               <a:buChar char="▪"/>
             </a:pPr>
             <a:r>
-              <a:rPr lang="en-US" sz="2400" b="1" i="0" u="none" strike="noStrike" cap="none" dirty="0" smtClean="0">
+              <a:rPr lang="en-US" sz="2400" b="1" i="0" u="none" strike="noStrike" cap="none" dirty="0">
                 <a:solidFill>
                   <a:schemeClr val="dk1"/>
                 </a:solidFill>
@@ -25405,7 +24996,7 @@
               <a:t>BYOE</a:t>
             </a:r>
             <a:r>
-              <a:rPr lang="en-US" sz="2400" b="0" i="0" u="none" strike="noStrike" cap="none" dirty="0" smtClean="0">
+              <a:rPr lang="en-US" sz="2400" b="0" i="0" u="none" strike="noStrike" cap="none" dirty="0">
                 <a:solidFill>
                   <a:schemeClr val="dk1"/>
                 </a:solidFill>
@@ -25413,7 +25004,7 @@
               </a:rPr>
               <a:t> - Bring-Your-Own-Environment</a:t>
             </a:r>
-            <a:endParaRPr sz="2400" b="0" i="0" u="none" strike="noStrike" cap="none" dirty="0" smtClean="0">
+            <a:endParaRPr sz="2400" b="0" i="0" u="none" strike="noStrike" cap="none" dirty="0">
               <a:solidFill>
                 <a:schemeClr val="dk1"/>
               </a:solidFill>
@@ -25436,7 +25027,7 @@
               <a:buChar char="▪"/>
             </a:pPr>
             <a:r>
-              <a:rPr lang="en-US" sz="1800" b="0" i="0" u="none" strike="noStrike" cap="none" dirty="0" smtClean="0">
+              <a:rPr lang="en-US" sz="1800" b="0" i="0" u="none" strike="noStrike" cap="none" dirty="0">
                 <a:solidFill>
                   <a:schemeClr val="dk1"/>
                 </a:solidFill>
@@ -25444,7 +25035,7 @@
               </a:rPr>
               <a:t>Developers define the operating environment and system libraries in which their application runs. </a:t>
             </a:r>
-            <a:endParaRPr dirty="0" smtClean="0"/>
+            <a:endParaRPr dirty="0"/>
           </a:p>
           <a:p>
             <a:pPr marL="342462" marR="0" lvl="0" indent="-342462" algn="l" rtl="0">
@@ -25462,7 +25053,7 @@
               <a:buChar char="▪"/>
             </a:pPr>
             <a:r>
-              <a:rPr lang="en-US" sz="2400" b="1" i="0" u="none" strike="noStrike" cap="none" dirty="0" smtClean="0">
+              <a:rPr lang="en-US" sz="2400" b="1" i="0" u="none" strike="noStrike" cap="none" dirty="0">
                 <a:solidFill>
                   <a:schemeClr val="dk1"/>
                 </a:solidFill>
@@ -25471,7 +25062,7 @@
               <a:t>Composability</a:t>
             </a:r>
             <a:r>
-              <a:rPr lang="en-US" sz="2400" b="0" i="0" u="none" strike="noStrike" cap="none" dirty="0" smtClean="0">
+              <a:rPr lang="en-US" sz="2400" b="0" i="0" u="none" strike="noStrike" cap="none" dirty="0">
                 <a:solidFill>
                   <a:schemeClr val="dk1"/>
                 </a:solidFill>
@@ -25479,7 +25070,7 @@
               </a:rPr>
               <a:t> </a:t>
             </a:r>
-            <a:endParaRPr dirty="0" smtClean="0"/>
+            <a:endParaRPr dirty="0"/>
           </a:p>
           <a:p>
             <a:pPr marL="741396" marR="0" lvl="1" indent="-284172" algn="l" rtl="0">
@@ -25497,7 +25088,7 @@
               <a:buChar char="▪"/>
             </a:pPr>
             <a:r>
-              <a:rPr lang="en-US" sz="1800" b="0" i="0" u="none" strike="noStrike" cap="none" dirty="0" smtClean="0">
+              <a:rPr lang="en-US" sz="1800" b="0" i="0" u="none" strike="noStrike" cap="none" dirty="0">
                 <a:solidFill>
                   <a:schemeClr val="dk1"/>
                 </a:solidFill>
@@ -25505,7 +25096,7 @@
               </a:rPr>
               <a:t>Developers explicitly define how their software environment is composed of modular components as container images,</a:t>
             </a:r>
-            <a:endParaRPr dirty="0" smtClean="0"/>
+            <a:endParaRPr dirty="0"/>
           </a:p>
           <a:p>
             <a:pPr marL="741396" marR="0" lvl="1" indent="-284172" algn="l" rtl="0">
@@ -25523,7 +25114,7 @@
               <a:buChar char="▪"/>
             </a:pPr>
             <a:r>
-              <a:rPr lang="en-US" sz="1800" b="0" i="0" u="none" strike="noStrike" cap="none" dirty="0" smtClean="0">
+              <a:rPr lang="en-US" sz="1800" b="0" i="0" u="none" strike="noStrike" cap="none" dirty="0">
                 <a:solidFill>
                   <a:schemeClr val="dk1"/>
                 </a:solidFill>
@@ -25531,7 +25122,7 @@
               </a:rPr>
               <a:t>Enable reproducible environments that can potentially span different architectures. </a:t>
             </a:r>
-            <a:endParaRPr sz="1800" b="0" i="0" u="none" strike="noStrike" cap="none" dirty="0" smtClean="0">
+            <a:endParaRPr sz="1800" b="0" i="0" u="none" strike="noStrike" cap="none" dirty="0">
               <a:solidFill>
                 <a:schemeClr val="dk1"/>
               </a:solidFill>
@@ -25554,7 +25145,7 @@
               <a:buChar char="▪"/>
             </a:pPr>
             <a:r>
-              <a:rPr lang="en-US" sz="2400" b="1" i="0" u="none" strike="noStrike" cap="none" dirty="0" smtClean="0">
+              <a:rPr lang="en-US" sz="2400" b="1" i="0" u="none" strike="noStrike" cap="none" dirty="0">
                 <a:solidFill>
                   <a:schemeClr val="dk1"/>
                 </a:solidFill>
@@ -25562,7 +25153,7 @@
               </a:rPr>
               <a:t>Portability</a:t>
             </a:r>
-            <a:endParaRPr sz="2400" b="0" i="0" u="none" strike="noStrike" cap="none" dirty="0" smtClean="0">
+            <a:endParaRPr sz="2400" b="0" i="0" u="none" strike="noStrike" cap="none" dirty="0">
               <a:solidFill>
                 <a:schemeClr val="dk1"/>
               </a:solidFill>
@@ -25585,7 +25176,7 @@
               <a:buChar char="▪"/>
             </a:pPr>
             <a:r>
-              <a:rPr lang="en-US" sz="1800" b="0" i="0" u="none" strike="noStrike" cap="none" dirty="0" smtClean="0">
+              <a:rPr lang="en-US" sz="1800" b="0" i="0" u="none" strike="noStrike" cap="none" dirty="0">
                 <a:solidFill>
                   <a:schemeClr val="dk1"/>
                 </a:solidFill>
@@ -25593,7 +25184,7 @@
               </a:rPr>
               <a:t>Containers can be rebuilt, layered, or shared across multiple different computing systems</a:t>
             </a:r>
-            <a:endParaRPr dirty="0" smtClean="0"/>
+            <a:endParaRPr dirty="0"/>
           </a:p>
           <a:p>
             <a:pPr marL="741396" marR="0" lvl="1" indent="-284172" algn="l" rtl="0">
@@ -25611,7 +25202,7 @@
               <a:buChar char="▪"/>
             </a:pPr>
             <a:r>
-              <a:rPr lang="en-US" sz="1800" b="0" i="0" u="none" strike="noStrike" cap="none" dirty="0" smtClean="0">
+              <a:rPr lang="en-US" sz="1800" b="0" i="0" u="none" strike="noStrike" cap="none" dirty="0">
                 <a:solidFill>
                   <a:schemeClr val="dk1"/>
                 </a:solidFill>
@@ -25619,7 +25210,7 @@
               </a:rPr>
               <a:t>Potentially from laptops to clouds to advanced supercomputing resources. </a:t>
             </a:r>
-            <a:endParaRPr dirty="0" smtClean="0"/>
+            <a:endParaRPr dirty="0"/>
           </a:p>
           <a:p>
             <a:pPr marL="342462" marR="0" lvl="0" indent="-342462" algn="l" rtl="0">
@@ -25637,7 +25228,7 @@
               <a:buChar char="▪"/>
             </a:pPr>
             <a:r>
-              <a:rPr lang="en-US" sz="2400" b="1" i="0" u="none" strike="noStrike" cap="none" dirty="0" smtClean="0">
+              <a:rPr lang="en-US" sz="2400" b="1" i="0" u="none" strike="noStrike" cap="none" dirty="0">
                 <a:solidFill>
                   <a:schemeClr val="dk1"/>
                 </a:solidFill>
@@ -25645,7 +25236,7 @@
               </a:rPr>
               <a:t>Version Control Integration </a:t>
             </a:r>
-            <a:endParaRPr sz="2400" b="0" i="0" u="none" strike="noStrike" cap="none" dirty="0" smtClean="0">
+            <a:endParaRPr sz="2400" b="0" i="0" u="none" strike="noStrike" cap="none" dirty="0">
               <a:solidFill>
                 <a:schemeClr val="dk1"/>
               </a:solidFill>
@@ -25668,7 +25259,7 @@
               <a:buChar char="▪"/>
             </a:pPr>
             <a:r>
-              <a:rPr lang="en-US" sz="1800" b="0" i="0" u="none" strike="noStrike" cap="none" dirty="0" smtClean="0">
+              <a:rPr lang="en-US" sz="1800" b="0" i="0" u="none" strike="noStrike" cap="none" dirty="0">
                 <a:solidFill>
                   <a:schemeClr val="dk1"/>
                 </a:solidFill>
@@ -25677,7 +25268,7 @@
               <a:t>Containers integrate with revision control systems like </a:t>
             </a:r>
             <a:r>
-              <a:rPr lang="en-US" sz="1800" b="0" i="0" u="none" strike="noStrike" cap="none" dirty="0" err="1" smtClean="0">
+              <a:rPr lang="en-US" sz="1800" b="0" i="0" u="none" strike="noStrike" cap="none" dirty="0" err="1">
                 <a:solidFill>
                   <a:schemeClr val="dk1"/>
                 </a:solidFill>
@@ -25685,7 +25276,7 @@
               </a:rPr>
               <a:t>Git</a:t>
             </a:r>
-            <a:endParaRPr sz="1800" b="0" i="0" u="none" strike="noStrike" cap="none" dirty="0" smtClean="0">
+            <a:endParaRPr sz="1800" b="0" i="0" u="none" strike="noStrike" cap="none" dirty="0">
               <a:solidFill>
                 <a:schemeClr val="dk1"/>
               </a:solidFill>
@@ -25708,7 +25299,7 @@
               <a:buChar char="▪"/>
             </a:pPr>
             <a:r>
-              <a:rPr lang="en-US" sz="1800" b="0" i="0" u="none" strike="noStrike" cap="none" dirty="0" smtClean="0">
+              <a:rPr lang="en-US" sz="1800" b="0" i="0" u="none" strike="noStrike" cap="none" dirty="0">
                 <a:solidFill>
                   <a:schemeClr val="dk1"/>
                 </a:solidFill>

--- a/slides/isc19_intro_to_containers_ajy.pptx
+++ b/slides/isc19_intro_to_containers_ajy.pptx
@@ -23538,7 +23538,7 @@
               <a:rPr lang="en-US" sz="2800" dirty="0">
                 <a:hlinkClick r:id="rId2"/>
               </a:rPr>
-              <a:t>https://github.com/ecpcontainers/isc19-tutorial</a:t>
+              <a:t>https://ecpcontainers.github.io/isc19-tutorial/</a:t>
             </a:r>
             <a:endParaRPr lang="en-US" sz="2800" dirty="0"/>
           </a:p>
@@ -23811,11 +23811,8 @@
               <a:rPr lang="en-US" dirty="0">
                 <a:hlinkClick r:id="rId2"/>
               </a:rPr>
-              <a:t>https://github.com/ecpcontainers/isc19-tutorial</a:t>
-            </a:r>
-            <a:endParaRPr lang="en-US" dirty="0"/>
-          </a:p>
-          <a:p>
+              <a:t>https://ecpcontainers.github.io/isc19-tutorial/</a:t>
+            </a:r>
             <a:endParaRPr lang="en-US" dirty="0"/>
           </a:p>
         </p:txBody>
